--- a/seminar/CS112-Brute-Force.pptx
+++ b/seminar/CS112-Brute-Force.pptx
@@ -5,7 +5,7 @@
     <p:sldMasterId id="2147483659" r:id="rId4"/>
   </p:sldMasterIdLst>
   <p:notesMasterIdLst>
-    <p:notesMasterId r:id="rId27"/>
+    <p:notesMasterId r:id="rId28"/>
   </p:notesMasterIdLst>
   <p:sldIdLst>
     <p:sldId id="256" r:id="rId5"/>
@@ -14,22 +14,23 @@
     <p:sldId id="260" r:id="rId8"/>
     <p:sldId id="261" r:id="rId9"/>
     <p:sldId id="263" r:id="rId10"/>
-    <p:sldId id="262" r:id="rId11"/>
-    <p:sldId id="264" r:id="rId12"/>
-    <p:sldId id="265" r:id="rId13"/>
-    <p:sldId id="266" r:id="rId14"/>
-    <p:sldId id="278" r:id="rId15"/>
-    <p:sldId id="267" r:id="rId16"/>
-    <p:sldId id="268" r:id="rId17"/>
-    <p:sldId id="269" r:id="rId18"/>
-    <p:sldId id="277" r:id="rId19"/>
-    <p:sldId id="270" r:id="rId20"/>
-    <p:sldId id="271" r:id="rId21"/>
-    <p:sldId id="272" r:id="rId22"/>
-    <p:sldId id="276" r:id="rId23"/>
-    <p:sldId id="273" r:id="rId24"/>
-    <p:sldId id="275" r:id="rId25"/>
-    <p:sldId id="274" r:id="rId26"/>
+    <p:sldId id="279" r:id="rId11"/>
+    <p:sldId id="262" r:id="rId12"/>
+    <p:sldId id="264" r:id="rId13"/>
+    <p:sldId id="265" r:id="rId14"/>
+    <p:sldId id="266" r:id="rId15"/>
+    <p:sldId id="278" r:id="rId16"/>
+    <p:sldId id="267" r:id="rId17"/>
+    <p:sldId id="268" r:id="rId18"/>
+    <p:sldId id="269" r:id="rId19"/>
+    <p:sldId id="277" r:id="rId20"/>
+    <p:sldId id="270" r:id="rId21"/>
+    <p:sldId id="271" r:id="rId22"/>
+    <p:sldId id="272" r:id="rId23"/>
+    <p:sldId id="276" r:id="rId24"/>
+    <p:sldId id="273" r:id="rId25"/>
+    <p:sldId id="275" r:id="rId26"/>
+    <p:sldId id="274" r:id="rId27"/>
   </p:sldIdLst>
   <p:sldSz cx="9144000" cy="5143500" type="screen16x9"/>
   <p:notesSz cx="6858000" cy="9144000"/>
@@ -839,7 +840,7 @@
   <p:cSld>
     <p:spTree>
       <p:nvGrpSpPr>
-        <p:cNvPr id="1" name="Shape 151"/>
+        <p:cNvPr id="1" name="Shape 143"/>
         <p:cNvGrpSpPr/>
         <p:nvPr/>
       </p:nvGrpSpPr>
@@ -853,7 +854,7 @@
       </p:grpSpPr>
       <p:sp>
         <p:nvSpPr>
-          <p:cNvPr id="152" name="Google Shape;152;gcc23a486c6_0_207:notes"/>
+          <p:cNvPr id="144" name="Google Shape;144;gcc23a486c6_0_79:notes"/>
           <p:cNvSpPr>
             <a:spLocks noGrp="1" noRot="1" noChangeAspect="1"/>
           </p:cNvSpPr>
@@ -894,7 +895,7 @@
       </p:sp>
       <p:sp>
         <p:nvSpPr>
-          <p:cNvPr id="153" name="Google Shape;153;gcc23a486c6_0_207:notes"/>
+          <p:cNvPr id="145" name="Google Shape;145;gcc23a486c6_0_79:notes"/>
           <p:cNvSpPr txBox="1">
             <a:spLocks noGrp="1"/>
           </p:cNvSpPr>
@@ -1035,6 +1036,110 @@
         </p:txBody>
       </p:sp>
     </p:spTree>
+  </p:cSld>
+  <p:clrMapOvr>
+    <a:masterClrMapping/>
+  </p:clrMapOvr>
+</p:notes>
+</file>
+
+<file path=ppt/notesSlides/notesSlide12.xml><?xml version="1.0" encoding="utf-8"?>
+<p:notes xmlns:a="http://schemas.openxmlformats.org/drawingml/2006/main" xmlns:r="http://schemas.openxmlformats.org/officeDocument/2006/relationships" xmlns:p="http://schemas.openxmlformats.org/presentationml/2006/main" showMasterSp="0" showMasterPhAnim="0">
+  <p:cSld>
+    <p:spTree>
+      <p:nvGrpSpPr>
+        <p:cNvPr id="1" name="Shape 151"/>
+        <p:cNvGrpSpPr/>
+        <p:nvPr/>
+      </p:nvGrpSpPr>
+      <p:grpSpPr>
+        <a:xfrm>
+          <a:off x="0" y="0"/>
+          <a:ext cx="0" cy="0"/>
+          <a:chOff x="0" y="0"/>
+          <a:chExt cx="0" cy="0"/>
+        </a:xfrm>
+      </p:grpSpPr>
+      <p:sp>
+        <p:nvSpPr>
+          <p:cNvPr id="152" name="Google Shape;152;gcc23a486c6_0_207:notes"/>
+          <p:cNvSpPr>
+            <a:spLocks noGrp="1" noRot="1" noChangeAspect="1"/>
+          </p:cNvSpPr>
+          <p:nvPr>
+            <p:ph type="sldImg" idx="2"/>
+          </p:nvPr>
+        </p:nvSpPr>
+        <p:spPr>
+          <a:xfrm>
+            <a:off x="381000" y="685800"/>
+            <a:ext cx="6096000" cy="3429000"/>
+          </a:xfrm>
+          <a:custGeom>
+            <a:avLst/>
+            <a:gdLst/>
+            <a:ahLst/>
+            <a:cxnLst/>
+            <a:rect l="l" t="t" r="r" b="b"/>
+            <a:pathLst>
+              <a:path w="120000" h="120000" extrusionOk="0">
+                <a:moveTo>
+                  <a:pt x="0" y="0"/>
+                </a:moveTo>
+                <a:lnTo>
+                  <a:pt x="120000" y="0"/>
+                </a:lnTo>
+                <a:lnTo>
+                  <a:pt x="120000" y="120000"/>
+                </a:lnTo>
+                <a:lnTo>
+                  <a:pt x="0" y="120000"/>
+                </a:lnTo>
+                <a:close/>
+              </a:path>
+            </a:pathLst>
+          </a:custGeom>
+        </p:spPr>
+      </p:sp>
+      <p:sp>
+        <p:nvSpPr>
+          <p:cNvPr id="153" name="Google Shape;153;gcc23a486c6_0_207:notes"/>
+          <p:cNvSpPr txBox="1">
+            <a:spLocks noGrp="1"/>
+          </p:cNvSpPr>
+          <p:nvPr>
+            <p:ph type="body" idx="1"/>
+          </p:nvPr>
+        </p:nvSpPr>
+        <p:spPr>
+          <a:xfrm>
+            <a:off x="685800" y="4343400"/>
+            <a:ext cx="5486400" cy="4114800"/>
+          </a:xfrm>
+          <a:prstGeom prst="rect">
+            <a:avLst/>
+          </a:prstGeom>
+        </p:spPr>
+        <p:txBody>
+          <a:bodyPr spcFirstLastPara="1" wrap="square" lIns="91425" tIns="91425" rIns="91425" bIns="91425" anchor="t" anchorCtr="0">
+            <a:noAutofit/>
+          </a:bodyPr>
+          <a:lstStyle/>
+          <a:p>
+            <a:pPr marL="0" lvl="0" indent="0" algn="l" rtl="0">
+              <a:spcBef>
+                <a:spcPts val="0"/>
+              </a:spcBef>
+              <a:spcAft>
+                <a:spcPts val="0"/>
+              </a:spcAft>
+              <a:buNone/>
+            </a:pPr>
+            <a:endParaRPr/>
+          </a:p>
+        </p:txBody>
+      </p:sp>
+    </p:spTree>
     <p:extLst>
       <p:ext uri="{BB962C8B-B14F-4D97-AF65-F5344CB8AC3E}">
         <p14:creationId xmlns:p14="http://schemas.microsoft.com/office/powerpoint/2010/main" val="3240391307"/>
@@ -1047,7 +1152,7 @@
 </p:notes>
 </file>
 
-<file path=ppt/notesSlides/notesSlide12.xml><?xml version="1.0" encoding="utf-8"?>
+<file path=ppt/notesSlides/notesSlide13.xml><?xml version="1.0" encoding="utf-8"?>
 <p:notes xmlns:a="http://schemas.openxmlformats.org/drawingml/2006/main" xmlns:r="http://schemas.openxmlformats.org/officeDocument/2006/relationships" xmlns:p="http://schemas.openxmlformats.org/presentationml/2006/main" showMasterSp="0" showMasterPhAnim="0">
   <p:cSld>
     <p:spTree>
@@ -1151,7 +1256,7 @@
 </p:notes>
 </file>
 
-<file path=ppt/notesSlides/notesSlide13.xml><?xml version="1.0" encoding="utf-8"?>
+<file path=ppt/notesSlides/notesSlide14.xml><?xml version="1.0" encoding="utf-8"?>
 <p:notes xmlns:a="http://schemas.openxmlformats.org/drawingml/2006/main" xmlns:r="http://schemas.openxmlformats.org/officeDocument/2006/relationships" xmlns:p="http://schemas.openxmlformats.org/presentationml/2006/main" showMasterSp="0" showMasterPhAnim="0">
   <p:cSld>
     <p:spTree>
@@ -1255,7 +1360,7 @@
 </p:notes>
 </file>
 
-<file path=ppt/notesSlides/notesSlide14.xml><?xml version="1.0" encoding="utf-8"?>
+<file path=ppt/notesSlides/notesSlide15.xml><?xml version="1.0" encoding="utf-8"?>
 <p:notes xmlns:a="http://schemas.openxmlformats.org/drawingml/2006/main" xmlns:r="http://schemas.openxmlformats.org/officeDocument/2006/relationships" xmlns:p="http://schemas.openxmlformats.org/presentationml/2006/main" showMasterSp="0" showMasterPhAnim="0">
   <p:cSld>
     <p:spTree>
@@ -1359,7 +1464,7 @@
 </p:notes>
 </file>
 
-<file path=ppt/notesSlides/notesSlide15.xml><?xml version="1.0" encoding="utf-8"?>
+<file path=ppt/notesSlides/notesSlide16.xml><?xml version="1.0" encoding="utf-8"?>
 <p:notes xmlns:a="http://schemas.openxmlformats.org/drawingml/2006/main" xmlns:r="http://schemas.openxmlformats.org/officeDocument/2006/relationships" xmlns:p="http://schemas.openxmlformats.org/presentationml/2006/main" showMasterSp="0" showMasterPhAnim="0">
   <p:cSld>
     <p:spTree>
@@ -1468,7 +1573,7 @@
 </p:notes>
 </file>
 
-<file path=ppt/notesSlides/notesSlide16.xml><?xml version="1.0" encoding="utf-8"?>
+<file path=ppt/notesSlides/notesSlide17.xml><?xml version="1.0" encoding="utf-8"?>
 <p:notes xmlns:a="http://schemas.openxmlformats.org/drawingml/2006/main" xmlns:r="http://schemas.openxmlformats.org/officeDocument/2006/relationships" xmlns:p="http://schemas.openxmlformats.org/presentationml/2006/main" showMasterSp="0" showMasterPhAnim="0">
   <p:cSld>
     <p:spTree>
@@ -1572,7 +1677,7 @@
 </p:notes>
 </file>
 
-<file path=ppt/notesSlides/notesSlide17.xml><?xml version="1.0" encoding="utf-8"?>
+<file path=ppt/notesSlides/notesSlide18.xml><?xml version="1.0" encoding="utf-8"?>
 <p:notes xmlns:a="http://schemas.openxmlformats.org/drawingml/2006/main" xmlns:r="http://schemas.openxmlformats.org/officeDocument/2006/relationships" xmlns:p="http://schemas.openxmlformats.org/presentationml/2006/main" showMasterSp="0" showMasterPhAnim="0">
   <p:cSld>
     <p:spTree>
@@ -1633,110 +1738,6 @@
       <p:sp>
         <p:nvSpPr>
           <p:cNvPr id="205" name="Google Shape;205;gcc23a486c6_0_271:notes"/>
-          <p:cNvSpPr txBox="1">
-            <a:spLocks noGrp="1"/>
-          </p:cNvSpPr>
-          <p:nvPr>
-            <p:ph type="body" idx="1"/>
-          </p:nvPr>
-        </p:nvSpPr>
-        <p:spPr>
-          <a:xfrm>
-            <a:off x="685800" y="4343400"/>
-            <a:ext cx="5486400" cy="4114800"/>
-          </a:xfrm>
-          <a:prstGeom prst="rect">
-            <a:avLst/>
-          </a:prstGeom>
-        </p:spPr>
-        <p:txBody>
-          <a:bodyPr spcFirstLastPara="1" wrap="square" lIns="91425" tIns="91425" rIns="91425" bIns="91425" anchor="t" anchorCtr="0">
-            <a:noAutofit/>
-          </a:bodyPr>
-          <a:lstStyle/>
-          <a:p>
-            <a:pPr marL="0" lvl="0" indent="0" algn="l" rtl="0">
-              <a:spcBef>
-                <a:spcPts val="0"/>
-              </a:spcBef>
-              <a:spcAft>
-                <a:spcPts val="0"/>
-              </a:spcAft>
-              <a:buNone/>
-            </a:pPr>
-            <a:endParaRPr/>
-          </a:p>
-        </p:txBody>
-      </p:sp>
-    </p:spTree>
-  </p:cSld>
-  <p:clrMapOvr>
-    <a:masterClrMapping/>
-  </p:clrMapOvr>
-</p:notes>
-</file>
-
-<file path=ppt/notesSlides/notesSlide18.xml><?xml version="1.0" encoding="utf-8"?>
-<p:notes xmlns:a="http://schemas.openxmlformats.org/drawingml/2006/main" xmlns:r="http://schemas.openxmlformats.org/officeDocument/2006/relationships" xmlns:p="http://schemas.openxmlformats.org/presentationml/2006/main" showMasterSp="0" showMasterPhAnim="0">
-  <p:cSld>
-    <p:spTree>
-      <p:nvGrpSpPr>
-        <p:cNvPr id="1" name="Shape 211"/>
-        <p:cNvGrpSpPr/>
-        <p:nvPr/>
-      </p:nvGrpSpPr>
-      <p:grpSpPr>
-        <a:xfrm>
-          <a:off x="0" y="0"/>
-          <a:ext cx="0" cy="0"/>
-          <a:chOff x="0" y="0"/>
-          <a:chExt cx="0" cy="0"/>
-        </a:xfrm>
-      </p:grpSpPr>
-      <p:sp>
-        <p:nvSpPr>
-          <p:cNvPr id="212" name="Google Shape;212;gcc23a486c6_0_277:notes"/>
-          <p:cNvSpPr>
-            <a:spLocks noGrp="1" noRot="1" noChangeAspect="1"/>
-          </p:cNvSpPr>
-          <p:nvPr>
-            <p:ph type="sldImg" idx="2"/>
-          </p:nvPr>
-        </p:nvSpPr>
-        <p:spPr>
-          <a:xfrm>
-            <a:off x="381000" y="685800"/>
-            <a:ext cx="6096000" cy="3429000"/>
-          </a:xfrm>
-          <a:custGeom>
-            <a:avLst/>
-            <a:gdLst/>
-            <a:ahLst/>
-            <a:cxnLst/>
-            <a:rect l="l" t="t" r="r" b="b"/>
-            <a:pathLst>
-              <a:path w="120000" h="120000" extrusionOk="0">
-                <a:moveTo>
-                  <a:pt x="0" y="0"/>
-                </a:moveTo>
-                <a:lnTo>
-                  <a:pt x="120000" y="0"/>
-                </a:lnTo>
-                <a:lnTo>
-                  <a:pt x="120000" y="120000"/>
-                </a:lnTo>
-                <a:lnTo>
-                  <a:pt x="0" y="120000"/>
-                </a:lnTo>
-                <a:close/>
-              </a:path>
-            </a:pathLst>
-          </a:custGeom>
-        </p:spPr>
-      </p:sp>
-      <p:sp>
-        <p:nvSpPr>
-          <p:cNvPr id="213" name="Google Shape;213;gcc23a486c6_0_277:notes"/>
           <p:cNvSpPr txBox="1">
             <a:spLocks noGrp="1"/>
           </p:cNvSpPr>
@@ -1877,11 +1878,6 @@
         </p:txBody>
       </p:sp>
     </p:spTree>
-    <p:extLst>
-      <p:ext uri="{BB962C8B-B14F-4D97-AF65-F5344CB8AC3E}">
-        <p14:creationId xmlns:p14="http://schemas.microsoft.com/office/powerpoint/2010/main" val="1327980663"/>
-      </p:ext>
-    </p:extLst>
   </p:cSld>
   <p:clrMapOvr>
     <a:masterClrMapping/>
@@ -2092,7 +2088,7 @@
     </p:spTree>
     <p:extLst>
       <p:ext uri="{BB962C8B-B14F-4D97-AF65-F5344CB8AC3E}">
-        <p14:creationId xmlns:p14="http://schemas.microsoft.com/office/powerpoint/2010/main" val="1665544703"/>
+        <p14:creationId xmlns:p14="http://schemas.microsoft.com/office/powerpoint/2010/main" val="1327980663"/>
       </p:ext>
     </p:extLst>
   </p:cSld>
@@ -2201,6 +2197,115 @@
     </p:spTree>
     <p:extLst>
       <p:ext uri="{BB962C8B-B14F-4D97-AF65-F5344CB8AC3E}">
+        <p14:creationId xmlns:p14="http://schemas.microsoft.com/office/powerpoint/2010/main" val="1665544703"/>
+      </p:ext>
+    </p:extLst>
+  </p:cSld>
+  <p:clrMapOvr>
+    <a:masterClrMapping/>
+  </p:clrMapOvr>
+</p:notes>
+</file>
+
+<file path=ppt/notesSlides/notesSlide22.xml><?xml version="1.0" encoding="utf-8"?>
+<p:notes xmlns:a="http://schemas.openxmlformats.org/drawingml/2006/main" xmlns:r="http://schemas.openxmlformats.org/officeDocument/2006/relationships" xmlns:p="http://schemas.openxmlformats.org/presentationml/2006/main" showMasterSp="0" showMasterPhAnim="0">
+  <p:cSld>
+    <p:spTree>
+      <p:nvGrpSpPr>
+        <p:cNvPr id="1" name="Shape 211"/>
+        <p:cNvGrpSpPr/>
+        <p:nvPr/>
+      </p:nvGrpSpPr>
+      <p:grpSpPr>
+        <a:xfrm>
+          <a:off x="0" y="0"/>
+          <a:ext cx="0" cy="0"/>
+          <a:chOff x="0" y="0"/>
+          <a:chExt cx="0" cy="0"/>
+        </a:xfrm>
+      </p:grpSpPr>
+      <p:sp>
+        <p:nvSpPr>
+          <p:cNvPr id="212" name="Google Shape;212;gcc23a486c6_0_277:notes"/>
+          <p:cNvSpPr>
+            <a:spLocks noGrp="1" noRot="1" noChangeAspect="1"/>
+          </p:cNvSpPr>
+          <p:nvPr>
+            <p:ph type="sldImg" idx="2"/>
+          </p:nvPr>
+        </p:nvSpPr>
+        <p:spPr>
+          <a:xfrm>
+            <a:off x="381000" y="685800"/>
+            <a:ext cx="6096000" cy="3429000"/>
+          </a:xfrm>
+          <a:custGeom>
+            <a:avLst/>
+            <a:gdLst/>
+            <a:ahLst/>
+            <a:cxnLst/>
+            <a:rect l="l" t="t" r="r" b="b"/>
+            <a:pathLst>
+              <a:path w="120000" h="120000" extrusionOk="0">
+                <a:moveTo>
+                  <a:pt x="0" y="0"/>
+                </a:moveTo>
+                <a:lnTo>
+                  <a:pt x="120000" y="0"/>
+                </a:lnTo>
+                <a:lnTo>
+                  <a:pt x="120000" y="120000"/>
+                </a:lnTo>
+                <a:lnTo>
+                  <a:pt x="0" y="120000"/>
+                </a:lnTo>
+                <a:close/>
+              </a:path>
+            </a:pathLst>
+          </a:custGeom>
+        </p:spPr>
+      </p:sp>
+      <p:sp>
+        <p:nvSpPr>
+          <p:cNvPr id="213" name="Google Shape;213;gcc23a486c6_0_277:notes"/>
+          <p:cNvSpPr txBox="1">
+            <a:spLocks noGrp="1"/>
+          </p:cNvSpPr>
+          <p:nvPr>
+            <p:ph type="body" idx="1"/>
+          </p:nvPr>
+        </p:nvSpPr>
+        <p:spPr>
+          <a:xfrm>
+            <a:off x="685800" y="4343400"/>
+            <a:ext cx="5486400" cy="4114800"/>
+          </a:xfrm>
+          <a:prstGeom prst="rect">
+            <a:avLst/>
+          </a:prstGeom>
+        </p:spPr>
+        <p:txBody>
+          <a:bodyPr spcFirstLastPara="1" wrap="square" lIns="91425" tIns="91425" rIns="91425" bIns="91425" anchor="t" anchorCtr="0">
+            <a:noAutofit/>
+          </a:bodyPr>
+          <a:lstStyle/>
+          <a:p>
+            <a:pPr marL="0" lvl="0" indent="0" algn="l" rtl="0">
+              <a:spcBef>
+                <a:spcPts val="0"/>
+              </a:spcBef>
+              <a:spcAft>
+                <a:spcPts val="0"/>
+              </a:spcAft>
+              <a:buNone/>
+            </a:pPr>
+            <a:endParaRPr/>
+          </a:p>
+        </p:txBody>
+      </p:sp>
+    </p:spTree>
+    <p:extLst>
+      <p:ext uri="{BB962C8B-B14F-4D97-AF65-F5344CB8AC3E}">
         <p14:creationId xmlns:p14="http://schemas.microsoft.com/office/powerpoint/2010/main" val="2347308241"/>
       </p:ext>
     </p:extLst>
@@ -2211,7 +2316,7 @@
 </p:notes>
 </file>
 
-<file path=ppt/notesSlides/notesSlide22.xml><?xml version="1.0" encoding="utf-8"?>
+<file path=ppt/notesSlides/notesSlide23.xml><?xml version="1.0" encoding="utf-8"?>
 <p:notes xmlns:a="http://schemas.openxmlformats.org/drawingml/2006/main" xmlns:r="http://schemas.openxmlformats.org/officeDocument/2006/relationships" xmlns:p="http://schemas.openxmlformats.org/presentationml/2006/main" showMasterSp="0" showMasterPhAnim="0">
   <p:cSld>
     <p:spTree>
@@ -2741,6 +2846,115 @@
   <p:cSld>
     <p:spTree>
       <p:nvGrpSpPr>
+        <p:cNvPr id="1" name="Shape 127"/>
+        <p:cNvGrpSpPr/>
+        <p:nvPr/>
+      </p:nvGrpSpPr>
+      <p:grpSpPr>
+        <a:xfrm>
+          <a:off x="0" y="0"/>
+          <a:ext cx="0" cy="0"/>
+          <a:chOff x="0" y="0"/>
+          <a:chExt cx="0" cy="0"/>
+        </a:xfrm>
+      </p:grpSpPr>
+      <p:sp>
+        <p:nvSpPr>
+          <p:cNvPr id="128" name="Google Shape;128;gcc23a486c6_0_121:notes"/>
+          <p:cNvSpPr>
+            <a:spLocks noGrp="1" noRot="1" noChangeAspect="1"/>
+          </p:cNvSpPr>
+          <p:nvPr>
+            <p:ph type="sldImg" idx="2"/>
+          </p:nvPr>
+        </p:nvSpPr>
+        <p:spPr>
+          <a:xfrm>
+            <a:off x="381000" y="685800"/>
+            <a:ext cx="6096000" cy="3429000"/>
+          </a:xfrm>
+          <a:custGeom>
+            <a:avLst/>
+            <a:gdLst/>
+            <a:ahLst/>
+            <a:cxnLst/>
+            <a:rect l="l" t="t" r="r" b="b"/>
+            <a:pathLst>
+              <a:path w="120000" h="120000" extrusionOk="0">
+                <a:moveTo>
+                  <a:pt x="0" y="0"/>
+                </a:moveTo>
+                <a:lnTo>
+                  <a:pt x="120000" y="0"/>
+                </a:lnTo>
+                <a:lnTo>
+                  <a:pt x="120000" y="120000"/>
+                </a:lnTo>
+                <a:lnTo>
+                  <a:pt x="0" y="120000"/>
+                </a:lnTo>
+                <a:close/>
+              </a:path>
+            </a:pathLst>
+          </a:custGeom>
+        </p:spPr>
+      </p:sp>
+      <p:sp>
+        <p:nvSpPr>
+          <p:cNvPr id="129" name="Google Shape;129;gcc23a486c6_0_121:notes"/>
+          <p:cNvSpPr txBox="1">
+            <a:spLocks noGrp="1"/>
+          </p:cNvSpPr>
+          <p:nvPr>
+            <p:ph type="body" idx="1"/>
+          </p:nvPr>
+        </p:nvSpPr>
+        <p:spPr>
+          <a:xfrm>
+            <a:off x="685800" y="4343400"/>
+            <a:ext cx="5486400" cy="4114800"/>
+          </a:xfrm>
+          <a:prstGeom prst="rect">
+            <a:avLst/>
+          </a:prstGeom>
+        </p:spPr>
+        <p:txBody>
+          <a:bodyPr spcFirstLastPara="1" wrap="square" lIns="91425" tIns="91425" rIns="91425" bIns="91425" anchor="t" anchorCtr="0">
+            <a:noAutofit/>
+          </a:bodyPr>
+          <a:lstStyle/>
+          <a:p>
+            <a:pPr marL="0" lvl="0" indent="0" algn="l" rtl="0">
+              <a:spcBef>
+                <a:spcPts val="0"/>
+              </a:spcBef>
+              <a:spcAft>
+                <a:spcPts val="0"/>
+              </a:spcAft>
+              <a:buNone/>
+            </a:pPr>
+            <a:endParaRPr dirty="0"/>
+          </a:p>
+        </p:txBody>
+      </p:sp>
+    </p:spTree>
+    <p:extLst>
+      <p:ext uri="{BB962C8B-B14F-4D97-AF65-F5344CB8AC3E}">
+        <p14:creationId xmlns:p14="http://schemas.microsoft.com/office/powerpoint/2010/main" val="735228011"/>
+      </p:ext>
+    </p:extLst>
+  </p:cSld>
+  <p:clrMapOvr>
+    <a:masterClrMapping/>
+  </p:clrMapOvr>
+</p:notes>
+</file>
+
+<file path=ppt/notesSlides/notesSlide8.xml><?xml version="1.0" encoding="utf-8"?>
+<p:notes xmlns:a="http://schemas.openxmlformats.org/drawingml/2006/main" xmlns:r="http://schemas.openxmlformats.org/officeDocument/2006/relationships" xmlns:p="http://schemas.openxmlformats.org/presentationml/2006/main" showMasterSp="0" showMasterPhAnim="0">
+  <p:cSld>
+    <p:spTree>
+      <p:nvGrpSpPr>
         <p:cNvPr id="1" name="Shape 108"/>
         <p:cNvGrpSpPr/>
         <p:nvPr/>
@@ -2840,7 +3054,7 @@
 </p:notes>
 </file>
 
-<file path=ppt/notesSlides/notesSlide8.xml><?xml version="1.0" encoding="utf-8"?>
+<file path=ppt/notesSlides/notesSlide9.xml><?xml version="1.0" encoding="utf-8"?>
 <p:notes xmlns:a="http://schemas.openxmlformats.org/drawingml/2006/main" xmlns:r="http://schemas.openxmlformats.org/officeDocument/2006/relationships" xmlns:p="http://schemas.openxmlformats.org/presentationml/2006/main" showMasterSp="0" showMasterPhAnim="0">
   <p:cSld>
     <p:spTree>
@@ -2901,110 +3115,6 @@
       <p:sp>
         <p:nvSpPr>
           <p:cNvPr id="137" name="Google Shape;137;gcc23a486c6_0_114:notes"/>
-          <p:cNvSpPr txBox="1">
-            <a:spLocks noGrp="1"/>
-          </p:cNvSpPr>
-          <p:nvPr>
-            <p:ph type="body" idx="1"/>
-          </p:nvPr>
-        </p:nvSpPr>
-        <p:spPr>
-          <a:xfrm>
-            <a:off x="685800" y="4343400"/>
-            <a:ext cx="5486400" cy="4114800"/>
-          </a:xfrm>
-          <a:prstGeom prst="rect">
-            <a:avLst/>
-          </a:prstGeom>
-        </p:spPr>
-        <p:txBody>
-          <a:bodyPr spcFirstLastPara="1" wrap="square" lIns="91425" tIns="91425" rIns="91425" bIns="91425" anchor="t" anchorCtr="0">
-            <a:noAutofit/>
-          </a:bodyPr>
-          <a:lstStyle/>
-          <a:p>
-            <a:pPr marL="0" lvl="0" indent="0" algn="l" rtl="0">
-              <a:spcBef>
-                <a:spcPts val="0"/>
-              </a:spcBef>
-              <a:spcAft>
-                <a:spcPts val="0"/>
-              </a:spcAft>
-              <a:buNone/>
-            </a:pPr>
-            <a:endParaRPr/>
-          </a:p>
-        </p:txBody>
-      </p:sp>
-    </p:spTree>
-  </p:cSld>
-  <p:clrMapOvr>
-    <a:masterClrMapping/>
-  </p:clrMapOvr>
-</p:notes>
-</file>
-
-<file path=ppt/notesSlides/notesSlide9.xml><?xml version="1.0" encoding="utf-8"?>
-<p:notes xmlns:a="http://schemas.openxmlformats.org/drawingml/2006/main" xmlns:r="http://schemas.openxmlformats.org/officeDocument/2006/relationships" xmlns:p="http://schemas.openxmlformats.org/presentationml/2006/main" showMasterSp="0" showMasterPhAnim="0">
-  <p:cSld>
-    <p:spTree>
-      <p:nvGrpSpPr>
-        <p:cNvPr id="1" name="Shape 143"/>
-        <p:cNvGrpSpPr/>
-        <p:nvPr/>
-      </p:nvGrpSpPr>
-      <p:grpSpPr>
-        <a:xfrm>
-          <a:off x="0" y="0"/>
-          <a:ext cx="0" cy="0"/>
-          <a:chOff x="0" y="0"/>
-          <a:chExt cx="0" cy="0"/>
-        </a:xfrm>
-      </p:grpSpPr>
-      <p:sp>
-        <p:nvSpPr>
-          <p:cNvPr id="144" name="Google Shape;144;gcc23a486c6_0_79:notes"/>
-          <p:cNvSpPr>
-            <a:spLocks noGrp="1" noRot="1" noChangeAspect="1"/>
-          </p:cNvSpPr>
-          <p:nvPr>
-            <p:ph type="sldImg" idx="2"/>
-          </p:nvPr>
-        </p:nvSpPr>
-        <p:spPr>
-          <a:xfrm>
-            <a:off x="381000" y="685800"/>
-            <a:ext cx="6096000" cy="3429000"/>
-          </a:xfrm>
-          <a:custGeom>
-            <a:avLst/>
-            <a:gdLst/>
-            <a:ahLst/>
-            <a:cxnLst/>
-            <a:rect l="l" t="t" r="r" b="b"/>
-            <a:pathLst>
-              <a:path w="120000" h="120000" extrusionOk="0">
-                <a:moveTo>
-                  <a:pt x="0" y="0"/>
-                </a:moveTo>
-                <a:lnTo>
-                  <a:pt x="120000" y="0"/>
-                </a:lnTo>
-                <a:lnTo>
-                  <a:pt x="120000" y="120000"/>
-                </a:lnTo>
-                <a:lnTo>
-                  <a:pt x="0" y="120000"/>
-                </a:lnTo>
-                <a:close/>
-              </a:path>
-            </a:pathLst>
-          </a:custGeom>
-        </p:spPr>
-      </p:sp>
-      <p:sp>
-        <p:nvSpPr>
-          <p:cNvPr id="145" name="Google Shape;145;gcc23a486c6_0_79:notes"/>
           <p:cNvSpPr txBox="1">
             <a:spLocks noGrp="1"/>
           </p:cNvSpPr>
@@ -8135,6 +8245,771 @@
   <p:cSld>
     <p:spTree>
       <p:nvGrpSpPr>
+        <p:cNvPr id="1" name="Shape 146"/>
+        <p:cNvGrpSpPr/>
+        <p:nvPr/>
+      </p:nvGrpSpPr>
+      <p:grpSpPr>
+        <a:xfrm>
+          <a:off x="0" y="0"/>
+          <a:ext cx="0" cy="0"/>
+          <a:chOff x="0" y="0"/>
+          <a:chExt cx="0" cy="0"/>
+        </a:xfrm>
+      </p:grpSpPr>
+      <p:sp>
+        <p:nvSpPr>
+          <p:cNvPr id="147" name="Google Shape;147;p22"/>
+          <p:cNvSpPr txBox="1">
+            <a:spLocks noGrp="1"/>
+          </p:cNvSpPr>
+          <p:nvPr>
+            <p:ph type="title"/>
+          </p:nvPr>
+        </p:nvSpPr>
+        <p:spPr>
+          <a:xfrm>
+            <a:off x="393625" y="220475"/>
+            <a:ext cx="8520600" cy="572700"/>
+          </a:xfrm>
+          <a:prstGeom prst="rect">
+            <a:avLst/>
+          </a:prstGeom>
+        </p:spPr>
+        <p:txBody>
+          <a:bodyPr spcFirstLastPara="1" wrap="square" lIns="91425" tIns="91425" rIns="91425" bIns="91425" anchor="t" anchorCtr="0">
+            <a:noAutofit/>
+          </a:bodyPr>
+          <a:lstStyle/>
+          <a:p>
+            <a:pPr marL="0" lvl="0" indent="0" algn="l" rtl="0">
+              <a:spcBef>
+                <a:spcPts val="0"/>
+              </a:spcBef>
+              <a:spcAft>
+                <a:spcPts val="0"/>
+              </a:spcAft>
+              <a:buSzPts val="990"/>
+              <a:buNone/>
+            </a:pPr>
+            <a:r>
+              <a:rPr lang="en" sz="3020" b="1">
+                <a:latin typeface="Times New Roman"/>
+                <a:ea typeface="Times New Roman"/>
+                <a:cs typeface="Times New Roman"/>
+                <a:sym typeface="Times New Roman"/>
+              </a:rPr>
+              <a:t>IV. Applications</a:t>
+            </a:r>
+            <a:endParaRPr sz="3020" b="1">
+              <a:latin typeface="Times New Roman"/>
+              <a:ea typeface="Times New Roman"/>
+              <a:cs typeface="Times New Roman"/>
+              <a:sym typeface="Times New Roman"/>
+            </a:endParaRPr>
+          </a:p>
+        </p:txBody>
+      </p:sp>
+      <p:sp>
+        <p:nvSpPr>
+          <p:cNvPr id="148" name="Google Shape;148;p22"/>
+          <p:cNvSpPr txBox="1">
+            <a:spLocks noGrp="1"/>
+          </p:cNvSpPr>
+          <p:nvPr>
+            <p:ph type="body" idx="1"/>
+          </p:nvPr>
+        </p:nvSpPr>
+        <p:spPr>
+          <a:xfrm>
+            <a:off x="393625" y="1030573"/>
+            <a:ext cx="2568600" cy="572700"/>
+          </a:xfrm>
+          <a:prstGeom prst="rect">
+            <a:avLst/>
+          </a:prstGeom>
+        </p:spPr>
+        <p:txBody>
+          <a:bodyPr spcFirstLastPara="1" wrap="square" lIns="91425" tIns="91425" rIns="91425" bIns="91425" anchor="t" anchorCtr="0">
+            <a:noAutofit/>
+          </a:bodyPr>
+          <a:lstStyle/>
+          <a:p>
+            <a:pPr marL="0" lvl="0" indent="0" algn="l" rtl="0">
+              <a:spcBef>
+                <a:spcPts val="0"/>
+              </a:spcBef>
+              <a:spcAft>
+                <a:spcPts val="1200"/>
+              </a:spcAft>
+              <a:buNone/>
+            </a:pPr>
+            <a:r>
+              <a:rPr lang="en" sz="2000" b="1" dirty="0">
+                <a:solidFill>
+                  <a:srgbClr val="000000"/>
+                </a:solidFill>
+                <a:latin typeface="Times New Roman"/>
+                <a:ea typeface="Times New Roman"/>
+                <a:cs typeface="Times New Roman"/>
+                <a:sym typeface="Times New Roman"/>
+              </a:rPr>
+              <a:t>Crack wifi password</a:t>
+            </a:r>
+            <a:endParaRPr sz="2000" b="1" dirty="0">
+              <a:solidFill>
+                <a:srgbClr val="000000"/>
+              </a:solidFill>
+              <a:latin typeface="Times New Roman"/>
+              <a:ea typeface="Times New Roman"/>
+              <a:cs typeface="Times New Roman"/>
+              <a:sym typeface="Times New Roman"/>
+            </a:endParaRPr>
+          </a:p>
+        </p:txBody>
+      </p:sp>
+      <p:sp>
+        <p:nvSpPr>
+          <p:cNvPr id="149" name="Google Shape;149;p22"/>
+          <p:cNvSpPr txBox="1">
+            <a:spLocks noGrp="1"/>
+          </p:cNvSpPr>
+          <p:nvPr>
+            <p:ph type="sldNum" idx="12"/>
+          </p:nvPr>
+        </p:nvSpPr>
+        <p:spPr>
+          <a:xfrm>
+            <a:off x="8472458" y="4663217"/>
+            <a:ext cx="548700" cy="393600"/>
+          </a:xfrm>
+          <a:prstGeom prst="rect">
+            <a:avLst/>
+          </a:prstGeom>
+        </p:spPr>
+        <p:txBody>
+          <a:bodyPr spcFirstLastPara="1" wrap="square" lIns="91425" tIns="91425" rIns="91425" bIns="91425" anchor="ctr" anchorCtr="0">
+            <a:normAutofit/>
+          </a:bodyPr>
+          <a:lstStyle/>
+          <a:p>
+            <a:pPr marL="0" lvl="0" indent="0" algn="r" rtl="0">
+              <a:spcBef>
+                <a:spcPts val="0"/>
+              </a:spcBef>
+              <a:spcAft>
+                <a:spcPts val="0"/>
+              </a:spcAft>
+              <a:buNone/>
+            </a:pPr>
+            <a:fld id="{00000000-1234-1234-1234-123412341234}" type="slidenum">
+              <a:rPr lang="en"/>
+              <a:t>10</a:t>
+            </a:fld>
+            <a:endParaRPr/>
+          </a:p>
+        </p:txBody>
+      </p:sp>
+      <p:cxnSp>
+        <p:nvCxnSpPr>
+          <p:cNvPr id="150" name="Google Shape;150;p22"/>
+          <p:cNvCxnSpPr/>
+          <p:nvPr/>
+        </p:nvCxnSpPr>
+        <p:spPr>
+          <a:xfrm>
+            <a:off x="396625" y="892350"/>
+            <a:ext cx="8514600" cy="0"/>
+          </a:xfrm>
+          <a:prstGeom prst="straightConnector1">
+            <a:avLst/>
+          </a:prstGeom>
+          <a:noFill/>
+          <a:ln w="76200" cap="flat" cmpd="sng">
+            <a:solidFill>
+              <a:srgbClr val="000000"/>
+            </a:solidFill>
+            <a:prstDash val="solid"/>
+            <a:round/>
+            <a:headEnd type="none" w="med" len="med"/>
+            <a:tailEnd type="none" w="med" len="med"/>
+          </a:ln>
+        </p:spPr>
+      </p:cxnSp>
+      <p:pic>
+        <p:nvPicPr>
+          <p:cNvPr id="1026" name="Picture 2" descr="How To Hack WPA2-PSK Secured Wi-Fi Password Using Kali Linux">
+            <a:extLst>
+              <a:ext uri="{FF2B5EF4-FFF2-40B4-BE49-F238E27FC236}">
+                <a16:creationId xmlns:a16="http://schemas.microsoft.com/office/drawing/2014/main" id="{096A81FB-7521-4FEE-8ECD-E0FBADCC1BFD}"/>
+              </a:ext>
+            </a:extLst>
+          </p:cNvPr>
+          <p:cNvPicPr>
+            <a:picLocks noChangeAspect="1" noChangeArrowheads="1"/>
+          </p:cNvPicPr>
+          <p:nvPr/>
+        </p:nvPicPr>
+        <p:blipFill>
+          <a:blip r:embed="rId3">
+            <a:extLst>
+              <a:ext uri="{28A0092B-C50C-407E-A947-70E740481C1C}">
+                <a14:useLocalDpi xmlns:a14="http://schemas.microsoft.com/office/drawing/2010/main" val="0"/>
+              </a:ext>
+            </a:extLst>
+          </a:blip>
+          <a:srcRect/>
+          <a:stretch>
+            <a:fillRect/>
+          </a:stretch>
+        </p:blipFill>
+        <p:spPr bwMode="auto">
+          <a:xfrm>
+            <a:off x="2930799" y="1142031"/>
+            <a:ext cx="5816009" cy="3271505"/>
+          </a:xfrm>
+          <a:prstGeom prst="rect">
+            <a:avLst/>
+          </a:prstGeom>
+          <a:noFill/>
+          <a:extLst>
+            <a:ext uri="{909E8E84-426E-40DD-AFC4-6F175D3DCCD1}">
+              <a14:hiddenFill xmlns:a14="http://schemas.microsoft.com/office/drawing/2010/main">
+                <a:solidFill>
+                  <a:srgbClr val="FFFFFF"/>
+                </a:solidFill>
+              </a14:hiddenFill>
+            </a:ext>
+          </a:extLst>
+        </p:spPr>
+      </p:pic>
+      <p:sp>
+        <p:nvSpPr>
+          <p:cNvPr id="2" name="TextBox 1">
+            <a:extLst>
+              <a:ext uri="{FF2B5EF4-FFF2-40B4-BE49-F238E27FC236}">
+                <a16:creationId xmlns:a16="http://schemas.microsoft.com/office/drawing/2014/main" id="{FA3CE7FE-4CC7-4724-8B00-B98ED68481BD}"/>
+              </a:ext>
+            </a:extLst>
+          </p:cNvPr>
+          <p:cNvSpPr txBox="1"/>
+          <p:nvPr/>
+        </p:nvSpPr>
+        <p:spPr>
+          <a:xfrm>
+            <a:off x="4138307" y="4402701"/>
+            <a:ext cx="4231758" cy="276999"/>
+          </a:xfrm>
+          <a:prstGeom prst="rect">
+            <a:avLst/>
+          </a:prstGeom>
+          <a:noFill/>
+        </p:spPr>
+        <p:txBody>
+          <a:bodyPr wrap="square" rtlCol="0">
+            <a:spAutoFit/>
+          </a:bodyPr>
+          <a:lstStyle/>
+          <a:p>
+            <a:r>
+              <a:rPr lang="en-US" sz="1200" b="1" dirty="0">
+                <a:latin typeface="Times New Roman" panose="02020603050405020304" pitchFamily="18" charset="0"/>
+                <a:cs typeface="Times New Roman" panose="02020603050405020304" pitchFamily="18" charset="0"/>
+              </a:rPr>
+              <a:t>Crack Wi-Fi password on Kali Linux using Brute Force </a:t>
+            </a:r>
+            <a:r>
+              <a:rPr lang="en-US" sz="1200" b="1" baseline="30000" dirty="0">
+                <a:latin typeface="Times New Roman" panose="02020603050405020304" pitchFamily="18" charset="0"/>
+                <a:cs typeface="Times New Roman" panose="02020603050405020304" pitchFamily="18" charset="0"/>
+              </a:rPr>
+              <a:t>1</a:t>
+            </a:r>
+          </a:p>
+        </p:txBody>
+      </p:sp>
+      <p:grpSp>
+        <p:nvGrpSpPr>
+          <p:cNvPr id="8" name="Google Shape;83;p16">
+            <a:extLst>
+              <a:ext uri="{FF2B5EF4-FFF2-40B4-BE49-F238E27FC236}">
+                <a16:creationId xmlns:a16="http://schemas.microsoft.com/office/drawing/2014/main" id="{86493385-68A1-41FF-ADDD-81160EB2DCC0}"/>
+              </a:ext>
+            </a:extLst>
+          </p:cNvPr>
+          <p:cNvGrpSpPr/>
+          <p:nvPr/>
+        </p:nvGrpSpPr>
+        <p:grpSpPr>
+          <a:xfrm>
+            <a:off x="122841" y="4499404"/>
+            <a:ext cx="7447539" cy="846355"/>
+            <a:chOff x="178350" y="4444446"/>
+            <a:chExt cx="5823000" cy="846355"/>
+          </a:xfrm>
+        </p:grpSpPr>
+        <p:sp>
+          <p:nvSpPr>
+            <p:cNvPr id="9" name="Google Shape;84;p16">
+              <a:extLst>
+                <a:ext uri="{FF2B5EF4-FFF2-40B4-BE49-F238E27FC236}">
+                  <a16:creationId xmlns:a16="http://schemas.microsoft.com/office/drawing/2014/main" id="{BF0A41E3-67A9-4883-BA3E-908494EF06DF}"/>
+                </a:ext>
+              </a:extLst>
+            </p:cNvPr>
+            <p:cNvSpPr txBox="1"/>
+            <p:nvPr/>
+          </p:nvSpPr>
+          <p:spPr>
+            <a:xfrm>
+              <a:off x="178350" y="4444446"/>
+              <a:ext cx="5823000" cy="846355"/>
+            </a:xfrm>
+            <a:prstGeom prst="rect">
+              <a:avLst/>
+            </a:prstGeom>
+            <a:noFill/>
+            <a:ln>
+              <a:noFill/>
+            </a:ln>
+          </p:spPr>
+          <p:txBody>
+            <a:bodyPr spcFirstLastPara="1" wrap="square" lIns="91425" tIns="91425" rIns="91425" bIns="91425" anchor="t" anchorCtr="0">
+              <a:spAutoFit/>
+            </a:bodyPr>
+            <a:lstStyle/>
+            <a:p>
+              <a:pPr marL="0" lvl="0" indent="0" algn="l" rtl="0">
+                <a:lnSpc>
+                  <a:spcPct val="115000"/>
+                </a:lnSpc>
+                <a:spcBef>
+                  <a:spcPts val="1200"/>
+                </a:spcBef>
+                <a:spcAft>
+                  <a:spcPts val="1200"/>
+                </a:spcAft>
+                <a:buClr>
+                  <a:schemeClr val="dk1"/>
+                </a:buClr>
+                <a:buSzPts val="1100"/>
+                <a:buFont typeface="Arial"/>
+                <a:buNone/>
+              </a:pPr>
+              <a:r>
+                <a:rPr lang="en-US" sz="1000" baseline="30000" dirty="0">
+                  <a:latin typeface="Open Sans"/>
+                </a:rPr>
+                <a:t>1 </a:t>
+              </a:r>
+              <a:r>
+                <a:rPr lang="en-US" sz="1000" b="0" i="0" dirty="0">
+                  <a:solidFill>
+                    <a:srgbClr val="000000"/>
+                  </a:solidFill>
+                  <a:effectLst/>
+                  <a:latin typeface="Open Sans"/>
+                </a:rPr>
+                <a:t>V. Kumar et al., "How To Hack WPA2-PSK Secured Wi-Fi Password Using Kali Linux", </a:t>
+              </a:r>
+              <a:r>
+                <a:rPr lang="en-US" sz="1000" b="0" i="1" dirty="0">
+                  <a:solidFill>
+                    <a:srgbClr val="000000"/>
+                  </a:solidFill>
+                  <a:effectLst/>
+                  <a:latin typeface="Open Sans"/>
+                </a:rPr>
+                <a:t>Pro Hacker</a:t>
+              </a:r>
+              <a:r>
+                <a:rPr lang="en-US" sz="1000" b="0" i="0" dirty="0">
+                  <a:solidFill>
+                    <a:srgbClr val="000000"/>
+                  </a:solidFill>
+                  <a:effectLst/>
+                  <a:latin typeface="Open Sans"/>
+                </a:rPr>
+                <a:t>, 2021. [Online]. Available: https://www.prophethacker.com/2016/09/hack-wpa2-secured-wifi-password-using-kali-linux.html. [Accessed: 07- Apr- 2021].</a:t>
+              </a:r>
+              <a:endParaRPr sz="1000" dirty="0">
+                <a:solidFill>
+                  <a:schemeClr val="dk1"/>
+                </a:solidFill>
+              </a:endParaRPr>
+            </a:p>
+          </p:txBody>
+        </p:sp>
+        <p:cxnSp>
+          <p:nvCxnSpPr>
+            <p:cNvPr id="10" name="Google Shape;85;p16">
+              <a:extLst>
+                <a:ext uri="{FF2B5EF4-FFF2-40B4-BE49-F238E27FC236}">
+                  <a16:creationId xmlns:a16="http://schemas.microsoft.com/office/drawing/2014/main" id="{A666495E-CCFD-4B03-BF21-B496F186F077}"/>
+                </a:ext>
+              </a:extLst>
+            </p:cNvPr>
+            <p:cNvCxnSpPr/>
+            <p:nvPr/>
+          </p:nvCxnSpPr>
+          <p:spPr>
+            <a:xfrm>
+              <a:off x="178350" y="4602175"/>
+              <a:ext cx="1197600" cy="1500"/>
+            </a:xfrm>
+            <a:prstGeom prst="straightConnector1">
+              <a:avLst/>
+            </a:prstGeom>
+            <a:noFill/>
+            <a:ln w="19050" cap="flat" cmpd="sng">
+              <a:solidFill>
+                <a:schemeClr val="dk2"/>
+              </a:solidFill>
+              <a:prstDash val="solid"/>
+              <a:round/>
+              <a:headEnd type="none" w="med" len="med"/>
+              <a:tailEnd type="none" w="med" len="med"/>
+            </a:ln>
+          </p:spPr>
+        </p:cxnSp>
+      </p:grpSp>
+    </p:spTree>
+  </p:cSld>
+  <p:clrMapOvr>
+    <a:masterClrMapping/>
+  </p:clrMapOvr>
+  <mc:AlternateContent xmlns:mc="http://schemas.openxmlformats.org/markup-compatibility/2006" xmlns:p14="http://schemas.microsoft.com/office/powerpoint/2010/main">
+    <mc:Choice Requires="p14">
+      <p:transition spd="slow" p14:dur="800">
+        <p:circle/>
+      </p:transition>
+    </mc:Choice>
+    <mc:Fallback xmlns="">
+      <p:transition spd="slow">
+        <p:circle/>
+      </p:transition>
+    </mc:Fallback>
+  </mc:AlternateContent>
+  <p:timing>
+    <p:tnLst>
+      <p:par>
+        <p:cTn id="1" dur="indefinite" restart="never" nodeType="tmRoot">
+          <p:childTnLst>
+            <p:seq concurrent="1" nextAc="seek">
+              <p:cTn id="2" dur="indefinite" nodeType="mainSeq">
+                <p:childTnLst>
+                  <p:par>
+                    <p:cTn id="3" fill="hold">
+                      <p:stCondLst>
+                        <p:cond delay="indefinite"/>
+                      </p:stCondLst>
+                      <p:childTnLst>
+                        <p:par>
+                          <p:cTn id="4" fill="hold">
+                            <p:stCondLst>
+                              <p:cond delay="0"/>
+                            </p:stCondLst>
+                            <p:childTnLst>
+                              <p:par>
+                                <p:cTn id="5" presetID="10" presetClass="entr" presetSubtype="0" fill="hold" grpId="0" nodeType="clickEffect">
+                                  <p:stCondLst>
+                                    <p:cond delay="0"/>
+                                  </p:stCondLst>
+                                  <p:childTnLst>
+                                    <p:set>
+                                      <p:cBhvr>
+                                        <p:cTn id="6" dur="1" fill="hold">
+                                          <p:stCondLst>
+                                            <p:cond delay="0"/>
+                                          </p:stCondLst>
+                                        </p:cTn>
+                                        <p:tgtEl>
+                                          <p:spTgt spid="148">
+                                            <p:txEl>
+                                              <p:pRg st="0" end="0"/>
+                                            </p:txEl>
+                                          </p:spTgt>
+                                        </p:tgtEl>
+                                        <p:attrNameLst>
+                                          <p:attrName>style.visibility</p:attrName>
+                                        </p:attrNameLst>
+                                      </p:cBhvr>
+                                      <p:to>
+                                        <p:strVal val="visible"/>
+                                      </p:to>
+                                    </p:set>
+                                    <p:animEffect transition="in" filter="fade">
+                                      <p:cBhvr>
+                                        <p:cTn id="7" dur="500"/>
+                                        <p:tgtEl>
+                                          <p:spTgt spid="148">
+                                            <p:txEl>
+                                              <p:pRg st="0" end="0"/>
+                                            </p:txEl>
+                                          </p:spTgt>
+                                        </p:tgtEl>
+                                      </p:cBhvr>
+                                    </p:animEffect>
+                                  </p:childTnLst>
+                                </p:cTn>
+                              </p:par>
+                            </p:childTnLst>
+                          </p:cTn>
+                        </p:par>
+                      </p:childTnLst>
+                    </p:cTn>
+                  </p:par>
+                  <p:par>
+                    <p:cTn id="8" fill="hold">
+                      <p:stCondLst>
+                        <p:cond delay="indefinite"/>
+                      </p:stCondLst>
+                      <p:childTnLst>
+                        <p:par>
+                          <p:cTn id="9" fill="hold">
+                            <p:stCondLst>
+                              <p:cond delay="0"/>
+                            </p:stCondLst>
+                            <p:childTnLst>
+                              <p:par>
+                                <p:cTn id="10" presetID="16" presetClass="entr" presetSubtype="21" fill="hold" nodeType="clickEffect">
+                                  <p:stCondLst>
+                                    <p:cond delay="0"/>
+                                  </p:stCondLst>
+                                  <p:childTnLst>
+                                    <p:set>
+                                      <p:cBhvr>
+                                        <p:cTn id="11" dur="1" fill="hold">
+                                          <p:stCondLst>
+                                            <p:cond delay="0"/>
+                                          </p:stCondLst>
+                                        </p:cTn>
+                                        <p:tgtEl>
+                                          <p:spTgt spid="1026"/>
+                                        </p:tgtEl>
+                                        <p:attrNameLst>
+                                          <p:attrName>style.visibility</p:attrName>
+                                        </p:attrNameLst>
+                                      </p:cBhvr>
+                                      <p:to>
+                                        <p:strVal val="visible"/>
+                                      </p:to>
+                                    </p:set>
+                                    <p:animEffect transition="in" filter="barn(inVertical)">
+                                      <p:cBhvr>
+                                        <p:cTn id="12" dur="500"/>
+                                        <p:tgtEl>
+                                          <p:spTgt spid="1026"/>
+                                        </p:tgtEl>
+                                      </p:cBhvr>
+                                    </p:animEffect>
+                                  </p:childTnLst>
+                                </p:cTn>
+                              </p:par>
+                            </p:childTnLst>
+                          </p:cTn>
+                        </p:par>
+                        <p:par>
+                          <p:cTn id="13" fill="hold">
+                            <p:stCondLst>
+                              <p:cond delay="500"/>
+                            </p:stCondLst>
+                            <p:childTnLst>
+                              <p:par>
+                                <p:cTn id="14" presetID="2" presetClass="entr" presetSubtype="4" fill="hold" grpId="0" nodeType="afterEffect">
+                                  <p:stCondLst>
+                                    <p:cond delay="0"/>
+                                  </p:stCondLst>
+                                  <p:childTnLst>
+                                    <p:set>
+                                      <p:cBhvr>
+                                        <p:cTn id="15" dur="1" fill="hold">
+                                          <p:stCondLst>
+                                            <p:cond delay="0"/>
+                                          </p:stCondLst>
+                                        </p:cTn>
+                                        <p:tgtEl>
+                                          <p:spTgt spid="2"/>
+                                        </p:tgtEl>
+                                        <p:attrNameLst>
+                                          <p:attrName>style.visibility</p:attrName>
+                                        </p:attrNameLst>
+                                      </p:cBhvr>
+                                      <p:to>
+                                        <p:strVal val="visible"/>
+                                      </p:to>
+                                    </p:set>
+                                    <p:anim calcmode="lin" valueType="num">
+                                      <p:cBhvr additive="base">
+                                        <p:cTn id="16" dur="500" fill="hold"/>
+                                        <p:tgtEl>
+                                          <p:spTgt spid="2"/>
+                                        </p:tgtEl>
+                                        <p:attrNameLst>
+                                          <p:attrName>ppt_x</p:attrName>
+                                        </p:attrNameLst>
+                                      </p:cBhvr>
+                                      <p:tavLst>
+                                        <p:tav tm="0">
+                                          <p:val>
+                                            <p:strVal val="#ppt_x"/>
+                                          </p:val>
+                                        </p:tav>
+                                        <p:tav tm="100000">
+                                          <p:val>
+                                            <p:strVal val="#ppt_x"/>
+                                          </p:val>
+                                        </p:tav>
+                                      </p:tavLst>
+                                    </p:anim>
+                                    <p:anim calcmode="lin" valueType="num">
+                                      <p:cBhvr additive="base">
+                                        <p:cTn id="17" dur="500" fill="hold"/>
+                                        <p:tgtEl>
+                                          <p:spTgt spid="2"/>
+                                        </p:tgtEl>
+                                        <p:attrNameLst>
+                                          <p:attrName>ppt_y</p:attrName>
+                                        </p:attrNameLst>
+                                      </p:cBhvr>
+                                      <p:tavLst>
+                                        <p:tav tm="0">
+                                          <p:val>
+                                            <p:strVal val="1+#ppt_h/2"/>
+                                          </p:val>
+                                        </p:tav>
+                                        <p:tav tm="100000">
+                                          <p:val>
+                                            <p:strVal val="#ppt_y"/>
+                                          </p:val>
+                                        </p:tav>
+                                      </p:tavLst>
+                                    </p:anim>
+                                  </p:childTnLst>
+                                </p:cTn>
+                              </p:par>
+                            </p:childTnLst>
+                          </p:cTn>
+                        </p:par>
+                        <p:par>
+                          <p:cTn id="18" fill="hold">
+                            <p:stCondLst>
+                              <p:cond delay="1000"/>
+                            </p:stCondLst>
+                            <p:childTnLst>
+                              <p:par>
+                                <p:cTn id="19" presetID="2" presetClass="entr" presetSubtype="4" fill="hold" nodeType="afterEffect">
+                                  <p:stCondLst>
+                                    <p:cond delay="0"/>
+                                  </p:stCondLst>
+                                  <p:childTnLst>
+                                    <p:set>
+                                      <p:cBhvr>
+                                        <p:cTn id="20" dur="1" fill="hold">
+                                          <p:stCondLst>
+                                            <p:cond delay="0"/>
+                                          </p:stCondLst>
+                                        </p:cTn>
+                                        <p:tgtEl>
+                                          <p:spTgt spid="8"/>
+                                        </p:tgtEl>
+                                        <p:attrNameLst>
+                                          <p:attrName>style.visibility</p:attrName>
+                                        </p:attrNameLst>
+                                      </p:cBhvr>
+                                      <p:to>
+                                        <p:strVal val="visible"/>
+                                      </p:to>
+                                    </p:set>
+                                    <p:anim calcmode="lin" valueType="num">
+                                      <p:cBhvr additive="base">
+                                        <p:cTn id="21" dur="500" fill="hold"/>
+                                        <p:tgtEl>
+                                          <p:spTgt spid="8"/>
+                                        </p:tgtEl>
+                                        <p:attrNameLst>
+                                          <p:attrName>ppt_x</p:attrName>
+                                        </p:attrNameLst>
+                                      </p:cBhvr>
+                                      <p:tavLst>
+                                        <p:tav tm="0">
+                                          <p:val>
+                                            <p:strVal val="#ppt_x"/>
+                                          </p:val>
+                                        </p:tav>
+                                        <p:tav tm="100000">
+                                          <p:val>
+                                            <p:strVal val="#ppt_x"/>
+                                          </p:val>
+                                        </p:tav>
+                                      </p:tavLst>
+                                    </p:anim>
+                                    <p:anim calcmode="lin" valueType="num">
+                                      <p:cBhvr additive="base">
+                                        <p:cTn id="22" dur="500" fill="hold"/>
+                                        <p:tgtEl>
+                                          <p:spTgt spid="8"/>
+                                        </p:tgtEl>
+                                        <p:attrNameLst>
+                                          <p:attrName>ppt_y</p:attrName>
+                                        </p:attrNameLst>
+                                      </p:cBhvr>
+                                      <p:tavLst>
+                                        <p:tav tm="0">
+                                          <p:val>
+                                            <p:strVal val="1+#ppt_h/2"/>
+                                          </p:val>
+                                        </p:tav>
+                                        <p:tav tm="100000">
+                                          <p:val>
+                                            <p:strVal val="#ppt_y"/>
+                                          </p:val>
+                                        </p:tav>
+                                      </p:tavLst>
+                                    </p:anim>
+                                  </p:childTnLst>
+                                </p:cTn>
+                              </p:par>
+                            </p:childTnLst>
+                          </p:cTn>
+                        </p:par>
+                      </p:childTnLst>
+                    </p:cTn>
+                  </p:par>
+                </p:childTnLst>
+              </p:cTn>
+              <p:prevCondLst>
+                <p:cond evt="onPrev" delay="0">
+                  <p:tgtEl>
+                    <p:sldTgt/>
+                  </p:tgtEl>
+                </p:cond>
+              </p:prevCondLst>
+              <p:nextCondLst>
+                <p:cond evt="onNext" delay="0">
+                  <p:tgtEl>
+                    <p:sldTgt/>
+                  </p:tgtEl>
+                </p:cond>
+              </p:nextCondLst>
+            </p:seq>
+          </p:childTnLst>
+        </p:cTn>
+      </p:par>
+    </p:tnLst>
+    <p:bldLst>
+      <p:bldP spid="148" grpId="0" build="p"/>
+      <p:bldP spid="2" grpId="0"/>
+    </p:bldLst>
+  </p:timing>
+</p:sld>
+</file>
+
+<file path=ppt/slides/slide11.xml><?xml version="1.0" encoding="utf-8"?>
+<p:sld xmlns:a="http://schemas.openxmlformats.org/drawingml/2006/main" xmlns:r="http://schemas.openxmlformats.org/officeDocument/2006/relationships" xmlns:p="http://schemas.openxmlformats.org/presentationml/2006/main">
+  <p:cSld>
+    <p:spTree>
+      <p:nvGrpSpPr>
         <p:cNvPr id="1" name="Shape 154"/>
         <p:cNvGrpSpPr/>
         <p:nvPr/>
@@ -8294,7 +9169,7 @@
             </a:pPr>
             <a:fld id="{00000000-1234-1234-1234-123412341234}" type="slidenum">
               <a:rPr lang="en"/>
-              <a:t>10</a:t>
+              <a:t>11</a:t>
             </a:fld>
             <a:endParaRPr/>
           </a:p>
@@ -9037,7 +9912,7 @@
 </p:sld>
 </file>
 
-<file path=ppt/slides/slide11.xml><?xml version="1.0" encoding="utf-8"?>
+<file path=ppt/slides/slide12.xml><?xml version="1.0" encoding="utf-8"?>
 <p:sld xmlns:a="http://schemas.openxmlformats.org/drawingml/2006/main" xmlns:r="http://schemas.openxmlformats.org/officeDocument/2006/relationships" xmlns:p="http://schemas.openxmlformats.org/presentationml/2006/main">
   <p:cSld>
     <p:spTree>
@@ -9201,7 +10076,7 @@
             </a:pPr>
             <a:fld id="{00000000-1234-1234-1234-123412341234}" type="slidenum">
               <a:rPr lang="en"/>
-              <a:t>11</a:t>
+              <a:t>12</a:t>
             </a:fld>
             <a:endParaRPr/>
           </a:p>
@@ -10827,7 +11702,7 @@
 </p:sld>
 </file>
 
-<file path=ppt/slides/slide12.xml><?xml version="1.0" encoding="utf-8"?>
+<file path=ppt/slides/slide13.xml><?xml version="1.0" encoding="utf-8"?>
 <p:sld xmlns:a="http://schemas.openxmlformats.org/drawingml/2006/main" xmlns:r="http://schemas.openxmlformats.org/officeDocument/2006/relationships" xmlns:p="http://schemas.openxmlformats.org/presentationml/2006/main">
   <p:cSld>
     <p:spTree>
@@ -10942,7 +11817,7 @@
             </a:pPr>
             <a:fld id="{00000000-1234-1234-1234-123412341234}" type="slidenum">
               <a:rPr lang="en"/>
-              <a:t>12</a:t>
+              <a:t>13</a:t>
             </a:fld>
             <a:endParaRPr/>
           </a:p>
@@ -11033,103 +11908,7 @@
                 <a:cs typeface="Times New Roman"/>
                 <a:sym typeface="Times New Roman"/>
               </a:rPr>
-              <a:t> Given </a:t>
-            </a:r>
-            <a:r>
-              <a:rPr lang="en" sz="1500">
-                <a:solidFill>
-                  <a:schemeClr val="dk1"/>
-                </a:solidFill>
-                <a:latin typeface="Times New Roman"/>
-                <a:ea typeface="Times New Roman"/>
-                <a:cs typeface="Times New Roman"/>
-                <a:sym typeface="Times New Roman"/>
-              </a:rPr>
-              <a:t>a array </a:t>
-            </a:r>
-            <a:r>
-              <a:rPr lang="en" sz="1500" b="1" i="1" dirty="0">
-                <a:solidFill>
-                  <a:schemeClr val="dk1"/>
-                </a:solidFill>
-                <a:latin typeface="Times New Roman"/>
-                <a:ea typeface="Times New Roman"/>
-                <a:cs typeface="Times New Roman"/>
-                <a:sym typeface="Times New Roman"/>
-              </a:rPr>
-              <a:t>n</a:t>
-            </a:r>
-            <a:r>
-              <a:rPr lang="en" sz="1500" dirty="0">
-                <a:solidFill>
-                  <a:schemeClr val="dk1"/>
-                </a:solidFill>
-                <a:latin typeface="Times New Roman"/>
-                <a:ea typeface="Times New Roman"/>
-                <a:cs typeface="Times New Roman"/>
-                <a:sym typeface="Times New Roman"/>
-              </a:rPr>
-              <a:t> less than </a:t>
-            </a:r>
-            <a:r>
-              <a:rPr lang="en" sz="1500">
-                <a:solidFill>
-                  <a:schemeClr val="dk1"/>
-                </a:solidFill>
-                <a:latin typeface="Times New Roman"/>
-                <a:ea typeface="Times New Roman"/>
-                <a:cs typeface="Times New Roman"/>
-                <a:sym typeface="Times New Roman"/>
-              </a:rPr>
-              <a:t>20 elements, </a:t>
-            </a:r>
-            <a:r>
-              <a:rPr lang="en" sz="1500" dirty="0">
-                <a:solidFill>
-                  <a:schemeClr val="dk1"/>
-                </a:solidFill>
-                <a:latin typeface="Times New Roman"/>
-                <a:ea typeface="Times New Roman"/>
-                <a:cs typeface="Times New Roman"/>
-                <a:sym typeface="Times New Roman"/>
-              </a:rPr>
-              <a:t>including numbers (0-9) and uppercase alphabet (A-Z). Print all possible combination </a:t>
-            </a:r>
-            <a:r>
-              <a:rPr lang="en" sz="1500">
-                <a:solidFill>
-                  <a:schemeClr val="dk1"/>
-                </a:solidFill>
-                <a:latin typeface="Times New Roman"/>
-                <a:ea typeface="Times New Roman"/>
-                <a:cs typeface="Times New Roman"/>
-                <a:sym typeface="Times New Roman"/>
-              </a:rPr>
-              <a:t>of elements </a:t>
-            </a:r>
-            <a:r>
-              <a:rPr lang="en" sz="1500" dirty="0">
-                <a:solidFill>
-                  <a:schemeClr val="dk1"/>
-                </a:solidFill>
-                <a:latin typeface="Times New Roman"/>
-                <a:ea typeface="Times New Roman"/>
-                <a:cs typeface="Times New Roman"/>
-                <a:sym typeface="Times New Roman"/>
-              </a:rPr>
-              <a:t>of </a:t>
-            </a:r>
-            <a:r>
-              <a:rPr lang="en" sz="1500">
-                <a:solidFill>
-                  <a:schemeClr val="dk1"/>
-                </a:solidFill>
-                <a:latin typeface="Times New Roman"/>
-                <a:ea typeface="Times New Roman"/>
-                <a:cs typeface="Times New Roman"/>
-                <a:sym typeface="Times New Roman"/>
-              </a:rPr>
-              <a:t>the array.</a:t>
+              <a:t> Given a string less than 20 elements, including numbers (0-9) and uppercase alphabet (A-Z). Print all possible combination of characters of the string.</a:t>
             </a:r>
             <a:endParaRPr sz="1500" dirty="0">
               <a:solidFill>
@@ -11620,7 +12399,7 @@
 </p:sld>
 </file>
 
-<file path=ppt/slides/slide13.xml><?xml version="1.0" encoding="utf-8"?>
+<file path=ppt/slides/slide14.xml><?xml version="1.0" encoding="utf-8"?>
 <p:sld xmlns:a="http://schemas.openxmlformats.org/drawingml/2006/main" xmlns:r="http://schemas.openxmlformats.org/officeDocument/2006/relationships" xmlns:p="http://schemas.openxmlformats.org/presentationml/2006/main">
   <p:cSld>
     <p:spTree>
@@ -11735,7 +12514,7 @@
             </a:pPr>
             <a:fld id="{00000000-1234-1234-1234-123412341234}" type="slidenum">
               <a:rPr lang="en"/>
-              <a:t>13</a:t>
+              <a:t>14</a:t>
             </a:fld>
             <a:endParaRPr/>
           </a:p>
@@ -11826,67 +12605,7 @@
                 <a:cs typeface="Times New Roman"/>
                 <a:sym typeface="Times New Roman"/>
               </a:rPr>
-              <a:t>Using Brute-Force to generate all posibilities. </a:t>
-            </a:r>
-            <a:r>
-              <a:rPr lang="en" sz="2000">
-                <a:solidFill>
-                  <a:schemeClr val="dk1"/>
-                </a:solidFill>
-                <a:latin typeface="Times New Roman"/>
-                <a:ea typeface="Times New Roman"/>
-                <a:cs typeface="Times New Roman"/>
-                <a:sym typeface="Times New Roman"/>
-              </a:rPr>
-              <a:t>Each elements </a:t>
-            </a:r>
-            <a:r>
-              <a:rPr lang="en" sz="2000" dirty="0">
-                <a:solidFill>
-                  <a:schemeClr val="dk1"/>
-                </a:solidFill>
-                <a:latin typeface="Times New Roman"/>
-                <a:ea typeface="Times New Roman"/>
-                <a:cs typeface="Times New Roman"/>
-                <a:sym typeface="Times New Roman"/>
-              </a:rPr>
-              <a:t>will have two cases that can happen, either it will appear or not – and we will encode this into 1 and 0. Therefore, we can utilize recursive with backtracking to produce word combinations </a:t>
-            </a:r>
-            <a:r>
-              <a:rPr lang="en" sz="2000">
-                <a:solidFill>
-                  <a:schemeClr val="dk1"/>
-                </a:solidFill>
-                <a:latin typeface="Times New Roman"/>
-                <a:ea typeface="Times New Roman"/>
-                <a:cs typeface="Times New Roman"/>
-                <a:sym typeface="Times New Roman"/>
-              </a:rPr>
-              <a:t>from elements </a:t>
-            </a:r>
-            <a:r>
-              <a:rPr lang="en" sz="2000" dirty="0">
-                <a:solidFill>
-                  <a:schemeClr val="dk1"/>
-                </a:solidFill>
-                <a:latin typeface="Times New Roman"/>
-                <a:ea typeface="Times New Roman"/>
-                <a:cs typeface="Times New Roman"/>
-                <a:sym typeface="Times New Roman"/>
-              </a:rPr>
-              <a:t>in </a:t>
-            </a:r>
-            <a:r>
-              <a:rPr lang="en" sz="2000">
-                <a:solidFill>
-                  <a:schemeClr val="dk1"/>
-                </a:solidFill>
-                <a:latin typeface="Times New Roman"/>
-                <a:ea typeface="Times New Roman"/>
-                <a:cs typeface="Times New Roman"/>
-                <a:sym typeface="Times New Roman"/>
-              </a:rPr>
-              <a:t>the array. </a:t>
+              <a:t>Using Brute-Force to generate all posibilities. Each element will have two cases that can happen, either it will appear or not – and we will encode this into 1 and 0. Therefore, we can utilize recursive with backtracking to produce word combinations from elements in the array. </a:t>
             </a:r>
             <a:endParaRPr sz="2000" dirty="0">
               <a:solidFill>
@@ -12011,7 +12730,7 @@
 </p:sld>
 </file>
 
-<file path=ppt/slides/slide14.xml><?xml version="1.0" encoding="utf-8"?>
+<file path=ppt/slides/slide15.xml><?xml version="1.0" encoding="utf-8"?>
 <p:sld xmlns:a="http://schemas.openxmlformats.org/drawingml/2006/main" xmlns:r="http://schemas.openxmlformats.org/officeDocument/2006/relationships" xmlns:p="http://schemas.openxmlformats.org/presentationml/2006/main">
   <p:cSld>
     <p:spTree>
@@ -12126,7 +12845,7 @@
             </a:pPr>
             <a:fld id="{00000000-1234-1234-1234-123412341234}" type="slidenum">
               <a:rPr lang="en"/>
-              <a:t>14</a:t>
+              <a:t>15</a:t>
             </a:fld>
             <a:endParaRPr/>
           </a:p>
@@ -12208,7 +12927,7 @@
 </p:sld>
 </file>
 
-<file path=ppt/slides/slide15.xml><?xml version="1.0" encoding="utf-8"?>
+<file path=ppt/slides/slide16.xml><?xml version="1.0" encoding="utf-8"?>
 <p:sld xmlns:a="http://schemas.openxmlformats.org/drawingml/2006/main" xmlns:r="http://schemas.openxmlformats.org/officeDocument/2006/relationships" xmlns:p="http://schemas.openxmlformats.org/presentationml/2006/main">
   <p:cSld>
     <p:spTree>
@@ -12323,7 +13042,7 @@
             </a:pPr>
             <a:fld id="{00000000-1234-1234-1234-123412341234}" type="slidenum">
               <a:rPr lang="en"/>
-              <a:t>15</a:t>
+              <a:t>16</a:t>
             </a:fld>
             <a:endParaRPr/>
           </a:p>
@@ -12749,7 +13468,7 @@
 </p:sld>
 </file>
 
-<file path=ppt/slides/slide16.xml><?xml version="1.0" encoding="utf-8"?>
+<file path=ppt/slides/slide17.xml><?xml version="1.0" encoding="utf-8"?>
 <p:sld xmlns:a="http://schemas.openxmlformats.org/drawingml/2006/main" xmlns:r="http://schemas.openxmlformats.org/officeDocument/2006/relationships" xmlns:p="http://schemas.openxmlformats.org/presentationml/2006/main">
   <p:cSld>
     <p:spTree>
@@ -12864,7 +13583,7 @@
             </a:pPr>
             <a:fld id="{00000000-1234-1234-1234-123412341234}" type="slidenum">
               <a:rPr lang="en"/>
-              <a:t>16</a:t>
+              <a:t>17</a:t>
             </a:fld>
             <a:endParaRPr/>
           </a:p>
@@ -13881,7 +14600,7 @@
 </p:sld>
 </file>
 
-<file path=ppt/slides/slide17.xml><?xml version="1.0" encoding="utf-8"?>
+<file path=ppt/slides/slide18.xml><?xml version="1.0" encoding="utf-8"?>
 <p:sld xmlns:a="http://schemas.openxmlformats.org/drawingml/2006/main" xmlns:r="http://schemas.openxmlformats.org/officeDocument/2006/relationships" xmlns:p="http://schemas.openxmlformats.org/presentationml/2006/main">
   <p:cSld>
     <p:spTree>
@@ -13996,7 +14715,7 @@
             </a:pPr>
             <a:fld id="{00000000-1234-1234-1234-123412341234}" type="slidenum">
               <a:rPr lang="en"/>
-              <a:t>17</a:t>
+              <a:t>18</a:t>
             </a:fld>
             <a:endParaRPr/>
           </a:p>
@@ -14751,7 +15470,7 @@
 </p:sld>
 </file>
 
-<file path=ppt/slides/slide18.xml><?xml version="1.0" encoding="utf-8"?>
+<file path=ppt/slides/slide19.xml><?xml version="1.0" encoding="utf-8"?>
 <p:sld xmlns:a="http://schemas.openxmlformats.org/drawingml/2006/main" xmlns:r="http://schemas.openxmlformats.org/officeDocument/2006/relationships" xmlns:p="http://schemas.openxmlformats.org/presentationml/2006/main">
   <p:cSld>
     <p:spTree>
@@ -14866,7 +15585,7 @@
             </a:pPr>
             <a:fld id="{00000000-1234-1234-1234-123412341234}" type="slidenum">
               <a:rPr lang="en"/>
-              <a:t>18</a:t>
+              <a:t>19</a:t>
             </a:fld>
             <a:endParaRPr/>
           </a:p>
@@ -14954,7 +15673,308 @@
 </p:sld>
 </file>
 
-<file path=ppt/slides/slide19.xml><?xml version="1.0" encoding="utf-8"?>
+<file path=ppt/slides/slide2.xml><?xml version="1.0" encoding="utf-8"?>
+<p:sld xmlns:a="http://schemas.openxmlformats.org/drawingml/2006/main" xmlns:r="http://schemas.openxmlformats.org/officeDocument/2006/relationships" xmlns:p="http://schemas.openxmlformats.org/presentationml/2006/main">
+  <p:cSld>
+    <p:spTree>
+      <p:nvGrpSpPr>
+        <p:cNvPr id="1" name="Shape 60"/>
+        <p:cNvGrpSpPr/>
+        <p:nvPr/>
+      </p:nvGrpSpPr>
+      <p:grpSpPr>
+        <a:xfrm>
+          <a:off x="0" y="0"/>
+          <a:ext cx="0" cy="0"/>
+          <a:chOff x="0" y="0"/>
+          <a:chExt cx="0" cy="0"/>
+        </a:xfrm>
+      </p:grpSpPr>
+      <p:sp>
+        <p:nvSpPr>
+          <p:cNvPr id="61" name="Google Shape;61;p14"/>
+          <p:cNvSpPr txBox="1">
+            <a:spLocks noGrp="1"/>
+          </p:cNvSpPr>
+          <p:nvPr>
+            <p:ph type="title"/>
+          </p:nvPr>
+        </p:nvSpPr>
+        <p:spPr>
+          <a:xfrm>
+            <a:off x="393625" y="220475"/>
+            <a:ext cx="8520600" cy="572700"/>
+          </a:xfrm>
+          <a:prstGeom prst="rect">
+            <a:avLst/>
+          </a:prstGeom>
+        </p:spPr>
+        <p:txBody>
+          <a:bodyPr spcFirstLastPara="1" wrap="square" lIns="91425" tIns="91425" rIns="91425" bIns="91425" anchor="t" anchorCtr="0">
+            <a:noAutofit/>
+          </a:bodyPr>
+          <a:lstStyle/>
+          <a:p>
+            <a:pPr marL="0" lvl="0" indent="0" algn="l" rtl="0">
+              <a:spcBef>
+                <a:spcPts val="0"/>
+              </a:spcBef>
+              <a:spcAft>
+                <a:spcPts val="0"/>
+              </a:spcAft>
+              <a:buSzPts val="990"/>
+              <a:buNone/>
+            </a:pPr>
+            <a:r>
+              <a:rPr lang="en" sz="3020" b="1">
+                <a:solidFill>
+                  <a:srgbClr val="000000"/>
+                </a:solidFill>
+                <a:latin typeface="Times New Roman"/>
+                <a:ea typeface="Times New Roman"/>
+                <a:cs typeface="Times New Roman"/>
+                <a:sym typeface="Times New Roman"/>
+              </a:rPr>
+              <a:t>Members</a:t>
+            </a:r>
+            <a:endParaRPr sz="3020" b="1">
+              <a:solidFill>
+                <a:srgbClr val="000000"/>
+              </a:solidFill>
+              <a:latin typeface="Times New Roman"/>
+              <a:ea typeface="Times New Roman"/>
+              <a:cs typeface="Times New Roman"/>
+              <a:sym typeface="Times New Roman"/>
+            </a:endParaRPr>
+          </a:p>
+        </p:txBody>
+      </p:sp>
+      <p:sp>
+        <p:nvSpPr>
+          <p:cNvPr id="62" name="Google Shape;62;p14"/>
+          <p:cNvSpPr txBox="1">
+            <a:spLocks noGrp="1"/>
+          </p:cNvSpPr>
+          <p:nvPr>
+            <p:ph type="body" idx="1"/>
+          </p:nvPr>
+        </p:nvSpPr>
+        <p:spPr>
+          <a:xfrm>
+            <a:off x="311700" y="1152475"/>
+            <a:ext cx="8520600" cy="3416400"/>
+          </a:xfrm>
+          <a:prstGeom prst="rect">
+            <a:avLst/>
+          </a:prstGeom>
+        </p:spPr>
+        <p:txBody>
+          <a:bodyPr spcFirstLastPara="1" wrap="square" lIns="91425" tIns="91425" rIns="91425" bIns="91425" anchor="t" anchorCtr="0">
+            <a:normAutofit/>
+          </a:bodyPr>
+          <a:lstStyle/>
+          <a:p>
+            <a:pPr marL="457200" lvl="0" indent="-387350" algn="l" rtl="0">
+              <a:spcBef>
+                <a:spcPts val="0"/>
+              </a:spcBef>
+              <a:spcAft>
+                <a:spcPts val="0"/>
+              </a:spcAft>
+              <a:buClr>
+                <a:srgbClr val="000000"/>
+              </a:buClr>
+              <a:buSzPts val="2500"/>
+              <a:buFont typeface="Times New Roman"/>
+              <a:buAutoNum type="arabicPeriod"/>
+            </a:pPr>
+            <a:r>
+              <a:rPr lang="en" sz="2500" dirty="0">
+                <a:solidFill>
+                  <a:srgbClr val="000000"/>
+                </a:solidFill>
+                <a:latin typeface="Times New Roman"/>
+                <a:ea typeface="Times New Roman"/>
+                <a:cs typeface="Times New Roman"/>
+                <a:sym typeface="Times New Roman"/>
+              </a:rPr>
+              <a:t>Nguyễn Lê Anh Quân - 19522081</a:t>
+            </a:r>
+            <a:endParaRPr sz="2500" dirty="0">
+              <a:solidFill>
+                <a:srgbClr val="000000"/>
+              </a:solidFill>
+              <a:latin typeface="Times New Roman"/>
+              <a:ea typeface="Times New Roman"/>
+              <a:cs typeface="Times New Roman"/>
+              <a:sym typeface="Times New Roman"/>
+            </a:endParaRPr>
+          </a:p>
+          <a:p>
+            <a:pPr marL="457200" lvl="0" indent="-387350" algn="l" rtl="0">
+              <a:spcBef>
+                <a:spcPts val="0"/>
+              </a:spcBef>
+              <a:spcAft>
+                <a:spcPts val="0"/>
+              </a:spcAft>
+              <a:buClr>
+                <a:srgbClr val="000000"/>
+              </a:buClr>
+              <a:buSzPts val="2500"/>
+              <a:buFont typeface="Times New Roman"/>
+              <a:buAutoNum type="arabicPeriod"/>
+            </a:pPr>
+            <a:r>
+              <a:rPr lang="en" sz="2500" dirty="0">
+                <a:solidFill>
+                  <a:srgbClr val="000000"/>
+                </a:solidFill>
+                <a:latin typeface="Times New Roman"/>
+                <a:ea typeface="Times New Roman"/>
+                <a:cs typeface="Times New Roman"/>
+                <a:sym typeface="Times New Roman"/>
+              </a:rPr>
+              <a:t>Cát Văn Tài - 19522147</a:t>
+            </a:r>
+            <a:endParaRPr sz="2500" dirty="0">
+              <a:solidFill>
+                <a:srgbClr val="000000"/>
+              </a:solidFill>
+              <a:latin typeface="Times New Roman"/>
+              <a:ea typeface="Times New Roman"/>
+              <a:cs typeface="Times New Roman"/>
+              <a:sym typeface="Times New Roman"/>
+            </a:endParaRPr>
+          </a:p>
+          <a:p>
+            <a:pPr marL="457200" lvl="0" indent="-387350" algn="l" rtl="0">
+              <a:spcBef>
+                <a:spcPts val="0"/>
+              </a:spcBef>
+              <a:spcAft>
+                <a:spcPts val="0"/>
+              </a:spcAft>
+              <a:buClr>
+                <a:srgbClr val="000000"/>
+              </a:buClr>
+              <a:buSzPts val="2500"/>
+              <a:buFont typeface="Times New Roman"/>
+              <a:buAutoNum type="arabicPeriod"/>
+            </a:pPr>
+            <a:r>
+              <a:rPr lang="en" sz="2500" dirty="0">
+                <a:solidFill>
+                  <a:srgbClr val="000000"/>
+                </a:solidFill>
+                <a:latin typeface="Times New Roman"/>
+                <a:ea typeface="Times New Roman"/>
+                <a:cs typeface="Times New Roman"/>
+                <a:sym typeface="Times New Roman"/>
+              </a:rPr>
+              <a:t>Dương Đình Thắng - 19522195</a:t>
+            </a:r>
+            <a:endParaRPr sz="2500" dirty="0">
+              <a:solidFill>
+                <a:srgbClr val="000000"/>
+              </a:solidFill>
+              <a:latin typeface="Times New Roman"/>
+              <a:ea typeface="Times New Roman"/>
+              <a:cs typeface="Times New Roman"/>
+              <a:sym typeface="Times New Roman"/>
+            </a:endParaRPr>
+          </a:p>
+        </p:txBody>
+      </p:sp>
+      <p:sp>
+        <p:nvSpPr>
+          <p:cNvPr id="63" name="Google Shape;63;p14"/>
+          <p:cNvSpPr txBox="1">
+            <a:spLocks noGrp="1"/>
+          </p:cNvSpPr>
+          <p:nvPr>
+            <p:ph type="sldNum" idx="12"/>
+          </p:nvPr>
+        </p:nvSpPr>
+        <p:spPr>
+          <a:xfrm>
+            <a:off x="8472458" y="4663217"/>
+            <a:ext cx="548700" cy="393600"/>
+          </a:xfrm>
+          <a:prstGeom prst="rect">
+            <a:avLst/>
+          </a:prstGeom>
+        </p:spPr>
+        <p:txBody>
+          <a:bodyPr spcFirstLastPara="1" wrap="square" lIns="91425" tIns="91425" rIns="91425" bIns="91425" anchor="ctr" anchorCtr="0">
+            <a:normAutofit/>
+          </a:bodyPr>
+          <a:lstStyle/>
+          <a:p>
+            <a:pPr marL="0" lvl="0" indent="0" algn="r" rtl="0">
+              <a:spcBef>
+                <a:spcPts val="0"/>
+              </a:spcBef>
+              <a:spcAft>
+                <a:spcPts val="0"/>
+              </a:spcAft>
+              <a:buNone/>
+            </a:pPr>
+            <a:fld id="{00000000-1234-1234-1234-123412341234}" type="slidenum">
+              <a:rPr lang="en"/>
+              <a:t>2</a:t>
+            </a:fld>
+            <a:endParaRPr/>
+          </a:p>
+        </p:txBody>
+      </p:sp>
+      <p:cxnSp>
+        <p:nvCxnSpPr>
+          <p:cNvPr id="64" name="Google Shape;64;p14"/>
+          <p:cNvCxnSpPr/>
+          <p:nvPr/>
+        </p:nvCxnSpPr>
+        <p:spPr>
+          <a:xfrm>
+            <a:off x="396625" y="892350"/>
+            <a:ext cx="8514600" cy="0"/>
+          </a:xfrm>
+          <a:prstGeom prst="straightConnector1">
+            <a:avLst/>
+          </a:prstGeom>
+          <a:noFill/>
+          <a:ln w="76200" cap="flat" cmpd="sng">
+            <a:solidFill>
+              <a:srgbClr val="000000"/>
+            </a:solidFill>
+            <a:prstDash val="solid"/>
+            <a:round/>
+            <a:headEnd type="none" w="med" len="med"/>
+            <a:tailEnd type="none" w="med" len="med"/>
+          </a:ln>
+        </p:spPr>
+      </p:cxnSp>
+    </p:spTree>
+  </p:cSld>
+  <p:clrMapOvr>
+    <a:masterClrMapping/>
+  </p:clrMapOvr>
+  <mc:AlternateContent xmlns:mc="http://schemas.openxmlformats.org/markup-compatibility/2006" xmlns:p14="http://schemas.microsoft.com/office/powerpoint/2010/main">
+    <mc:Choice Requires="p14">
+      <p:transition spd="slow" p14:dur="800">
+        <p:circle/>
+      </p:transition>
+    </mc:Choice>
+    <mc:Fallback xmlns="">
+      <p:transition spd="slow">
+        <p:circle/>
+      </p:transition>
+    </mc:Fallback>
+  </mc:AlternateContent>
+</p:sld>
+</file>
+
+<file path=ppt/slides/slide20.xml><?xml version="1.0" encoding="utf-8"?>
 <p:sld xmlns:a="http://schemas.openxmlformats.org/drawingml/2006/main" xmlns:r="http://schemas.openxmlformats.org/officeDocument/2006/relationships" xmlns:p="http://schemas.openxmlformats.org/presentationml/2006/main">
   <p:cSld>
     <p:spTree>
@@ -15060,7 +16080,7 @@
             </a:pPr>
             <a:fld id="{00000000-1234-1234-1234-123412341234}" type="slidenum">
               <a:rPr lang="en"/>
-              <a:t>19</a:t>
+              <a:t>20</a:t>
             </a:fld>
             <a:endParaRPr/>
           </a:p>
@@ -15949,308 +16969,7 @@
 </p:sld>
 </file>
 
-<file path=ppt/slides/slide2.xml><?xml version="1.0" encoding="utf-8"?>
-<p:sld xmlns:a="http://schemas.openxmlformats.org/drawingml/2006/main" xmlns:r="http://schemas.openxmlformats.org/officeDocument/2006/relationships" xmlns:p="http://schemas.openxmlformats.org/presentationml/2006/main">
-  <p:cSld>
-    <p:spTree>
-      <p:nvGrpSpPr>
-        <p:cNvPr id="1" name="Shape 60"/>
-        <p:cNvGrpSpPr/>
-        <p:nvPr/>
-      </p:nvGrpSpPr>
-      <p:grpSpPr>
-        <a:xfrm>
-          <a:off x="0" y="0"/>
-          <a:ext cx="0" cy="0"/>
-          <a:chOff x="0" y="0"/>
-          <a:chExt cx="0" cy="0"/>
-        </a:xfrm>
-      </p:grpSpPr>
-      <p:sp>
-        <p:nvSpPr>
-          <p:cNvPr id="61" name="Google Shape;61;p14"/>
-          <p:cNvSpPr txBox="1">
-            <a:spLocks noGrp="1"/>
-          </p:cNvSpPr>
-          <p:nvPr>
-            <p:ph type="title"/>
-          </p:nvPr>
-        </p:nvSpPr>
-        <p:spPr>
-          <a:xfrm>
-            <a:off x="393625" y="220475"/>
-            <a:ext cx="8520600" cy="572700"/>
-          </a:xfrm>
-          <a:prstGeom prst="rect">
-            <a:avLst/>
-          </a:prstGeom>
-        </p:spPr>
-        <p:txBody>
-          <a:bodyPr spcFirstLastPara="1" wrap="square" lIns="91425" tIns="91425" rIns="91425" bIns="91425" anchor="t" anchorCtr="0">
-            <a:noAutofit/>
-          </a:bodyPr>
-          <a:lstStyle/>
-          <a:p>
-            <a:pPr marL="0" lvl="0" indent="0" algn="l" rtl="0">
-              <a:spcBef>
-                <a:spcPts val="0"/>
-              </a:spcBef>
-              <a:spcAft>
-                <a:spcPts val="0"/>
-              </a:spcAft>
-              <a:buSzPts val="990"/>
-              <a:buNone/>
-            </a:pPr>
-            <a:r>
-              <a:rPr lang="en" sz="3020" b="1">
-                <a:solidFill>
-                  <a:srgbClr val="000000"/>
-                </a:solidFill>
-                <a:latin typeface="Times New Roman"/>
-                <a:ea typeface="Times New Roman"/>
-                <a:cs typeface="Times New Roman"/>
-                <a:sym typeface="Times New Roman"/>
-              </a:rPr>
-              <a:t>Members</a:t>
-            </a:r>
-            <a:endParaRPr sz="3020" b="1">
-              <a:solidFill>
-                <a:srgbClr val="000000"/>
-              </a:solidFill>
-              <a:latin typeface="Times New Roman"/>
-              <a:ea typeface="Times New Roman"/>
-              <a:cs typeface="Times New Roman"/>
-              <a:sym typeface="Times New Roman"/>
-            </a:endParaRPr>
-          </a:p>
-        </p:txBody>
-      </p:sp>
-      <p:sp>
-        <p:nvSpPr>
-          <p:cNvPr id="62" name="Google Shape;62;p14"/>
-          <p:cNvSpPr txBox="1">
-            <a:spLocks noGrp="1"/>
-          </p:cNvSpPr>
-          <p:nvPr>
-            <p:ph type="body" idx="1"/>
-          </p:nvPr>
-        </p:nvSpPr>
-        <p:spPr>
-          <a:xfrm>
-            <a:off x="311700" y="1152475"/>
-            <a:ext cx="8520600" cy="3416400"/>
-          </a:xfrm>
-          <a:prstGeom prst="rect">
-            <a:avLst/>
-          </a:prstGeom>
-        </p:spPr>
-        <p:txBody>
-          <a:bodyPr spcFirstLastPara="1" wrap="square" lIns="91425" tIns="91425" rIns="91425" bIns="91425" anchor="t" anchorCtr="0">
-            <a:normAutofit/>
-          </a:bodyPr>
-          <a:lstStyle/>
-          <a:p>
-            <a:pPr marL="457200" lvl="0" indent="-387350" algn="l" rtl="0">
-              <a:spcBef>
-                <a:spcPts val="0"/>
-              </a:spcBef>
-              <a:spcAft>
-                <a:spcPts val="0"/>
-              </a:spcAft>
-              <a:buClr>
-                <a:srgbClr val="000000"/>
-              </a:buClr>
-              <a:buSzPts val="2500"/>
-              <a:buFont typeface="Times New Roman"/>
-              <a:buAutoNum type="arabicPeriod"/>
-            </a:pPr>
-            <a:r>
-              <a:rPr lang="en" sz="2500" dirty="0">
-                <a:solidFill>
-                  <a:srgbClr val="000000"/>
-                </a:solidFill>
-                <a:latin typeface="Times New Roman"/>
-                <a:ea typeface="Times New Roman"/>
-                <a:cs typeface="Times New Roman"/>
-                <a:sym typeface="Times New Roman"/>
-              </a:rPr>
-              <a:t>Nguyễn Lê Anh Quân - 19522081</a:t>
-            </a:r>
-            <a:endParaRPr sz="2500" dirty="0">
-              <a:solidFill>
-                <a:srgbClr val="000000"/>
-              </a:solidFill>
-              <a:latin typeface="Times New Roman"/>
-              <a:ea typeface="Times New Roman"/>
-              <a:cs typeface="Times New Roman"/>
-              <a:sym typeface="Times New Roman"/>
-            </a:endParaRPr>
-          </a:p>
-          <a:p>
-            <a:pPr marL="457200" lvl="0" indent="-387350" algn="l" rtl="0">
-              <a:spcBef>
-                <a:spcPts val="0"/>
-              </a:spcBef>
-              <a:spcAft>
-                <a:spcPts val="0"/>
-              </a:spcAft>
-              <a:buClr>
-                <a:srgbClr val="000000"/>
-              </a:buClr>
-              <a:buSzPts val="2500"/>
-              <a:buFont typeface="Times New Roman"/>
-              <a:buAutoNum type="arabicPeriod"/>
-            </a:pPr>
-            <a:r>
-              <a:rPr lang="en" sz="2500" dirty="0">
-                <a:solidFill>
-                  <a:srgbClr val="000000"/>
-                </a:solidFill>
-                <a:latin typeface="Times New Roman"/>
-                <a:ea typeface="Times New Roman"/>
-                <a:cs typeface="Times New Roman"/>
-                <a:sym typeface="Times New Roman"/>
-              </a:rPr>
-              <a:t>Cát Văn Tài - 19522147</a:t>
-            </a:r>
-            <a:endParaRPr sz="2500" dirty="0">
-              <a:solidFill>
-                <a:srgbClr val="000000"/>
-              </a:solidFill>
-              <a:latin typeface="Times New Roman"/>
-              <a:ea typeface="Times New Roman"/>
-              <a:cs typeface="Times New Roman"/>
-              <a:sym typeface="Times New Roman"/>
-            </a:endParaRPr>
-          </a:p>
-          <a:p>
-            <a:pPr marL="457200" lvl="0" indent="-387350" algn="l" rtl="0">
-              <a:spcBef>
-                <a:spcPts val="0"/>
-              </a:spcBef>
-              <a:spcAft>
-                <a:spcPts val="0"/>
-              </a:spcAft>
-              <a:buClr>
-                <a:srgbClr val="000000"/>
-              </a:buClr>
-              <a:buSzPts val="2500"/>
-              <a:buFont typeface="Times New Roman"/>
-              <a:buAutoNum type="arabicPeriod"/>
-            </a:pPr>
-            <a:r>
-              <a:rPr lang="en" sz="2500" dirty="0">
-                <a:solidFill>
-                  <a:srgbClr val="000000"/>
-                </a:solidFill>
-                <a:latin typeface="Times New Roman"/>
-                <a:ea typeface="Times New Roman"/>
-                <a:cs typeface="Times New Roman"/>
-                <a:sym typeface="Times New Roman"/>
-              </a:rPr>
-              <a:t>Dương Đình Thắng - 19522195</a:t>
-            </a:r>
-            <a:endParaRPr sz="2500" dirty="0">
-              <a:solidFill>
-                <a:srgbClr val="000000"/>
-              </a:solidFill>
-              <a:latin typeface="Times New Roman"/>
-              <a:ea typeface="Times New Roman"/>
-              <a:cs typeface="Times New Roman"/>
-              <a:sym typeface="Times New Roman"/>
-            </a:endParaRPr>
-          </a:p>
-        </p:txBody>
-      </p:sp>
-      <p:sp>
-        <p:nvSpPr>
-          <p:cNvPr id="63" name="Google Shape;63;p14"/>
-          <p:cNvSpPr txBox="1">
-            <a:spLocks noGrp="1"/>
-          </p:cNvSpPr>
-          <p:nvPr>
-            <p:ph type="sldNum" idx="12"/>
-          </p:nvPr>
-        </p:nvSpPr>
-        <p:spPr>
-          <a:xfrm>
-            <a:off x="8472458" y="4663217"/>
-            <a:ext cx="548700" cy="393600"/>
-          </a:xfrm>
-          <a:prstGeom prst="rect">
-            <a:avLst/>
-          </a:prstGeom>
-        </p:spPr>
-        <p:txBody>
-          <a:bodyPr spcFirstLastPara="1" wrap="square" lIns="91425" tIns="91425" rIns="91425" bIns="91425" anchor="ctr" anchorCtr="0">
-            <a:normAutofit/>
-          </a:bodyPr>
-          <a:lstStyle/>
-          <a:p>
-            <a:pPr marL="0" lvl="0" indent="0" algn="r" rtl="0">
-              <a:spcBef>
-                <a:spcPts val="0"/>
-              </a:spcBef>
-              <a:spcAft>
-                <a:spcPts val="0"/>
-              </a:spcAft>
-              <a:buNone/>
-            </a:pPr>
-            <a:fld id="{00000000-1234-1234-1234-123412341234}" type="slidenum">
-              <a:rPr lang="en"/>
-              <a:t>2</a:t>
-            </a:fld>
-            <a:endParaRPr/>
-          </a:p>
-        </p:txBody>
-      </p:sp>
-      <p:cxnSp>
-        <p:nvCxnSpPr>
-          <p:cNvPr id="64" name="Google Shape;64;p14"/>
-          <p:cNvCxnSpPr/>
-          <p:nvPr/>
-        </p:nvCxnSpPr>
-        <p:spPr>
-          <a:xfrm>
-            <a:off x="396625" y="892350"/>
-            <a:ext cx="8514600" cy="0"/>
-          </a:xfrm>
-          <a:prstGeom prst="straightConnector1">
-            <a:avLst/>
-          </a:prstGeom>
-          <a:noFill/>
-          <a:ln w="76200" cap="flat" cmpd="sng">
-            <a:solidFill>
-              <a:srgbClr val="000000"/>
-            </a:solidFill>
-            <a:prstDash val="solid"/>
-            <a:round/>
-            <a:headEnd type="none" w="med" len="med"/>
-            <a:tailEnd type="none" w="med" len="med"/>
-          </a:ln>
-        </p:spPr>
-      </p:cxnSp>
-    </p:spTree>
-  </p:cSld>
-  <p:clrMapOvr>
-    <a:masterClrMapping/>
-  </p:clrMapOvr>
-  <mc:AlternateContent xmlns:mc="http://schemas.openxmlformats.org/markup-compatibility/2006" xmlns:p14="http://schemas.microsoft.com/office/powerpoint/2010/main">
-    <mc:Choice Requires="p14">
-      <p:transition spd="slow" p14:dur="800">
-        <p:circle/>
-      </p:transition>
-    </mc:Choice>
-    <mc:Fallback xmlns="">
-      <p:transition spd="slow">
-        <p:circle/>
-      </p:transition>
-    </mc:Fallback>
-  </mc:AlternateContent>
-</p:sld>
-</file>
-
-<file path=ppt/slides/slide20.xml><?xml version="1.0" encoding="utf-8"?>
+<file path=ppt/slides/slide21.xml><?xml version="1.0" encoding="utf-8"?>
 <p:sld xmlns:a="http://schemas.openxmlformats.org/drawingml/2006/main" xmlns:r="http://schemas.openxmlformats.org/officeDocument/2006/relationships" xmlns:p="http://schemas.openxmlformats.org/presentationml/2006/main">
   <p:cSld>
     <p:spTree>
@@ -16356,7 +17075,7 @@
             </a:pPr>
             <a:fld id="{00000000-1234-1234-1234-123412341234}" type="slidenum">
               <a:rPr lang="en"/>
-              <a:t>20</a:t>
+              <a:t>21</a:t>
             </a:fld>
             <a:endParaRPr/>
           </a:p>
@@ -16388,8 +17107,8 @@
           </a:ln>
         </p:spPr>
       </p:cxnSp>
-      <mc:AlternateContent xmlns:mc="http://schemas.openxmlformats.org/markup-compatibility/2006" xmlns:a14="http://schemas.microsoft.com/office/drawing/2010/main">
-        <mc:Choice Requires="a14">
+      <mc:AlternateContent xmlns:mc="http://schemas.openxmlformats.org/markup-compatibility/2006">
+        <mc:Choice xmlns:a14="http://schemas.microsoft.com/office/drawing/2010/main" Requires="a14">
           <p:sp>
             <p:nvSpPr>
               <p:cNvPr id="4" name="TextBox 3">
@@ -16648,7 +17367,7 @@
                     <a:latin typeface="Times New Roman" panose="02020603050405020304" pitchFamily="18" charset="0"/>
                     <a:cs typeface="Times New Roman" panose="02020603050405020304" pitchFamily="18" charset="0"/>
                   </a:rPr>
-                  <a:t>         1. Each items can just select one time.</a:t>
+                  <a:t>         1. Each item can just select one time.</a:t>
                 </a:r>
               </a:p>
               <a:p>
@@ -16657,7 +17376,7 @@
                     <a:latin typeface="Times New Roman" panose="02020603050405020304" pitchFamily="18" charset="0"/>
                     <a:cs typeface="Times New Roman" panose="02020603050405020304" pitchFamily="18" charset="0"/>
                   </a:rPr>
-                  <a:t>         2. Each items can select multiple times.</a:t>
+                  <a:t>         2. Each item can select multiple times.</a:t>
                 </a:r>
               </a:p>
               <a:p>
@@ -16722,7 +17441,7 @@
                     <a:latin typeface="Times New Roman" panose="02020603050405020304" pitchFamily="18" charset="0"/>
                     <a:cs typeface="Times New Roman" panose="02020603050405020304" pitchFamily="18" charset="0"/>
                   </a:rPr>
-                  <a:t>         + The next n lines: each line contains </a:t>
+                  <a:t>         + The next n line: each line contains </a:t>
                 </a:r>
                 <a:r>
                   <a:rPr lang="en-US" sz="1600" b="1" dirty="0">
@@ -16813,7 +17532,7 @@
             </p:txBody>
           </p:sp>
         </mc:Choice>
-        <mc:Fallback xmlns="">
+        <mc:Fallback>
           <p:sp>
             <p:nvSpPr>
               <p:cNvPr id="4" name="TextBox 3">
@@ -16848,7 +17567,7 @@
               <a:lstStyle/>
               <a:p>
                 <a:r>
-                  <a:rPr lang="vi-VN">
+                  <a:rPr lang="en-US">
                     <a:noFill/>
                   </a:rPr>
                   <a:t> </a:t>
@@ -17580,7 +18299,7 @@
 </p:sld>
 </file>
 
-<file path=ppt/slides/slide21.xml><?xml version="1.0" encoding="utf-8"?>
+<file path=ppt/slides/slide22.xml><?xml version="1.0" encoding="utf-8"?>
 <p:sld xmlns:a="http://schemas.openxmlformats.org/drawingml/2006/main" xmlns:r="http://schemas.openxmlformats.org/officeDocument/2006/relationships" xmlns:p="http://schemas.openxmlformats.org/presentationml/2006/main">
   <p:cSld>
     <p:spTree>
@@ -17686,7 +18405,7 @@
             </a:pPr>
             <a:fld id="{00000000-1234-1234-1234-123412341234}" type="slidenum">
               <a:rPr lang="en"/>
-              <a:t>21</a:t>
+              <a:t>22</a:t>
             </a:fld>
             <a:endParaRPr/>
           </a:p>
@@ -17732,8 +18451,8 @@
         </p:nvSpPr>
         <p:spPr>
           <a:xfrm>
-            <a:off x="390626" y="991526"/>
-            <a:ext cx="8520599" cy="523220"/>
+            <a:off x="390627" y="991526"/>
+            <a:ext cx="8514600" cy="1169551"/>
           </a:xfrm>
           <a:prstGeom prst="rect">
             <a:avLst/>
@@ -17803,6 +18522,47 @@
               <a:t>. London: McGraw Hill Higher Education, 2005.</a:t>
             </a:r>
           </a:p>
+          <a:p>
+            <a:endParaRPr lang="en-US" b="0" i="0" dirty="0">
+              <a:solidFill>
+                <a:srgbClr val="000000"/>
+              </a:solidFill>
+              <a:effectLst/>
+              <a:latin typeface="Open Sans"/>
+            </a:endParaRPr>
+          </a:p>
+          <a:p>
+            <a:r>
+              <a:rPr lang="en-US" b="0" i="0" dirty="0">
+                <a:solidFill>
+                  <a:srgbClr val="000000"/>
+                </a:solidFill>
+                <a:effectLst/>
+                <a:latin typeface="Open Sans"/>
+              </a:rPr>
+              <a:t>[2] "Brute-force search - Wikipedia", </a:t>
+            </a:r>
+            <a:r>
+              <a:rPr lang="en-US" b="0" i="1" dirty="0">
+                <a:solidFill>
+                  <a:srgbClr val="000000"/>
+                </a:solidFill>
+                <a:effectLst/>
+                <a:latin typeface="Open Sans"/>
+              </a:rPr>
+              <a:t>En.wikipedia.org</a:t>
+            </a:r>
+            <a:r>
+              <a:rPr lang="en-US" b="0" i="0" dirty="0">
+                <a:solidFill>
+                  <a:srgbClr val="000000"/>
+                </a:solidFill>
+                <a:effectLst/>
+                <a:latin typeface="Open Sans"/>
+              </a:rPr>
+              <a:t>, 2021. [Online]. Available: https://en.wikipedia.org/wiki/Brute-force_search. [Accessed: 20- Apr- 2021].</a:t>
+            </a:r>
+          </a:p>
         </p:txBody>
       </p:sp>
     </p:spTree>
@@ -17830,7 +18590,7 @@
 </p:sld>
 </file>
 
-<file path=ppt/slides/slide22.xml><?xml version="1.0" encoding="utf-8"?>
+<file path=ppt/slides/slide23.xml><?xml version="1.0" encoding="utf-8"?>
 <p:sld xmlns:a="http://schemas.openxmlformats.org/drawingml/2006/main" xmlns:r="http://schemas.openxmlformats.org/officeDocument/2006/relationships" xmlns:p="http://schemas.openxmlformats.org/presentationml/2006/main">
   <p:cSld>
     <p:spTree>
@@ -17936,7 +18696,7 @@
             </a:pPr>
             <a:fld id="{00000000-1234-1234-1234-123412341234}" type="slidenum">
               <a:rPr lang="en"/>
-              <a:t>22</a:t>
+              <a:t>23</a:t>
             </a:fld>
             <a:endParaRPr/>
           </a:p>
@@ -19941,7 +20701,7 @@
           </a:bodyPr>
           <a:lstStyle/>
           <a:p>
-            <a:pPr marL="0" lvl="0" indent="0" algn="l" rtl="0">
+            <a:pPr marL="0" lvl="0" indent="0" rtl="0">
               <a:lnSpc>
                 <a:spcPct val="95000"/>
               </a:lnSpc>
@@ -19985,7 +20745,7 @@
             </a:r>
           </a:p>
           <a:p>
-            <a:pPr marL="0" lvl="0" indent="0" algn="l" rtl="0">
+            <a:pPr marL="0" lvl="0" indent="0" rtl="0">
               <a:lnSpc>
                 <a:spcPct val="95000"/>
               </a:lnSpc>
@@ -20041,7 +20801,7 @@
             </a:endParaRPr>
           </a:p>
           <a:p>
-            <a:pPr marL="0" lvl="0" indent="0" algn="l" rtl="0">
+            <a:pPr marL="0" lvl="0" indent="0" rtl="0">
               <a:lnSpc>
                 <a:spcPct val="95000"/>
               </a:lnSpc>
@@ -20164,7 +20924,7 @@
           </a:bodyPr>
           <a:lstStyle/>
           <a:p>
-            <a:pPr algn="just" rtl="0" fontAlgn="base"/>
+            <a:pPr rtl="0" fontAlgn="base"/>
             <a:r>
               <a:rPr lang="en" sz="2000" b="1" dirty="0">
                 <a:solidFill>
@@ -20192,7 +20952,7 @@
             </a:r>
           </a:p>
           <a:p>
-            <a:pPr algn="just" rtl="0" fontAlgn="base"/>
+            <a:pPr rtl="0" fontAlgn="base"/>
             <a:r>
               <a:rPr lang="en-US" sz="2000" b="0" i="0" dirty="0">
                 <a:solidFill>
@@ -20245,7 +21005,7 @@
             </a:r>
           </a:p>
           <a:p>
-            <a:pPr algn="just" rtl="0" fontAlgn="base">
+            <a:pPr rtl="0" fontAlgn="base">
               <a:buFont typeface="+mj-lt"/>
               <a:buAutoNum type="arabicPeriod"/>
             </a:pPr>
@@ -20291,7 +21051,7 @@
             </a:r>
           </a:p>
           <a:p>
-            <a:pPr algn="just" rtl="0" fontAlgn="base">
+            <a:pPr rtl="0" fontAlgn="base">
               <a:buFont typeface="+mj-lt"/>
               <a:buAutoNum type="arabicPeriod" startAt="2"/>
             </a:pPr>
@@ -20334,129 +21094,6 @@
                 <a:latin typeface="Times New Roman" panose="02020603050405020304" pitchFamily="18" charset="0"/>
               </a:rPr>
               <a:t> of P as appropriate to the application </a:t>
-            </a:r>
-          </a:p>
-        </p:txBody>
-      </p:sp>
-      <p:sp>
-        <p:nvSpPr>
-          <p:cNvPr id="3" name="TextBox 2">
-            <a:extLst>
-              <a:ext uri="{FF2B5EF4-FFF2-40B4-BE49-F238E27FC236}">
-                <a16:creationId xmlns:a16="http://schemas.microsoft.com/office/drawing/2014/main" id="{8907B502-F135-47FD-862B-9894EE7077D6}"/>
-              </a:ext>
-            </a:extLst>
-          </p:cNvPr>
-          <p:cNvSpPr txBox="1"/>
-          <p:nvPr/>
-        </p:nvSpPr>
-        <p:spPr>
-          <a:xfrm>
-            <a:off x="5477129" y="2211057"/>
-            <a:ext cx="3434096" cy="1785104"/>
-          </a:xfrm>
-          <a:prstGeom prst="rect">
-            <a:avLst/>
-          </a:prstGeom>
-        </p:spPr>
-        <p:style>
-          <a:lnRef idx="2">
-            <a:schemeClr val="dk1"/>
-          </a:lnRef>
-          <a:fillRef idx="1">
-            <a:schemeClr val="lt1"/>
-          </a:fillRef>
-          <a:effectRef idx="0">
-            <a:schemeClr val="dk1"/>
-          </a:effectRef>
-          <a:fontRef idx="minor">
-            <a:schemeClr val="dk1"/>
-          </a:fontRef>
-        </p:style>
-        <p:txBody>
-          <a:bodyPr wrap="square" rtlCol="0">
-            <a:spAutoFit/>
-          </a:bodyPr>
-          <a:lstStyle/>
-          <a:p>
-            <a:r>
-              <a:rPr lang="en-US" sz="2000" b="1" dirty="0">
-                <a:latin typeface="Times New Roman" panose="02020603050405020304" pitchFamily="18" charset="0"/>
-                <a:cs typeface="Times New Roman" panose="02020603050405020304" pitchFamily="18" charset="0"/>
-              </a:rPr>
-              <a:t>Pseudocode:</a:t>
-            </a:r>
-          </a:p>
-          <a:p>
-            <a:r>
-              <a:rPr lang="en-US" sz="1500" b="1" dirty="0">
-                <a:latin typeface="Times New Roman" panose="02020603050405020304" pitchFamily="18" charset="0"/>
-                <a:cs typeface="Times New Roman" panose="02020603050405020304" pitchFamily="18" charset="0"/>
-              </a:rPr>
-              <a:t>// </a:t>
-            </a:r>
-            <a:r>
-              <a:rPr lang="en-US" sz="1500" dirty="0">
-                <a:latin typeface="Times New Roman" panose="02020603050405020304" pitchFamily="18" charset="0"/>
-                <a:cs typeface="Times New Roman" panose="02020603050405020304" pitchFamily="18" charset="0"/>
-              </a:rPr>
-              <a:t>Input: A problem P </a:t>
-            </a:r>
-          </a:p>
-          <a:p>
-            <a:r>
-              <a:rPr lang="en-US" sz="1500" b="1" dirty="0">
-                <a:latin typeface="Times New Roman" panose="02020603050405020304" pitchFamily="18" charset="0"/>
-                <a:cs typeface="Times New Roman" panose="02020603050405020304" pitchFamily="18" charset="0"/>
-              </a:rPr>
-              <a:t>// </a:t>
-            </a:r>
-            <a:r>
-              <a:rPr lang="en-US" sz="1500" dirty="0">
-                <a:latin typeface="Times New Roman" panose="02020603050405020304" pitchFamily="18" charset="0"/>
-                <a:cs typeface="Times New Roman" panose="02020603050405020304" pitchFamily="18" charset="0"/>
-              </a:rPr>
-              <a:t>Output: A solution c</a:t>
-            </a:r>
-            <a:endParaRPr lang="en-US" sz="1500" b="1" dirty="0">
-              <a:latin typeface="Times New Roman" panose="02020603050405020304" pitchFamily="18" charset="0"/>
-              <a:cs typeface="Times New Roman" panose="02020603050405020304" pitchFamily="18" charset="0"/>
-            </a:endParaRPr>
-          </a:p>
-          <a:p>
-            <a:r>
-              <a:rPr lang="en-US" sz="1500" dirty="0">
-                <a:latin typeface="Times New Roman" panose="02020603050405020304" pitchFamily="18" charset="0"/>
-                <a:cs typeface="Times New Roman" panose="02020603050405020304" pitchFamily="18" charset="0"/>
-              </a:rPr>
-              <a:t>for c in candidates:</a:t>
-            </a:r>
-          </a:p>
-          <a:p>
-            <a:r>
-              <a:rPr lang="en-US" sz="1500" dirty="0">
-                <a:latin typeface="Times New Roman" panose="02020603050405020304" pitchFamily="18" charset="0"/>
-                <a:cs typeface="Times New Roman" panose="02020603050405020304" pitchFamily="18" charset="0"/>
-              </a:rPr>
-              <a:t>      if valid(P, c):</a:t>
-            </a:r>
-          </a:p>
-          <a:p>
-            <a:r>
-              <a:rPr lang="en-US" sz="1500" dirty="0">
-                <a:latin typeface="Times New Roman" panose="02020603050405020304" pitchFamily="18" charset="0"/>
-                <a:cs typeface="Times New Roman" panose="02020603050405020304" pitchFamily="18" charset="0"/>
-              </a:rPr>
-              <a:t>          Output(P, c)</a:t>
-            </a:r>
-          </a:p>
-          <a:p>
-            <a:r>
-              <a:rPr lang="en-US" sz="1500" dirty="0">
-                <a:latin typeface="Times New Roman" panose="02020603050405020304" pitchFamily="18" charset="0"/>
-                <a:cs typeface="Times New Roman" panose="02020603050405020304" pitchFamily="18" charset="0"/>
-              </a:rPr>
-              <a:t>          break	</a:t>
             </a:r>
           </a:p>
         </p:txBody>
@@ -21080,33 +21717,1160 @@
                       </p:childTnLst>
                     </p:cTn>
                   </p:par>
+                </p:childTnLst>
+              </p:cTn>
+              <p:prevCondLst>
+                <p:cond evt="onPrev" delay="0">
+                  <p:tgtEl>
+                    <p:sldTgt/>
+                  </p:tgtEl>
+                </p:cond>
+              </p:prevCondLst>
+              <p:nextCondLst>
+                <p:cond evt="onNext" delay="0">
+                  <p:tgtEl>
+                    <p:sldTgt/>
+                  </p:tgtEl>
+                </p:cond>
+              </p:nextCondLst>
+            </p:seq>
+          </p:childTnLst>
+        </p:cTn>
+      </p:par>
+    </p:tnLst>
+  </p:timing>
+</p:sld>
+</file>
+
+<file path=ppt/slides/slide7.xml><?xml version="1.0" encoding="utf-8"?>
+<p:sld xmlns:a="http://schemas.openxmlformats.org/drawingml/2006/main" xmlns:r="http://schemas.openxmlformats.org/officeDocument/2006/relationships" xmlns:p="http://schemas.openxmlformats.org/presentationml/2006/main">
+  <p:cSld>
+    <p:spTree>
+      <p:nvGrpSpPr>
+        <p:cNvPr id="1" name="Shape 130"/>
+        <p:cNvGrpSpPr/>
+        <p:nvPr/>
+      </p:nvGrpSpPr>
+      <p:grpSpPr>
+        <a:xfrm>
+          <a:off x="0" y="0"/>
+          <a:ext cx="0" cy="0"/>
+          <a:chOff x="0" y="0"/>
+          <a:chExt cx="0" cy="0"/>
+        </a:xfrm>
+      </p:grpSpPr>
+      <p:sp>
+        <p:nvSpPr>
+          <p:cNvPr id="131" name="Google Shape;131;p20"/>
+          <p:cNvSpPr txBox="1">
+            <a:spLocks noGrp="1"/>
+          </p:cNvSpPr>
+          <p:nvPr>
+            <p:ph type="title"/>
+          </p:nvPr>
+        </p:nvSpPr>
+        <p:spPr>
+          <a:xfrm>
+            <a:off x="393625" y="220475"/>
+            <a:ext cx="8520600" cy="572700"/>
+          </a:xfrm>
+          <a:prstGeom prst="rect">
+            <a:avLst/>
+          </a:prstGeom>
+        </p:spPr>
+        <p:txBody>
+          <a:bodyPr spcFirstLastPara="1" wrap="square" lIns="91425" tIns="91425" rIns="91425" bIns="91425" anchor="t" anchorCtr="0">
+            <a:noAutofit/>
+          </a:bodyPr>
+          <a:lstStyle/>
+          <a:p>
+            <a:pPr marL="0" lvl="0" indent="0" algn="l" rtl="0">
+              <a:spcBef>
+                <a:spcPts val="0"/>
+              </a:spcBef>
+              <a:spcAft>
+                <a:spcPts val="0"/>
+              </a:spcAft>
+              <a:buSzPts val="990"/>
+              <a:buNone/>
+            </a:pPr>
+            <a:r>
+              <a:rPr lang="en" sz="3020" b="1">
+                <a:latin typeface="Times New Roman"/>
+                <a:ea typeface="Times New Roman"/>
+                <a:cs typeface="Times New Roman"/>
+                <a:sym typeface="Times New Roman"/>
+              </a:rPr>
+              <a:t>II. Pattern Recognition</a:t>
+            </a:r>
+            <a:endParaRPr sz="3020" b="1">
+              <a:latin typeface="Times New Roman"/>
+              <a:ea typeface="Times New Roman"/>
+              <a:cs typeface="Times New Roman"/>
+              <a:sym typeface="Times New Roman"/>
+            </a:endParaRPr>
+          </a:p>
+        </p:txBody>
+      </p:sp>
+      <p:sp>
+        <p:nvSpPr>
+          <p:cNvPr id="133" name="Google Shape;133;p20"/>
+          <p:cNvSpPr txBox="1">
+            <a:spLocks noGrp="1"/>
+          </p:cNvSpPr>
+          <p:nvPr>
+            <p:ph type="sldNum" idx="12"/>
+          </p:nvPr>
+        </p:nvSpPr>
+        <p:spPr>
+          <a:xfrm>
+            <a:off x="8472458" y="4663217"/>
+            <a:ext cx="548700" cy="393600"/>
+          </a:xfrm>
+          <a:prstGeom prst="rect">
+            <a:avLst/>
+          </a:prstGeom>
+        </p:spPr>
+        <p:txBody>
+          <a:bodyPr spcFirstLastPara="1" wrap="square" lIns="91425" tIns="91425" rIns="91425" bIns="91425" anchor="ctr" anchorCtr="0">
+            <a:normAutofit/>
+          </a:bodyPr>
+          <a:lstStyle/>
+          <a:p>
+            <a:pPr marL="0" lvl="0" indent="0" algn="r" rtl="0">
+              <a:spcBef>
+                <a:spcPts val="0"/>
+              </a:spcBef>
+              <a:spcAft>
+                <a:spcPts val="0"/>
+              </a:spcAft>
+              <a:buNone/>
+            </a:pPr>
+            <a:fld id="{00000000-1234-1234-1234-123412341234}" type="slidenum">
+              <a:rPr lang="en"/>
+              <a:t>7</a:t>
+            </a:fld>
+            <a:endParaRPr/>
+          </a:p>
+        </p:txBody>
+      </p:sp>
+      <p:cxnSp>
+        <p:nvCxnSpPr>
+          <p:cNvPr id="134" name="Google Shape;134;p20"/>
+          <p:cNvCxnSpPr/>
+          <p:nvPr/>
+        </p:nvCxnSpPr>
+        <p:spPr>
+          <a:xfrm>
+            <a:off x="396625" y="892350"/>
+            <a:ext cx="8514600" cy="0"/>
+          </a:xfrm>
+          <a:prstGeom prst="straightConnector1">
+            <a:avLst/>
+          </a:prstGeom>
+          <a:noFill/>
+          <a:ln w="76200" cap="flat" cmpd="sng">
+            <a:solidFill>
+              <a:srgbClr val="000000"/>
+            </a:solidFill>
+            <a:prstDash val="solid"/>
+            <a:round/>
+            <a:headEnd type="none" w="med" len="med"/>
+            <a:tailEnd type="none" w="med" len="med"/>
+          </a:ln>
+        </p:spPr>
+      </p:cxnSp>
+      <p:sp>
+        <p:nvSpPr>
+          <p:cNvPr id="10" name="TextBox 9">
+            <a:extLst>
+              <a:ext uri="{FF2B5EF4-FFF2-40B4-BE49-F238E27FC236}">
+                <a16:creationId xmlns:a16="http://schemas.microsoft.com/office/drawing/2014/main" id="{B594191D-26F7-4208-B594-B910D98BB4EF}"/>
+              </a:ext>
+            </a:extLst>
+          </p:cNvPr>
+          <p:cNvSpPr txBox="1"/>
+          <p:nvPr/>
+        </p:nvSpPr>
+        <p:spPr>
+          <a:xfrm>
+            <a:off x="733869" y="2500784"/>
+            <a:ext cx="3423463" cy="1015663"/>
+          </a:xfrm>
+          <a:prstGeom prst="rect">
+            <a:avLst/>
+          </a:prstGeom>
+        </p:spPr>
+        <p:style>
+          <a:lnRef idx="2">
+            <a:schemeClr val="dk1"/>
+          </a:lnRef>
+          <a:fillRef idx="1">
+            <a:schemeClr val="lt1"/>
+          </a:fillRef>
+          <a:effectRef idx="0">
+            <a:schemeClr val="dk1"/>
+          </a:effectRef>
+          <a:fontRef idx="minor">
+            <a:schemeClr val="dk1"/>
+          </a:fontRef>
+        </p:style>
+        <p:txBody>
+          <a:bodyPr wrap="square" rtlCol="0">
+            <a:spAutoFit/>
+          </a:bodyPr>
+          <a:lstStyle/>
+          <a:p>
+            <a:r>
+              <a:rPr lang="en-US" sz="1500" b="1" dirty="0">
+                <a:latin typeface="Times New Roman" panose="02020603050405020304" pitchFamily="18" charset="0"/>
+                <a:cs typeface="Times New Roman" panose="02020603050405020304" pitchFamily="18" charset="0"/>
+              </a:rPr>
+              <a:t>for</a:t>
+            </a:r>
+            <a:r>
+              <a:rPr lang="en-US" sz="1500" dirty="0">
+                <a:latin typeface="Times New Roman" panose="02020603050405020304" pitchFamily="18" charset="0"/>
+                <a:cs typeface="Times New Roman" panose="02020603050405020304" pitchFamily="18" charset="0"/>
+              </a:rPr>
+              <a:t> c in candidates:</a:t>
+            </a:r>
+          </a:p>
+          <a:p>
+            <a:r>
+              <a:rPr lang="en-US" sz="1500" dirty="0">
+                <a:latin typeface="Times New Roman" panose="02020603050405020304" pitchFamily="18" charset="0"/>
+                <a:cs typeface="Times New Roman" panose="02020603050405020304" pitchFamily="18" charset="0"/>
+              </a:rPr>
+              <a:t>      </a:t>
+            </a:r>
+            <a:r>
+              <a:rPr lang="en-US" sz="1500" b="1" dirty="0">
+                <a:latin typeface="Times New Roman" panose="02020603050405020304" pitchFamily="18" charset="0"/>
+                <a:cs typeface="Times New Roman" panose="02020603050405020304" pitchFamily="18" charset="0"/>
+              </a:rPr>
+              <a:t>if</a:t>
+            </a:r>
+            <a:r>
+              <a:rPr lang="en-US" sz="1500" dirty="0">
+                <a:latin typeface="Times New Roman" panose="02020603050405020304" pitchFamily="18" charset="0"/>
+                <a:cs typeface="Times New Roman" panose="02020603050405020304" pitchFamily="18" charset="0"/>
+              </a:rPr>
+              <a:t> valid(P, c):</a:t>
+            </a:r>
+          </a:p>
+          <a:p>
+            <a:r>
+              <a:rPr lang="en-US" sz="1500" dirty="0">
+                <a:latin typeface="Times New Roman" panose="02020603050405020304" pitchFamily="18" charset="0"/>
+                <a:cs typeface="Times New Roman" panose="02020603050405020304" pitchFamily="18" charset="0"/>
+              </a:rPr>
+              <a:t>          Output(P, c)</a:t>
+            </a:r>
+          </a:p>
+          <a:p>
+            <a:r>
+              <a:rPr lang="en-US" sz="1500" dirty="0">
+                <a:latin typeface="Times New Roman" panose="02020603050405020304" pitchFamily="18" charset="0"/>
+                <a:cs typeface="Times New Roman" panose="02020603050405020304" pitchFamily="18" charset="0"/>
+              </a:rPr>
+              <a:t>          </a:t>
+            </a:r>
+            <a:r>
+              <a:rPr lang="en-US" sz="1500" b="1" dirty="0">
+                <a:latin typeface="Times New Roman" panose="02020603050405020304" pitchFamily="18" charset="0"/>
+                <a:cs typeface="Times New Roman" panose="02020603050405020304" pitchFamily="18" charset="0"/>
+              </a:rPr>
+              <a:t>break	</a:t>
+            </a:r>
+          </a:p>
+        </p:txBody>
+      </p:sp>
+      <p:sp>
+        <p:nvSpPr>
+          <p:cNvPr id="11" name="TextBox 10">
+            <a:extLst>
+              <a:ext uri="{FF2B5EF4-FFF2-40B4-BE49-F238E27FC236}">
+                <a16:creationId xmlns:a16="http://schemas.microsoft.com/office/drawing/2014/main" id="{4CEEC02C-A74F-4F12-9B8F-E8775917253D}"/>
+              </a:ext>
+            </a:extLst>
+          </p:cNvPr>
+          <p:cNvSpPr txBox="1"/>
+          <p:nvPr/>
+        </p:nvSpPr>
+        <p:spPr>
+          <a:xfrm>
+            <a:off x="4986669" y="2269952"/>
+            <a:ext cx="3423463" cy="1477328"/>
+          </a:xfrm>
+          <a:prstGeom prst="rect">
+            <a:avLst/>
+          </a:prstGeom>
+        </p:spPr>
+        <p:style>
+          <a:lnRef idx="2">
+            <a:schemeClr val="dk1"/>
+          </a:lnRef>
+          <a:fillRef idx="1">
+            <a:schemeClr val="lt1"/>
+          </a:fillRef>
+          <a:effectRef idx="0">
+            <a:schemeClr val="dk1"/>
+          </a:effectRef>
+          <a:fontRef idx="minor">
+            <a:schemeClr val="dk1"/>
+          </a:fontRef>
+        </p:style>
+        <p:txBody>
+          <a:bodyPr wrap="square" rtlCol="0">
+            <a:spAutoFit/>
+          </a:bodyPr>
+          <a:lstStyle/>
+          <a:p>
+            <a:pPr lvl="0" eaLnBrk="0" fontAlgn="base" hangingPunct="0">
+              <a:spcBef>
+                <a:spcPct val="0"/>
+              </a:spcBef>
+              <a:spcAft>
+                <a:spcPct val="0"/>
+              </a:spcAft>
+              <a:buClrTx/>
+            </a:pPr>
+            <a:r>
+              <a:rPr lang="en-US" altLang="en-US" sz="1500" i="1" dirty="0">
+                <a:solidFill>
+                  <a:srgbClr val="000000"/>
+                </a:solidFill>
+                <a:latin typeface="Times New Roman" panose="02020603050405020304" pitchFamily="18" charset="0"/>
+                <a:ea typeface="Courier New" panose="02070309020205020404" pitchFamily="49" charset="0"/>
+                <a:cs typeface="Times New Roman" panose="02020603050405020304" pitchFamily="18" charset="0"/>
+              </a:rPr>
+              <a:t>c</a:t>
+            </a:r>
+            <a:r>
+              <a:rPr lang="en-US" altLang="en-US" sz="1500" dirty="0">
+                <a:solidFill>
+                  <a:srgbClr val="000000"/>
+                </a:solidFill>
+                <a:latin typeface="Times New Roman" panose="02020603050405020304" pitchFamily="18" charset="0"/>
+                <a:ea typeface="Courier New" panose="02070309020205020404" pitchFamily="49" charset="0"/>
+                <a:cs typeface="Times New Roman" panose="02020603050405020304" pitchFamily="18" charset="0"/>
+              </a:rPr>
+              <a:t> ← </a:t>
+            </a:r>
+            <a:r>
+              <a:rPr lang="en-US" altLang="en-US" sz="1500" i="1" dirty="0">
+                <a:solidFill>
+                  <a:srgbClr val="000000"/>
+                </a:solidFill>
+                <a:latin typeface="Times New Roman" panose="02020603050405020304" pitchFamily="18" charset="0"/>
+                <a:ea typeface="Courier New" panose="02070309020205020404" pitchFamily="49" charset="0"/>
+                <a:cs typeface="Times New Roman" panose="02020603050405020304" pitchFamily="18" charset="0"/>
+              </a:rPr>
+              <a:t>first</a:t>
+            </a:r>
+            <a:r>
+              <a:rPr lang="en-US" altLang="en-US" sz="1500" dirty="0">
+                <a:solidFill>
+                  <a:srgbClr val="000000"/>
+                </a:solidFill>
+                <a:latin typeface="Times New Roman" panose="02020603050405020304" pitchFamily="18" charset="0"/>
+                <a:ea typeface="Courier New" panose="02070309020205020404" pitchFamily="49" charset="0"/>
+                <a:cs typeface="Times New Roman" panose="02020603050405020304" pitchFamily="18" charset="0"/>
+              </a:rPr>
+              <a:t>(</a:t>
+            </a:r>
+            <a:r>
+              <a:rPr lang="en-US" altLang="en-US" sz="1500" i="1" dirty="0">
+                <a:solidFill>
+                  <a:srgbClr val="000000"/>
+                </a:solidFill>
+                <a:latin typeface="Times New Roman" panose="02020603050405020304" pitchFamily="18" charset="0"/>
+                <a:ea typeface="Courier New" panose="02070309020205020404" pitchFamily="49" charset="0"/>
+                <a:cs typeface="Times New Roman" panose="02020603050405020304" pitchFamily="18" charset="0"/>
+              </a:rPr>
+              <a:t>P</a:t>
+            </a:r>
+            <a:r>
+              <a:rPr lang="en-US" altLang="en-US" sz="1500" dirty="0">
+                <a:solidFill>
+                  <a:srgbClr val="000000"/>
+                </a:solidFill>
+                <a:latin typeface="Times New Roman" panose="02020603050405020304" pitchFamily="18" charset="0"/>
+                <a:ea typeface="Courier New" panose="02070309020205020404" pitchFamily="49" charset="0"/>
+                <a:cs typeface="Times New Roman" panose="02020603050405020304" pitchFamily="18" charset="0"/>
+              </a:rPr>
+              <a:t>) </a:t>
+            </a:r>
+          </a:p>
+          <a:p>
+            <a:pPr lvl="0" eaLnBrk="0" fontAlgn="base" hangingPunct="0">
+              <a:spcBef>
+                <a:spcPct val="0"/>
+              </a:spcBef>
+              <a:spcAft>
+                <a:spcPct val="0"/>
+              </a:spcAft>
+              <a:buClrTx/>
+            </a:pPr>
+            <a:r>
+              <a:rPr lang="en-US" altLang="en-US" sz="1500" b="1" dirty="0">
+                <a:solidFill>
+                  <a:srgbClr val="000000"/>
+                </a:solidFill>
+                <a:latin typeface="Times New Roman" panose="02020603050405020304" pitchFamily="18" charset="0"/>
+                <a:ea typeface="Courier New" panose="02070309020205020404" pitchFamily="49" charset="0"/>
+                <a:cs typeface="Times New Roman" panose="02020603050405020304" pitchFamily="18" charset="0"/>
+              </a:rPr>
+              <a:t>while</a:t>
+            </a:r>
+            <a:r>
+              <a:rPr lang="en-US" altLang="en-US" sz="1500" dirty="0">
+                <a:solidFill>
+                  <a:srgbClr val="000000"/>
+                </a:solidFill>
+                <a:latin typeface="Times New Roman" panose="02020603050405020304" pitchFamily="18" charset="0"/>
+                <a:ea typeface="Courier New" panose="02070309020205020404" pitchFamily="49" charset="0"/>
+                <a:cs typeface="Times New Roman" panose="02020603050405020304" pitchFamily="18" charset="0"/>
+              </a:rPr>
+              <a:t> </a:t>
+            </a:r>
+            <a:r>
+              <a:rPr lang="en-US" altLang="en-US" sz="1500" i="1" dirty="0">
+                <a:solidFill>
+                  <a:srgbClr val="000000"/>
+                </a:solidFill>
+                <a:latin typeface="Times New Roman" panose="02020603050405020304" pitchFamily="18" charset="0"/>
+                <a:ea typeface="Courier New" panose="02070309020205020404" pitchFamily="49" charset="0"/>
+                <a:cs typeface="Times New Roman" panose="02020603050405020304" pitchFamily="18" charset="0"/>
+              </a:rPr>
+              <a:t>c</a:t>
+            </a:r>
+            <a:r>
+              <a:rPr lang="en-US" altLang="en-US" sz="1500" dirty="0">
+                <a:solidFill>
+                  <a:srgbClr val="000000"/>
+                </a:solidFill>
+                <a:latin typeface="Times New Roman" panose="02020603050405020304" pitchFamily="18" charset="0"/>
+                <a:ea typeface="Courier New" panose="02070309020205020404" pitchFamily="49" charset="0"/>
+                <a:cs typeface="Times New Roman" panose="02020603050405020304" pitchFamily="18" charset="0"/>
+              </a:rPr>
+              <a:t> ≠ Λ </a:t>
+            </a:r>
+            <a:r>
+              <a:rPr lang="en-US" altLang="en-US" sz="1500" b="1" dirty="0">
+                <a:solidFill>
+                  <a:srgbClr val="000000"/>
+                </a:solidFill>
+                <a:latin typeface="Times New Roman" panose="02020603050405020304" pitchFamily="18" charset="0"/>
+                <a:ea typeface="Courier New" panose="02070309020205020404" pitchFamily="49" charset="0"/>
+                <a:cs typeface="Times New Roman" panose="02020603050405020304" pitchFamily="18" charset="0"/>
+              </a:rPr>
+              <a:t>do</a:t>
+            </a:r>
+            <a:r>
+              <a:rPr lang="en-US" altLang="en-US" sz="1500" dirty="0">
+                <a:solidFill>
+                  <a:srgbClr val="000000"/>
+                </a:solidFill>
+                <a:latin typeface="Times New Roman" panose="02020603050405020304" pitchFamily="18" charset="0"/>
+                <a:ea typeface="Courier New" panose="02070309020205020404" pitchFamily="49" charset="0"/>
+                <a:cs typeface="Times New Roman" panose="02020603050405020304" pitchFamily="18" charset="0"/>
+              </a:rPr>
+              <a:t> </a:t>
+            </a:r>
+          </a:p>
+          <a:p>
+            <a:pPr lvl="0" eaLnBrk="0" fontAlgn="base" hangingPunct="0">
+              <a:spcBef>
+                <a:spcPct val="0"/>
+              </a:spcBef>
+              <a:spcAft>
+                <a:spcPct val="0"/>
+              </a:spcAft>
+              <a:buClrTx/>
+            </a:pPr>
+            <a:r>
+              <a:rPr lang="en-US" altLang="en-US" sz="1500" b="1" dirty="0">
+                <a:solidFill>
+                  <a:srgbClr val="000000"/>
+                </a:solidFill>
+                <a:latin typeface="Times New Roman" panose="02020603050405020304" pitchFamily="18" charset="0"/>
+                <a:ea typeface="Courier New" panose="02070309020205020404" pitchFamily="49" charset="0"/>
+                <a:cs typeface="Times New Roman" panose="02020603050405020304" pitchFamily="18" charset="0"/>
+              </a:rPr>
+              <a:t>        if</a:t>
+            </a:r>
+            <a:r>
+              <a:rPr lang="en-US" altLang="en-US" sz="1500" dirty="0">
+                <a:solidFill>
+                  <a:srgbClr val="000000"/>
+                </a:solidFill>
+                <a:latin typeface="Times New Roman" panose="02020603050405020304" pitchFamily="18" charset="0"/>
+                <a:ea typeface="Courier New" panose="02070309020205020404" pitchFamily="49" charset="0"/>
+                <a:cs typeface="Times New Roman" panose="02020603050405020304" pitchFamily="18" charset="0"/>
+              </a:rPr>
+              <a:t> </a:t>
+            </a:r>
+            <a:r>
+              <a:rPr lang="en-US" altLang="en-US" sz="1500" i="1" dirty="0">
+                <a:solidFill>
+                  <a:srgbClr val="000000"/>
+                </a:solidFill>
+                <a:latin typeface="Times New Roman" panose="02020603050405020304" pitchFamily="18" charset="0"/>
+                <a:ea typeface="Courier New" panose="02070309020205020404" pitchFamily="49" charset="0"/>
+                <a:cs typeface="Times New Roman" panose="02020603050405020304" pitchFamily="18" charset="0"/>
+              </a:rPr>
+              <a:t>valid</a:t>
+            </a:r>
+            <a:r>
+              <a:rPr lang="en-US" altLang="en-US" sz="1500" dirty="0">
+                <a:solidFill>
+                  <a:srgbClr val="000000"/>
+                </a:solidFill>
+                <a:latin typeface="Times New Roman" panose="02020603050405020304" pitchFamily="18" charset="0"/>
+                <a:ea typeface="Courier New" panose="02070309020205020404" pitchFamily="49" charset="0"/>
+                <a:cs typeface="Times New Roman" panose="02020603050405020304" pitchFamily="18" charset="0"/>
+              </a:rPr>
+              <a:t>(</a:t>
+            </a:r>
+            <a:r>
+              <a:rPr lang="en-US" altLang="en-US" sz="1500" i="1" dirty="0" err="1">
+                <a:solidFill>
+                  <a:srgbClr val="000000"/>
+                </a:solidFill>
+                <a:latin typeface="Times New Roman" panose="02020603050405020304" pitchFamily="18" charset="0"/>
+                <a:ea typeface="Courier New" panose="02070309020205020404" pitchFamily="49" charset="0"/>
+                <a:cs typeface="Times New Roman" panose="02020603050405020304" pitchFamily="18" charset="0"/>
+              </a:rPr>
+              <a:t>P</a:t>
+            </a:r>
+            <a:r>
+              <a:rPr lang="en-US" altLang="en-US" sz="1500" dirty="0" err="1">
+                <a:solidFill>
+                  <a:srgbClr val="000000"/>
+                </a:solidFill>
+                <a:latin typeface="Times New Roman" panose="02020603050405020304" pitchFamily="18" charset="0"/>
+                <a:ea typeface="Courier New" panose="02070309020205020404" pitchFamily="49" charset="0"/>
+                <a:cs typeface="Times New Roman" panose="02020603050405020304" pitchFamily="18" charset="0"/>
+              </a:rPr>
+              <a:t>,</a:t>
+            </a:r>
+            <a:r>
+              <a:rPr lang="en-US" altLang="en-US" sz="1500" i="1" dirty="0" err="1">
+                <a:solidFill>
+                  <a:srgbClr val="000000"/>
+                </a:solidFill>
+                <a:latin typeface="Times New Roman" panose="02020603050405020304" pitchFamily="18" charset="0"/>
+                <a:ea typeface="Courier New" panose="02070309020205020404" pitchFamily="49" charset="0"/>
+                <a:cs typeface="Times New Roman" panose="02020603050405020304" pitchFamily="18" charset="0"/>
+              </a:rPr>
+              <a:t>c</a:t>
+            </a:r>
+            <a:r>
+              <a:rPr lang="en-US" altLang="en-US" sz="1500" dirty="0">
+                <a:solidFill>
+                  <a:srgbClr val="000000"/>
+                </a:solidFill>
+                <a:latin typeface="Times New Roman" panose="02020603050405020304" pitchFamily="18" charset="0"/>
+                <a:ea typeface="Courier New" panose="02070309020205020404" pitchFamily="49" charset="0"/>
+                <a:cs typeface="Times New Roman" panose="02020603050405020304" pitchFamily="18" charset="0"/>
+              </a:rPr>
+              <a:t>) </a:t>
+            </a:r>
+            <a:r>
+              <a:rPr lang="en-US" altLang="en-US" sz="1500" b="1" dirty="0">
+                <a:solidFill>
+                  <a:srgbClr val="000000"/>
+                </a:solidFill>
+                <a:latin typeface="Times New Roman" panose="02020603050405020304" pitchFamily="18" charset="0"/>
+                <a:ea typeface="Courier New" panose="02070309020205020404" pitchFamily="49" charset="0"/>
+                <a:cs typeface="Times New Roman" panose="02020603050405020304" pitchFamily="18" charset="0"/>
+              </a:rPr>
+              <a:t>then</a:t>
+            </a:r>
+            <a:r>
+              <a:rPr lang="en-US" altLang="en-US" sz="1500" dirty="0">
+                <a:solidFill>
+                  <a:srgbClr val="000000"/>
+                </a:solidFill>
+                <a:latin typeface="Times New Roman" panose="02020603050405020304" pitchFamily="18" charset="0"/>
+                <a:ea typeface="Courier New" panose="02070309020205020404" pitchFamily="49" charset="0"/>
+                <a:cs typeface="Times New Roman" panose="02020603050405020304" pitchFamily="18" charset="0"/>
+              </a:rPr>
+              <a:t> </a:t>
+            </a:r>
+          </a:p>
+          <a:p>
+            <a:pPr lvl="0" eaLnBrk="0" fontAlgn="base" hangingPunct="0">
+              <a:spcBef>
+                <a:spcPct val="0"/>
+              </a:spcBef>
+              <a:spcAft>
+                <a:spcPct val="0"/>
+              </a:spcAft>
+              <a:buClrTx/>
+            </a:pPr>
+            <a:r>
+              <a:rPr lang="en-US" altLang="en-US" sz="1500" i="1" dirty="0">
+                <a:solidFill>
+                  <a:srgbClr val="000000"/>
+                </a:solidFill>
+                <a:latin typeface="Times New Roman" panose="02020603050405020304" pitchFamily="18" charset="0"/>
+                <a:ea typeface="Courier New" panose="02070309020205020404" pitchFamily="49" charset="0"/>
+                <a:cs typeface="Times New Roman" panose="02020603050405020304" pitchFamily="18" charset="0"/>
+              </a:rPr>
+              <a:t>            output</a:t>
+            </a:r>
+            <a:r>
+              <a:rPr lang="en-US" altLang="en-US" sz="1500" dirty="0">
+                <a:solidFill>
+                  <a:srgbClr val="000000"/>
+                </a:solidFill>
+                <a:latin typeface="Times New Roman" panose="02020603050405020304" pitchFamily="18" charset="0"/>
+                <a:ea typeface="Courier New" panose="02070309020205020404" pitchFamily="49" charset="0"/>
+                <a:cs typeface="Times New Roman" panose="02020603050405020304" pitchFamily="18" charset="0"/>
+              </a:rPr>
+              <a:t>(</a:t>
+            </a:r>
+            <a:r>
+              <a:rPr lang="en-US" altLang="en-US" sz="1500" i="1" dirty="0">
+                <a:solidFill>
+                  <a:srgbClr val="000000"/>
+                </a:solidFill>
+                <a:latin typeface="Times New Roman" panose="02020603050405020304" pitchFamily="18" charset="0"/>
+                <a:ea typeface="Courier New" panose="02070309020205020404" pitchFamily="49" charset="0"/>
+                <a:cs typeface="Times New Roman" panose="02020603050405020304" pitchFamily="18" charset="0"/>
+              </a:rPr>
+              <a:t>P</a:t>
+            </a:r>
+            <a:r>
+              <a:rPr lang="en-US" altLang="en-US" sz="1500" dirty="0">
+                <a:solidFill>
+                  <a:srgbClr val="000000"/>
+                </a:solidFill>
+                <a:latin typeface="Times New Roman" panose="02020603050405020304" pitchFamily="18" charset="0"/>
+                <a:ea typeface="Courier New" panose="02070309020205020404" pitchFamily="49" charset="0"/>
+                <a:cs typeface="Times New Roman" panose="02020603050405020304" pitchFamily="18" charset="0"/>
+              </a:rPr>
+              <a:t>, </a:t>
+            </a:r>
+            <a:r>
+              <a:rPr lang="en-US" altLang="en-US" sz="1500" i="1" dirty="0">
+                <a:solidFill>
+                  <a:srgbClr val="000000"/>
+                </a:solidFill>
+                <a:latin typeface="Times New Roman" panose="02020603050405020304" pitchFamily="18" charset="0"/>
+                <a:ea typeface="Courier New" panose="02070309020205020404" pitchFamily="49" charset="0"/>
+                <a:cs typeface="Times New Roman" panose="02020603050405020304" pitchFamily="18" charset="0"/>
+              </a:rPr>
+              <a:t>c</a:t>
+            </a:r>
+            <a:r>
+              <a:rPr lang="en-US" altLang="en-US" sz="1500" dirty="0">
+                <a:solidFill>
+                  <a:srgbClr val="000000"/>
+                </a:solidFill>
+                <a:latin typeface="Times New Roman" panose="02020603050405020304" pitchFamily="18" charset="0"/>
+                <a:ea typeface="Courier New" panose="02070309020205020404" pitchFamily="49" charset="0"/>
+                <a:cs typeface="Times New Roman" panose="02020603050405020304" pitchFamily="18" charset="0"/>
+              </a:rPr>
+              <a:t>)</a:t>
+            </a:r>
+          </a:p>
+          <a:p>
+            <a:pPr lvl="0" eaLnBrk="0" fontAlgn="base" hangingPunct="0">
+              <a:spcBef>
+                <a:spcPct val="0"/>
+              </a:spcBef>
+              <a:spcAft>
+                <a:spcPct val="0"/>
+              </a:spcAft>
+              <a:buClrTx/>
+            </a:pPr>
+            <a:r>
+              <a:rPr lang="en-US" altLang="en-US" sz="1500" dirty="0">
+                <a:solidFill>
+                  <a:srgbClr val="000000"/>
+                </a:solidFill>
+                <a:latin typeface="Times New Roman" panose="02020603050405020304" pitchFamily="18" charset="0"/>
+                <a:ea typeface="Courier New" panose="02070309020205020404" pitchFamily="49" charset="0"/>
+                <a:cs typeface="Times New Roman" panose="02020603050405020304" pitchFamily="18" charset="0"/>
+              </a:rPr>
+              <a:t>        </a:t>
+            </a:r>
+            <a:r>
+              <a:rPr lang="en-US" altLang="en-US" sz="1500" i="1" dirty="0">
+                <a:solidFill>
+                  <a:srgbClr val="000000"/>
+                </a:solidFill>
+                <a:latin typeface="Times New Roman" panose="02020603050405020304" pitchFamily="18" charset="0"/>
+                <a:ea typeface="Courier New" panose="02070309020205020404" pitchFamily="49" charset="0"/>
+                <a:cs typeface="Times New Roman" panose="02020603050405020304" pitchFamily="18" charset="0"/>
+              </a:rPr>
+              <a:t>c</a:t>
+            </a:r>
+            <a:r>
+              <a:rPr lang="en-US" altLang="en-US" sz="1500" dirty="0">
+                <a:solidFill>
+                  <a:srgbClr val="000000"/>
+                </a:solidFill>
+                <a:latin typeface="Times New Roman" panose="02020603050405020304" pitchFamily="18" charset="0"/>
+                <a:ea typeface="Courier New" panose="02070309020205020404" pitchFamily="49" charset="0"/>
+                <a:cs typeface="Times New Roman" panose="02020603050405020304" pitchFamily="18" charset="0"/>
+              </a:rPr>
+              <a:t> ← </a:t>
+            </a:r>
+            <a:r>
+              <a:rPr lang="en-US" altLang="en-US" sz="1500" i="1" dirty="0">
+                <a:solidFill>
+                  <a:srgbClr val="000000"/>
+                </a:solidFill>
+                <a:latin typeface="Times New Roman" panose="02020603050405020304" pitchFamily="18" charset="0"/>
+                <a:ea typeface="Courier New" panose="02070309020205020404" pitchFamily="49" charset="0"/>
+                <a:cs typeface="Times New Roman" panose="02020603050405020304" pitchFamily="18" charset="0"/>
+              </a:rPr>
+              <a:t>next</a:t>
+            </a:r>
+            <a:r>
+              <a:rPr lang="en-US" altLang="en-US" sz="1500" dirty="0">
+                <a:solidFill>
+                  <a:srgbClr val="000000"/>
+                </a:solidFill>
+                <a:latin typeface="Times New Roman" panose="02020603050405020304" pitchFamily="18" charset="0"/>
+                <a:ea typeface="Courier New" panose="02070309020205020404" pitchFamily="49" charset="0"/>
+                <a:cs typeface="Times New Roman" panose="02020603050405020304" pitchFamily="18" charset="0"/>
+              </a:rPr>
+              <a:t>(</a:t>
+            </a:r>
+            <a:r>
+              <a:rPr lang="en-US" altLang="en-US" sz="1500" i="1" dirty="0">
+                <a:solidFill>
+                  <a:srgbClr val="000000"/>
+                </a:solidFill>
+                <a:latin typeface="Times New Roman" panose="02020603050405020304" pitchFamily="18" charset="0"/>
+                <a:ea typeface="Courier New" panose="02070309020205020404" pitchFamily="49" charset="0"/>
+                <a:cs typeface="Times New Roman" panose="02020603050405020304" pitchFamily="18" charset="0"/>
+              </a:rPr>
+              <a:t>P</a:t>
+            </a:r>
+            <a:r>
+              <a:rPr lang="en-US" altLang="en-US" sz="1500" dirty="0">
+                <a:solidFill>
+                  <a:srgbClr val="000000"/>
+                </a:solidFill>
+                <a:latin typeface="Times New Roman" panose="02020603050405020304" pitchFamily="18" charset="0"/>
+                <a:ea typeface="Courier New" panose="02070309020205020404" pitchFamily="49" charset="0"/>
+                <a:cs typeface="Times New Roman" panose="02020603050405020304" pitchFamily="18" charset="0"/>
+              </a:rPr>
+              <a:t>, </a:t>
+            </a:r>
+            <a:r>
+              <a:rPr lang="en-US" altLang="en-US" sz="1500" i="1" dirty="0">
+                <a:solidFill>
+                  <a:srgbClr val="000000"/>
+                </a:solidFill>
+                <a:latin typeface="Times New Roman" panose="02020603050405020304" pitchFamily="18" charset="0"/>
+                <a:ea typeface="Courier New" panose="02070309020205020404" pitchFamily="49" charset="0"/>
+                <a:cs typeface="Times New Roman" panose="02020603050405020304" pitchFamily="18" charset="0"/>
+              </a:rPr>
+              <a:t>c</a:t>
+            </a:r>
+            <a:r>
+              <a:rPr lang="en-US" altLang="en-US" sz="1500" dirty="0">
+                <a:solidFill>
+                  <a:srgbClr val="000000"/>
+                </a:solidFill>
+                <a:latin typeface="Times New Roman" panose="02020603050405020304" pitchFamily="18" charset="0"/>
+                <a:ea typeface="Courier New" panose="02070309020205020404" pitchFamily="49" charset="0"/>
+                <a:cs typeface="Times New Roman" panose="02020603050405020304" pitchFamily="18" charset="0"/>
+              </a:rPr>
+              <a:t>) </a:t>
+            </a:r>
+          </a:p>
+          <a:p>
+            <a:pPr lvl="0" eaLnBrk="0" fontAlgn="base" hangingPunct="0">
+              <a:spcBef>
+                <a:spcPct val="0"/>
+              </a:spcBef>
+              <a:spcAft>
+                <a:spcPct val="0"/>
+              </a:spcAft>
+              <a:buClrTx/>
+            </a:pPr>
+            <a:r>
+              <a:rPr lang="en-US" altLang="en-US" sz="1500" b="1" dirty="0">
+                <a:solidFill>
+                  <a:srgbClr val="000000"/>
+                </a:solidFill>
+                <a:latin typeface="Times New Roman" panose="02020603050405020304" pitchFamily="18" charset="0"/>
+                <a:ea typeface="Courier New" panose="02070309020205020404" pitchFamily="49" charset="0"/>
+                <a:cs typeface="Times New Roman" panose="02020603050405020304" pitchFamily="18" charset="0"/>
+              </a:rPr>
+              <a:t>end while</a:t>
+            </a:r>
+            <a:r>
+              <a:rPr lang="en-US" altLang="en-US" sz="1500" dirty="0">
+                <a:solidFill>
+                  <a:schemeClr val="tx1"/>
+                </a:solidFill>
+                <a:latin typeface="Times New Roman" panose="02020603050405020304" pitchFamily="18" charset="0"/>
+                <a:cs typeface="Times New Roman" panose="02020603050405020304" pitchFamily="18" charset="0"/>
+              </a:rPr>
+              <a:t> </a:t>
+            </a:r>
+          </a:p>
+        </p:txBody>
+      </p:sp>
+      <p:sp>
+        <p:nvSpPr>
+          <p:cNvPr id="7" name="TextBox 6">
+            <a:extLst>
+              <a:ext uri="{FF2B5EF4-FFF2-40B4-BE49-F238E27FC236}">
+                <a16:creationId xmlns:a16="http://schemas.microsoft.com/office/drawing/2014/main" id="{BDD655F3-C098-4F56-BD35-A1D3062579BE}"/>
+              </a:ext>
+            </a:extLst>
+          </p:cNvPr>
+          <p:cNvSpPr txBox="1"/>
+          <p:nvPr/>
+        </p:nvSpPr>
+        <p:spPr>
+          <a:xfrm>
+            <a:off x="393625" y="1033658"/>
+            <a:ext cx="3848986" cy="1015663"/>
+          </a:xfrm>
+          <a:prstGeom prst="rect">
+            <a:avLst/>
+          </a:prstGeom>
+          <a:noFill/>
+        </p:spPr>
+        <p:txBody>
+          <a:bodyPr wrap="square" rtlCol="0">
+            <a:spAutoFit/>
+          </a:bodyPr>
+          <a:lstStyle/>
+          <a:p>
+            <a:r>
+              <a:rPr lang="en-US" sz="2000" b="1" dirty="0">
+                <a:latin typeface="Times New Roman" panose="02020603050405020304" pitchFamily="18" charset="0"/>
+                <a:cs typeface="Times New Roman" panose="02020603050405020304" pitchFamily="18" charset="0"/>
+              </a:rPr>
+              <a:t>Pseudocode: Two approaches</a:t>
+            </a:r>
+          </a:p>
+          <a:p>
+            <a:r>
+              <a:rPr lang="en-US" sz="2000" b="1" dirty="0">
+                <a:latin typeface="Times New Roman" panose="02020603050405020304" pitchFamily="18" charset="0"/>
+                <a:cs typeface="Times New Roman" panose="02020603050405020304" pitchFamily="18" charset="0"/>
+              </a:rPr>
+              <a:t>// </a:t>
+            </a:r>
+            <a:r>
+              <a:rPr lang="en-US" sz="2000" dirty="0">
+                <a:latin typeface="Times New Roman" panose="02020603050405020304" pitchFamily="18" charset="0"/>
+                <a:cs typeface="Times New Roman" panose="02020603050405020304" pitchFamily="18" charset="0"/>
+              </a:rPr>
+              <a:t>Input: A problem P </a:t>
+            </a:r>
+          </a:p>
+          <a:p>
+            <a:r>
+              <a:rPr lang="en-US" sz="2000" b="1" dirty="0">
+                <a:latin typeface="Times New Roman" panose="02020603050405020304" pitchFamily="18" charset="0"/>
+                <a:cs typeface="Times New Roman" panose="02020603050405020304" pitchFamily="18" charset="0"/>
+              </a:rPr>
+              <a:t>// </a:t>
+            </a:r>
+            <a:r>
+              <a:rPr lang="en-US" sz="2000" dirty="0">
+                <a:latin typeface="Times New Roman" panose="02020603050405020304" pitchFamily="18" charset="0"/>
+                <a:cs typeface="Times New Roman" panose="02020603050405020304" pitchFamily="18" charset="0"/>
+              </a:rPr>
+              <a:t>Output: A solution c</a:t>
+            </a:r>
+            <a:endParaRPr lang="en-US" sz="2000" b="1" dirty="0">
+              <a:latin typeface="Times New Roman" panose="02020603050405020304" pitchFamily="18" charset="0"/>
+              <a:cs typeface="Times New Roman" panose="02020603050405020304" pitchFamily="18" charset="0"/>
+            </a:endParaRPr>
+          </a:p>
+        </p:txBody>
+      </p:sp>
+      <p:sp>
+        <p:nvSpPr>
+          <p:cNvPr id="8" name="TextBox 7">
+            <a:extLst>
+              <a:ext uri="{FF2B5EF4-FFF2-40B4-BE49-F238E27FC236}">
+                <a16:creationId xmlns:a16="http://schemas.microsoft.com/office/drawing/2014/main" id="{B43AA18C-FB3B-461B-8FFC-BC2F9393BCEB}"/>
+              </a:ext>
+            </a:extLst>
+          </p:cNvPr>
+          <p:cNvSpPr txBox="1"/>
+          <p:nvPr/>
+        </p:nvSpPr>
+        <p:spPr>
+          <a:xfrm>
+            <a:off x="5547484" y="4120109"/>
+            <a:ext cx="2478983" cy="323165"/>
+          </a:xfrm>
+          <a:prstGeom prst="rect">
+            <a:avLst/>
+          </a:prstGeom>
+          <a:noFill/>
+        </p:spPr>
+        <p:txBody>
+          <a:bodyPr wrap="square" rtlCol="0">
+            <a:spAutoFit/>
+          </a:bodyPr>
+          <a:lstStyle/>
+          <a:p>
+            <a:r>
+              <a:rPr lang="en-US" sz="1500" b="1" dirty="0" err="1">
+                <a:latin typeface="Times New Roman" panose="02020603050405020304" pitchFamily="18" charset="0"/>
+                <a:cs typeface="Times New Roman" panose="02020603050405020304" pitchFamily="18" charset="0"/>
+              </a:rPr>
+              <a:t>Tự</a:t>
+            </a:r>
+            <a:r>
+              <a:rPr lang="en-US" sz="1500" b="1" dirty="0">
+                <a:latin typeface="Times New Roman" panose="02020603050405020304" pitchFamily="18" charset="0"/>
+                <a:cs typeface="Times New Roman" panose="02020603050405020304" pitchFamily="18" charset="0"/>
+              </a:rPr>
+              <a:t> </a:t>
+            </a:r>
+            <a:r>
+              <a:rPr lang="en-US" sz="1500" b="1" dirty="0" err="1">
+                <a:latin typeface="Times New Roman" panose="02020603050405020304" pitchFamily="18" charset="0"/>
+                <a:cs typeface="Times New Roman" panose="02020603050405020304" pitchFamily="18" charset="0"/>
+              </a:rPr>
+              <a:t>phát</a:t>
+            </a:r>
+            <a:r>
+              <a:rPr lang="en-US" sz="1500" b="1" dirty="0">
+                <a:latin typeface="Times New Roman" panose="02020603050405020304" pitchFamily="18" charset="0"/>
+                <a:cs typeface="Times New Roman" panose="02020603050405020304" pitchFamily="18" charset="0"/>
+              </a:rPr>
+              <a:t> </a:t>
+            </a:r>
+            <a:r>
+              <a:rPr lang="en-US" sz="1500" b="1" dirty="0" err="1">
+                <a:latin typeface="Times New Roman" panose="02020603050405020304" pitchFamily="18" charset="0"/>
+                <a:cs typeface="Times New Roman" panose="02020603050405020304" pitchFamily="18" charset="0"/>
+              </a:rPr>
+              <a:t>các</a:t>
+            </a:r>
+            <a:r>
+              <a:rPr lang="en-US" sz="1500" b="1" dirty="0">
+                <a:latin typeface="Times New Roman" panose="02020603050405020304" pitchFamily="18" charset="0"/>
+                <a:cs typeface="Times New Roman" panose="02020603050405020304" pitchFamily="18" charset="0"/>
+              </a:rPr>
+              <a:t> </a:t>
+            </a:r>
+            <a:r>
+              <a:rPr lang="en-US" sz="1500" b="1" dirty="0" err="1">
+                <a:latin typeface="Times New Roman" panose="02020603050405020304" pitchFamily="18" charset="0"/>
+                <a:cs typeface="Times New Roman" panose="02020603050405020304" pitchFamily="18" charset="0"/>
+              </a:rPr>
+              <a:t>ứng</a:t>
+            </a:r>
+            <a:r>
+              <a:rPr lang="en-US" sz="1500" b="1" dirty="0">
+                <a:latin typeface="Times New Roman" panose="02020603050405020304" pitchFamily="18" charset="0"/>
+                <a:cs typeface="Times New Roman" panose="02020603050405020304" pitchFamily="18" charset="0"/>
+              </a:rPr>
+              <a:t> </a:t>
+            </a:r>
+            <a:r>
+              <a:rPr lang="en-US" sz="1500" b="1" dirty="0" err="1">
+                <a:latin typeface="Times New Roman" panose="02020603050405020304" pitchFamily="18" charset="0"/>
+                <a:cs typeface="Times New Roman" panose="02020603050405020304" pitchFamily="18" charset="0"/>
+              </a:rPr>
+              <a:t>cử</a:t>
+            </a:r>
+            <a:r>
+              <a:rPr lang="en-US" sz="1500" b="1" dirty="0">
+                <a:latin typeface="Times New Roman" panose="02020603050405020304" pitchFamily="18" charset="0"/>
+                <a:cs typeface="Times New Roman" panose="02020603050405020304" pitchFamily="18" charset="0"/>
+              </a:rPr>
+              <a:t> </a:t>
+            </a:r>
+            <a:r>
+              <a:rPr lang="en-US" sz="1500" b="1" dirty="0" err="1">
+                <a:latin typeface="Times New Roman" panose="02020603050405020304" pitchFamily="18" charset="0"/>
+                <a:cs typeface="Times New Roman" panose="02020603050405020304" pitchFamily="18" charset="0"/>
+              </a:rPr>
+              <a:t>viên</a:t>
+            </a:r>
+            <a:r>
+              <a:rPr lang="en-US" sz="1500" b="1" dirty="0">
+                <a:latin typeface="Times New Roman" panose="02020603050405020304" pitchFamily="18" charset="0"/>
+                <a:cs typeface="Times New Roman" panose="02020603050405020304" pitchFamily="18" charset="0"/>
+              </a:rPr>
+              <a:t> [2]</a:t>
+            </a:r>
+          </a:p>
+        </p:txBody>
+      </p:sp>
+      <p:sp>
+        <p:nvSpPr>
+          <p:cNvPr id="15" name="TextBox 14">
+            <a:extLst>
+              <a:ext uri="{FF2B5EF4-FFF2-40B4-BE49-F238E27FC236}">
+                <a16:creationId xmlns:a16="http://schemas.microsoft.com/office/drawing/2014/main" id="{E9072D5B-2EAD-4DC4-B8E0-46275E6D014D}"/>
+              </a:ext>
+            </a:extLst>
+          </p:cNvPr>
+          <p:cNvSpPr txBox="1"/>
+          <p:nvPr/>
+        </p:nvSpPr>
+        <p:spPr>
+          <a:xfrm>
+            <a:off x="1294681" y="4120109"/>
+            <a:ext cx="2301837" cy="323165"/>
+          </a:xfrm>
+          <a:prstGeom prst="rect">
+            <a:avLst/>
+          </a:prstGeom>
+          <a:noFill/>
+        </p:spPr>
+        <p:txBody>
+          <a:bodyPr wrap="square" rtlCol="0">
+            <a:spAutoFit/>
+          </a:bodyPr>
+          <a:lstStyle/>
+          <a:p>
+            <a:r>
+              <a:rPr lang="en-US" sz="1500" b="1" dirty="0" err="1">
+                <a:latin typeface="Times New Roman" panose="02020603050405020304" pitchFamily="18" charset="0"/>
+                <a:cs typeface="Times New Roman" panose="02020603050405020304" pitchFamily="18" charset="0"/>
+              </a:rPr>
+              <a:t>Có</a:t>
+            </a:r>
+            <a:r>
+              <a:rPr lang="en-US" sz="1500" b="1" dirty="0">
+                <a:latin typeface="Times New Roman" panose="02020603050405020304" pitchFamily="18" charset="0"/>
+                <a:cs typeface="Times New Roman" panose="02020603050405020304" pitchFamily="18" charset="0"/>
+              </a:rPr>
+              <a:t> </a:t>
+            </a:r>
+            <a:r>
+              <a:rPr lang="en-US" sz="1500" b="1" dirty="0" err="1">
+                <a:latin typeface="Times New Roman" panose="02020603050405020304" pitchFamily="18" charset="0"/>
+                <a:cs typeface="Times New Roman" panose="02020603050405020304" pitchFamily="18" charset="0"/>
+              </a:rPr>
+              <a:t>sẵn</a:t>
+            </a:r>
+            <a:r>
+              <a:rPr lang="en-US" sz="1500" b="1" dirty="0">
+                <a:latin typeface="Times New Roman" panose="02020603050405020304" pitchFamily="18" charset="0"/>
+                <a:cs typeface="Times New Roman" panose="02020603050405020304" pitchFamily="18" charset="0"/>
+              </a:rPr>
+              <a:t> </a:t>
+            </a:r>
+            <a:r>
+              <a:rPr lang="en-US" sz="1500" b="1" dirty="0" err="1">
+                <a:latin typeface="Times New Roman" panose="02020603050405020304" pitchFamily="18" charset="0"/>
+                <a:cs typeface="Times New Roman" panose="02020603050405020304" pitchFamily="18" charset="0"/>
+              </a:rPr>
+              <a:t>các</a:t>
+            </a:r>
+            <a:r>
+              <a:rPr lang="en-US" sz="1500" b="1" dirty="0">
+                <a:latin typeface="Times New Roman" panose="02020603050405020304" pitchFamily="18" charset="0"/>
+                <a:cs typeface="Times New Roman" panose="02020603050405020304" pitchFamily="18" charset="0"/>
+              </a:rPr>
+              <a:t> </a:t>
+            </a:r>
+            <a:r>
+              <a:rPr lang="en-US" sz="1500" b="1" dirty="0" err="1">
+                <a:latin typeface="Times New Roman" panose="02020603050405020304" pitchFamily="18" charset="0"/>
+                <a:cs typeface="Times New Roman" panose="02020603050405020304" pitchFamily="18" charset="0"/>
+              </a:rPr>
+              <a:t>ứng</a:t>
+            </a:r>
+            <a:r>
+              <a:rPr lang="en-US" sz="1500" b="1" dirty="0">
+                <a:latin typeface="Times New Roman" panose="02020603050405020304" pitchFamily="18" charset="0"/>
+                <a:cs typeface="Times New Roman" panose="02020603050405020304" pitchFamily="18" charset="0"/>
+              </a:rPr>
+              <a:t> </a:t>
+            </a:r>
+            <a:r>
+              <a:rPr lang="en-US" sz="1500" b="1" dirty="0" err="1">
+                <a:latin typeface="Times New Roman" panose="02020603050405020304" pitchFamily="18" charset="0"/>
+                <a:cs typeface="Times New Roman" panose="02020603050405020304" pitchFamily="18" charset="0"/>
+              </a:rPr>
+              <a:t>cử</a:t>
+            </a:r>
+            <a:r>
+              <a:rPr lang="en-US" sz="1500" b="1" dirty="0">
+                <a:latin typeface="Times New Roman" panose="02020603050405020304" pitchFamily="18" charset="0"/>
+                <a:cs typeface="Times New Roman" panose="02020603050405020304" pitchFamily="18" charset="0"/>
+              </a:rPr>
+              <a:t> </a:t>
+            </a:r>
+            <a:r>
+              <a:rPr lang="en-US" sz="1500" b="1" dirty="0" err="1">
+                <a:latin typeface="Times New Roman" panose="02020603050405020304" pitchFamily="18" charset="0"/>
+                <a:cs typeface="Times New Roman" panose="02020603050405020304" pitchFamily="18" charset="0"/>
+              </a:rPr>
+              <a:t>viên</a:t>
+            </a:r>
+            <a:endParaRPr lang="en-US" sz="1500" b="1" dirty="0">
+              <a:latin typeface="Times New Roman" panose="02020603050405020304" pitchFamily="18" charset="0"/>
+              <a:cs typeface="Times New Roman" panose="02020603050405020304" pitchFamily="18" charset="0"/>
+            </a:endParaRPr>
+          </a:p>
+        </p:txBody>
+      </p:sp>
+    </p:spTree>
+    <p:extLst>
+      <p:ext uri="{BB962C8B-B14F-4D97-AF65-F5344CB8AC3E}">
+        <p14:creationId xmlns:p14="http://schemas.microsoft.com/office/powerpoint/2010/main" val="230344840"/>
+      </p:ext>
+    </p:extLst>
+  </p:cSld>
+  <p:clrMapOvr>
+    <a:masterClrMapping/>
+  </p:clrMapOvr>
+  <p:transition spd="slow">
+    <p:push dir="u"/>
+  </p:transition>
+  <p:timing>
+    <p:tnLst>
+      <p:par>
+        <p:cTn id="1" dur="indefinite" restart="never" nodeType="tmRoot">
+          <p:childTnLst>
+            <p:seq concurrent="1" nextAc="seek">
+              <p:cTn id="2" dur="indefinite" nodeType="mainSeq">
+                <p:childTnLst>
                   <p:par>
-                    <p:cTn id="36" fill="hold">
+                    <p:cTn id="3" fill="hold">
                       <p:stCondLst>
                         <p:cond delay="indefinite"/>
                       </p:stCondLst>
                       <p:childTnLst>
                         <p:par>
-                          <p:cTn id="37" fill="hold">
+                          <p:cTn id="4" fill="hold">
                             <p:stCondLst>
                               <p:cond delay="0"/>
                             </p:stCondLst>
                             <p:childTnLst>
                               <p:par>
-                                <p:cTn id="38" presetID="10" presetClass="entr" presetSubtype="0" fill="hold" grpId="0" nodeType="clickEffect">
+                                <p:cTn id="5" presetID="2" presetClass="entr" presetSubtype="4" fill="hold" grpId="0" nodeType="clickEffect">
                                   <p:stCondLst>
                                     <p:cond delay="0"/>
                                   </p:stCondLst>
                                   <p:childTnLst>
                                     <p:set>
                                       <p:cBhvr>
-                                        <p:cTn id="39" dur="1" fill="hold">
+                                        <p:cTn id="6" dur="1" fill="hold">
                                           <p:stCondLst>
                                             <p:cond delay="0"/>
                                           </p:stCondLst>
                                         </p:cTn>
                                         <p:tgtEl>
-                                          <p:spTgt spid="3"/>
+                                          <p:spTgt spid="7"/>
                                         </p:tgtEl>
                                         <p:attrNameLst>
                                           <p:attrName>style.visibility</p:attrName>
@@ -21116,14 +22880,380 @@
                                         <p:strVal val="visible"/>
                                       </p:to>
                                     </p:set>
-                                    <p:animEffect transition="in" filter="fade">
+                                    <p:anim calcmode="lin" valueType="num">
+                                      <p:cBhvr additive="base">
+                                        <p:cTn id="7" dur="500" fill="hold"/>
+                                        <p:tgtEl>
+                                          <p:spTgt spid="7"/>
+                                        </p:tgtEl>
+                                        <p:attrNameLst>
+                                          <p:attrName>ppt_x</p:attrName>
+                                        </p:attrNameLst>
+                                      </p:cBhvr>
+                                      <p:tavLst>
+                                        <p:tav tm="0">
+                                          <p:val>
+                                            <p:strVal val="#ppt_x"/>
+                                          </p:val>
+                                        </p:tav>
+                                        <p:tav tm="100000">
+                                          <p:val>
+                                            <p:strVal val="#ppt_x"/>
+                                          </p:val>
+                                        </p:tav>
+                                      </p:tavLst>
+                                    </p:anim>
+                                    <p:anim calcmode="lin" valueType="num">
+                                      <p:cBhvr additive="base">
+                                        <p:cTn id="8" dur="500" fill="hold"/>
+                                        <p:tgtEl>
+                                          <p:spTgt spid="7"/>
+                                        </p:tgtEl>
+                                        <p:attrNameLst>
+                                          <p:attrName>ppt_y</p:attrName>
+                                        </p:attrNameLst>
+                                      </p:cBhvr>
+                                      <p:tavLst>
+                                        <p:tav tm="0">
+                                          <p:val>
+                                            <p:strVal val="1+#ppt_h/2"/>
+                                          </p:val>
+                                        </p:tav>
+                                        <p:tav tm="100000">
+                                          <p:val>
+                                            <p:strVal val="#ppt_y"/>
+                                          </p:val>
+                                        </p:tav>
+                                      </p:tavLst>
+                                    </p:anim>
+                                  </p:childTnLst>
+                                </p:cTn>
+                              </p:par>
+                            </p:childTnLst>
+                          </p:cTn>
+                        </p:par>
+                      </p:childTnLst>
+                    </p:cTn>
+                  </p:par>
+                  <p:par>
+                    <p:cTn id="9" fill="hold">
+                      <p:stCondLst>
+                        <p:cond delay="indefinite"/>
+                      </p:stCondLst>
+                      <p:childTnLst>
+                        <p:par>
+                          <p:cTn id="10" fill="hold">
+                            <p:stCondLst>
+                              <p:cond delay="0"/>
+                            </p:stCondLst>
+                            <p:childTnLst>
+                              <p:par>
+                                <p:cTn id="11" presetID="2" presetClass="entr" presetSubtype="4" fill="hold" grpId="0" nodeType="clickEffect">
+                                  <p:stCondLst>
+                                    <p:cond delay="0"/>
+                                  </p:stCondLst>
+                                  <p:childTnLst>
+                                    <p:set>
                                       <p:cBhvr>
-                                        <p:cTn id="40" dur="500"/>
+                                        <p:cTn id="12" dur="1" fill="hold">
+                                          <p:stCondLst>
+                                            <p:cond delay="0"/>
+                                          </p:stCondLst>
+                                        </p:cTn>
                                         <p:tgtEl>
-                                          <p:spTgt spid="3"/>
+                                          <p:spTgt spid="10"/>
                                         </p:tgtEl>
+                                        <p:attrNameLst>
+                                          <p:attrName>style.visibility</p:attrName>
+                                        </p:attrNameLst>
                                       </p:cBhvr>
-                                    </p:animEffect>
+                                      <p:to>
+                                        <p:strVal val="visible"/>
+                                      </p:to>
+                                    </p:set>
+                                    <p:anim calcmode="lin" valueType="num">
+                                      <p:cBhvr additive="base">
+                                        <p:cTn id="13" dur="500" fill="hold"/>
+                                        <p:tgtEl>
+                                          <p:spTgt spid="10"/>
+                                        </p:tgtEl>
+                                        <p:attrNameLst>
+                                          <p:attrName>ppt_x</p:attrName>
+                                        </p:attrNameLst>
+                                      </p:cBhvr>
+                                      <p:tavLst>
+                                        <p:tav tm="0">
+                                          <p:val>
+                                            <p:strVal val="#ppt_x"/>
+                                          </p:val>
+                                        </p:tav>
+                                        <p:tav tm="100000">
+                                          <p:val>
+                                            <p:strVal val="#ppt_x"/>
+                                          </p:val>
+                                        </p:tav>
+                                      </p:tavLst>
+                                    </p:anim>
+                                    <p:anim calcmode="lin" valueType="num">
+                                      <p:cBhvr additive="base">
+                                        <p:cTn id="14" dur="500" fill="hold"/>
+                                        <p:tgtEl>
+                                          <p:spTgt spid="10"/>
+                                        </p:tgtEl>
+                                        <p:attrNameLst>
+                                          <p:attrName>ppt_y</p:attrName>
+                                        </p:attrNameLst>
+                                      </p:cBhvr>
+                                      <p:tavLst>
+                                        <p:tav tm="0">
+                                          <p:val>
+                                            <p:strVal val="1+#ppt_h/2"/>
+                                          </p:val>
+                                        </p:tav>
+                                        <p:tav tm="100000">
+                                          <p:val>
+                                            <p:strVal val="#ppt_y"/>
+                                          </p:val>
+                                        </p:tav>
+                                      </p:tavLst>
+                                    </p:anim>
+                                  </p:childTnLst>
+                                </p:cTn>
+                              </p:par>
+                              <p:par>
+                                <p:cTn id="15" presetID="2" presetClass="entr" presetSubtype="4" fill="hold" grpId="0" nodeType="withEffect">
+                                  <p:stCondLst>
+                                    <p:cond delay="0"/>
+                                  </p:stCondLst>
+                                  <p:childTnLst>
+                                    <p:set>
+                                      <p:cBhvr>
+                                        <p:cTn id="16" dur="1" fill="hold">
+                                          <p:stCondLst>
+                                            <p:cond delay="0"/>
+                                          </p:stCondLst>
+                                        </p:cTn>
+                                        <p:tgtEl>
+                                          <p:spTgt spid="15"/>
+                                        </p:tgtEl>
+                                        <p:attrNameLst>
+                                          <p:attrName>style.visibility</p:attrName>
+                                        </p:attrNameLst>
+                                      </p:cBhvr>
+                                      <p:to>
+                                        <p:strVal val="visible"/>
+                                      </p:to>
+                                    </p:set>
+                                    <p:anim calcmode="lin" valueType="num">
+                                      <p:cBhvr additive="base">
+                                        <p:cTn id="17" dur="500" fill="hold"/>
+                                        <p:tgtEl>
+                                          <p:spTgt spid="15"/>
+                                        </p:tgtEl>
+                                        <p:attrNameLst>
+                                          <p:attrName>ppt_x</p:attrName>
+                                        </p:attrNameLst>
+                                      </p:cBhvr>
+                                      <p:tavLst>
+                                        <p:tav tm="0">
+                                          <p:val>
+                                            <p:strVal val="#ppt_x"/>
+                                          </p:val>
+                                        </p:tav>
+                                        <p:tav tm="100000">
+                                          <p:val>
+                                            <p:strVal val="#ppt_x"/>
+                                          </p:val>
+                                        </p:tav>
+                                      </p:tavLst>
+                                    </p:anim>
+                                    <p:anim calcmode="lin" valueType="num">
+                                      <p:cBhvr additive="base">
+                                        <p:cTn id="18" dur="500" fill="hold"/>
+                                        <p:tgtEl>
+                                          <p:spTgt spid="15"/>
+                                        </p:tgtEl>
+                                        <p:attrNameLst>
+                                          <p:attrName>ppt_y</p:attrName>
+                                        </p:attrNameLst>
+                                      </p:cBhvr>
+                                      <p:tavLst>
+                                        <p:tav tm="0">
+                                          <p:val>
+                                            <p:strVal val="1+#ppt_h/2"/>
+                                          </p:val>
+                                        </p:tav>
+                                        <p:tav tm="100000">
+                                          <p:val>
+                                            <p:strVal val="#ppt_y"/>
+                                          </p:val>
+                                        </p:tav>
+                                      </p:tavLst>
+                                    </p:anim>
+                                  </p:childTnLst>
+                                </p:cTn>
+                              </p:par>
+                            </p:childTnLst>
+                          </p:cTn>
+                        </p:par>
+                      </p:childTnLst>
+                    </p:cTn>
+                  </p:par>
+                  <p:par>
+                    <p:cTn id="19" fill="hold">
+                      <p:stCondLst>
+                        <p:cond delay="indefinite"/>
+                      </p:stCondLst>
+                      <p:childTnLst>
+                        <p:par>
+                          <p:cTn id="20" fill="hold">
+                            <p:stCondLst>
+                              <p:cond delay="0"/>
+                            </p:stCondLst>
+                            <p:childTnLst>
+                              <p:par>
+                                <p:cTn id="21" presetID="2" presetClass="entr" presetSubtype="4" fill="hold" grpId="0" nodeType="clickEffect">
+                                  <p:stCondLst>
+                                    <p:cond delay="0"/>
+                                  </p:stCondLst>
+                                  <p:childTnLst>
+                                    <p:set>
+                                      <p:cBhvr>
+                                        <p:cTn id="22" dur="1" fill="hold">
+                                          <p:stCondLst>
+                                            <p:cond delay="0"/>
+                                          </p:stCondLst>
+                                        </p:cTn>
+                                        <p:tgtEl>
+                                          <p:spTgt spid="11"/>
+                                        </p:tgtEl>
+                                        <p:attrNameLst>
+                                          <p:attrName>style.visibility</p:attrName>
+                                        </p:attrNameLst>
+                                      </p:cBhvr>
+                                      <p:to>
+                                        <p:strVal val="visible"/>
+                                      </p:to>
+                                    </p:set>
+                                    <p:anim calcmode="lin" valueType="num">
+                                      <p:cBhvr additive="base">
+                                        <p:cTn id="23" dur="500" fill="hold"/>
+                                        <p:tgtEl>
+                                          <p:spTgt spid="11"/>
+                                        </p:tgtEl>
+                                        <p:attrNameLst>
+                                          <p:attrName>ppt_x</p:attrName>
+                                        </p:attrNameLst>
+                                      </p:cBhvr>
+                                      <p:tavLst>
+                                        <p:tav tm="0">
+                                          <p:val>
+                                            <p:strVal val="#ppt_x"/>
+                                          </p:val>
+                                        </p:tav>
+                                        <p:tav tm="100000">
+                                          <p:val>
+                                            <p:strVal val="#ppt_x"/>
+                                          </p:val>
+                                        </p:tav>
+                                      </p:tavLst>
+                                    </p:anim>
+                                    <p:anim calcmode="lin" valueType="num">
+                                      <p:cBhvr additive="base">
+                                        <p:cTn id="24" dur="500" fill="hold"/>
+                                        <p:tgtEl>
+                                          <p:spTgt spid="11"/>
+                                        </p:tgtEl>
+                                        <p:attrNameLst>
+                                          <p:attrName>ppt_y</p:attrName>
+                                        </p:attrNameLst>
+                                      </p:cBhvr>
+                                      <p:tavLst>
+                                        <p:tav tm="0">
+                                          <p:val>
+                                            <p:strVal val="1+#ppt_h/2"/>
+                                          </p:val>
+                                        </p:tav>
+                                        <p:tav tm="100000">
+                                          <p:val>
+                                            <p:strVal val="#ppt_y"/>
+                                          </p:val>
+                                        </p:tav>
+                                      </p:tavLst>
+                                    </p:anim>
+                                  </p:childTnLst>
+                                </p:cTn>
+                              </p:par>
+                              <p:par>
+                                <p:cTn id="25" presetID="2" presetClass="entr" presetSubtype="4" fill="hold" grpId="0" nodeType="withEffect">
+                                  <p:stCondLst>
+                                    <p:cond delay="0"/>
+                                  </p:stCondLst>
+                                  <p:childTnLst>
+                                    <p:set>
+                                      <p:cBhvr>
+                                        <p:cTn id="26" dur="1" fill="hold">
+                                          <p:stCondLst>
+                                            <p:cond delay="0"/>
+                                          </p:stCondLst>
+                                        </p:cTn>
+                                        <p:tgtEl>
+                                          <p:spTgt spid="8"/>
+                                        </p:tgtEl>
+                                        <p:attrNameLst>
+                                          <p:attrName>style.visibility</p:attrName>
+                                        </p:attrNameLst>
+                                      </p:cBhvr>
+                                      <p:to>
+                                        <p:strVal val="visible"/>
+                                      </p:to>
+                                    </p:set>
+                                    <p:anim calcmode="lin" valueType="num">
+                                      <p:cBhvr additive="base">
+                                        <p:cTn id="27" dur="500" fill="hold"/>
+                                        <p:tgtEl>
+                                          <p:spTgt spid="8"/>
+                                        </p:tgtEl>
+                                        <p:attrNameLst>
+                                          <p:attrName>ppt_x</p:attrName>
+                                        </p:attrNameLst>
+                                      </p:cBhvr>
+                                      <p:tavLst>
+                                        <p:tav tm="0">
+                                          <p:val>
+                                            <p:strVal val="#ppt_x"/>
+                                          </p:val>
+                                        </p:tav>
+                                        <p:tav tm="100000">
+                                          <p:val>
+                                            <p:strVal val="#ppt_x"/>
+                                          </p:val>
+                                        </p:tav>
+                                      </p:tavLst>
+                                    </p:anim>
+                                    <p:anim calcmode="lin" valueType="num">
+                                      <p:cBhvr additive="base">
+                                        <p:cTn id="28" dur="500" fill="hold"/>
+                                        <p:tgtEl>
+                                          <p:spTgt spid="8"/>
+                                        </p:tgtEl>
+                                        <p:attrNameLst>
+                                          <p:attrName>ppt_y</p:attrName>
+                                        </p:attrNameLst>
+                                      </p:cBhvr>
+                                      <p:tavLst>
+                                        <p:tav tm="0">
+                                          <p:val>
+                                            <p:strVal val="1+#ppt_h/2"/>
+                                          </p:val>
+                                        </p:tav>
+                                        <p:tav tm="100000">
+                                          <p:val>
+                                            <p:strVal val="#ppt_y"/>
+                                          </p:val>
+                                        </p:tav>
+                                      </p:tavLst>
+                                    </p:anim>
                                   </p:childTnLst>
                                 </p:cTn>
                               </p:par>
@@ -21155,13 +23285,17 @@
       </p:par>
     </p:tnLst>
     <p:bldLst>
-      <p:bldP spid="3" grpId="0" animBg="1"/>
+      <p:bldP spid="10" grpId="0" animBg="1"/>
+      <p:bldP spid="11" grpId="0" animBg="1"/>
+      <p:bldP spid="7" grpId="0"/>
+      <p:bldP spid="8" grpId="0"/>
+      <p:bldP spid="15" grpId="0"/>
     </p:bldLst>
   </p:timing>
 </p:sld>
 </file>
 
-<file path=ppt/slides/slide7.xml><?xml version="1.0" encoding="utf-8"?>
+<file path=ppt/slides/slide8.xml><?xml version="1.0" encoding="utf-8"?>
 <p:sld xmlns:a="http://schemas.openxmlformats.org/drawingml/2006/main" xmlns:r="http://schemas.openxmlformats.org/officeDocument/2006/relationships" xmlns:p="http://schemas.openxmlformats.org/presentationml/2006/main">
   <p:cSld>
     <p:spTree>
@@ -21214,7 +23348,7 @@
             </a:pPr>
             <a:fld id="{00000000-1234-1234-1234-123412341234}" type="slidenum">
               <a:rPr lang="en"/>
-              <a:t>7</a:t>
+              <a:t>8</a:t>
             </a:fld>
             <a:endParaRPr/>
           </a:p>
@@ -26007,7 +28141,7 @@
 </p:sld>
 </file>
 
-<file path=ppt/slides/slide8.xml><?xml version="1.0" encoding="utf-8"?>
+<file path=ppt/slides/slide9.xml><?xml version="1.0" encoding="utf-8"?>
 <p:sld xmlns:a="http://schemas.openxmlformats.org/drawingml/2006/main" xmlns:r="http://schemas.openxmlformats.org/officeDocument/2006/relationships" xmlns:p="http://schemas.openxmlformats.org/presentationml/2006/main">
   <p:cSld>
     <p:spTree>
@@ -26113,7 +28247,7 @@
             </a:pPr>
             <a:fld id="{00000000-1234-1234-1234-123412341234}" type="slidenum">
               <a:rPr lang="en"/>
-              <a:t>8</a:t>
+              <a:t>9</a:t>
             </a:fld>
             <a:endParaRPr/>
           </a:p>
@@ -26149,7 +28283,13 @@
         <p:nvGraphicFramePr>
           <p:cNvPr id="142" name="Google Shape;142;p21"/>
           <p:cNvGraphicFramePr/>
-          <p:nvPr/>
+          <p:nvPr>
+            <p:extLst>
+              <p:ext uri="{D42A27DB-BD31-4B8C-83A1-F6EECF244321}">
+                <p14:modId xmlns:p14="http://schemas.microsoft.com/office/powerpoint/2010/main" val="1813077831"/>
+              </p:ext>
+            </p:extLst>
+          </p:nvPr>
         </p:nvGraphicFramePr>
         <p:xfrm>
           <a:off x="396600" y="1284212"/>
@@ -26335,7 +28475,7 @@
                           <a:cs typeface="Times New Roman"/>
                           <a:sym typeface="Times New Roman"/>
                         </a:rPr>
-                        <a:t>For some important problems, with no limitation on instance size, brute force could achieve a result with high accuracy. </a:t>
+                        <a:t>For some important problems, with no limitation on instance size, brute force could achieve a result with absolute accuracy. </a:t>
                       </a:r>
                       <a:endParaRPr sz="2000" dirty="0">
                         <a:solidFill>
@@ -26608,785 +28748,6 @@
         </p:cTn>
       </p:par>
     </p:tnLst>
-  </p:timing>
-</p:sld>
-</file>
-
-<file path=ppt/slides/slide9.xml><?xml version="1.0" encoding="utf-8"?>
-<p:sld xmlns:a="http://schemas.openxmlformats.org/drawingml/2006/main" xmlns:r="http://schemas.openxmlformats.org/officeDocument/2006/relationships" xmlns:p="http://schemas.openxmlformats.org/presentationml/2006/main">
-  <p:cSld>
-    <p:spTree>
-      <p:nvGrpSpPr>
-        <p:cNvPr id="1" name="Shape 146"/>
-        <p:cNvGrpSpPr/>
-        <p:nvPr/>
-      </p:nvGrpSpPr>
-      <p:grpSpPr>
-        <a:xfrm>
-          <a:off x="0" y="0"/>
-          <a:ext cx="0" cy="0"/>
-          <a:chOff x="0" y="0"/>
-          <a:chExt cx="0" cy="0"/>
-        </a:xfrm>
-      </p:grpSpPr>
-      <p:sp>
-        <p:nvSpPr>
-          <p:cNvPr id="147" name="Google Shape;147;p22"/>
-          <p:cNvSpPr txBox="1">
-            <a:spLocks noGrp="1"/>
-          </p:cNvSpPr>
-          <p:nvPr>
-            <p:ph type="title"/>
-          </p:nvPr>
-        </p:nvSpPr>
-        <p:spPr>
-          <a:xfrm>
-            <a:off x="393625" y="220475"/>
-            <a:ext cx="8520600" cy="572700"/>
-          </a:xfrm>
-          <a:prstGeom prst="rect">
-            <a:avLst/>
-          </a:prstGeom>
-        </p:spPr>
-        <p:txBody>
-          <a:bodyPr spcFirstLastPara="1" wrap="square" lIns="91425" tIns="91425" rIns="91425" bIns="91425" anchor="t" anchorCtr="0">
-            <a:noAutofit/>
-          </a:bodyPr>
-          <a:lstStyle/>
-          <a:p>
-            <a:pPr marL="0" lvl="0" indent="0" algn="l" rtl="0">
-              <a:spcBef>
-                <a:spcPts val="0"/>
-              </a:spcBef>
-              <a:spcAft>
-                <a:spcPts val="0"/>
-              </a:spcAft>
-              <a:buSzPts val="990"/>
-              <a:buNone/>
-            </a:pPr>
-            <a:r>
-              <a:rPr lang="en" sz="3020" b="1">
-                <a:latin typeface="Times New Roman"/>
-                <a:ea typeface="Times New Roman"/>
-                <a:cs typeface="Times New Roman"/>
-                <a:sym typeface="Times New Roman"/>
-              </a:rPr>
-              <a:t>IV. Applications</a:t>
-            </a:r>
-            <a:endParaRPr sz="3020" b="1">
-              <a:latin typeface="Times New Roman"/>
-              <a:ea typeface="Times New Roman"/>
-              <a:cs typeface="Times New Roman"/>
-              <a:sym typeface="Times New Roman"/>
-            </a:endParaRPr>
-          </a:p>
-        </p:txBody>
-      </p:sp>
-      <p:sp>
-        <p:nvSpPr>
-          <p:cNvPr id="148" name="Google Shape;148;p22"/>
-          <p:cNvSpPr txBox="1">
-            <a:spLocks noGrp="1"/>
-          </p:cNvSpPr>
-          <p:nvPr>
-            <p:ph type="body" idx="1"/>
-          </p:nvPr>
-        </p:nvSpPr>
-        <p:spPr>
-          <a:xfrm>
-            <a:off x="393625" y="1030573"/>
-            <a:ext cx="2568600" cy="572700"/>
-          </a:xfrm>
-          <a:prstGeom prst="rect">
-            <a:avLst/>
-          </a:prstGeom>
-        </p:spPr>
-        <p:txBody>
-          <a:bodyPr spcFirstLastPara="1" wrap="square" lIns="91425" tIns="91425" rIns="91425" bIns="91425" anchor="t" anchorCtr="0">
-            <a:noAutofit/>
-          </a:bodyPr>
-          <a:lstStyle/>
-          <a:p>
-            <a:pPr marL="0" lvl="0" indent="0" algn="l" rtl="0">
-              <a:spcBef>
-                <a:spcPts val="0"/>
-              </a:spcBef>
-              <a:spcAft>
-                <a:spcPts val="1200"/>
-              </a:spcAft>
-              <a:buNone/>
-            </a:pPr>
-            <a:r>
-              <a:rPr lang="en" sz="2000" b="1" dirty="0">
-                <a:solidFill>
-                  <a:srgbClr val="000000"/>
-                </a:solidFill>
-                <a:latin typeface="Times New Roman"/>
-                <a:ea typeface="Times New Roman"/>
-                <a:cs typeface="Times New Roman"/>
-                <a:sym typeface="Times New Roman"/>
-              </a:rPr>
-              <a:t>Crack wifi password</a:t>
-            </a:r>
-            <a:endParaRPr sz="2000" b="1" dirty="0">
-              <a:solidFill>
-                <a:srgbClr val="000000"/>
-              </a:solidFill>
-              <a:latin typeface="Times New Roman"/>
-              <a:ea typeface="Times New Roman"/>
-              <a:cs typeface="Times New Roman"/>
-              <a:sym typeface="Times New Roman"/>
-            </a:endParaRPr>
-          </a:p>
-        </p:txBody>
-      </p:sp>
-      <p:sp>
-        <p:nvSpPr>
-          <p:cNvPr id="149" name="Google Shape;149;p22"/>
-          <p:cNvSpPr txBox="1">
-            <a:spLocks noGrp="1"/>
-          </p:cNvSpPr>
-          <p:nvPr>
-            <p:ph type="sldNum" idx="12"/>
-          </p:nvPr>
-        </p:nvSpPr>
-        <p:spPr>
-          <a:xfrm>
-            <a:off x="8472458" y="4663217"/>
-            <a:ext cx="548700" cy="393600"/>
-          </a:xfrm>
-          <a:prstGeom prst="rect">
-            <a:avLst/>
-          </a:prstGeom>
-        </p:spPr>
-        <p:txBody>
-          <a:bodyPr spcFirstLastPara="1" wrap="square" lIns="91425" tIns="91425" rIns="91425" bIns="91425" anchor="ctr" anchorCtr="0">
-            <a:normAutofit/>
-          </a:bodyPr>
-          <a:lstStyle/>
-          <a:p>
-            <a:pPr marL="0" lvl="0" indent="0" algn="r" rtl="0">
-              <a:spcBef>
-                <a:spcPts val="0"/>
-              </a:spcBef>
-              <a:spcAft>
-                <a:spcPts val="0"/>
-              </a:spcAft>
-              <a:buNone/>
-            </a:pPr>
-            <a:fld id="{00000000-1234-1234-1234-123412341234}" type="slidenum">
-              <a:rPr lang="en"/>
-              <a:t>9</a:t>
-            </a:fld>
-            <a:endParaRPr/>
-          </a:p>
-        </p:txBody>
-      </p:sp>
-      <p:cxnSp>
-        <p:nvCxnSpPr>
-          <p:cNvPr id="150" name="Google Shape;150;p22"/>
-          <p:cNvCxnSpPr/>
-          <p:nvPr/>
-        </p:nvCxnSpPr>
-        <p:spPr>
-          <a:xfrm>
-            <a:off x="396625" y="892350"/>
-            <a:ext cx="8514600" cy="0"/>
-          </a:xfrm>
-          <a:prstGeom prst="straightConnector1">
-            <a:avLst/>
-          </a:prstGeom>
-          <a:noFill/>
-          <a:ln w="76200" cap="flat" cmpd="sng">
-            <a:solidFill>
-              <a:srgbClr val="000000"/>
-            </a:solidFill>
-            <a:prstDash val="solid"/>
-            <a:round/>
-            <a:headEnd type="none" w="med" len="med"/>
-            <a:tailEnd type="none" w="med" len="med"/>
-          </a:ln>
-        </p:spPr>
-      </p:cxnSp>
-      <p:pic>
-        <p:nvPicPr>
-          <p:cNvPr id="1026" name="Picture 2" descr="How To Hack WPA2-PSK Secured Wi-Fi Password Using Kali Linux">
-            <a:extLst>
-              <a:ext uri="{FF2B5EF4-FFF2-40B4-BE49-F238E27FC236}">
-                <a16:creationId xmlns:a16="http://schemas.microsoft.com/office/drawing/2014/main" id="{096A81FB-7521-4FEE-8ECD-E0FBADCC1BFD}"/>
-              </a:ext>
-            </a:extLst>
-          </p:cNvPr>
-          <p:cNvPicPr>
-            <a:picLocks noChangeAspect="1" noChangeArrowheads="1"/>
-          </p:cNvPicPr>
-          <p:nvPr/>
-        </p:nvPicPr>
-        <p:blipFill>
-          <a:blip r:embed="rId3">
-            <a:extLst>
-              <a:ext uri="{28A0092B-C50C-407E-A947-70E740481C1C}">
-                <a14:useLocalDpi xmlns:a14="http://schemas.microsoft.com/office/drawing/2010/main" val="0"/>
-              </a:ext>
-            </a:extLst>
-          </a:blip>
-          <a:srcRect/>
-          <a:stretch>
-            <a:fillRect/>
-          </a:stretch>
-        </p:blipFill>
-        <p:spPr bwMode="auto">
-          <a:xfrm>
-            <a:off x="2930799" y="1142031"/>
-            <a:ext cx="5816009" cy="3271505"/>
-          </a:xfrm>
-          <a:prstGeom prst="rect">
-            <a:avLst/>
-          </a:prstGeom>
-          <a:noFill/>
-          <a:extLst>
-            <a:ext uri="{909E8E84-426E-40DD-AFC4-6F175D3DCCD1}">
-              <a14:hiddenFill xmlns:a14="http://schemas.microsoft.com/office/drawing/2010/main">
-                <a:solidFill>
-                  <a:srgbClr val="FFFFFF"/>
-                </a:solidFill>
-              </a14:hiddenFill>
-            </a:ext>
-          </a:extLst>
-        </p:spPr>
-      </p:pic>
-      <p:sp>
-        <p:nvSpPr>
-          <p:cNvPr id="2" name="TextBox 1">
-            <a:extLst>
-              <a:ext uri="{FF2B5EF4-FFF2-40B4-BE49-F238E27FC236}">
-                <a16:creationId xmlns:a16="http://schemas.microsoft.com/office/drawing/2014/main" id="{FA3CE7FE-4CC7-4724-8B00-B98ED68481BD}"/>
-              </a:ext>
-            </a:extLst>
-          </p:cNvPr>
-          <p:cNvSpPr txBox="1"/>
-          <p:nvPr/>
-        </p:nvSpPr>
-        <p:spPr>
-          <a:xfrm>
-            <a:off x="4138307" y="4402701"/>
-            <a:ext cx="4231758" cy="276999"/>
-          </a:xfrm>
-          <a:prstGeom prst="rect">
-            <a:avLst/>
-          </a:prstGeom>
-          <a:noFill/>
-        </p:spPr>
-        <p:txBody>
-          <a:bodyPr wrap="square" rtlCol="0">
-            <a:spAutoFit/>
-          </a:bodyPr>
-          <a:lstStyle/>
-          <a:p>
-            <a:r>
-              <a:rPr lang="en-US" sz="1200" b="1" dirty="0">
-                <a:latin typeface="Times New Roman" panose="02020603050405020304" pitchFamily="18" charset="0"/>
-                <a:cs typeface="Times New Roman" panose="02020603050405020304" pitchFamily="18" charset="0"/>
-              </a:rPr>
-              <a:t>Crack </a:t>
-            </a:r>
-            <a:r>
-              <a:rPr lang="en-US" sz="1200" b="1" dirty="0" err="1">
-                <a:latin typeface="Times New Roman" panose="02020603050405020304" pitchFamily="18" charset="0"/>
-                <a:cs typeface="Times New Roman" panose="02020603050405020304" pitchFamily="18" charset="0"/>
-              </a:rPr>
-              <a:t>wifi</a:t>
-            </a:r>
-            <a:r>
-              <a:rPr lang="en-US" sz="1200" b="1" dirty="0">
-                <a:latin typeface="Times New Roman" panose="02020603050405020304" pitchFamily="18" charset="0"/>
-                <a:cs typeface="Times New Roman" panose="02020603050405020304" pitchFamily="18" charset="0"/>
-              </a:rPr>
-              <a:t> password on Kali Linux using Brute Force </a:t>
-            </a:r>
-            <a:r>
-              <a:rPr lang="en-US" sz="1200" b="1" baseline="30000" dirty="0">
-                <a:latin typeface="Times New Roman" panose="02020603050405020304" pitchFamily="18" charset="0"/>
-                <a:cs typeface="Times New Roman" panose="02020603050405020304" pitchFamily="18" charset="0"/>
-              </a:rPr>
-              <a:t>1</a:t>
-            </a:r>
-          </a:p>
-        </p:txBody>
-      </p:sp>
-      <p:grpSp>
-        <p:nvGrpSpPr>
-          <p:cNvPr id="8" name="Google Shape;83;p16">
-            <a:extLst>
-              <a:ext uri="{FF2B5EF4-FFF2-40B4-BE49-F238E27FC236}">
-                <a16:creationId xmlns:a16="http://schemas.microsoft.com/office/drawing/2014/main" id="{86493385-68A1-41FF-ADDD-81160EB2DCC0}"/>
-              </a:ext>
-            </a:extLst>
-          </p:cNvPr>
-          <p:cNvGrpSpPr/>
-          <p:nvPr/>
-        </p:nvGrpSpPr>
-        <p:grpSpPr>
-          <a:xfrm>
-            <a:off x="122841" y="4499404"/>
-            <a:ext cx="7447539" cy="846355"/>
-            <a:chOff x="178350" y="4444446"/>
-            <a:chExt cx="5823000" cy="846355"/>
-          </a:xfrm>
-        </p:grpSpPr>
-        <p:sp>
-          <p:nvSpPr>
-            <p:cNvPr id="9" name="Google Shape;84;p16">
-              <a:extLst>
-                <a:ext uri="{FF2B5EF4-FFF2-40B4-BE49-F238E27FC236}">
-                  <a16:creationId xmlns:a16="http://schemas.microsoft.com/office/drawing/2014/main" id="{BF0A41E3-67A9-4883-BA3E-908494EF06DF}"/>
-                </a:ext>
-              </a:extLst>
-            </p:cNvPr>
-            <p:cNvSpPr txBox="1"/>
-            <p:nvPr/>
-          </p:nvSpPr>
-          <p:spPr>
-            <a:xfrm>
-              <a:off x="178350" y="4444446"/>
-              <a:ext cx="5823000" cy="846355"/>
-            </a:xfrm>
-            <a:prstGeom prst="rect">
-              <a:avLst/>
-            </a:prstGeom>
-            <a:noFill/>
-            <a:ln>
-              <a:noFill/>
-            </a:ln>
-          </p:spPr>
-          <p:txBody>
-            <a:bodyPr spcFirstLastPara="1" wrap="square" lIns="91425" tIns="91425" rIns="91425" bIns="91425" anchor="t" anchorCtr="0">
-              <a:spAutoFit/>
-            </a:bodyPr>
-            <a:lstStyle/>
-            <a:p>
-              <a:pPr marL="0" lvl="0" indent="0" algn="l" rtl="0">
-                <a:lnSpc>
-                  <a:spcPct val="115000"/>
-                </a:lnSpc>
-                <a:spcBef>
-                  <a:spcPts val="1200"/>
-                </a:spcBef>
-                <a:spcAft>
-                  <a:spcPts val="1200"/>
-                </a:spcAft>
-                <a:buClr>
-                  <a:schemeClr val="dk1"/>
-                </a:buClr>
-                <a:buSzPts val="1100"/>
-                <a:buFont typeface="Arial"/>
-                <a:buNone/>
-              </a:pPr>
-              <a:r>
-                <a:rPr lang="en-US" sz="1000" baseline="30000" dirty="0">
-                  <a:latin typeface="Open Sans"/>
-                </a:rPr>
-                <a:t>1 </a:t>
-              </a:r>
-              <a:r>
-                <a:rPr lang="en-US" sz="1000" b="0" i="0" dirty="0">
-                  <a:solidFill>
-                    <a:srgbClr val="000000"/>
-                  </a:solidFill>
-                  <a:effectLst/>
-                  <a:latin typeface="Open Sans"/>
-                </a:rPr>
-                <a:t>V. Kumar et al., "How To Hack WPA2-PSK Secured Wi-Fi Password Using Kali Linux", </a:t>
-              </a:r>
-              <a:r>
-                <a:rPr lang="en-US" sz="1000" b="0" i="1" dirty="0">
-                  <a:solidFill>
-                    <a:srgbClr val="000000"/>
-                  </a:solidFill>
-                  <a:effectLst/>
-                  <a:latin typeface="Open Sans"/>
-                </a:rPr>
-                <a:t>Pro Hacker</a:t>
-              </a:r>
-              <a:r>
-                <a:rPr lang="en-US" sz="1000" b="0" i="0" dirty="0">
-                  <a:solidFill>
-                    <a:srgbClr val="000000"/>
-                  </a:solidFill>
-                  <a:effectLst/>
-                  <a:latin typeface="Open Sans"/>
-                </a:rPr>
-                <a:t>, 2021. [Online]. Available: https://www.prophethacker.com/2016/09/hack-wpa2-secured-wifi-password-using-kali-linux.html. [Accessed: 07- Apr- 2021].</a:t>
-              </a:r>
-              <a:endParaRPr sz="1000" dirty="0">
-                <a:solidFill>
-                  <a:schemeClr val="dk1"/>
-                </a:solidFill>
-              </a:endParaRPr>
-            </a:p>
-          </p:txBody>
-        </p:sp>
-        <p:cxnSp>
-          <p:nvCxnSpPr>
-            <p:cNvPr id="10" name="Google Shape;85;p16">
-              <a:extLst>
-                <a:ext uri="{FF2B5EF4-FFF2-40B4-BE49-F238E27FC236}">
-                  <a16:creationId xmlns:a16="http://schemas.microsoft.com/office/drawing/2014/main" id="{A666495E-CCFD-4B03-BF21-B496F186F077}"/>
-                </a:ext>
-              </a:extLst>
-            </p:cNvPr>
-            <p:cNvCxnSpPr/>
-            <p:nvPr/>
-          </p:nvCxnSpPr>
-          <p:spPr>
-            <a:xfrm>
-              <a:off x="178350" y="4602175"/>
-              <a:ext cx="1197600" cy="1500"/>
-            </a:xfrm>
-            <a:prstGeom prst="straightConnector1">
-              <a:avLst/>
-            </a:prstGeom>
-            <a:noFill/>
-            <a:ln w="19050" cap="flat" cmpd="sng">
-              <a:solidFill>
-                <a:schemeClr val="dk2"/>
-              </a:solidFill>
-              <a:prstDash val="solid"/>
-              <a:round/>
-              <a:headEnd type="none" w="med" len="med"/>
-              <a:tailEnd type="none" w="med" len="med"/>
-            </a:ln>
-          </p:spPr>
-        </p:cxnSp>
-      </p:grpSp>
-    </p:spTree>
-  </p:cSld>
-  <p:clrMapOvr>
-    <a:masterClrMapping/>
-  </p:clrMapOvr>
-  <mc:AlternateContent xmlns:mc="http://schemas.openxmlformats.org/markup-compatibility/2006" xmlns:p14="http://schemas.microsoft.com/office/powerpoint/2010/main">
-    <mc:Choice Requires="p14">
-      <p:transition spd="slow" p14:dur="800">
-        <p:circle/>
-      </p:transition>
-    </mc:Choice>
-    <mc:Fallback xmlns="">
-      <p:transition spd="slow">
-        <p:circle/>
-      </p:transition>
-    </mc:Fallback>
-  </mc:AlternateContent>
-  <p:timing>
-    <p:tnLst>
-      <p:par>
-        <p:cTn id="1" dur="indefinite" restart="never" nodeType="tmRoot">
-          <p:childTnLst>
-            <p:seq concurrent="1" nextAc="seek">
-              <p:cTn id="2" dur="indefinite" nodeType="mainSeq">
-                <p:childTnLst>
-                  <p:par>
-                    <p:cTn id="3" fill="hold">
-                      <p:stCondLst>
-                        <p:cond delay="indefinite"/>
-                      </p:stCondLst>
-                      <p:childTnLst>
-                        <p:par>
-                          <p:cTn id="4" fill="hold">
-                            <p:stCondLst>
-                              <p:cond delay="0"/>
-                            </p:stCondLst>
-                            <p:childTnLst>
-                              <p:par>
-                                <p:cTn id="5" presetID="10" presetClass="entr" presetSubtype="0" fill="hold" grpId="0" nodeType="clickEffect">
-                                  <p:stCondLst>
-                                    <p:cond delay="0"/>
-                                  </p:stCondLst>
-                                  <p:childTnLst>
-                                    <p:set>
-                                      <p:cBhvr>
-                                        <p:cTn id="6" dur="1" fill="hold">
-                                          <p:stCondLst>
-                                            <p:cond delay="0"/>
-                                          </p:stCondLst>
-                                        </p:cTn>
-                                        <p:tgtEl>
-                                          <p:spTgt spid="148">
-                                            <p:txEl>
-                                              <p:pRg st="0" end="0"/>
-                                            </p:txEl>
-                                          </p:spTgt>
-                                        </p:tgtEl>
-                                        <p:attrNameLst>
-                                          <p:attrName>style.visibility</p:attrName>
-                                        </p:attrNameLst>
-                                      </p:cBhvr>
-                                      <p:to>
-                                        <p:strVal val="visible"/>
-                                      </p:to>
-                                    </p:set>
-                                    <p:animEffect transition="in" filter="fade">
-                                      <p:cBhvr>
-                                        <p:cTn id="7" dur="500"/>
-                                        <p:tgtEl>
-                                          <p:spTgt spid="148">
-                                            <p:txEl>
-                                              <p:pRg st="0" end="0"/>
-                                            </p:txEl>
-                                          </p:spTgt>
-                                        </p:tgtEl>
-                                      </p:cBhvr>
-                                    </p:animEffect>
-                                  </p:childTnLst>
-                                </p:cTn>
-                              </p:par>
-                            </p:childTnLst>
-                          </p:cTn>
-                        </p:par>
-                      </p:childTnLst>
-                    </p:cTn>
-                  </p:par>
-                  <p:par>
-                    <p:cTn id="8" fill="hold">
-                      <p:stCondLst>
-                        <p:cond delay="indefinite"/>
-                      </p:stCondLst>
-                      <p:childTnLst>
-                        <p:par>
-                          <p:cTn id="9" fill="hold">
-                            <p:stCondLst>
-                              <p:cond delay="0"/>
-                            </p:stCondLst>
-                            <p:childTnLst>
-                              <p:par>
-                                <p:cTn id="10" presetID="16" presetClass="entr" presetSubtype="21" fill="hold" nodeType="clickEffect">
-                                  <p:stCondLst>
-                                    <p:cond delay="0"/>
-                                  </p:stCondLst>
-                                  <p:childTnLst>
-                                    <p:set>
-                                      <p:cBhvr>
-                                        <p:cTn id="11" dur="1" fill="hold">
-                                          <p:stCondLst>
-                                            <p:cond delay="0"/>
-                                          </p:stCondLst>
-                                        </p:cTn>
-                                        <p:tgtEl>
-                                          <p:spTgt spid="1026"/>
-                                        </p:tgtEl>
-                                        <p:attrNameLst>
-                                          <p:attrName>style.visibility</p:attrName>
-                                        </p:attrNameLst>
-                                      </p:cBhvr>
-                                      <p:to>
-                                        <p:strVal val="visible"/>
-                                      </p:to>
-                                    </p:set>
-                                    <p:animEffect transition="in" filter="barn(inVertical)">
-                                      <p:cBhvr>
-                                        <p:cTn id="12" dur="500"/>
-                                        <p:tgtEl>
-                                          <p:spTgt spid="1026"/>
-                                        </p:tgtEl>
-                                      </p:cBhvr>
-                                    </p:animEffect>
-                                  </p:childTnLst>
-                                </p:cTn>
-                              </p:par>
-                            </p:childTnLst>
-                          </p:cTn>
-                        </p:par>
-                        <p:par>
-                          <p:cTn id="13" fill="hold">
-                            <p:stCondLst>
-                              <p:cond delay="500"/>
-                            </p:stCondLst>
-                            <p:childTnLst>
-                              <p:par>
-                                <p:cTn id="14" presetID="2" presetClass="entr" presetSubtype="4" fill="hold" grpId="0" nodeType="afterEffect">
-                                  <p:stCondLst>
-                                    <p:cond delay="0"/>
-                                  </p:stCondLst>
-                                  <p:childTnLst>
-                                    <p:set>
-                                      <p:cBhvr>
-                                        <p:cTn id="15" dur="1" fill="hold">
-                                          <p:stCondLst>
-                                            <p:cond delay="0"/>
-                                          </p:stCondLst>
-                                        </p:cTn>
-                                        <p:tgtEl>
-                                          <p:spTgt spid="2"/>
-                                        </p:tgtEl>
-                                        <p:attrNameLst>
-                                          <p:attrName>style.visibility</p:attrName>
-                                        </p:attrNameLst>
-                                      </p:cBhvr>
-                                      <p:to>
-                                        <p:strVal val="visible"/>
-                                      </p:to>
-                                    </p:set>
-                                    <p:anim calcmode="lin" valueType="num">
-                                      <p:cBhvr additive="base">
-                                        <p:cTn id="16" dur="500" fill="hold"/>
-                                        <p:tgtEl>
-                                          <p:spTgt spid="2"/>
-                                        </p:tgtEl>
-                                        <p:attrNameLst>
-                                          <p:attrName>ppt_x</p:attrName>
-                                        </p:attrNameLst>
-                                      </p:cBhvr>
-                                      <p:tavLst>
-                                        <p:tav tm="0">
-                                          <p:val>
-                                            <p:strVal val="#ppt_x"/>
-                                          </p:val>
-                                        </p:tav>
-                                        <p:tav tm="100000">
-                                          <p:val>
-                                            <p:strVal val="#ppt_x"/>
-                                          </p:val>
-                                        </p:tav>
-                                      </p:tavLst>
-                                    </p:anim>
-                                    <p:anim calcmode="lin" valueType="num">
-                                      <p:cBhvr additive="base">
-                                        <p:cTn id="17" dur="500" fill="hold"/>
-                                        <p:tgtEl>
-                                          <p:spTgt spid="2"/>
-                                        </p:tgtEl>
-                                        <p:attrNameLst>
-                                          <p:attrName>ppt_y</p:attrName>
-                                        </p:attrNameLst>
-                                      </p:cBhvr>
-                                      <p:tavLst>
-                                        <p:tav tm="0">
-                                          <p:val>
-                                            <p:strVal val="1+#ppt_h/2"/>
-                                          </p:val>
-                                        </p:tav>
-                                        <p:tav tm="100000">
-                                          <p:val>
-                                            <p:strVal val="#ppt_y"/>
-                                          </p:val>
-                                        </p:tav>
-                                      </p:tavLst>
-                                    </p:anim>
-                                  </p:childTnLst>
-                                </p:cTn>
-                              </p:par>
-                            </p:childTnLst>
-                          </p:cTn>
-                        </p:par>
-                        <p:par>
-                          <p:cTn id="18" fill="hold">
-                            <p:stCondLst>
-                              <p:cond delay="1000"/>
-                            </p:stCondLst>
-                            <p:childTnLst>
-                              <p:par>
-                                <p:cTn id="19" presetID="2" presetClass="entr" presetSubtype="4" fill="hold" nodeType="afterEffect">
-                                  <p:stCondLst>
-                                    <p:cond delay="0"/>
-                                  </p:stCondLst>
-                                  <p:childTnLst>
-                                    <p:set>
-                                      <p:cBhvr>
-                                        <p:cTn id="20" dur="1" fill="hold">
-                                          <p:stCondLst>
-                                            <p:cond delay="0"/>
-                                          </p:stCondLst>
-                                        </p:cTn>
-                                        <p:tgtEl>
-                                          <p:spTgt spid="8"/>
-                                        </p:tgtEl>
-                                        <p:attrNameLst>
-                                          <p:attrName>style.visibility</p:attrName>
-                                        </p:attrNameLst>
-                                      </p:cBhvr>
-                                      <p:to>
-                                        <p:strVal val="visible"/>
-                                      </p:to>
-                                    </p:set>
-                                    <p:anim calcmode="lin" valueType="num">
-                                      <p:cBhvr additive="base">
-                                        <p:cTn id="21" dur="500" fill="hold"/>
-                                        <p:tgtEl>
-                                          <p:spTgt spid="8"/>
-                                        </p:tgtEl>
-                                        <p:attrNameLst>
-                                          <p:attrName>ppt_x</p:attrName>
-                                        </p:attrNameLst>
-                                      </p:cBhvr>
-                                      <p:tavLst>
-                                        <p:tav tm="0">
-                                          <p:val>
-                                            <p:strVal val="#ppt_x"/>
-                                          </p:val>
-                                        </p:tav>
-                                        <p:tav tm="100000">
-                                          <p:val>
-                                            <p:strVal val="#ppt_x"/>
-                                          </p:val>
-                                        </p:tav>
-                                      </p:tavLst>
-                                    </p:anim>
-                                    <p:anim calcmode="lin" valueType="num">
-                                      <p:cBhvr additive="base">
-                                        <p:cTn id="22" dur="500" fill="hold"/>
-                                        <p:tgtEl>
-                                          <p:spTgt spid="8"/>
-                                        </p:tgtEl>
-                                        <p:attrNameLst>
-                                          <p:attrName>ppt_y</p:attrName>
-                                        </p:attrNameLst>
-                                      </p:cBhvr>
-                                      <p:tavLst>
-                                        <p:tav tm="0">
-                                          <p:val>
-                                            <p:strVal val="1+#ppt_h/2"/>
-                                          </p:val>
-                                        </p:tav>
-                                        <p:tav tm="100000">
-                                          <p:val>
-                                            <p:strVal val="#ppt_y"/>
-                                          </p:val>
-                                        </p:tav>
-                                      </p:tavLst>
-                                    </p:anim>
-                                  </p:childTnLst>
-                                </p:cTn>
-                              </p:par>
-                            </p:childTnLst>
-                          </p:cTn>
-                        </p:par>
-                      </p:childTnLst>
-                    </p:cTn>
-                  </p:par>
-                </p:childTnLst>
-              </p:cTn>
-              <p:prevCondLst>
-                <p:cond evt="onPrev" delay="0">
-                  <p:tgtEl>
-                    <p:sldTgt/>
-                  </p:tgtEl>
-                </p:cond>
-              </p:prevCondLst>
-              <p:nextCondLst>
-                <p:cond evt="onNext" delay="0">
-                  <p:tgtEl>
-                    <p:sldTgt/>
-                  </p:tgtEl>
-                </p:cond>
-              </p:nextCondLst>
-            </p:seq>
-          </p:childTnLst>
-        </p:cTn>
-      </p:par>
-    </p:tnLst>
-    <p:bldLst>
-      <p:bldP spid="148" grpId="0" build="p"/>
-      <p:bldP spid="2" grpId="0"/>
-    </p:bldLst>
   </p:timing>
 </p:sld>
 </file>
@@ -27954,18 +29315,18 @@
 </file>
 
 <file path=customXml/item1.xml><?xml version="1.0" encoding="utf-8"?>
-<p:properties xmlns:p="http://schemas.microsoft.com/office/2006/metadata/properties" xmlns:xsi="http://www.w3.org/2001/XMLSchema-instance" xmlns:pc="http://schemas.microsoft.com/office/infopath/2007/PartnerControls">
-  <documentManagement/>
-</p:properties>
-</file>
-
-<file path=customXml/item2.xml><?xml version="1.0" encoding="utf-8"?>
 <?mso-contentType ?>
 <FormTemplates xmlns="http://schemas.microsoft.com/sharepoint/v3/contenttype/forms">
   <Display>DocumentLibraryForm</Display>
   <Edit>DocumentLibraryForm</Edit>
   <New>DocumentLibraryForm</New>
 </FormTemplates>
+</file>
+
+<file path=customXml/item2.xml><?xml version="1.0" encoding="utf-8"?>
+<p:properties xmlns:p="http://schemas.microsoft.com/office/2006/metadata/properties" xmlns:xsi="http://www.w3.org/2001/XMLSchema-instance" xmlns:pc="http://schemas.microsoft.com/office/infopath/2007/PartnerControls">
+  <documentManagement/>
+</p:properties>
 </file>
 
 <file path=customXml/item3.xml><?xml version="1.0" encoding="utf-8"?>
@@ -28140,6 +29501,14 @@
 </file>
 
 <file path=customXml/itemProps1.xml><?xml version="1.0" encoding="utf-8"?>
+<ds:datastoreItem xmlns:ds="http://schemas.openxmlformats.org/officeDocument/2006/customXml" ds:itemID="{180FAB0C-33EC-40EB-BC1E-7300DEBBD672}">
+  <ds:schemaRefs>
+    <ds:schemaRef ds:uri="http://schemas.microsoft.com/sharepoint/v3/contenttype/forms"/>
+  </ds:schemaRefs>
+</ds:datastoreItem>
+</file>
+
+<file path=customXml/itemProps2.xml><?xml version="1.0" encoding="utf-8"?>
 <ds:datastoreItem xmlns:ds="http://schemas.openxmlformats.org/officeDocument/2006/customXml" ds:itemID="{B2EF7EA5-9D85-4321-AE7A-55E3729725E8}">
   <ds:schemaRefs>
     <ds:schemaRef ds:uri="http://purl.org/dc/elements/1.1/"/>
@@ -28152,14 +29521,6 @@
     <ds:schemaRef ds:uri="944de4f3-dbe6-4d0a-84b7-a9b6a222d4b6"/>
     <ds:schemaRef ds:uri="55a8854a-3e1e-42a7-978b-da2846a19bec"/>
     <ds:schemaRef ds:uri="http://www.w3.org/XML/1998/namespace"/>
-  </ds:schemaRefs>
-</ds:datastoreItem>
-</file>
-
-<file path=customXml/itemProps2.xml><?xml version="1.0" encoding="utf-8"?>
-<ds:datastoreItem xmlns:ds="http://schemas.openxmlformats.org/officeDocument/2006/customXml" ds:itemID="{180FAB0C-33EC-40EB-BC1E-7300DEBBD672}">
-  <ds:schemaRefs>
-    <ds:schemaRef ds:uri="http://schemas.microsoft.com/sharepoint/v3/contenttype/forms"/>
   </ds:schemaRefs>
 </ds:datastoreItem>
 </file>

--- a/seminar/CS112-Brute-Force.pptx
+++ b/seminar/CS112-Brute-Force.pptx
@@ -5,32 +5,33 @@
     <p:sldMasterId id="2147483659" r:id="rId4"/>
   </p:sldMasterIdLst>
   <p:notesMasterIdLst>
-    <p:notesMasterId r:id="rId28"/>
+    <p:notesMasterId r:id="rId29"/>
   </p:notesMasterIdLst>
   <p:sldIdLst>
     <p:sldId id="256" r:id="rId5"/>
     <p:sldId id="257" r:id="rId6"/>
-    <p:sldId id="258" r:id="rId7"/>
-    <p:sldId id="260" r:id="rId8"/>
-    <p:sldId id="261" r:id="rId9"/>
-    <p:sldId id="263" r:id="rId10"/>
-    <p:sldId id="279" r:id="rId11"/>
-    <p:sldId id="262" r:id="rId12"/>
-    <p:sldId id="264" r:id="rId13"/>
-    <p:sldId id="265" r:id="rId14"/>
-    <p:sldId id="266" r:id="rId15"/>
-    <p:sldId id="278" r:id="rId16"/>
-    <p:sldId id="267" r:id="rId17"/>
-    <p:sldId id="268" r:id="rId18"/>
-    <p:sldId id="269" r:id="rId19"/>
-    <p:sldId id="277" r:id="rId20"/>
-    <p:sldId id="270" r:id="rId21"/>
-    <p:sldId id="271" r:id="rId22"/>
-    <p:sldId id="272" r:id="rId23"/>
-    <p:sldId id="276" r:id="rId24"/>
-    <p:sldId id="273" r:id="rId25"/>
-    <p:sldId id="275" r:id="rId26"/>
-    <p:sldId id="274" r:id="rId27"/>
+    <p:sldId id="280" r:id="rId7"/>
+    <p:sldId id="258" r:id="rId8"/>
+    <p:sldId id="260" r:id="rId9"/>
+    <p:sldId id="261" r:id="rId10"/>
+    <p:sldId id="263" r:id="rId11"/>
+    <p:sldId id="279" r:id="rId12"/>
+    <p:sldId id="262" r:id="rId13"/>
+    <p:sldId id="264" r:id="rId14"/>
+    <p:sldId id="265" r:id="rId15"/>
+    <p:sldId id="266" r:id="rId16"/>
+    <p:sldId id="278" r:id="rId17"/>
+    <p:sldId id="267" r:id="rId18"/>
+    <p:sldId id="268" r:id="rId19"/>
+    <p:sldId id="269" r:id="rId20"/>
+    <p:sldId id="277" r:id="rId21"/>
+    <p:sldId id="270" r:id="rId22"/>
+    <p:sldId id="271" r:id="rId23"/>
+    <p:sldId id="272" r:id="rId24"/>
+    <p:sldId id="276" r:id="rId25"/>
+    <p:sldId id="273" r:id="rId26"/>
+    <p:sldId id="275" r:id="rId27"/>
+    <p:sldId id="274" r:id="rId28"/>
   </p:sldIdLst>
   <p:sldSz cx="9144000" cy="5143500" type="screen16x9"/>
   <p:notesSz cx="6858000" cy="9144000"/>
@@ -840,6 +841,110 @@
   <p:cSld>
     <p:spTree>
       <p:nvGrpSpPr>
+        <p:cNvPr id="1" name="Shape 135"/>
+        <p:cNvGrpSpPr/>
+        <p:nvPr/>
+      </p:nvGrpSpPr>
+      <p:grpSpPr>
+        <a:xfrm>
+          <a:off x="0" y="0"/>
+          <a:ext cx="0" cy="0"/>
+          <a:chOff x="0" y="0"/>
+          <a:chExt cx="0" cy="0"/>
+        </a:xfrm>
+      </p:grpSpPr>
+      <p:sp>
+        <p:nvSpPr>
+          <p:cNvPr id="136" name="Google Shape;136;gcc23a486c6_0_114:notes"/>
+          <p:cNvSpPr>
+            <a:spLocks noGrp="1" noRot="1" noChangeAspect="1"/>
+          </p:cNvSpPr>
+          <p:nvPr>
+            <p:ph type="sldImg" idx="2"/>
+          </p:nvPr>
+        </p:nvSpPr>
+        <p:spPr>
+          <a:xfrm>
+            <a:off x="381000" y="685800"/>
+            <a:ext cx="6096000" cy="3429000"/>
+          </a:xfrm>
+          <a:custGeom>
+            <a:avLst/>
+            <a:gdLst/>
+            <a:ahLst/>
+            <a:cxnLst/>
+            <a:rect l="l" t="t" r="r" b="b"/>
+            <a:pathLst>
+              <a:path w="120000" h="120000" extrusionOk="0">
+                <a:moveTo>
+                  <a:pt x="0" y="0"/>
+                </a:moveTo>
+                <a:lnTo>
+                  <a:pt x="120000" y="0"/>
+                </a:lnTo>
+                <a:lnTo>
+                  <a:pt x="120000" y="120000"/>
+                </a:lnTo>
+                <a:lnTo>
+                  <a:pt x="0" y="120000"/>
+                </a:lnTo>
+                <a:close/>
+              </a:path>
+            </a:pathLst>
+          </a:custGeom>
+        </p:spPr>
+      </p:sp>
+      <p:sp>
+        <p:nvSpPr>
+          <p:cNvPr id="137" name="Google Shape;137;gcc23a486c6_0_114:notes"/>
+          <p:cNvSpPr txBox="1">
+            <a:spLocks noGrp="1"/>
+          </p:cNvSpPr>
+          <p:nvPr>
+            <p:ph type="body" idx="1"/>
+          </p:nvPr>
+        </p:nvSpPr>
+        <p:spPr>
+          <a:xfrm>
+            <a:off x="685800" y="4343400"/>
+            <a:ext cx="5486400" cy="4114800"/>
+          </a:xfrm>
+          <a:prstGeom prst="rect">
+            <a:avLst/>
+          </a:prstGeom>
+        </p:spPr>
+        <p:txBody>
+          <a:bodyPr spcFirstLastPara="1" wrap="square" lIns="91425" tIns="91425" rIns="91425" bIns="91425" anchor="t" anchorCtr="0">
+            <a:noAutofit/>
+          </a:bodyPr>
+          <a:lstStyle/>
+          <a:p>
+            <a:pPr marL="0" lvl="0" indent="0" algn="l" rtl="0">
+              <a:spcBef>
+                <a:spcPts val="0"/>
+              </a:spcBef>
+              <a:spcAft>
+                <a:spcPts val="0"/>
+              </a:spcAft>
+              <a:buNone/>
+            </a:pPr>
+            <a:endParaRPr/>
+          </a:p>
+        </p:txBody>
+      </p:sp>
+    </p:spTree>
+  </p:cSld>
+  <p:clrMapOvr>
+    <a:masterClrMapping/>
+  </p:clrMapOvr>
+</p:notes>
+</file>
+
+<file path=ppt/notesSlides/notesSlide11.xml><?xml version="1.0" encoding="utf-8"?>
+<p:notes xmlns:a="http://schemas.openxmlformats.org/drawingml/2006/main" xmlns:r="http://schemas.openxmlformats.org/officeDocument/2006/relationships" xmlns:p="http://schemas.openxmlformats.org/presentationml/2006/main" showMasterSp="0" showMasterPhAnim="0">
+  <p:cSld>
+    <p:spTree>
+      <p:nvGrpSpPr>
         <p:cNvPr id="1" name="Shape 143"/>
         <p:cNvGrpSpPr/>
         <p:nvPr/>
@@ -896,110 +1001,6 @@
       <p:sp>
         <p:nvSpPr>
           <p:cNvPr id="145" name="Google Shape;145;gcc23a486c6_0_79:notes"/>
-          <p:cNvSpPr txBox="1">
-            <a:spLocks noGrp="1"/>
-          </p:cNvSpPr>
-          <p:nvPr>
-            <p:ph type="body" idx="1"/>
-          </p:nvPr>
-        </p:nvSpPr>
-        <p:spPr>
-          <a:xfrm>
-            <a:off x="685800" y="4343400"/>
-            <a:ext cx="5486400" cy="4114800"/>
-          </a:xfrm>
-          <a:prstGeom prst="rect">
-            <a:avLst/>
-          </a:prstGeom>
-        </p:spPr>
-        <p:txBody>
-          <a:bodyPr spcFirstLastPara="1" wrap="square" lIns="91425" tIns="91425" rIns="91425" bIns="91425" anchor="t" anchorCtr="0">
-            <a:noAutofit/>
-          </a:bodyPr>
-          <a:lstStyle/>
-          <a:p>
-            <a:pPr marL="0" lvl="0" indent="0" algn="l" rtl="0">
-              <a:spcBef>
-                <a:spcPts val="0"/>
-              </a:spcBef>
-              <a:spcAft>
-                <a:spcPts val="0"/>
-              </a:spcAft>
-              <a:buNone/>
-            </a:pPr>
-            <a:endParaRPr/>
-          </a:p>
-        </p:txBody>
-      </p:sp>
-    </p:spTree>
-  </p:cSld>
-  <p:clrMapOvr>
-    <a:masterClrMapping/>
-  </p:clrMapOvr>
-</p:notes>
-</file>
-
-<file path=ppt/notesSlides/notesSlide11.xml><?xml version="1.0" encoding="utf-8"?>
-<p:notes xmlns:a="http://schemas.openxmlformats.org/drawingml/2006/main" xmlns:r="http://schemas.openxmlformats.org/officeDocument/2006/relationships" xmlns:p="http://schemas.openxmlformats.org/presentationml/2006/main" showMasterSp="0" showMasterPhAnim="0">
-  <p:cSld>
-    <p:spTree>
-      <p:nvGrpSpPr>
-        <p:cNvPr id="1" name="Shape 151"/>
-        <p:cNvGrpSpPr/>
-        <p:nvPr/>
-      </p:nvGrpSpPr>
-      <p:grpSpPr>
-        <a:xfrm>
-          <a:off x="0" y="0"/>
-          <a:ext cx="0" cy="0"/>
-          <a:chOff x="0" y="0"/>
-          <a:chExt cx="0" cy="0"/>
-        </a:xfrm>
-      </p:grpSpPr>
-      <p:sp>
-        <p:nvSpPr>
-          <p:cNvPr id="152" name="Google Shape;152;gcc23a486c6_0_207:notes"/>
-          <p:cNvSpPr>
-            <a:spLocks noGrp="1" noRot="1" noChangeAspect="1"/>
-          </p:cNvSpPr>
-          <p:nvPr>
-            <p:ph type="sldImg" idx="2"/>
-          </p:nvPr>
-        </p:nvSpPr>
-        <p:spPr>
-          <a:xfrm>
-            <a:off x="381000" y="685800"/>
-            <a:ext cx="6096000" cy="3429000"/>
-          </a:xfrm>
-          <a:custGeom>
-            <a:avLst/>
-            <a:gdLst/>
-            <a:ahLst/>
-            <a:cxnLst/>
-            <a:rect l="l" t="t" r="r" b="b"/>
-            <a:pathLst>
-              <a:path w="120000" h="120000" extrusionOk="0">
-                <a:moveTo>
-                  <a:pt x="0" y="0"/>
-                </a:moveTo>
-                <a:lnTo>
-                  <a:pt x="120000" y="0"/>
-                </a:lnTo>
-                <a:lnTo>
-                  <a:pt x="120000" y="120000"/>
-                </a:lnTo>
-                <a:lnTo>
-                  <a:pt x="0" y="120000"/>
-                </a:lnTo>
-                <a:close/>
-              </a:path>
-            </a:pathLst>
-          </a:custGeom>
-        </p:spPr>
-      </p:sp>
-      <p:sp>
-        <p:nvSpPr>
-          <p:cNvPr id="153" name="Google Shape;153;gcc23a486c6_0_207:notes"/>
           <p:cNvSpPr txBox="1">
             <a:spLocks noGrp="1"/>
           </p:cNvSpPr>
@@ -1140,6 +1141,110 @@
         </p:txBody>
       </p:sp>
     </p:spTree>
+  </p:cSld>
+  <p:clrMapOvr>
+    <a:masterClrMapping/>
+  </p:clrMapOvr>
+</p:notes>
+</file>
+
+<file path=ppt/notesSlides/notesSlide13.xml><?xml version="1.0" encoding="utf-8"?>
+<p:notes xmlns:a="http://schemas.openxmlformats.org/drawingml/2006/main" xmlns:r="http://schemas.openxmlformats.org/officeDocument/2006/relationships" xmlns:p="http://schemas.openxmlformats.org/presentationml/2006/main" showMasterSp="0" showMasterPhAnim="0">
+  <p:cSld>
+    <p:spTree>
+      <p:nvGrpSpPr>
+        <p:cNvPr id="1" name="Shape 151"/>
+        <p:cNvGrpSpPr/>
+        <p:nvPr/>
+      </p:nvGrpSpPr>
+      <p:grpSpPr>
+        <a:xfrm>
+          <a:off x="0" y="0"/>
+          <a:ext cx="0" cy="0"/>
+          <a:chOff x="0" y="0"/>
+          <a:chExt cx="0" cy="0"/>
+        </a:xfrm>
+      </p:grpSpPr>
+      <p:sp>
+        <p:nvSpPr>
+          <p:cNvPr id="152" name="Google Shape;152;gcc23a486c6_0_207:notes"/>
+          <p:cNvSpPr>
+            <a:spLocks noGrp="1" noRot="1" noChangeAspect="1"/>
+          </p:cNvSpPr>
+          <p:nvPr>
+            <p:ph type="sldImg" idx="2"/>
+          </p:nvPr>
+        </p:nvSpPr>
+        <p:spPr>
+          <a:xfrm>
+            <a:off x="381000" y="685800"/>
+            <a:ext cx="6096000" cy="3429000"/>
+          </a:xfrm>
+          <a:custGeom>
+            <a:avLst/>
+            <a:gdLst/>
+            <a:ahLst/>
+            <a:cxnLst/>
+            <a:rect l="l" t="t" r="r" b="b"/>
+            <a:pathLst>
+              <a:path w="120000" h="120000" extrusionOk="0">
+                <a:moveTo>
+                  <a:pt x="0" y="0"/>
+                </a:moveTo>
+                <a:lnTo>
+                  <a:pt x="120000" y="0"/>
+                </a:lnTo>
+                <a:lnTo>
+                  <a:pt x="120000" y="120000"/>
+                </a:lnTo>
+                <a:lnTo>
+                  <a:pt x="0" y="120000"/>
+                </a:lnTo>
+                <a:close/>
+              </a:path>
+            </a:pathLst>
+          </a:custGeom>
+        </p:spPr>
+      </p:sp>
+      <p:sp>
+        <p:nvSpPr>
+          <p:cNvPr id="153" name="Google Shape;153;gcc23a486c6_0_207:notes"/>
+          <p:cNvSpPr txBox="1">
+            <a:spLocks noGrp="1"/>
+          </p:cNvSpPr>
+          <p:nvPr>
+            <p:ph type="body" idx="1"/>
+          </p:nvPr>
+        </p:nvSpPr>
+        <p:spPr>
+          <a:xfrm>
+            <a:off x="685800" y="4343400"/>
+            <a:ext cx="5486400" cy="4114800"/>
+          </a:xfrm>
+          <a:prstGeom prst="rect">
+            <a:avLst/>
+          </a:prstGeom>
+        </p:spPr>
+        <p:txBody>
+          <a:bodyPr spcFirstLastPara="1" wrap="square" lIns="91425" tIns="91425" rIns="91425" bIns="91425" anchor="t" anchorCtr="0">
+            <a:noAutofit/>
+          </a:bodyPr>
+          <a:lstStyle/>
+          <a:p>
+            <a:pPr marL="0" lvl="0" indent="0" algn="l" rtl="0">
+              <a:spcBef>
+                <a:spcPts val="0"/>
+              </a:spcBef>
+              <a:spcAft>
+                <a:spcPts val="0"/>
+              </a:spcAft>
+              <a:buNone/>
+            </a:pPr>
+            <a:endParaRPr/>
+          </a:p>
+        </p:txBody>
+      </p:sp>
+    </p:spTree>
     <p:extLst>
       <p:ext uri="{BB962C8B-B14F-4D97-AF65-F5344CB8AC3E}">
         <p14:creationId xmlns:p14="http://schemas.microsoft.com/office/powerpoint/2010/main" val="3240391307"/>
@@ -1152,7 +1257,7 @@
 </p:notes>
 </file>
 
-<file path=ppt/notesSlides/notesSlide13.xml><?xml version="1.0" encoding="utf-8"?>
+<file path=ppt/notesSlides/notesSlide14.xml><?xml version="1.0" encoding="utf-8"?>
 <p:notes xmlns:a="http://schemas.openxmlformats.org/drawingml/2006/main" xmlns:r="http://schemas.openxmlformats.org/officeDocument/2006/relationships" xmlns:p="http://schemas.openxmlformats.org/presentationml/2006/main" showMasterSp="0" showMasterPhAnim="0">
   <p:cSld>
     <p:spTree>
@@ -1256,7 +1361,7 @@
 </p:notes>
 </file>
 
-<file path=ppt/notesSlides/notesSlide14.xml><?xml version="1.0" encoding="utf-8"?>
+<file path=ppt/notesSlides/notesSlide15.xml><?xml version="1.0" encoding="utf-8"?>
 <p:notes xmlns:a="http://schemas.openxmlformats.org/drawingml/2006/main" xmlns:r="http://schemas.openxmlformats.org/officeDocument/2006/relationships" xmlns:p="http://schemas.openxmlformats.org/presentationml/2006/main" showMasterSp="0" showMasterPhAnim="0">
   <p:cSld>
     <p:spTree>
@@ -1360,7 +1465,7 @@
 </p:notes>
 </file>
 
-<file path=ppt/notesSlides/notesSlide15.xml><?xml version="1.0" encoding="utf-8"?>
+<file path=ppt/notesSlides/notesSlide16.xml><?xml version="1.0" encoding="utf-8"?>
 <p:notes xmlns:a="http://schemas.openxmlformats.org/drawingml/2006/main" xmlns:r="http://schemas.openxmlformats.org/officeDocument/2006/relationships" xmlns:p="http://schemas.openxmlformats.org/presentationml/2006/main" showMasterSp="0" showMasterPhAnim="0">
   <p:cSld>
     <p:spTree>
@@ -1464,7 +1569,7 @@
 </p:notes>
 </file>
 
-<file path=ppt/notesSlides/notesSlide16.xml><?xml version="1.0" encoding="utf-8"?>
+<file path=ppt/notesSlides/notesSlide17.xml><?xml version="1.0" encoding="utf-8"?>
 <p:notes xmlns:a="http://schemas.openxmlformats.org/drawingml/2006/main" xmlns:r="http://schemas.openxmlformats.org/officeDocument/2006/relationships" xmlns:p="http://schemas.openxmlformats.org/presentationml/2006/main" showMasterSp="0" showMasterPhAnim="0">
   <p:cSld>
     <p:spTree>
@@ -1573,7 +1678,7 @@
 </p:notes>
 </file>
 
-<file path=ppt/notesSlides/notesSlide17.xml><?xml version="1.0" encoding="utf-8"?>
+<file path=ppt/notesSlides/notesSlide18.xml><?xml version="1.0" encoding="utf-8"?>
 <p:notes xmlns:a="http://schemas.openxmlformats.org/drawingml/2006/main" xmlns:r="http://schemas.openxmlformats.org/officeDocument/2006/relationships" xmlns:p="http://schemas.openxmlformats.org/presentationml/2006/main" showMasterSp="0" showMasterPhAnim="0">
   <p:cSld>
     <p:spTree>
@@ -1677,7 +1782,7 @@
 </p:notes>
 </file>
 
-<file path=ppt/notesSlides/notesSlide18.xml><?xml version="1.0" encoding="utf-8"?>
+<file path=ppt/notesSlides/notesSlide19.xml><?xml version="1.0" encoding="utf-8"?>
 <p:notes xmlns:a="http://schemas.openxmlformats.org/drawingml/2006/main" xmlns:r="http://schemas.openxmlformats.org/officeDocument/2006/relationships" xmlns:p="http://schemas.openxmlformats.org/presentationml/2006/main" showMasterSp="0" showMasterPhAnim="0">
   <p:cSld>
     <p:spTree>
@@ -1738,110 +1843,6 @@
       <p:sp>
         <p:nvSpPr>
           <p:cNvPr id="205" name="Google Shape;205;gcc23a486c6_0_271:notes"/>
-          <p:cNvSpPr txBox="1">
-            <a:spLocks noGrp="1"/>
-          </p:cNvSpPr>
-          <p:nvPr>
-            <p:ph type="body" idx="1"/>
-          </p:nvPr>
-        </p:nvSpPr>
-        <p:spPr>
-          <a:xfrm>
-            <a:off x="685800" y="4343400"/>
-            <a:ext cx="5486400" cy="4114800"/>
-          </a:xfrm>
-          <a:prstGeom prst="rect">
-            <a:avLst/>
-          </a:prstGeom>
-        </p:spPr>
-        <p:txBody>
-          <a:bodyPr spcFirstLastPara="1" wrap="square" lIns="91425" tIns="91425" rIns="91425" bIns="91425" anchor="t" anchorCtr="0">
-            <a:noAutofit/>
-          </a:bodyPr>
-          <a:lstStyle/>
-          <a:p>
-            <a:pPr marL="0" lvl="0" indent="0" algn="l" rtl="0">
-              <a:spcBef>
-                <a:spcPts val="0"/>
-              </a:spcBef>
-              <a:spcAft>
-                <a:spcPts val="0"/>
-              </a:spcAft>
-              <a:buNone/>
-            </a:pPr>
-            <a:endParaRPr/>
-          </a:p>
-        </p:txBody>
-      </p:sp>
-    </p:spTree>
-  </p:cSld>
-  <p:clrMapOvr>
-    <a:masterClrMapping/>
-  </p:clrMapOvr>
-</p:notes>
-</file>
-
-<file path=ppt/notesSlides/notesSlide19.xml><?xml version="1.0" encoding="utf-8"?>
-<p:notes xmlns:a="http://schemas.openxmlformats.org/drawingml/2006/main" xmlns:r="http://schemas.openxmlformats.org/officeDocument/2006/relationships" xmlns:p="http://schemas.openxmlformats.org/presentationml/2006/main" showMasterSp="0" showMasterPhAnim="0">
-  <p:cSld>
-    <p:spTree>
-      <p:nvGrpSpPr>
-        <p:cNvPr id="1" name="Shape 211"/>
-        <p:cNvGrpSpPr/>
-        <p:nvPr/>
-      </p:nvGrpSpPr>
-      <p:grpSpPr>
-        <a:xfrm>
-          <a:off x="0" y="0"/>
-          <a:ext cx="0" cy="0"/>
-          <a:chOff x="0" y="0"/>
-          <a:chExt cx="0" cy="0"/>
-        </a:xfrm>
-      </p:grpSpPr>
-      <p:sp>
-        <p:nvSpPr>
-          <p:cNvPr id="212" name="Google Shape;212;gcc23a486c6_0_277:notes"/>
-          <p:cNvSpPr>
-            <a:spLocks noGrp="1" noRot="1" noChangeAspect="1"/>
-          </p:cNvSpPr>
-          <p:nvPr>
-            <p:ph type="sldImg" idx="2"/>
-          </p:nvPr>
-        </p:nvSpPr>
-        <p:spPr>
-          <a:xfrm>
-            <a:off x="381000" y="685800"/>
-            <a:ext cx="6096000" cy="3429000"/>
-          </a:xfrm>
-          <a:custGeom>
-            <a:avLst/>
-            <a:gdLst/>
-            <a:ahLst/>
-            <a:cxnLst/>
-            <a:rect l="l" t="t" r="r" b="b"/>
-            <a:pathLst>
-              <a:path w="120000" h="120000" extrusionOk="0">
-                <a:moveTo>
-                  <a:pt x="0" y="0"/>
-                </a:moveTo>
-                <a:lnTo>
-                  <a:pt x="120000" y="0"/>
-                </a:lnTo>
-                <a:lnTo>
-                  <a:pt x="120000" y="120000"/>
-                </a:lnTo>
-                <a:lnTo>
-                  <a:pt x="0" y="120000"/>
-                </a:lnTo>
-                <a:close/>
-              </a:path>
-            </a:pathLst>
-          </a:custGeom>
-        </p:spPr>
-      </p:sp>
-      <p:sp>
-        <p:nvSpPr>
-          <p:cNvPr id="213" name="Google Shape;213;gcc23a486c6_0_277:notes"/>
           <p:cNvSpPr txBox="1">
             <a:spLocks noGrp="1"/>
           </p:cNvSpPr>
@@ -2086,11 +2087,6 @@
         </p:txBody>
       </p:sp>
     </p:spTree>
-    <p:extLst>
-      <p:ext uri="{BB962C8B-B14F-4D97-AF65-F5344CB8AC3E}">
-        <p14:creationId xmlns:p14="http://schemas.microsoft.com/office/powerpoint/2010/main" val="1327980663"/>
-      </p:ext>
-    </p:extLst>
   </p:cSld>
   <p:clrMapOvr>
     <a:masterClrMapping/>
@@ -2197,7 +2193,7 @@
     </p:spTree>
     <p:extLst>
       <p:ext uri="{BB962C8B-B14F-4D97-AF65-F5344CB8AC3E}">
-        <p14:creationId xmlns:p14="http://schemas.microsoft.com/office/powerpoint/2010/main" val="1665544703"/>
+        <p14:creationId xmlns:p14="http://schemas.microsoft.com/office/powerpoint/2010/main" val="1327980663"/>
       </p:ext>
     </p:extLst>
   </p:cSld>
@@ -2306,7 +2302,7 @@
     </p:spTree>
     <p:extLst>
       <p:ext uri="{BB962C8B-B14F-4D97-AF65-F5344CB8AC3E}">
-        <p14:creationId xmlns:p14="http://schemas.microsoft.com/office/powerpoint/2010/main" val="2347308241"/>
+        <p14:creationId xmlns:p14="http://schemas.microsoft.com/office/powerpoint/2010/main" val="1665544703"/>
       </p:ext>
     </p:extLst>
   </p:cSld>
@@ -2415,6 +2411,115 @@
     </p:spTree>
     <p:extLst>
       <p:ext uri="{BB962C8B-B14F-4D97-AF65-F5344CB8AC3E}">
+        <p14:creationId xmlns:p14="http://schemas.microsoft.com/office/powerpoint/2010/main" val="2347308241"/>
+      </p:ext>
+    </p:extLst>
+  </p:cSld>
+  <p:clrMapOvr>
+    <a:masterClrMapping/>
+  </p:clrMapOvr>
+</p:notes>
+</file>
+
+<file path=ppt/notesSlides/notesSlide24.xml><?xml version="1.0" encoding="utf-8"?>
+<p:notes xmlns:a="http://schemas.openxmlformats.org/drawingml/2006/main" xmlns:r="http://schemas.openxmlformats.org/officeDocument/2006/relationships" xmlns:p="http://schemas.openxmlformats.org/presentationml/2006/main" showMasterSp="0" showMasterPhAnim="0">
+  <p:cSld>
+    <p:spTree>
+      <p:nvGrpSpPr>
+        <p:cNvPr id="1" name="Shape 211"/>
+        <p:cNvGrpSpPr/>
+        <p:nvPr/>
+      </p:nvGrpSpPr>
+      <p:grpSpPr>
+        <a:xfrm>
+          <a:off x="0" y="0"/>
+          <a:ext cx="0" cy="0"/>
+          <a:chOff x="0" y="0"/>
+          <a:chExt cx="0" cy="0"/>
+        </a:xfrm>
+      </p:grpSpPr>
+      <p:sp>
+        <p:nvSpPr>
+          <p:cNvPr id="212" name="Google Shape;212;gcc23a486c6_0_277:notes"/>
+          <p:cNvSpPr>
+            <a:spLocks noGrp="1" noRot="1" noChangeAspect="1"/>
+          </p:cNvSpPr>
+          <p:nvPr>
+            <p:ph type="sldImg" idx="2"/>
+          </p:nvPr>
+        </p:nvSpPr>
+        <p:spPr>
+          <a:xfrm>
+            <a:off x="381000" y="685800"/>
+            <a:ext cx="6096000" cy="3429000"/>
+          </a:xfrm>
+          <a:custGeom>
+            <a:avLst/>
+            <a:gdLst/>
+            <a:ahLst/>
+            <a:cxnLst/>
+            <a:rect l="l" t="t" r="r" b="b"/>
+            <a:pathLst>
+              <a:path w="120000" h="120000" extrusionOk="0">
+                <a:moveTo>
+                  <a:pt x="0" y="0"/>
+                </a:moveTo>
+                <a:lnTo>
+                  <a:pt x="120000" y="0"/>
+                </a:lnTo>
+                <a:lnTo>
+                  <a:pt x="120000" y="120000"/>
+                </a:lnTo>
+                <a:lnTo>
+                  <a:pt x="0" y="120000"/>
+                </a:lnTo>
+                <a:close/>
+              </a:path>
+            </a:pathLst>
+          </a:custGeom>
+        </p:spPr>
+      </p:sp>
+      <p:sp>
+        <p:nvSpPr>
+          <p:cNvPr id="213" name="Google Shape;213;gcc23a486c6_0_277:notes"/>
+          <p:cNvSpPr txBox="1">
+            <a:spLocks noGrp="1"/>
+          </p:cNvSpPr>
+          <p:nvPr>
+            <p:ph type="body" idx="1"/>
+          </p:nvPr>
+        </p:nvSpPr>
+        <p:spPr>
+          <a:xfrm>
+            <a:off x="685800" y="4343400"/>
+            <a:ext cx="5486400" cy="4114800"/>
+          </a:xfrm>
+          <a:prstGeom prst="rect">
+            <a:avLst/>
+          </a:prstGeom>
+        </p:spPr>
+        <p:txBody>
+          <a:bodyPr spcFirstLastPara="1" wrap="square" lIns="91425" tIns="91425" rIns="91425" bIns="91425" anchor="t" anchorCtr="0">
+            <a:noAutofit/>
+          </a:bodyPr>
+          <a:lstStyle/>
+          <a:p>
+            <a:pPr marL="0" lvl="0" indent="0" algn="l" rtl="0">
+              <a:spcBef>
+                <a:spcPts val="0"/>
+              </a:spcBef>
+              <a:spcAft>
+                <a:spcPts val="0"/>
+              </a:spcAft>
+              <a:buNone/>
+            </a:pPr>
+            <a:endParaRPr/>
+          </a:p>
+        </p:txBody>
+      </p:sp>
+    </p:spTree>
+    <p:extLst>
+      <p:ext uri="{BB962C8B-B14F-4D97-AF65-F5344CB8AC3E}">
         <p14:creationId xmlns:p14="http://schemas.microsoft.com/office/powerpoint/2010/main" val="2828831362"/>
       </p:ext>
     </p:extLst>
@@ -2426,6 +2531,115 @@
 </file>
 
 <file path=ppt/notesSlides/notesSlide3.xml><?xml version="1.0" encoding="utf-8"?>
+<p:notes xmlns:a="http://schemas.openxmlformats.org/drawingml/2006/main" xmlns:r="http://schemas.openxmlformats.org/officeDocument/2006/relationships" xmlns:p="http://schemas.openxmlformats.org/presentationml/2006/main" showMasterSp="0" showMasterPhAnim="0">
+  <p:cSld>
+    <p:spTree>
+      <p:nvGrpSpPr>
+        <p:cNvPr id="1" name="Shape 57"/>
+        <p:cNvGrpSpPr/>
+        <p:nvPr/>
+      </p:nvGrpSpPr>
+      <p:grpSpPr>
+        <a:xfrm>
+          <a:off x="0" y="0"/>
+          <a:ext cx="0" cy="0"/>
+          <a:chOff x="0" y="0"/>
+          <a:chExt cx="0" cy="0"/>
+        </a:xfrm>
+      </p:grpSpPr>
+      <p:sp>
+        <p:nvSpPr>
+          <p:cNvPr id="58" name="Google Shape;58;gcc23a486c6_0_1:notes"/>
+          <p:cNvSpPr>
+            <a:spLocks noGrp="1" noRot="1" noChangeAspect="1"/>
+          </p:cNvSpPr>
+          <p:nvPr>
+            <p:ph type="sldImg" idx="2"/>
+          </p:nvPr>
+        </p:nvSpPr>
+        <p:spPr>
+          <a:xfrm>
+            <a:off x="381000" y="685800"/>
+            <a:ext cx="6096000" cy="3429000"/>
+          </a:xfrm>
+          <a:custGeom>
+            <a:avLst/>
+            <a:gdLst/>
+            <a:ahLst/>
+            <a:cxnLst/>
+            <a:rect l="l" t="t" r="r" b="b"/>
+            <a:pathLst>
+              <a:path w="120000" h="120000" extrusionOk="0">
+                <a:moveTo>
+                  <a:pt x="0" y="0"/>
+                </a:moveTo>
+                <a:lnTo>
+                  <a:pt x="120000" y="0"/>
+                </a:lnTo>
+                <a:lnTo>
+                  <a:pt x="120000" y="120000"/>
+                </a:lnTo>
+                <a:lnTo>
+                  <a:pt x="0" y="120000"/>
+                </a:lnTo>
+                <a:close/>
+              </a:path>
+            </a:pathLst>
+          </a:custGeom>
+        </p:spPr>
+      </p:sp>
+      <p:sp>
+        <p:nvSpPr>
+          <p:cNvPr id="59" name="Google Shape;59;gcc23a486c6_0_1:notes"/>
+          <p:cNvSpPr txBox="1">
+            <a:spLocks noGrp="1"/>
+          </p:cNvSpPr>
+          <p:nvPr>
+            <p:ph type="body" idx="1"/>
+          </p:nvPr>
+        </p:nvSpPr>
+        <p:spPr>
+          <a:xfrm>
+            <a:off x="685800" y="4343400"/>
+            <a:ext cx="5486400" cy="4114800"/>
+          </a:xfrm>
+          <a:prstGeom prst="rect">
+            <a:avLst/>
+          </a:prstGeom>
+        </p:spPr>
+        <p:txBody>
+          <a:bodyPr spcFirstLastPara="1" wrap="square" lIns="91425" tIns="91425" rIns="91425" bIns="91425" anchor="t" anchorCtr="0">
+            <a:noAutofit/>
+          </a:bodyPr>
+          <a:lstStyle/>
+          <a:p>
+            <a:pPr marL="0" lvl="0" indent="0" algn="l" rtl="0">
+              <a:spcBef>
+                <a:spcPts val="0"/>
+              </a:spcBef>
+              <a:spcAft>
+                <a:spcPts val="0"/>
+              </a:spcAft>
+              <a:buNone/>
+            </a:pPr>
+            <a:endParaRPr/>
+          </a:p>
+        </p:txBody>
+      </p:sp>
+    </p:spTree>
+    <p:extLst>
+      <p:ext uri="{BB962C8B-B14F-4D97-AF65-F5344CB8AC3E}">
+        <p14:creationId xmlns:p14="http://schemas.microsoft.com/office/powerpoint/2010/main" val="1205897249"/>
+      </p:ext>
+    </p:extLst>
+  </p:cSld>
+  <p:clrMapOvr>
+    <a:masterClrMapping/>
+  </p:clrMapOvr>
+</p:notes>
+</file>
+
+<file path=ppt/notesSlides/notesSlide4.xml><?xml version="1.0" encoding="utf-8"?>
 <p:notes xmlns:a="http://schemas.openxmlformats.org/drawingml/2006/main" xmlns:r="http://schemas.openxmlformats.org/officeDocument/2006/relationships" xmlns:p="http://schemas.openxmlformats.org/presentationml/2006/main" showMasterSp="0" showMasterPhAnim="0">
   <p:cSld>
     <p:spTree>
@@ -2529,7 +2743,7 @@
 </p:notes>
 </file>
 
-<file path=ppt/notesSlides/notesSlide4.xml><?xml version="1.0" encoding="utf-8"?>
+<file path=ppt/notesSlides/notesSlide5.xml><?xml version="1.0" encoding="utf-8"?>
 <p:notes xmlns:a="http://schemas.openxmlformats.org/drawingml/2006/main" xmlns:r="http://schemas.openxmlformats.org/officeDocument/2006/relationships" xmlns:p="http://schemas.openxmlformats.org/presentationml/2006/main" showMasterSp="0" showMasterPhAnim="0">
   <p:cSld>
     <p:spTree>
@@ -2633,7 +2847,7 @@
 </p:notes>
 </file>
 
-<file path=ppt/notesSlides/notesSlide5.xml><?xml version="1.0" encoding="utf-8"?>
+<file path=ppt/notesSlides/notesSlide6.xml><?xml version="1.0" encoding="utf-8"?>
 <p:notes xmlns:a="http://schemas.openxmlformats.org/drawingml/2006/main" xmlns:r="http://schemas.openxmlformats.org/officeDocument/2006/relationships" xmlns:p="http://schemas.openxmlformats.org/presentationml/2006/main" showMasterSp="0" showMasterPhAnim="0">
   <p:cSld>
     <p:spTree>
@@ -2694,110 +2908,6 @@
       <p:sp>
         <p:nvSpPr>
           <p:cNvPr id="101" name="Google Shape;101;gcc23a486c6_0_107:notes"/>
-          <p:cNvSpPr txBox="1">
-            <a:spLocks noGrp="1"/>
-          </p:cNvSpPr>
-          <p:nvPr>
-            <p:ph type="body" idx="1"/>
-          </p:nvPr>
-        </p:nvSpPr>
-        <p:spPr>
-          <a:xfrm>
-            <a:off x="685800" y="4343400"/>
-            <a:ext cx="5486400" cy="4114800"/>
-          </a:xfrm>
-          <a:prstGeom prst="rect">
-            <a:avLst/>
-          </a:prstGeom>
-        </p:spPr>
-        <p:txBody>
-          <a:bodyPr spcFirstLastPara="1" wrap="square" lIns="91425" tIns="91425" rIns="91425" bIns="91425" anchor="t" anchorCtr="0">
-            <a:noAutofit/>
-          </a:bodyPr>
-          <a:lstStyle/>
-          <a:p>
-            <a:pPr marL="0" lvl="0" indent="0" algn="l" rtl="0">
-              <a:spcBef>
-                <a:spcPts val="0"/>
-              </a:spcBef>
-              <a:spcAft>
-                <a:spcPts val="0"/>
-              </a:spcAft>
-              <a:buNone/>
-            </a:pPr>
-            <a:endParaRPr/>
-          </a:p>
-        </p:txBody>
-      </p:sp>
-    </p:spTree>
-  </p:cSld>
-  <p:clrMapOvr>
-    <a:masterClrMapping/>
-  </p:clrMapOvr>
-</p:notes>
-</file>
-
-<file path=ppt/notesSlides/notesSlide6.xml><?xml version="1.0" encoding="utf-8"?>
-<p:notes xmlns:a="http://schemas.openxmlformats.org/drawingml/2006/main" xmlns:r="http://schemas.openxmlformats.org/officeDocument/2006/relationships" xmlns:p="http://schemas.openxmlformats.org/presentationml/2006/main" showMasterSp="0" showMasterPhAnim="0">
-  <p:cSld>
-    <p:spTree>
-      <p:nvGrpSpPr>
-        <p:cNvPr id="1" name="Shape 127"/>
-        <p:cNvGrpSpPr/>
-        <p:nvPr/>
-      </p:nvGrpSpPr>
-      <p:grpSpPr>
-        <a:xfrm>
-          <a:off x="0" y="0"/>
-          <a:ext cx="0" cy="0"/>
-          <a:chOff x="0" y="0"/>
-          <a:chExt cx="0" cy="0"/>
-        </a:xfrm>
-      </p:grpSpPr>
-      <p:sp>
-        <p:nvSpPr>
-          <p:cNvPr id="128" name="Google Shape;128;gcc23a486c6_0_121:notes"/>
-          <p:cNvSpPr>
-            <a:spLocks noGrp="1" noRot="1" noChangeAspect="1"/>
-          </p:cNvSpPr>
-          <p:nvPr>
-            <p:ph type="sldImg" idx="2"/>
-          </p:nvPr>
-        </p:nvSpPr>
-        <p:spPr>
-          <a:xfrm>
-            <a:off x="381000" y="685800"/>
-            <a:ext cx="6096000" cy="3429000"/>
-          </a:xfrm>
-          <a:custGeom>
-            <a:avLst/>
-            <a:gdLst/>
-            <a:ahLst/>
-            <a:cxnLst/>
-            <a:rect l="l" t="t" r="r" b="b"/>
-            <a:pathLst>
-              <a:path w="120000" h="120000" extrusionOk="0">
-                <a:moveTo>
-                  <a:pt x="0" y="0"/>
-                </a:moveTo>
-                <a:lnTo>
-                  <a:pt x="120000" y="0"/>
-                </a:lnTo>
-                <a:lnTo>
-                  <a:pt x="120000" y="120000"/>
-                </a:lnTo>
-                <a:lnTo>
-                  <a:pt x="0" y="120000"/>
-                </a:lnTo>
-                <a:close/>
-              </a:path>
-            </a:pathLst>
-          </a:custGeom>
-        </p:spPr>
-      </p:sp>
-      <p:sp>
-        <p:nvSpPr>
-          <p:cNvPr id="129" name="Google Shape;129;gcc23a486c6_0_121:notes"/>
           <p:cNvSpPr txBox="1">
             <a:spLocks noGrp="1"/>
           </p:cNvSpPr>
@@ -2933,6 +3043,110 @@
               </a:spcAft>
               <a:buNone/>
             </a:pPr>
+            <a:endParaRPr/>
+          </a:p>
+        </p:txBody>
+      </p:sp>
+    </p:spTree>
+  </p:cSld>
+  <p:clrMapOvr>
+    <a:masterClrMapping/>
+  </p:clrMapOvr>
+</p:notes>
+</file>
+
+<file path=ppt/notesSlides/notesSlide8.xml><?xml version="1.0" encoding="utf-8"?>
+<p:notes xmlns:a="http://schemas.openxmlformats.org/drawingml/2006/main" xmlns:r="http://schemas.openxmlformats.org/officeDocument/2006/relationships" xmlns:p="http://schemas.openxmlformats.org/presentationml/2006/main" showMasterSp="0" showMasterPhAnim="0">
+  <p:cSld>
+    <p:spTree>
+      <p:nvGrpSpPr>
+        <p:cNvPr id="1" name="Shape 127"/>
+        <p:cNvGrpSpPr/>
+        <p:nvPr/>
+      </p:nvGrpSpPr>
+      <p:grpSpPr>
+        <a:xfrm>
+          <a:off x="0" y="0"/>
+          <a:ext cx="0" cy="0"/>
+          <a:chOff x="0" y="0"/>
+          <a:chExt cx="0" cy="0"/>
+        </a:xfrm>
+      </p:grpSpPr>
+      <p:sp>
+        <p:nvSpPr>
+          <p:cNvPr id="128" name="Google Shape;128;gcc23a486c6_0_121:notes"/>
+          <p:cNvSpPr>
+            <a:spLocks noGrp="1" noRot="1" noChangeAspect="1"/>
+          </p:cNvSpPr>
+          <p:nvPr>
+            <p:ph type="sldImg" idx="2"/>
+          </p:nvPr>
+        </p:nvSpPr>
+        <p:spPr>
+          <a:xfrm>
+            <a:off x="381000" y="685800"/>
+            <a:ext cx="6096000" cy="3429000"/>
+          </a:xfrm>
+          <a:custGeom>
+            <a:avLst/>
+            <a:gdLst/>
+            <a:ahLst/>
+            <a:cxnLst/>
+            <a:rect l="l" t="t" r="r" b="b"/>
+            <a:pathLst>
+              <a:path w="120000" h="120000" extrusionOk="0">
+                <a:moveTo>
+                  <a:pt x="0" y="0"/>
+                </a:moveTo>
+                <a:lnTo>
+                  <a:pt x="120000" y="0"/>
+                </a:lnTo>
+                <a:lnTo>
+                  <a:pt x="120000" y="120000"/>
+                </a:lnTo>
+                <a:lnTo>
+                  <a:pt x="0" y="120000"/>
+                </a:lnTo>
+                <a:close/>
+              </a:path>
+            </a:pathLst>
+          </a:custGeom>
+        </p:spPr>
+      </p:sp>
+      <p:sp>
+        <p:nvSpPr>
+          <p:cNvPr id="129" name="Google Shape;129;gcc23a486c6_0_121:notes"/>
+          <p:cNvSpPr txBox="1">
+            <a:spLocks noGrp="1"/>
+          </p:cNvSpPr>
+          <p:nvPr>
+            <p:ph type="body" idx="1"/>
+          </p:nvPr>
+        </p:nvSpPr>
+        <p:spPr>
+          <a:xfrm>
+            <a:off x="685800" y="4343400"/>
+            <a:ext cx="5486400" cy="4114800"/>
+          </a:xfrm>
+          <a:prstGeom prst="rect">
+            <a:avLst/>
+          </a:prstGeom>
+        </p:spPr>
+        <p:txBody>
+          <a:bodyPr spcFirstLastPara="1" wrap="square" lIns="91425" tIns="91425" rIns="91425" bIns="91425" anchor="t" anchorCtr="0">
+            <a:noAutofit/>
+          </a:bodyPr>
+          <a:lstStyle/>
+          <a:p>
+            <a:pPr marL="0" lvl="0" indent="0" algn="l" rtl="0">
+              <a:spcBef>
+                <a:spcPts val="0"/>
+              </a:spcBef>
+              <a:spcAft>
+                <a:spcPts val="0"/>
+              </a:spcAft>
+              <a:buNone/>
+            </a:pPr>
             <a:endParaRPr dirty="0"/>
           </a:p>
         </p:txBody>
@@ -2950,7 +3164,7 @@
 </p:notes>
 </file>
 
-<file path=ppt/notesSlides/notesSlide8.xml><?xml version="1.0" encoding="utf-8"?>
+<file path=ppt/notesSlides/notesSlide9.xml><?xml version="1.0" encoding="utf-8"?>
 <p:notes xmlns:a="http://schemas.openxmlformats.org/drawingml/2006/main" xmlns:r="http://schemas.openxmlformats.org/officeDocument/2006/relationships" xmlns:p="http://schemas.openxmlformats.org/presentationml/2006/main" showMasterSp="0" showMasterPhAnim="0">
   <p:cSld>
     <p:spTree>
@@ -3011,110 +3225,6 @@
       <p:sp>
         <p:nvSpPr>
           <p:cNvPr id="110" name="Google Shape;110;gcc23a486c6_0_93:notes"/>
-          <p:cNvSpPr txBox="1">
-            <a:spLocks noGrp="1"/>
-          </p:cNvSpPr>
-          <p:nvPr>
-            <p:ph type="body" idx="1"/>
-          </p:nvPr>
-        </p:nvSpPr>
-        <p:spPr>
-          <a:xfrm>
-            <a:off x="685800" y="4343400"/>
-            <a:ext cx="5486400" cy="4114800"/>
-          </a:xfrm>
-          <a:prstGeom prst="rect">
-            <a:avLst/>
-          </a:prstGeom>
-        </p:spPr>
-        <p:txBody>
-          <a:bodyPr spcFirstLastPara="1" wrap="square" lIns="91425" tIns="91425" rIns="91425" bIns="91425" anchor="t" anchorCtr="0">
-            <a:noAutofit/>
-          </a:bodyPr>
-          <a:lstStyle/>
-          <a:p>
-            <a:pPr marL="0" lvl="0" indent="0" algn="l" rtl="0">
-              <a:spcBef>
-                <a:spcPts val="0"/>
-              </a:spcBef>
-              <a:spcAft>
-                <a:spcPts val="0"/>
-              </a:spcAft>
-              <a:buNone/>
-            </a:pPr>
-            <a:endParaRPr/>
-          </a:p>
-        </p:txBody>
-      </p:sp>
-    </p:spTree>
-  </p:cSld>
-  <p:clrMapOvr>
-    <a:masterClrMapping/>
-  </p:clrMapOvr>
-</p:notes>
-</file>
-
-<file path=ppt/notesSlides/notesSlide9.xml><?xml version="1.0" encoding="utf-8"?>
-<p:notes xmlns:a="http://schemas.openxmlformats.org/drawingml/2006/main" xmlns:r="http://schemas.openxmlformats.org/officeDocument/2006/relationships" xmlns:p="http://schemas.openxmlformats.org/presentationml/2006/main" showMasterSp="0" showMasterPhAnim="0">
-  <p:cSld>
-    <p:spTree>
-      <p:nvGrpSpPr>
-        <p:cNvPr id="1" name="Shape 135"/>
-        <p:cNvGrpSpPr/>
-        <p:nvPr/>
-      </p:nvGrpSpPr>
-      <p:grpSpPr>
-        <a:xfrm>
-          <a:off x="0" y="0"/>
-          <a:ext cx="0" cy="0"/>
-          <a:chOff x="0" y="0"/>
-          <a:chExt cx="0" cy="0"/>
-        </a:xfrm>
-      </p:grpSpPr>
-      <p:sp>
-        <p:nvSpPr>
-          <p:cNvPr id="136" name="Google Shape;136;gcc23a486c6_0_114:notes"/>
-          <p:cNvSpPr>
-            <a:spLocks noGrp="1" noRot="1" noChangeAspect="1"/>
-          </p:cNvSpPr>
-          <p:nvPr>
-            <p:ph type="sldImg" idx="2"/>
-          </p:nvPr>
-        </p:nvSpPr>
-        <p:spPr>
-          <a:xfrm>
-            <a:off x="381000" y="685800"/>
-            <a:ext cx="6096000" cy="3429000"/>
-          </a:xfrm>
-          <a:custGeom>
-            <a:avLst/>
-            <a:gdLst/>
-            <a:ahLst/>
-            <a:cxnLst/>
-            <a:rect l="l" t="t" r="r" b="b"/>
-            <a:pathLst>
-              <a:path w="120000" h="120000" extrusionOk="0">
-                <a:moveTo>
-                  <a:pt x="0" y="0"/>
-                </a:moveTo>
-                <a:lnTo>
-                  <a:pt x="120000" y="0"/>
-                </a:lnTo>
-                <a:lnTo>
-                  <a:pt x="120000" y="120000"/>
-                </a:lnTo>
-                <a:lnTo>
-                  <a:pt x="0" y="120000"/>
-                </a:lnTo>
-                <a:close/>
-              </a:path>
-            </a:pathLst>
-          </a:custGeom>
-        </p:spPr>
-      </p:sp>
-      <p:sp>
-        <p:nvSpPr>
-          <p:cNvPr id="137" name="Google Shape;137;gcc23a486c6_0_114:notes"/>
           <p:cNvSpPr txBox="1">
             <a:spLocks noGrp="1"/>
           </p:cNvSpPr>
@@ -8080,7 +8190,7 @@
         </p:nvSpPr>
         <p:spPr>
           <a:xfrm>
-            <a:off x="311708" y="744575"/>
+            <a:off x="311700" y="302656"/>
             <a:ext cx="8520600" cy="2052600"/>
           </a:xfrm>
           <a:prstGeom prst="rect">
@@ -8103,7 +8213,7 @@
               <a:buNone/>
             </a:pPr>
             <a:r>
-              <a:rPr lang="en">
+              <a:rPr lang="en" b="1" dirty="0">
                 <a:latin typeface="Times New Roman"/>
                 <a:ea typeface="Times New Roman"/>
                 <a:cs typeface="Times New Roman"/>
@@ -8111,7 +8221,7 @@
               </a:rPr>
               <a:t>Brute Force</a:t>
             </a:r>
-            <a:endParaRPr>
+            <a:endParaRPr b="1" dirty="0">
               <a:latin typeface="Times New Roman"/>
               <a:ea typeface="Times New Roman"/>
               <a:cs typeface="Times New Roman"/>
@@ -8132,7 +8242,7 @@
         </p:nvSpPr>
         <p:spPr>
           <a:xfrm>
-            <a:off x="311700" y="2834125"/>
+            <a:off x="311700" y="2219870"/>
             <a:ext cx="8520600" cy="792600"/>
           </a:xfrm>
           <a:prstGeom prst="rect">
@@ -8155,7 +8265,7 @@
               <a:buNone/>
             </a:pPr>
             <a:r>
-              <a:rPr lang="en">
+              <a:rPr lang="en" dirty="0">
                 <a:solidFill>
                   <a:srgbClr val="000000"/>
                 </a:solidFill>
@@ -8166,7 +8276,7 @@
               </a:rPr>
               <a:t>Seminar 04/13/2021</a:t>
             </a:r>
-            <a:endParaRPr>
+            <a:endParaRPr dirty="0">
               <a:solidFill>
                 <a:srgbClr val="000000"/>
               </a:solidFill>
@@ -8220,6 +8330,369 @@
           </a:p>
         </p:txBody>
       </p:sp>
+      <p:sp>
+        <p:nvSpPr>
+          <p:cNvPr id="5" name="Google Shape;55;p13">
+            <a:extLst>
+              <a:ext uri="{FF2B5EF4-FFF2-40B4-BE49-F238E27FC236}">
+                <a16:creationId xmlns:a16="http://schemas.microsoft.com/office/drawing/2014/main" id="{32197C97-D9B8-4A46-9918-E715C2CA9671}"/>
+              </a:ext>
+            </a:extLst>
+          </p:cNvPr>
+          <p:cNvSpPr txBox="1">
+            <a:spLocks/>
+          </p:cNvSpPr>
+          <p:nvPr/>
+        </p:nvSpPr>
+        <p:spPr>
+          <a:xfrm>
+            <a:off x="4483884" y="3120642"/>
+            <a:ext cx="4348416" cy="1020748"/>
+          </a:xfrm>
+          <a:prstGeom prst="rect">
+            <a:avLst/>
+          </a:prstGeom>
+          <a:noFill/>
+          <a:ln>
+            <a:noFill/>
+          </a:ln>
+        </p:spPr>
+        <p:txBody>
+          <a:bodyPr spcFirstLastPara="1" wrap="square" lIns="91425" tIns="91425" rIns="91425" bIns="91425" anchor="t" anchorCtr="0">
+            <a:normAutofit fontScale="92500" lnSpcReduction="10000"/>
+          </a:bodyPr>
+          <a:lstStyle>
+            <a:defPPr marR="0" lvl="0" algn="l" rtl="0">
+              <a:lnSpc>
+                <a:spcPct val="100000"/>
+              </a:lnSpc>
+              <a:spcBef>
+                <a:spcPts val="0"/>
+              </a:spcBef>
+              <a:spcAft>
+                <a:spcPts val="0"/>
+              </a:spcAft>
+            </a:defPPr>
+            <a:lvl1pPr marL="457200" marR="0" lvl="0" indent="-342900" algn="ctr" rtl="0">
+              <a:lnSpc>
+                <a:spcPct val="100000"/>
+              </a:lnSpc>
+              <a:spcBef>
+                <a:spcPts val="0"/>
+              </a:spcBef>
+              <a:spcAft>
+                <a:spcPts val="0"/>
+              </a:spcAft>
+              <a:buClr>
+                <a:schemeClr val="dk2"/>
+              </a:buClr>
+              <a:buSzPts val="2800"/>
+              <a:buFont typeface="Arial"/>
+              <a:buNone/>
+              <a:defRPr sz="2800" b="0" i="0" u="none" strike="noStrike" cap="none">
+                <a:solidFill>
+                  <a:schemeClr val="dk2"/>
+                </a:solidFill>
+                <a:latin typeface="Arial"/>
+                <a:ea typeface="Arial"/>
+                <a:cs typeface="Arial"/>
+                <a:sym typeface="Arial"/>
+              </a:defRPr>
+            </a:lvl1pPr>
+            <a:lvl2pPr marL="914400" marR="0" lvl="1" indent="-317500" algn="ctr" rtl="0">
+              <a:lnSpc>
+                <a:spcPct val="100000"/>
+              </a:lnSpc>
+              <a:spcBef>
+                <a:spcPts val="0"/>
+              </a:spcBef>
+              <a:spcAft>
+                <a:spcPts val="0"/>
+              </a:spcAft>
+              <a:buClr>
+                <a:schemeClr val="dk2"/>
+              </a:buClr>
+              <a:buSzPts val="2800"/>
+              <a:buFont typeface="Arial"/>
+              <a:buNone/>
+              <a:defRPr sz="2800" b="0" i="0" u="none" strike="noStrike" cap="none">
+                <a:solidFill>
+                  <a:schemeClr val="dk2"/>
+                </a:solidFill>
+                <a:latin typeface="Arial"/>
+                <a:ea typeface="Arial"/>
+                <a:cs typeface="Arial"/>
+                <a:sym typeface="Arial"/>
+              </a:defRPr>
+            </a:lvl2pPr>
+            <a:lvl3pPr marL="1371600" marR="0" lvl="2" indent="-317500" algn="ctr" rtl="0">
+              <a:lnSpc>
+                <a:spcPct val="100000"/>
+              </a:lnSpc>
+              <a:spcBef>
+                <a:spcPts val="0"/>
+              </a:spcBef>
+              <a:spcAft>
+                <a:spcPts val="0"/>
+              </a:spcAft>
+              <a:buClr>
+                <a:schemeClr val="dk2"/>
+              </a:buClr>
+              <a:buSzPts val="2800"/>
+              <a:buFont typeface="Arial"/>
+              <a:buNone/>
+              <a:defRPr sz="2800" b="0" i="0" u="none" strike="noStrike" cap="none">
+                <a:solidFill>
+                  <a:schemeClr val="dk2"/>
+                </a:solidFill>
+                <a:latin typeface="Arial"/>
+                <a:ea typeface="Arial"/>
+                <a:cs typeface="Arial"/>
+                <a:sym typeface="Arial"/>
+              </a:defRPr>
+            </a:lvl3pPr>
+            <a:lvl4pPr marL="1828800" marR="0" lvl="3" indent="-317500" algn="ctr" rtl="0">
+              <a:lnSpc>
+                <a:spcPct val="100000"/>
+              </a:lnSpc>
+              <a:spcBef>
+                <a:spcPts val="0"/>
+              </a:spcBef>
+              <a:spcAft>
+                <a:spcPts val="0"/>
+              </a:spcAft>
+              <a:buClr>
+                <a:schemeClr val="dk2"/>
+              </a:buClr>
+              <a:buSzPts val="2800"/>
+              <a:buFont typeface="Arial"/>
+              <a:buNone/>
+              <a:defRPr sz="2800" b="0" i="0" u="none" strike="noStrike" cap="none">
+                <a:solidFill>
+                  <a:schemeClr val="dk2"/>
+                </a:solidFill>
+                <a:latin typeface="Arial"/>
+                <a:ea typeface="Arial"/>
+                <a:cs typeface="Arial"/>
+                <a:sym typeface="Arial"/>
+              </a:defRPr>
+            </a:lvl4pPr>
+            <a:lvl5pPr marL="2286000" marR="0" lvl="4" indent="-317500" algn="ctr" rtl="0">
+              <a:lnSpc>
+                <a:spcPct val="100000"/>
+              </a:lnSpc>
+              <a:spcBef>
+                <a:spcPts val="0"/>
+              </a:spcBef>
+              <a:spcAft>
+                <a:spcPts val="0"/>
+              </a:spcAft>
+              <a:buClr>
+                <a:schemeClr val="dk2"/>
+              </a:buClr>
+              <a:buSzPts val="2800"/>
+              <a:buFont typeface="Arial"/>
+              <a:buNone/>
+              <a:defRPr sz="2800" b="0" i="0" u="none" strike="noStrike" cap="none">
+                <a:solidFill>
+                  <a:schemeClr val="dk2"/>
+                </a:solidFill>
+                <a:latin typeface="Arial"/>
+                <a:ea typeface="Arial"/>
+                <a:cs typeface="Arial"/>
+                <a:sym typeface="Arial"/>
+              </a:defRPr>
+            </a:lvl5pPr>
+            <a:lvl6pPr marL="2743200" marR="0" lvl="5" indent="-317500" algn="ctr" rtl="0">
+              <a:lnSpc>
+                <a:spcPct val="100000"/>
+              </a:lnSpc>
+              <a:spcBef>
+                <a:spcPts val="0"/>
+              </a:spcBef>
+              <a:spcAft>
+                <a:spcPts val="0"/>
+              </a:spcAft>
+              <a:buClr>
+                <a:schemeClr val="dk2"/>
+              </a:buClr>
+              <a:buSzPts val="2800"/>
+              <a:buFont typeface="Arial"/>
+              <a:buNone/>
+              <a:defRPr sz="2800" b="0" i="0" u="none" strike="noStrike" cap="none">
+                <a:solidFill>
+                  <a:schemeClr val="dk2"/>
+                </a:solidFill>
+                <a:latin typeface="Arial"/>
+                <a:ea typeface="Arial"/>
+                <a:cs typeface="Arial"/>
+                <a:sym typeface="Arial"/>
+              </a:defRPr>
+            </a:lvl6pPr>
+            <a:lvl7pPr marL="3200400" marR="0" lvl="6" indent="-317500" algn="ctr" rtl="0">
+              <a:lnSpc>
+                <a:spcPct val="100000"/>
+              </a:lnSpc>
+              <a:spcBef>
+                <a:spcPts val="0"/>
+              </a:spcBef>
+              <a:spcAft>
+                <a:spcPts val="0"/>
+              </a:spcAft>
+              <a:buClr>
+                <a:schemeClr val="dk2"/>
+              </a:buClr>
+              <a:buSzPts val="2800"/>
+              <a:buFont typeface="Arial"/>
+              <a:buNone/>
+              <a:defRPr sz="2800" b="0" i="0" u="none" strike="noStrike" cap="none">
+                <a:solidFill>
+                  <a:schemeClr val="dk2"/>
+                </a:solidFill>
+                <a:latin typeface="Arial"/>
+                <a:ea typeface="Arial"/>
+                <a:cs typeface="Arial"/>
+                <a:sym typeface="Arial"/>
+              </a:defRPr>
+            </a:lvl7pPr>
+            <a:lvl8pPr marL="3657600" marR="0" lvl="7" indent="-317500" algn="ctr" rtl="0">
+              <a:lnSpc>
+                <a:spcPct val="100000"/>
+              </a:lnSpc>
+              <a:spcBef>
+                <a:spcPts val="0"/>
+              </a:spcBef>
+              <a:spcAft>
+                <a:spcPts val="0"/>
+              </a:spcAft>
+              <a:buClr>
+                <a:schemeClr val="dk2"/>
+              </a:buClr>
+              <a:buSzPts val="2800"/>
+              <a:buFont typeface="Arial"/>
+              <a:buNone/>
+              <a:defRPr sz="2800" b="0" i="0" u="none" strike="noStrike" cap="none">
+                <a:solidFill>
+                  <a:schemeClr val="dk2"/>
+                </a:solidFill>
+                <a:latin typeface="Arial"/>
+                <a:ea typeface="Arial"/>
+                <a:cs typeface="Arial"/>
+                <a:sym typeface="Arial"/>
+              </a:defRPr>
+            </a:lvl8pPr>
+            <a:lvl9pPr marL="4114800" marR="0" lvl="8" indent="-317500" algn="ctr" rtl="0">
+              <a:lnSpc>
+                <a:spcPct val="100000"/>
+              </a:lnSpc>
+              <a:spcBef>
+                <a:spcPts val="0"/>
+              </a:spcBef>
+              <a:spcAft>
+                <a:spcPts val="0"/>
+              </a:spcAft>
+              <a:buClr>
+                <a:schemeClr val="dk2"/>
+              </a:buClr>
+              <a:buSzPts val="2800"/>
+              <a:buFont typeface="Arial"/>
+              <a:buNone/>
+              <a:defRPr sz="2800" b="0" i="0" u="none" strike="noStrike" cap="none">
+                <a:solidFill>
+                  <a:schemeClr val="dk2"/>
+                </a:solidFill>
+                <a:latin typeface="Arial"/>
+                <a:ea typeface="Arial"/>
+                <a:cs typeface="Arial"/>
+                <a:sym typeface="Arial"/>
+              </a:defRPr>
+            </a:lvl9pPr>
+          </a:lstStyle>
+          <a:p>
+            <a:pPr marL="0" indent="0" algn="l">
+              <a:lnSpc>
+                <a:spcPct val="150000"/>
+              </a:lnSpc>
+            </a:pPr>
+            <a:r>
+              <a:rPr lang="en-US" sz="2000" dirty="0">
+                <a:solidFill>
+                  <a:srgbClr val="000000"/>
+                </a:solidFill>
+                <a:latin typeface="Times New Roman"/>
+                <a:ea typeface="Times New Roman"/>
+                <a:cs typeface="Times New Roman"/>
+                <a:sym typeface="Times New Roman"/>
+              </a:rPr>
+              <a:t>Instructor: M.S. </a:t>
+            </a:r>
+            <a:r>
+              <a:rPr lang="en-US" sz="2000" dirty="0" err="1">
+                <a:solidFill>
+                  <a:srgbClr val="000000"/>
+                </a:solidFill>
+                <a:latin typeface="Times New Roman"/>
+                <a:ea typeface="Times New Roman"/>
+                <a:cs typeface="Times New Roman"/>
+                <a:sym typeface="Times New Roman"/>
+              </a:rPr>
+              <a:t>Nguyễn</a:t>
+            </a:r>
+            <a:r>
+              <a:rPr lang="en-US" sz="2000" dirty="0">
+                <a:solidFill>
+                  <a:srgbClr val="000000"/>
+                </a:solidFill>
+                <a:latin typeface="Times New Roman"/>
+                <a:ea typeface="Times New Roman"/>
+                <a:cs typeface="Times New Roman"/>
+                <a:sym typeface="Times New Roman"/>
+              </a:rPr>
+              <a:t> Thanh </a:t>
+            </a:r>
+            <a:r>
+              <a:rPr lang="en-US" sz="2000" dirty="0" err="1">
+                <a:solidFill>
+                  <a:srgbClr val="000000"/>
+                </a:solidFill>
+                <a:latin typeface="Times New Roman"/>
+                <a:ea typeface="Times New Roman"/>
+                <a:cs typeface="Times New Roman"/>
+                <a:sym typeface="Times New Roman"/>
+              </a:rPr>
+              <a:t>Sơn</a:t>
+            </a:r>
+            <a:endParaRPr lang="en-US" sz="2000" dirty="0">
+              <a:solidFill>
+                <a:srgbClr val="000000"/>
+              </a:solidFill>
+              <a:latin typeface="Times New Roman"/>
+              <a:ea typeface="Times New Roman"/>
+              <a:cs typeface="Times New Roman"/>
+              <a:sym typeface="Times New Roman"/>
+            </a:endParaRPr>
+          </a:p>
+          <a:p>
+            <a:pPr marL="0" indent="0" algn="l">
+              <a:lnSpc>
+                <a:spcPct val="150000"/>
+              </a:lnSpc>
+            </a:pPr>
+            <a:r>
+              <a:rPr lang="en-US" sz="2000" dirty="0">
+                <a:solidFill>
+                  <a:srgbClr val="000000"/>
+                </a:solidFill>
+                <a:latin typeface="Times New Roman"/>
+                <a:ea typeface="Times New Roman"/>
+                <a:cs typeface="Times New Roman"/>
+                <a:sym typeface="Times New Roman"/>
+              </a:rPr>
+              <a:t>Class: CS112.L23.KHCL</a:t>
+            </a:r>
+          </a:p>
+        </p:txBody>
+      </p:sp>
     </p:spTree>
   </p:cSld>
   <p:clrMapOvr>
@@ -8241,6 +8714,625 @@
 </file>
 
 <file path=ppt/slides/slide10.xml><?xml version="1.0" encoding="utf-8"?>
+<p:sld xmlns:a="http://schemas.openxmlformats.org/drawingml/2006/main" xmlns:r="http://schemas.openxmlformats.org/officeDocument/2006/relationships" xmlns:p="http://schemas.openxmlformats.org/presentationml/2006/main">
+  <p:cSld>
+    <p:spTree>
+      <p:nvGrpSpPr>
+        <p:cNvPr id="1" name="Shape 138"/>
+        <p:cNvGrpSpPr/>
+        <p:nvPr/>
+      </p:nvGrpSpPr>
+      <p:grpSpPr>
+        <a:xfrm>
+          <a:off x="0" y="0"/>
+          <a:ext cx="0" cy="0"/>
+          <a:chOff x="0" y="0"/>
+          <a:chExt cx="0" cy="0"/>
+        </a:xfrm>
+      </p:grpSpPr>
+      <p:sp>
+        <p:nvSpPr>
+          <p:cNvPr id="139" name="Google Shape;139;p21"/>
+          <p:cNvSpPr txBox="1">
+            <a:spLocks noGrp="1"/>
+          </p:cNvSpPr>
+          <p:nvPr>
+            <p:ph type="title"/>
+          </p:nvPr>
+        </p:nvSpPr>
+        <p:spPr>
+          <a:xfrm>
+            <a:off x="0" y="86682"/>
+            <a:ext cx="9144000" cy="572700"/>
+          </a:xfrm>
+          <a:prstGeom prst="rect">
+            <a:avLst/>
+          </a:prstGeom>
+        </p:spPr>
+        <p:txBody>
+          <a:bodyPr spcFirstLastPara="1" wrap="square" lIns="91425" tIns="91425" rIns="91425" bIns="91425" anchor="t" anchorCtr="0">
+            <a:noAutofit/>
+          </a:bodyPr>
+          <a:lstStyle/>
+          <a:p>
+            <a:pPr marL="0" lvl="0" indent="0" algn="ctr" rtl="0">
+              <a:spcBef>
+                <a:spcPts val="0"/>
+              </a:spcBef>
+              <a:spcAft>
+                <a:spcPts val="0"/>
+              </a:spcAft>
+              <a:buSzPts val="990"/>
+              <a:buNone/>
+            </a:pPr>
+            <a:r>
+              <a:rPr lang="en" sz="3020" b="1" dirty="0">
+                <a:latin typeface="Times New Roman"/>
+                <a:ea typeface="Times New Roman"/>
+                <a:cs typeface="Times New Roman"/>
+                <a:sym typeface="Times New Roman"/>
+              </a:rPr>
+              <a:t>III. Pros and Cons</a:t>
+            </a:r>
+            <a:endParaRPr sz="3020" b="1" dirty="0">
+              <a:latin typeface="Times New Roman"/>
+              <a:ea typeface="Times New Roman"/>
+              <a:cs typeface="Times New Roman"/>
+              <a:sym typeface="Times New Roman"/>
+            </a:endParaRPr>
+          </a:p>
+        </p:txBody>
+      </p:sp>
+      <p:sp>
+        <p:nvSpPr>
+          <p:cNvPr id="140" name="Google Shape;140;p21"/>
+          <p:cNvSpPr txBox="1">
+            <a:spLocks noGrp="1"/>
+          </p:cNvSpPr>
+          <p:nvPr>
+            <p:ph type="sldNum" idx="12"/>
+          </p:nvPr>
+        </p:nvSpPr>
+        <p:spPr>
+          <a:xfrm>
+            <a:off x="8472458" y="4663217"/>
+            <a:ext cx="548700" cy="393600"/>
+          </a:xfrm>
+          <a:prstGeom prst="rect">
+            <a:avLst/>
+          </a:prstGeom>
+        </p:spPr>
+        <p:txBody>
+          <a:bodyPr spcFirstLastPara="1" wrap="square" lIns="91425" tIns="91425" rIns="91425" bIns="91425" anchor="ctr" anchorCtr="0">
+            <a:normAutofit/>
+          </a:bodyPr>
+          <a:lstStyle/>
+          <a:p>
+            <a:pPr marL="0" lvl="0" indent="0" algn="r" rtl="0">
+              <a:spcBef>
+                <a:spcPts val="0"/>
+              </a:spcBef>
+              <a:spcAft>
+                <a:spcPts val="0"/>
+              </a:spcAft>
+              <a:buNone/>
+            </a:pPr>
+            <a:fld id="{00000000-1234-1234-1234-123412341234}" type="slidenum">
+              <a:rPr lang="en"/>
+              <a:t>10</a:t>
+            </a:fld>
+            <a:endParaRPr/>
+          </a:p>
+        </p:txBody>
+      </p:sp>
+      <p:graphicFrame>
+        <p:nvGraphicFramePr>
+          <p:cNvPr id="142" name="Google Shape;142;p21"/>
+          <p:cNvGraphicFramePr/>
+          <p:nvPr>
+            <p:extLst>
+              <p:ext uri="{D42A27DB-BD31-4B8C-83A1-F6EECF244321}">
+                <p14:modId xmlns:p14="http://schemas.microsoft.com/office/powerpoint/2010/main" val="2327065175"/>
+              </p:ext>
+            </p:extLst>
+          </p:nvPr>
+        </p:nvGraphicFramePr>
+        <p:xfrm>
+          <a:off x="0" y="1093862"/>
+          <a:ext cx="9144000" cy="3108415"/>
+        </p:xfrm>
+        <a:graphic>
+          <a:graphicData uri="http://schemas.openxmlformats.org/drawingml/2006/table">
+            <a:tbl>
+              <a:tblPr>
+                <a:noFill/>
+                <a:tableStyleId>{2D2E3335-6FD7-4084-9337-1B8A8C7011F9}</a:tableStyleId>
+              </a:tblPr>
+              <a:tblGrid>
+                <a:gridCol w="4572000">
+                  <a:extLst>
+                    <a:ext uri="{9D8B030D-6E8A-4147-A177-3AD203B41FA5}">
+                      <a16:colId xmlns:a16="http://schemas.microsoft.com/office/drawing/2014/main" val="20000"/>
+                    </a:ext>
+                  </a:extLst>
+                </a:gridCol>
+                <a:gridCol w="4572000">
+                  <a:extLst>
+                    <a:ext uri="{9D8B030D-6E8A-4147-A177-3AD203B41FA5}">
+                      <a16:colId xmlns:a16="http://schemas.microsoft.com/office/drawing/2014/main" val="20001"/>
+                    </a:ext>
+                  </a:extLst>
+                </a:gridCol>
+              </a:tblGrid>
+              <a:tr h="428174">
+                <a:tc>
+                  <a:txBody>
+                    <a:bodyPr/>
+                    <a:lstStyle/>
+                    <a:p>
+                      <a:pPr marL="0" lvl="0" indent="0" algn="ctr" rtl="0">
+                        <a:spcBef>
+                          <a:spcPts val="0"/>
+                        </a:spcBef>
+                        <a:spcAft>
+                          <a:spcPts val="0"/>
+                        </a:spcAft>
+                        <a:buNone/>
+                      </a:pPr>
+                      <a:r>
+                        <a:rPr lang="en" sz="3000" b="1">
+                          <a:solidFill>
+                            <a:schemeClr val="dk1"/>
+                          </a:solidFill>
+                          <a:highlight>
+                            <a:srgbClr val="FFFFFF"/>
+                          </a:highlight>
+                          <a:latin typeface="Times New Roman"/>
+                          <a:ea typeface="Times New Roman"/>
+                          <a:cs typeface="Times New Roman"/>
+                          <a:sym typeface="Times New Roman"/>
+                        </a:rPr>
+                        <a:t>Pros </a:t>
+                      </a:r>
+                      <a:endParaRPr sz="3000" b="1"/>
+                    </a:p>
+                  </a:txBody>
+                  <a:tcPr marL="91425" marR="91425" marT="91425" marB="91425"/>
+                </a:tc>
+                <a:tc>
+                  <a:txBody>
+                    <a:bodyPr/>
+                    <a:lstStyle/>
+                    <a:p>
+                      <a:pPr marL="0" lvl="0" indent="0" algn="ctr" rtl="0">
+                        <a:spcBef>
+                          <a:spcPts val="0"/>
+                        </a:spcBef>
+                        <a:spcAft>
+                          <a:spcPts val="0"/>
+                        </a:spcAft>
+                        <a:buNone/>
+                      </a:pPr>
+                      <a:r>
+                        <a:rPr lang="en" sz="3000" b="1">
+                          <a:solidFill>
+                            <a:schemeClr val="dk1"/>
+                          </a:solidFill>
+                          <a:highlight>
+                            <a:srgbClr val="FFFFFF"/>
+                          </a:highlight>
+                          <a:latin typeface="Times New Roman"/>
+                          <a:ea typeface="Times New Roman"/>
+                          <a:cs typeface="Times New Roman"/>
+                          <a:sym typeface="Times New Roman"/>
+                        </a:rPr>
+                        <a:t>Cons </a:t>
+                      </a:r>
+                      <a:endParaRPr sz="3000" b="1"/>
+                    </a:p>
+                  </a:txBody>
+                  <a:tcPr marL="91425" marR="91425" marT="91425" marB="91425"/>
+                </a:tc>
+                <a:extLst>
+                  <a:ext uri="{0D108BD9-81ED-4DB2-BD59-A6C34878D82A}">
+                    <a16:rowId xmlns:a16="http://schemas.microsoft.com/office/drawing/2014/main" val="10000"/>
+                  </a:ext>
+                </a:extLst>
+              </a:tr>
+              <a:tr h="2468365">
+                <a:tc>
+                  <a:txBody>
+                    <a:bodyPr/>
+                    <a:lstStyle/>
+                    <a:p>
+                      <a:pPr marL="457200" lvl="0" indent="-355600" algn="just" rtl="0">
+                        <a:lnSpc>
+                          <a:spcPct val="115000"/>
+                        </a:lnSpc>
+                        <a:spcBef>
+                          <a:spcPts val="0"/>
+                        </a:spcBef>
+                        <a:spcAft>
+                          <a:spcPts val="0"/>
+                        </a:spcAft>
+                        <a:buClr>
+                          <a:schemeClr val="dk1"/>
+                        </a:buClr>
+                        <a:buSzPts val="2000"/>
+                        <a:buFont typeface="Times New Roman"/>
+                        <a:buChar char="-"/>
+                      </a:pPr>
+                      <a:r>
+                        <a:rPr lang="en" sz="2000" dirty="0">
+                          <a:solidFill>
+                            <a:schemeClr val="dk1"/>
+                          </a:solidFill>
+                          <a:highlight>
+                            <a:srgbClr val="FFFFFF"/>
+                          </a:highlight>
+                          <a:latin typeface="Times New Roman"/>
+                          <a:ea typeface="Times New Roman"/>
+                          <a:cs typeface="Times New Roman"/>
+                          <a:sym typeface="Times New Roman"/>
+                        </a:rPr>
+                        <a:t>Straightforward: easy to implement </a:t>
+                      </a:r>
+                      <a:endParaRPr sz="2000" dirty="0">
+                        <a:solidFill>
+                          <a:schemeClr val="dk1"/>
+                        </a:solidFill>
+                        <a:highlight>
+                          <a:srgbClr val="FFFFFF"/>
+                        </a:highlight>
+                        <a:latin typeface="Times New Roman"/>
+                        <a:ea typeface="Times New Roman"/>
+                        <a:cs typeface="Times New Roman"/>
+                        <a:sym typeface="Times New Roman"/>
+                      </a:endParaRPr>
+                    </a:p>
+                    <a:p>
+                      <a:pPr marL="457200" lvl="0" indent="-355600" algn="just" rtl="0">
+                        <a:lnSpc>
+                          <a:spcPct val="115000"/>
+                        </a:lnSpc>
+                        <a:spcBef>
+                          <a:spcPts val="0"/>
+                        </a:spcBef>
+                        <a:spcAft>
+                          <a:spcPts val="0"/>
+                        </a:spcAft>
+                        <a:buClr>
+                          <a:schemeClr val="dk1"/>
+                        </a:buClr>
+                        <a:buSzPts val="2000"/>
+                        <a:buFont typeface="Times New Roman"/>
+                        <a:buChar char="-"/>
+                      </a:pPr>
+                      <a:r>
+                        <a:rPr lang="en" sz="2000" dirty="0">
+                          <a:solidFill>
+                            <a:schemeClr val="dk1"/>
+                          </a:solidFill>
+                          <a:highlight>
+                            <a:srgbClr val="FFFFFF"/>
+                          </a:highlight>
+                          <a:latin typeface="Times New Roman"/>
+                          <a:ea typeface="Times New Roman"/>
+                          <a:cs typeface="Times New Roman"/>
+                          <a:sym typeface="Times New Roman"/>
+                        </a:rPr>
+                        <a:t>For some important problems, with no limitation on instance size, brute force could achieve a result with absolute accuracy. </a:t>
+                      </a:r>
+                      <a:endParaRPr sz="2000" dirty="0">
+                        <a:solidFill>
+                          <a:schemeClr val="dk1"/>
+                        </a:solidFill>
+                        <a:highlight>
+                          <a:srgbClr val="FFFFFF"/>
+                        </a:highlight>
+                        <a:latin typeface="Times New Roman"/>
+                        <a:ea typeface="Times New Roman"/>
+                        <a:cs typeface="Times New Roman"/>
+                        <a:sym typeface="Times New Roman"/>
+                      </a:endParaRPr>
+                    </a:p>
+                    <a:p>
+                      <a:pPr marL="0" lvl="0" indent="0" algn="l" rtl="0">
+                        <a:spcBef>
+                          <a:spcPts val="0"/>
+                        </a:spcBef>
+                        <a:spcAft>
+                          <a:spcPts val="0"/>
+                        </a:spcAft>
+                        <a:buNone/>
+                      </a:pPr>
+                      <a:endParaRPr dirty="0"/>
+                    </a:p>
+                  </a:txBody>
+                  <a:tcPr marL="91425" marR="91425" marT="91425" marB="91425"/>
+                </a:tc>
+                <a:tc>
+                  <a:txBody>
+                    <a:bodyPr/>
+                    <a:lstStyle/>
+                    <a:p>
+                      <a:pPr marL="457200" lvl="0" indent="-355600" algn="just" rtl="0">
+                        <a:lnSpc>
+                          <a:spcPct val="115000"/>
+                        </a:lnSpc>
+                        <a:spcBef>
+                          <a:spcPts val="0"/>
+                        </a:spcBef>
+                        <a:spcAft>
+                          <a:spcPts val="0"/>
+                        </a:spcAft>
+                        <a:buClr>
+                          <a:schemeClr val="dk1"/>
+                        </a:buClr>
+                        <a:buSzPts val="2000"/>
+                        <a:buFont typeface="Times New Roman"/>
+                        <a:buChar char="-"/>
+                      </a:pPr>
+                      <a:r>
+                        <a:rPr lang="en" sz="2000" dirty="0">
+                          <a:solidFill>
+                            <a:schemeClr val="dk1"/>
+                          </a:solidFill>
+                          <a:highlight>
+                            <a:srgbClr val="FFFFFF"/>
+                          </a:highlight>
+                          <a:latin typeface="Times New Roman"/>
+                          <a:ea typeface="Times New Roman"/>
+                          <a:cs typeface="Times New Roman"/>
+                          <a:sym typeface="Times New Roman"/>
+                        </a:rPr>
+                        <a:t>Take too much time to execute </a:t>
+                      </a:r>
+                      <a:endParaRPr sz="2000" dirty="0">
+                        <a:solidFill>
+                          <a:schemeClr val="dk1"/>
+                        </a:solidFill>
+                        <a:highlight>
+                          <a:srgbClr val="FFFFFF"/>
+                        </a:highlight>
+                        <a:latin typeface="Times New Roman"/>
+                        <a:ea typeface="Times New Roman"/>
+                        <a:cs typeface="Times New Roman"/>
+                        <a:sym typeface="Times New Roman"/>
+                      </a:endParaRPr>
+                    </a:p>
+                    <a:p>
+                      <a:pPr marL="457200" lvl="0" indent="-355600" algn="just" rtl="0">
+                        <a:lnSpc>
+                          <a:spcPct val="115000"/>
+                        </a:lnSpc>
+                        <a:spcBef>
+                          <a:spcPts val="0"/>
+                        </a:spcBef>
+                        <a:spcAft>
+                          <a:spcPts val="0"/>
+                        </a:spcAft>
+                        <a:buClr>
+                          <a:schemeClr val="dk1"/>
+                        </a:buClr>
+                        <a:buSzPts val="2000"/>
+                        <a:buFont typeface="Times New Roman"/>
+                        <a:buChar char="-"/>
+                      </a:pPr>
+                      <a:r>
+                        <a:rPr lang="en" sz="2000" dirty="0">
+                          <a:solidFill>
+                            <a:schemeClr val="dk1"/>
+                          </a:solidFill>
+                          <a:highlight>
+                            <a:srgbClr val="FFFFFF"/>
+                          </a:highlight>
+                          <a:latin typeface="Times New Roman"/>
+                          <a:ea typeface="Times New Roman"/>
+                          <a:cs typeface="Times New Roman"/>
+                          <a:sym typeface="Times New Roman"/>
+                        </a:rPr>
+                        <a:t>Brute force can not applied to most real-world problems. (Ex: In real-life, we cannot try all solutions to find the suitable answer for our problem)</a:t>
+                      </a:r>
+                      <a:endParaRPr sz="2100" dirty="0"/>
+                    </a:p>
+                  </a:txBody>
+                  <a:tcPr marL="91425" marR="91425" marT="91425" marB="91425"/>
+                </a:tc>
+                <a:extLst>
+                  <a:ext uri="{0D108BD9-81ED-4DB2-BD59-A6C34878D82A}">
+                    <a16:rowId xmlns:a16="http://schemas.microsoft.com/office/drawing/2014/main" val="10001"/>
+                  </a:ext>
+                </a:extLst>
+              </a:tr>
+            </a:tbl>
+          </a:graphicData>
+        </a:graphic>
+      </p:graphicFrame>
+      <p:cxnSp>
+        <p:nvCxnSpPr>
+          <p:cNvPr id="6" name="Google Shape;64;p14">
+            <a:extLst>
+              <a:ext uri="{FF2B5EF4-FFF2-40B4-BE49-F238E27FC236}">
+                <a16:creationId xmlns:a16="http://schemas.microsoft.com/office/drawing/2014/main" id="{5BE19D51-9492-49E5-B459-332C01F1D79C}"/>
+              </a:ext>
+            </a:extLst>
+          </p:cNvPr>
+          <p:cNvCxnSpPr>
+            <a:cxnSpLocks/>
+          </p:cNvCxnSpPr>
+          <p:nvPr/>
+        </p:nvCxnSpPr>
+        <p:spPr>
+          <a:xfrm>
+            <a:off x="0" y="762579"/>
+            <a:ext cx="9144000" cy="0"/>
+          </a:xfrm>
+          <a:prstGeom prst="straightConnector1">
+            <a:avLst/>
+          </a:prstGeom>
+          <a:noFill/>
+          <a:ln w="76200" cap="flat" cmpd="sng">
+            <a:solidFill>
+              <a:srgbClr val="000000"/>
+            </a:solidFill>
+            <a:prstDash val="solid"/>
+            <a:round/>
+            <a:headEnd type="none" w="med" len="med"/>
+            <a:tailEnd type="none" w="med" len="med"/>
+          </a:ln>
+        </p:spPr>
+      </p:cxnSp>
+    </p:spTree>
+  </p:cSld>
+  <p:clrMapOvr>
+    <a:masterClrMapping/>
+  </p:clrMapOvr>
+  <mc:AlternateContent xmlns:mc="http://schemas.openxmlformats.org/markup-compatibility/2006" xmlns:p15="http://schemas.microsoft.com/office/powerpoint/2012/main">
+    <mc:Choice Requires="p15">
+      <p:transition xmlns:p14="http://schemas.microsoft.com/office/powerpoint/2010/main" spd="slow" p14:dur="1250">
+        <p15:prstTrans prst="pageCurlDouble"/>
+      </p:transition>
+    </mc:Choice>
+    <mc:Fallback xmlns="">
+      <p:transition spd="slow">
+        <p:fade/>
+      </p:transition>
+    </mc:Fallback>
+  </mc:AlternateContent>
+  <p:timing>
+    <p:tnLst>
+      <p:par>
+        <p:cTn id="1" dur="indefinite" restart="never" nodeType="tmRoot">
+          <p:childTnLst>
+            <p:seq concurrent="1" nextAc="seek">
+              <p:cTn id="2" dur="indefinite" nodeType="mainSeq">
+                <p:childTnLst>
+                  <p:par>
+                    <p:cTn id="3" fill="hold">
+                      <p:stCondLst>
+                        <p:cond delay="indefinite"/>
+                      </p:stCondLst>
+                      <p:childTnLst>
+                        <p:par>
+                          <p:cTn id="4" fill="hold">
+                            <p:stCondLst>
+                              <p:cond delay="0"/>
+                            </p:stCondLst>
+                            <p:childTnLst>
+                              <p:par>
+                                <p:cTn id="5" presetID="53" presetClass="entr" presetSubtype="16" fill="hold" nodeType="clickEffect">
+                                  <p:stCondLst>
+                                    <p:cond delay="0"/>
+                                  </p:stCondLst>
+                                  <p:childTnLst>
+                                    <p:set>
+                                      <p:cBhvr>
+                                        <p:cTn id="6" dur="1" fill="hold">
+                                          <p:stCondLst>
+                                            <p:cond delay="0"/>
+                                          </p:stCondLst>
+                                        </p:cTn>
+                                        <p:tgtEl>
+                                          <p:spTgt spid="142"/>
+                                        </p:tgtEl>
+                                        <p:attrNameLst>
+                                          <p:attrName>style.visibility</p:attrName>
+                                        </p:attrNameLst>
+                                      </p:cBhvr>
+                                      <p:to>
+                                        <p:strVal val="visible"/>
+                                      </p:to>
+                                    </p:set>
+                                    <p:anim calcmode="lin" valueType="num">
+                                      <p:cBhvr>
+                                        <p:cTn id="7" dur="500" fill="hold"/>
+                                        <p:tgtEl>
+                                          <p:spTgt spid="142"/>
+                                        </p:tgtEl>
+                                        <p:attrNameLst>
+                                          <p:attrName>ppt_w</p:attrName>
+                                        </p:attrNameLst>
+                                      </p:cBhvr>
+                                      <p:tavLst>
+                                        <p:tav tm="0">
+                                          <p:val>
+                                            <p:fltVal val="0"/>
+                                          </p:val>
+                                        </p:tav>
+                                        <p:tav tm="100000">
+                                          <p:val>
+                                            <p:strVal val="#ppt_w"/>
+                                          </p:val>
+                                        </p:tav>
+                                      </p:tavLst>
+                                    </p:anim>
+                                    <p:anim calcmode="lin" valueType="num">
+                                      <p:cBhvr>
+                                        <p:cTn id="8" dur="500" fill="hold"/>
+                                        <p:tgtEl>
+                                          <p:spTgt spid="142"/>
+                                        </p:tgtEl>
+                                        <p:attrNameLst>
+                                          <p:attrName>ppt_h</p:attrName>
+                                        </p:attrNameLst>
+                                      </p:cBhvr>
+                                      <p:tavLst>
+                                        <p:tav tm="0">
+                                          <p:val>
+                                            <p:fltVal val="0"/>
+                                          </p:val>
+                                        </p:tav>
+                                        <p:tav tm="100000">
+                                          <p:val>
+                                            <p:strVal val="#ppt_h"/>
+                                          </p:val>
+                                        </p:tav>
+                                      </p:tavLst>
+                                    </p:anim>
+                                    <p:animEffect transition="in" filter="fade">
+                                      <p:cBhvr>
+                                        <p:cTn id="9" dur="500"/>
+                                        <p:tgtEl>
+                                          <p:spTgt spid="142"/>
+                                        </p:tgtEl>
+                                      </p:cBhvr>
+                                    </p:animEffect>
+                                  </p:childTnLst>
+                                </p:cTn>
+                              </p:par>
+                            </p:childTnLst>
+                          </p:cTn>
+                        </p:par>
+                      </p:childTnLst>
+                    </p:cTn>
+                  </p:par>
+                </p:childTnLst>
+              </p:cTn>
+              <p:prevCondLst>
+                <p:cond evt="onPrev" delay="0">
+                  <p:tgtEl>
+                    <p:sldTgt/>
+                  </p:tgtEl>
+                </p:cond>
+              </p:prevCondLst>
+              <p:nextCondLst>
+                <p:cond evt="onNext" delay="0">
+                  <p:tgtEl>
+                    <p:sldTgt/>
+                  </p:tgtEl>
+                </p:cond>
+              </p:nextCondLst>
+            </p:seq>
+          </p:childTnLst>
+        </p:cTn>
+      </p:par>
+    </p:tnLst>
+  </p:timing>
+</p:sld>
+</file>
+
+<file path=ppt/slides/slide11.xml><?xml version="1.0" encoding="utf-8"?>
 <p:sld xmlns:a="http://schemas.openxmlformats.org/drawingml/2006/main" xmlns:r="http://schemas.openxmlformats.org/officeDocument/2006/relationships" xmlns:p="http://schemas.openxmlformats.org/presentationml/2006/main">
   <p:cSld>
     <p:spTree>
@@ -8269,8 +9361,8 @@
         </p:nvSpPr>
         <p:spPr>
           <a:xfrm>
-            <a:off x="393625" y="220475"/>
-            <a:ext cx="8520600" cy="572700"/>
+            <a:off x="0" y="78164"/>
+            <a:ext cx="9144000" cy="572700"/>
           </a:xfrm>
           <a:prstGeom prst="rect">
             <a:avLst/>
@@ -8282,7 +9374,7 @@
           </a:bodyPr>
           <a:lstStyle/>
           <a:p>
-            <a:pPr marL="0" lvl="0" indent="0" algn="l" rtl="0">
+            <a:pPr marL="0" lvl="0" indent="0" algn="ctr" rtl="0">
               <a:spcBef>
                 <a:spcPts val="0"/>
               </a:spcBef>
@@ -8293,7 +9385,7 @@
               <a:buNone/>
             </a:pPr>
             <a:r>
-              <a:rPr lang="en" sz="3020" b="1">
+              <a:rPr lang="en" sz="3020" b="1" dirty="0">
                 <a:latin typeface="Times New Roman"/>
                 <a:ea typeface="Times New Roman"/>
                 <a:cs typeface="Times New Roman"/>
@@ -8301,7 +9393,7 @@
               </a:rPr>
               <a:t>IV. Applications</a:t>
             </a:r>
-            <a:endParaRPr sz="3020" b="1">
+            <a:endParaRPr sz="3020" b="1" dirty="0">
               <a:latin typeface="Times New Roman"/>
               <a:ea typeface="Times New Roman"/>
               <a:cs typeface="Times New Roman"/>
@@ -8322,8 +9414,8 @@
         </p:nvSpPr>
         <p:spPr>
           <a:xfrm>
-            <a:off x="393625" y="1030573"/>
-            <a:ext cx="2568600" cy="572700"/>
+            <a:off x="122840" y="920309"/>
+            <a:ext cx="2714363" cy="572700"/>
           </a:xfrm>
           <a:prstGeom prst="rect">
             <a:avLst/>
@@ -8344,6 +9436,18 @@
               </a:spcAft>
               <a:buNone/>
             </a:pPr>
+            <a:r>
+              <a:rPr lang="en" sz="2000" b="1" dirty="0">
+                <a:solidFill>
+                  <a:srgbClr val="000000"/>
+                </a:solidFill>
+                <a:latin typeface="Times New Roman"/>
+                <a:ea typeface="Times New Roman"/>
+                <a:cs typeface="Times New Roman"/>
+                <a:sym typeface="Wingdings" panose="05000000000000000000" pitchFamily="2" charset="2"/>
+              </a:rPr>
+              <a:t></a:t>
+            </a:r>
             <a:r>
               <a:rPr lang="en" sz="2000" b="1" dirty="0">
                 <a:solidFill>
@@ -8404,38 +9508,12 @@
             </a:pPr>
             <a:fld id="{00000000-1234-1234-1234-123412341234}" type="slidenum">
               <a:rPr lang="en"/>
-              <a:t>10</a:t>
+              <a:t>11</a:t>
             </a:fld>
             <a:endParaRPr/>
           </a:p>
         </p:txBody>
       </p:sp>
-      <p:cxnSp>
-        <p:nvCxnSpPr>
-          <p:cNvPr id="150" name="Google Shape;150;p22"/>
-          <p:cNvCxnSpPr/>
-          <p:nvPr/>
-        </p:nvCxnSpPr>
-        <p:spPr>
-          <a:xfrm>
-            <a:off x="396625" y="892350"/>
-            <a:ext cx="8514600" cy="0"/>
-          </a:xfrm>
-          <a:prstGeom prst="straightConnector1">
-            <a:avLst/>
-          </a:prstGeom>
-          <a:noFill/>
-          <a:ln w="76200" cap="flat" cmpd="sng">
-            <a:solidFill>
-              <a:srgbClr val="000000"/>
-            </a:solidFill>
-            <a:prstDash val="solid"/>
-            <a:round/>
-            <a:headEnd type="none" w="med" len="med"/>
-            <a:tailEnd type="none" w="med" len="med"/>
-          </a:ln>
-        </p:spPr>
-      </p:cxnSp>
       <p:pic>
         <p:nvPicPr>
           <p:cNvPr id="1026" name="Picture 2" descr="How To Hack WPA2-PSK Secured Wi-Fi Password Using Kali Linux">
@@ -8543,7 +9621,7 @@
         <p:grpSpPr>
           <a:xfrm>
             <a:off x="122841" y="4499404"/>
-            <a:ext cx="7447539" cy="846355"/>
+            <a:ext cx="9021159" cy="846355"/>
             <a:chOff x="178350" y="4444446"/>
             <a:chExt cx="5823000" cy="846355"/>
           </a:xfrm>
@@ -8673,6 +9751,40 @@
           </p:spPr>
         </p:cxnSp>
       </p:grpSp>
+      <p:cxnSp>
+        <p:nvCxnSpPr>
+          <p:cNvPr id="11" name="Google Shape;64;p14">
+            <a:extLst>
+              <a:ext uri="{FF2B5EF4-FFF2-40B4-BE49-F238E27FC236}">
+                <a16:creationId xmlns:a16="http://schemas.microsoft.com/office/drawing/2014/main" id="{0635907D-C946-4EE8-9364-BDBACD7ACB33}"/>
+              </a:ext>
+            </a:extLst>
+          </p:cNvPr>
+          <p:cNvCxnSpPr>
+            <a:cxnSpLocks/>
+          </p:cNvCxnSpPr>
+          <p:nvPr/>
+        </p:nvCxnSpPr>
+        <p:spPr>
+          <a:xfrm>
+            <a:off x="0" y="762579"/>
+            <a:ext cx="9144000" cy="0"/>
+          </a:xfrm>
+          <a:prstGeom prst="straightConnector1">
+            <a:avLst/>
+          </a:prstGeom>
+          <a:noFill/>
+          <a:ln w="76200" cap="flat" cmpd="sng">
+            <a:solidFill>
+              <a:srgbClr val="000000"/>
+            </a:solidFill>
+            <a:prstDash val="solid"/>
+            <a:round/>
+            <a:headEnd type="none" w="med" len="med"/>
+            <a:tailEnd type="none" w="med" len="med"/>
+          </a:ln>
+        </p:spPr>
+      </p:cxnSp>
     </p:spTree>
   </p:cSld>
   <p:clrMapOvr>
@@ -9005,7 +10117,7 @@
 </p:sld>
 </file>
 
-<file path=ppt/slides/slide11.xml><?xml version="1.0" encoding="utf-8"?>
+<file path=ppt/slides/slide12.xml><?xml version="1.0" encoding="utf-8"?>
 <p:sld xmlns:a="http://schemas.openxmlformats.org/drawingml/2006/main" xmlns:r="http://schemas.openxmlformats.org/officeDocument/2006/relationships" xmlns:p="http://schemas.openxmlformats.org/presentationml/2006/main">
   <p:cSld>
     <p:spTree>
@@ -9034,8 +10146,8 @@
         </p:nvSpPr>
         <p:spPr>
           <a:xfrm>
-            <a:off x="393625" y="220475"/>
-            <a:ext cx="8520600" cy="572700"/>
+            <a:off x="0" y="50943"/>
+            <a:ext cx="9144000" cy="572700"/>
           </a:xfrm>
           <a:prstGeom prst="rect">
             <a:avLst/>
@@ -9047,7 +10159,7 @@
           </a:bodyPr>
           <a:lstStyle/>
           <a:p>
-            <a:pPr marL="0" lvl="0" indent="0" algn="l" rtl="0">
+            <a:pPr marL="0" lvl="0" indent="0" algn="ctr" rtl="0">
               <a:spcBef>
                 <a:spcPts val="0"/>
               </a:spcBef>
@@ -9058,7 +10170,7 @@
               <a:buNone/>
             </a:pPr>
             <a:r>
-              <a:rPr lang="en" sz="3020" b="1">
+              <a:rPr lang="en" sz="3020" b="1" dirty="0">
                 <a:latin typeface="Times New Roman"/>
                 <a:ea typeface="Times New Roman"/>
                 <a:cs typeface="Times New Roman"/>
@@ -9066,7 +10178,7 @@
               </a:rPr>
               <a:t>IV. Applications</a:t>
             </a:r>
-            <a:endParaRPr sz="3020" b="1">
+            <a:endParaRPr sz="3020" b="1" dirty="0">
               <a:latin typeface="Times New Roman"/>
               <a:ea typeface="Times New Roman"/>
               <a:cs typeface="Times New Roman"/>
@@ -9087,7 +10199,7 @@
         </p:nvSpPr>
         <p:spPr>
           <a:xfrm>
-            <a:off x="392250" y="1164700"/>
+            <a:off x="215700" y="805925"/>
             <a:ext cx="6555000" cy="572700"/>
           </a:xfrm>
           <a:prstGeom prst="rect">
@@ -9100,15 +10212,24 @@
           </a:bodyPr>
           <a:lstStyle/>
           <a:p>
-            <a:pPr marL="0" lvl="0" indent="0" algn="l" rtl="0">
-              <a:spcBef>
-                <a:spcPts val="0"/>
-              </a:spcBef>
+            <a:pPr marL="0" lvl="0" indent="0">
               <a:spcAft>
                 <a:spcPts val="1200"/>
               </a:spcAft>
               <a:buNone/>
             </a:pPr>
+            <a:r>
+              <a:rPr lang="en" sz="2000" b="1" dirty="0">
+                <a:solidFill>
+                  <a:srgbClr val="000000"/>
+                </a:solidFill>
+                <a:latin typeface="Times New Roman"/>
+                <a:ea typeface="Times New Roman"/>
+                <a:cs typeface="Times New Roman"/>
+                <a:sym typeface="Wingdings" panose="05000000000000000000" pitchFamily="2" charset="2"/>
+              </a:rPr>
+              <a:t> </a:t>
+            </a:r>
             <a:r>
               <a:rPr lang="en" sz="2000" b="1" dirty="0">
                 <a:solidFill>
@@ -9169,38 +10290,12 @@
             </a:pPr>
             <a:fld id="{00000000-1234-1234-1234-123412341234}" type="slidenum">
               <a:rPr lang="en"/>
-              <a:t>11</a:t>
+              <a:t>12</a:t>
             </a:fld>
             <a:endParaRPr/>
           </a:p>
         </p:txBody>
       </p:sp>
-      <p:cxnSp>
-        <p:nvCxnSpPr>
-          <p:cNvPr id="158" name="Google Shape;158;p23"/>
-          <p:cNvCxnSpPr/>
-          <p:nvPr/>
-        </p:nvCxnSpPr>
-        <p:spPr>
-          <a:xfrm>
-            <a:off x="396625" y="892350"/>
-            <a:ext cx="8514600" cy="0"/>
-          </a:xfrm>
-          <a:prstGeom prst="straightConnector1">
-            <a:avLst/>
-          </a:prstGeom>
-          <a:noFill/>
-          <a:ln w="76200" cap="flat" cmpd="sng">
-            <a:solidFill>
-              <a:srgbClr val="000000"/>
-            </a:solidFill>
-            <a:prstDash val="solid"/>
-            <a:round/>
-            <a:headEnd type="none" w="med" len="med"/>
-            <a:tailEnd type="none" w="med" len="med"/>
-          </a:ln>
-        </p:spPr>
-      </p:cxnSp>
       <p:grpSp>
         <p:nvGrpSpPr>
           <p:cNvPr id="159" name="Google Shape;159;p23"/>
@@ -9699,6 +10794,40 @@
           </p:txBody>
         </p:sp>
       </p:grpSp>
+      <p:cxnSp>
+        <p:nvCxnSpPr>
+          <p:cNvPr id="18" name="Google Shape;64;p14">
+            <a:extLst>
+              <a:ext uri="{FF2B5EF4-FFF2-40B4-BE49-F238E27FC236}">
+                <a16:creationId xmlns:a16="http://schemas.microsoft.com/office/drawing/2014/main" id="{2C31670D-6DA4-4F6B-9EBB-0B76AB0019FF}"/>
+              </a:ext>
+            </a:extLst>
+          </p:cNvPr>
+          <p:cNvCxnSpPr>
+            <a:cxnSpLocks/>
+          </p:cNvCxnSpPr>
+          <p:nvPr/>
+        </p:nvCxnSpPr>
+        <p:spPr>
+          <a:xfrm>
+            <a:off x="0" y="762579"/>
+            <a:ext cx="9144000" cy="0"/>
+          </a:xfrm>
+          <a:prstGeom prst="straightConnector1">
+            <a:avLst/>
+          </a:prstGeom>
+          <a:noFill/>
+          <a:ln w="76200" cap="flat" cmpd="sng">
+            <a:solidFill>
+              <a:srgbClr val="000000"/>
+            </a:solidFill>
+            <a:prstDash val="solid"/>
+            <a:round/>
+            <a:headEnd type="none" w="med" len="med"/>
+            <a:tailEnd type="none" w="med" len="med"/>
+          </a:ln>
+        </p:spPr>
+      </p:cxnSp>
     </p:spTree>
   </p:cSld>
   <p:clrMapOvr>
@@ -9912,7 +11041,7 @@
 </p:sld>
 </file>
 
-<file path=ppt/slides/slide12.xml><?xml version="1.0" encoding="utf-8"?>
+<file path=ppt/slides/slide13.xml><?xml version="1.0" encoding="utf-8"?>
 <p:sld xmlns:a="http://schemas.openxmlformats.org/drawingml/2006/main" xmlns:r="http://schemas.openxmlformats.org/officeDocument/2006/relationships" xmlns:p="http://schemas.openxmlformats.org/presentationml/2006/main">
   <p:cSld>
     <p:spTree>
@@ -9941,8 +11070,8 @@
         </p:nvSpPr>
         <p:spPr>
           <a:xfrm>
-            <a:off x="393625" y="220475"/>
-            <a:ext cx="8520600" cy="572700"/>
+            <a:off x="0" y="74109"/>
+            <a:ext cx="9144000" cy="572700"/>
           </a:xfrm>
           <a:prstGeom prst="rect">
             <a:avLst/>
@@ -9954,7 +11083,7 @@
           </a:bodyPr>
           <a:lstStyle/>
           <a:p>
-            <a:pPr marL="0" lvl="0" indent="0" algn="l" rtl="0">
+            <a:pPr marL="0" lvl="0" indent="0" algn="ctr" rtl="0">
               <a:spcBef>
                 <a:spcPts val="0"/>
               </a:spcBef>
@@ -9965,7 +11094,7 @@
               <a:buNone/>
             </a:pPr>
             <a:r>
-              <a:rPr lang="en" sz="3020" b="1">
+              <a:rPr lang="en" sz="3020" b="1" dirty="0">
                 <a:latin typeface="Times New Roman"/>
                 <a:ea typeface="Times New Roman"/>
                 <a:cs typeface="Times New Roman"/>
@@ -9973,65 +11102,7 @@
               </a:rPr>
               <a:t>IV. Applications</a:t>
             </a:r>
-            <a:endParaRPr sz="3020" b="1">
-              <a:latin typeface="Times New Roman"/>
-              <a:ea typeface="Times New Roman"/>
-              <a:cs typeface="Times New Roman"/>
-              <a:sym typeface="Times New Roman"/>
-            </a:endParaRPr>
-          </a:p>
-        </p:txBody>
-      </p:sp>
-      <p:sp>
-        <p:nvSpPr>
-          <p:cNvPr id="156" name="Google Shape;156;p23"/>
-          <p:cNvSpPr txBox="1">
-            <a:spLocks noGrp="1"/>
-          </p:cNvSpPr>
-          <p:nvPr>
-            <p:ph type="body" idx="1"/>
-          </p:nvPr>
-        </p:nvSpPr>
-        <p:spPr>
-          <a:xfrm>
-            <a:off x="392250" y="1164700"/>
-            <a:ext cx="6555000" cy="572700"/>
-          </a:xfrm>
-          <a:prstGeom prst="rect">
-            <a:avLst/>
-          </a:prstGeom>
-        </p:spPr>
-        <p:txBody>
-          <a:bodyPr spcFirstLastPara="1" wrap="square" lIns="91425" tIns="91425" rIns="91425" bIns="91425" anchor="t" anchorCtr="0">
-            <a:noAutofit/>
-          </a:bodyPr>
-          <a:lstStyle/>
-          <a:p>
-            <a:pPr marL="0" lvl="0" indent="0" algn="l" rtl="0">
-              <a:spcBef>
-                <a:spcPts val="0"/>
-              </a:spcBef>
-              <a:spcAft>
-                <a:spcPts val="1200"/>
-              </a:spcAft>
-              <a:buNone/>
-            </a:pPr>
-            <a:r>
-              <a:rPr lang="en" sz="2000" b="1" dirty="0">
-                <a:solidFill>
-                  <a:srgbClr val="000000"/>
-                </a:solidFill>
-                <a:latin typeface="Times New Roman"/>
-                <a:ea typeface="Times New Roman"/>
-                <a:cs typeface="Times New Roman"/>
-                <a:sym typeface="Times New Roman"/>
-              </a:rPr>
-              <a:t>Hyperparameter Tuning using Exhaustive Grid Search</a:t>
-            </a:r>
-            <a:endParaRPr sz="2000" b="1" dirty="0">
-              <a:solidFill>
-                <a:srgbClr val="000000"/>
-              </a:solidFill>
+            <a:endParaRPr sz="3020" b="1" dirty="0">
               <a:latin typeface="Times New Roman"/>
               <a:ea typeface="Times New Roman"/>
               <a:cs typeface="Times New Roman"/>
@@ -10076,38 +11147,12 @@
             </a:pPr>
             <a:fld id="{00000000-1234-1234-1234-123412341234}" type="slidenum">
               <a:rPr lang="en"/>
-              <a:t>12</a:t>
+              <a:t>13</a:t>
             </a:fld>
             <a:endParaRPr/>
           </a:p>
         </p:txBody>
       </p:sp>
-      <p:cxnSp>
-        <p:nvCxnSpPr>
-          <p:cNvPr id="158" name="Google Shape;158;p23"/>
-          <p:cNvCxnSpPr/>
-          <p:nvPr/>
-        </p:nvCxnSpPr>
-        <p:spPr>
-          <a:xfrm>
-            <a:off x="396625" y="892350"/>
-            <a:ext cx="8514600" cy="0"/>
-          </a:xfrm>
-          <a:prstGeom prst="straightConnector1">
-            <a:avLst/>
-          </a:prstGeom>
-          <a:noFill/>
-          <a:ln w="76200" cap="flat" cmpd="sng">
-            <a:solidFill>
-              <a:srgbClr val="000000"/>
-            </a:solidFill>
-            <a:prstDash val="solid"/>
-            <a:round/>
-            <a:headEnd type="none" w="med" len="med"/>
-            <a:tailEnd type="none" w="med" len="med"/>
-          </a:ln>
-        </p:spPr>
-      </p:cxnSp>
       <p:graphicFrame>
         <p:nvGraphicFramePr>
           <p:cNvPr id="3" name="Table 3">
@@ -11083,7 +12128,7 @@
         </p:nvSpPr>
         <p:spPr>
           <a:xfrm>
-            <a:off x="0" y="2108925"/>
+            <a:off x="152090" y="2074647"/>
             <a:ext cx="5688419" cy="1631216"/>
           </a:xfrm>
           <a:prstGeom prst="rect">
@@ -11463,6 +12508,362 @@
           </a:p>
         </p:txBody>
       </p:sp>
+      <p:cxnSp>
+        <p:nvCxnSpPr>
+          <p:cNvPr id="8" name="Google Shape;64;p14">
+            <a:extLst>
+              <a:ext uri="{FF2B5EF4-FFF2-40B4-BE49-F238E27FC236}">
+                <a16:creationId xmlns:a16="http://schemas.microsoft.com/office/drawing/2014/main" id="{789D6483-1D00-4FCD-B8F9-2B029AD60F96}"/>
+              </a:ext>
+            </a:extLst>
+          </p:cNvPr>
+          <p:cNvCxnSpPr>
+            <a:cxnSpLocks/>
+          </p:cNvCxnSpPr>
+          <p:nvPr/>
+        </p:nvCxnSpPr>
+        <p:spPr>
+          <a:xfrm>
+            <a:off x="0" y="762579"/>
+            <a:ext cx="9144000" cy="0"/>
+          </a:xfrm>
+          <a:prstGeom prst="straightConnector1">
+            <a:avLst/>
+          </a:prstGeom>
+          <a:noFill/>
+          <a:ln w="76200" cap="flat" cmpd="sng">
+            <a:solidFill>
+              <a:srgbClr val="000000"/>
+            </a:solidFill>
+            <a:prstDash val="solid"/>
+            <a:round/>
+            <a:headEnd type="none" w="med" len="med"/>
+            <a:tailEnd type="none" w="med" len="med"/>
+          </a:ln>
+        </p:spPr>
+      </p:cxnSp>
+      <p:sp>
+        <p:nvSpPr>
+          <p:cNvPr id="11" name="Google Shape;156;p23">
+            <a:extLst>
+              <a:ext uri="{FF2B5EF4-FFF2-40B4-BE49-F238E27FC236}">
+                <a16:creationId xmlns:a16="http://schemas.microsoft.com/office/drawing/2014/main" id="{895D2065-A733-425B-9263-DC0B6D8FDBF6}"/>
+              </a:ext>
+            </a:extLst>
+          </p:cNvPr>
+          <p:cNvSpPr txBox="1">
+            <a:spLocks/>
+          </p:cNvSpPr>
+          <p:nvPr/>
+        </p:nvSpPr>
+        <p:spPr>
+          <a:xfrm>
+            <a:off x="215700" y="805925"/>
+            <a:ext cx="6555000" cy="572700"/>
+          </a:xfrm>
+          <a:prstGeom prst="rect">
+            <a:avLst/>
+          </a:prstGeom>
+          <a:noFill/>
+          <a:ln>
+            <a:noFill/>
+          </a:ln>
+        </p:spPr>
+        <p:txBody>
+          <a:bodyPr spcFirstLastPara="1" wrap="square" lIns="91425" tIns="91425" rIns="91425" bIns="91425" anchor="t" anchorCtr="0">
+            <a:noAutofit/>
+          </a:bodyPr>
+          <a:lstStyle>
+            <a:defPPr marR="0" lvl="0" algn="l" rtl="0">
+              <a:lnSpc>
+                <a:spcPct val="100000"/>
+              </a:lnSpc>
+              <a:spcBef>
+                <a:spcPts val="0"/>
+              </a:spcBef>
+              <a:spcAft>
+                <a:spcPts val="0"/>
+              </a:spcAft>
+            </a:defPPr>
+            <a:lvl1pPr marL="457200" marR="0" lvl="0" indent="-342900" algn="l" rtl="0">
+              <a:lnSpc>
+                <a:spcPct val="115000"/>
+              </a:lnSpc>
+              <a:spcBef>
+                <a:spcPts val="0"/>
+              </a:spcBef>
+              <a:spcAft>
+                <a:spcPts val="0"/>
+              </a:spcAft>
+              <a:buClr>
+                <a:schemeClr val="dk2"/>
+              </a:buClr>
+              <a:buSzPts val="1800"/>
+              <a:buFont typeface="Arial"/>
+              <a:buChar char="●"/>
+              <a:defRPr sz="1800" b="0" i="0" u="none" strike="noStrike" cap="none">
+                <a:solidFill>
+                  <a:schemeClr val="dk2"/>
+                </a:solidFill>
+                <a:latin typeface="Arial"/>
+                <a:ea typeface="Arial"/>
+                <a:cs typeface="Arial"/>
+                <a:sym typeface="Arial"/>
+              </a:defRPr>
+            </a:lvl1pPr>
+            <a:lvl2pPr marL="914400" marR="0" lvl="1" indent="-317500" algn="l" rtl="0">
+              <a:lnSpc>
+                <a:spcPct val="115000"/>
+              </a:lnSpc>
+              <a:spcBef>
+                <a:spcPts val="0"/>
+              </a:spcBef>
+              <a:spcAft>
+                <a:spcPts val="0"/>
+              </a:spcAft>
+              <a:buClr>
+                <a:schemeClr val="dk2"/>
+              </a:buClr>
+              <a:buSzPts val="1400"/>
+              <a:buFont typeface="Arial"/>
+              <a:buChar char="○"/>
+              <a:defRPr sz="1400" b="0" i="0" u="none" strike="noStrike" cap="none">
+                <a:solidFill>
+                  <a:schemeClr val="dk2"/>
+                </a:solidFill>
+                <a:latin typeface="Arial"/>
+                <a:ea typeface="Arial"/>
+                <a:cs typeface="Arial"/>
+                <a:sym typeface="Arial"/>
+              </a:defRPr>
+            </a:lvl2pPr>
+            <a:lvl3pPr marL="1371600" marR="0" lvl="2" indent="-317500" algn="l" rtl="0">
+              <a:lnSpc>
+                <a:spcPct val="115000"/>
+              </a:lnSpc>
+              <a:spcBef>
+                <a:spcPts val="0"/>
+              </a:spcBef>
+              <a:spcAft>
+                <a:spcPts val="0"/>
+              </a:spcAft>
+              <a:buClr>
+                <a:schemeClr val="dk2"/>
+              </a:buClr>
+              <a:buSzPts val="1400"/>
+              <a:buFont typeface="Arial"/>
+              <a:buChar char="■"/>
+              <a:defRPr sz="1400" b="0" i="0" u="none" strike="noStrike" cap="none">
+                <a:solidFill>
+                  <a:schemeClr val="dk2"/>
+                </a:solidFill>
+                <a:latin typeface="Arial"/>
+                <a:ea typeface="Arial"/>
+                <a:cs typeface="Arial"/>
+                <a:sym typeface="Arial"/>
+              </a:defRPr>
+            </a:lvl3pPr>
+            <a:lvl4pPr marL="1828800" marR="0" lvl="3" indent="-317500" algn="l" rtl="0">
+              <a:lnSpc>
+                <a:spcPct val="115000"/>
+              </a:lnSpc>
+              <a:spcBef>
+                <a:spcPts val="0"/>
+              </a:spcBef>
+              <a:spcAft>
+                <a:spcPts val="0"/>
+              </a:spcAft>
+              <a:buClr>
+                <a:schemeClr val="dk2"/>
+              </a:buClr>
+              <a:buSzPts val="1400"/>
+              <a:buFont typeface="Arial"/>
+              <a:buChar char="●"/>
+              <a:defRPr sz="1400" b="0" i="0" u="none" strike="noStrike" cap="none">
+                <a:solidFill>
+                  <a:schemeClr val="dk2"/>
+                </a:solidFill>
+                <a:latin typeface="Arial"/>
+                <a:ea typeface="Arial"/>
+                <a:cs typeface="Arial"/>
+                <a:sym typeface="Arial"/>
+              </a:defRPr>
+            </a:lvl4pPr>
+            <a:lvl5pPr marL="2286000" marR="0" lvl="4" indent="-317500" algn="l" rtl="0">
+              <a:lnSpc>
+                <a:spcPct val="115000"/>
+              </a:lnSpc>
+              <a:spcBef>
+                <a:spcPts val="0"/>
+              </a:spcBef>
+              <a:spcAft>
+                <a:spcPts val="0"/>
+              </a:spcAft>
+              <a:buClr>
+                <a:schemeClr val="dk2"/>
+              </a:buClr>
+              <a:buSzPts val="1400"/>
+              <a:buFont typeface="Arial"/>
+              <a:buChar char="○"/>
+              <a:defRPr sz="1400" b="0" i="0" u="none" strike="noStrike" cap="none">
+                <a:solidFill>
+                  <a:schemeClr val="dk2"/>
+                </a:solidFill>
+                <a:latin typeface="Arial"/>
+                <a:ea typeface="Arial"/>
+                <a:cs typeface="Arial"/>
+                <a:sym typeface="Arial"/>
+              </a:defRPr>
+            </a:lvl5pPr>
+            <a:lvl6pPr marL="2743200" marR="0" lvl="5" indent="-317500" algn="l" rtl="0">
+              <a:lnSpc>
+                <a:spcPct val="115000"/>
+              </a:lnSpc>
+              <a:spcBef>
+                <a:spcPts val="0"/>
+              </a:spcBef>
+              <a:spcAft>
+                <a:spcPts val="0"/>
+              </a:spcAft>
+              <a:buClr>
+                <a:schemeClr val="dk2"/>
+              </a:buClr>
+              <a:buSzPts val="1400"/>
+              <a:buFont typeface="Arial"/>
+              <a:buChar char="■"/>
+              <a:defRPr sz="1400" b="0" i="0" u="none" strike="noStrike" cap="none">
+                <a:solidFill>
+                  <a:schemeClr val="dk2"/>
+                </a:solidFill>
+                <a:latin typeface="Arial"/>
+                <a:ea typeface="Arial"/>
+                <a:cs typeface="Arial"/>
+                <a:sym typeface="Arial"/>
+              </a:defRPr>
+            </a:lvl6pPr>
+            <a:lvl7pPr marL="3200400" marR="0" lvl="6" indent="-317500" algn="l" rtl="0">
+              <a:lnSpc>
+                <a:spcPct val="115000"/>
+              </a:lnSpc>
+              <a:spcBef>
+                <a:spcPts val="0"/>
+              </a:spcBef>
+              <a:spcAft>
+                <a:spcPts val="0"/>
+              </a:spcAft>
+              <a:buClr>
+                <a:schemeClr val="dk2"/>
+              </a:buClr>
+              <a:buSzPts val="1400"/>
+              <a:buFont typeface="Arial"/>
+              <a:buChar char="●"/>
+              <a:defRPr sz="1400" b="0" i="0" u="none" strike="noStrike" cap="none">
+                <a:solidFill>
+                  <a:schemeClr val="dk2"/>
+                </a:solidFill>
+                <a:latin typeface="Arial"/>
+                <a:ea typeface="Arial"/>
+                <a:cs typeface="Arial"/>
+                <a:sym typeface="Arial"/>
+              </a:defRPr>
+            </a:lvl7pPr>
+            <a:lvl8pPr marL="3657600" marR="0" lvl="7" indent="-317500" algn="l" rtl="0">
+              <a:lnSpc>
+                <a:spcPct val="115000"/>
+              </a:lnSpc>
+              <a:spcBef>
+                <a:spcPts val="0"/>
+              </a:spcBef>
+              <a:spcAft>
+                <a:spcPts val="0"/>
+              </a:spcAft>
+              <a:buClr>
+                <a:schemeClr val="dk2"/>
+              </a:buClr>
+              <a:buSzPts val="1400"/>
+              <a:buFont typeface="Arial"/>
+              <a:buChar char="○"/>
+              <a:defRPr sz="1400" b="0" i="0" u="none" strike="noStrike" cap="none">
+                <a:solidFill>
+                  <a:schemeClr val="dk2"/>
+                </a:solidFill>
+                <a:latin typeface="Arial"/>
+                <a:ea typeface="Arial"/>
+                <a:cs typeface="Arial"/>
+                <a:sym typeface="Arial"/>
+              </a:defRPr>
+            </a:lvl8pPr>
+            <a:lvl9pPr marL="4114800" marR="0" lvl="8" indent="-317500" algn="l" rtl="0">
+              <a:lnSpc>
+                <a:spcPct val="115000"/>
+              </a:lnSpc>
+              <a:spcBef>
+                <a:spcPts val="0"/>
+              </a:spcBef>
+              <a:spcAft>
+                <a:spcPts val="0"/>
+              </a:spcAft>
+              <a:buClr>
+                <a:schemeClr val="dk2"/>
+              </a:buClr>
+              <a:buSzPts val="1400"/>
+              <a:buFont typeface="Arial"/>
+              <a:buChar char="■"/>
+              <a:defRPr sz="1400" b="0" i="0" u="none" strike="noStrike" cap="none">
+                <a:solidFill>
+                  <a:schemeClr val="dk2"/>
+                </a:solidFill>
+                <a:latin typeface="Arial"/>
+                <a:ea typeface="Arial"/>
+                <a:cs typeface="Arial"/>
+                <a:sym typeface="Arial"/>
+              </a:defRPr>
+            </a:lvl9pPr>
+          </a:lstStyle>
+          <a:p>
+            <a:pPr marL="0" indent="0">
+              <a:spcAft>
+                <a:spcPts val="1200"/>
+              </a:spcAft>
+              <a:buFont typeface="Arial"/>
+              <a:buNone/>
+            </a:pPr>
+            <a:r>
+              <a:rPr lang="en-US" sz="2000" b="1">
+                <a:solidFill>
+                  <a:srgbClr val="000000"/>
+                </a:solidFill>
+                <a:latin typeface="Times New Roman"/>
+                <a:ea typeface="Times New Roman"/>
+                <a:cs typeface="Times New Roman"/>
+                <a:sym typeface="Wingdings" panose="05000000000000000000" pitchFamily="2" charset="2"/>
+              </a:rPr>
+              <a:t> </a:t>
+            </a:r>
+            <a:r>
+              <a:rPr lang="en-US" sz="2000" b="1">
+                <a:solidFill>
+                  <a:srgbClr val="000000"/>
+                </a:solidFill>
+                <a:latin typeface="Times New Roman"/>
+                <a:ea typeface="Times New Roman"/>
+                <a:cs typeface="Times New Roman"/>
+                <a:sym typeface="Times New Roman"/>
+              </a:rPr>
+              <a:t>Hyperparameter Tuning using Exhaustive Grid Search</a:t>
+            </a:r>
+            <a:endParaRPr lang="en-US" sz="2000" b="1" dirty="0">
+              <a:solidFill>
+                <a:srgbClr val="000000"/>
+              </a:solidFill>
+              <a:latin typeface="Times New Roman"/>
+              <a:ea typeface="Times New Roman"/>
+              <a:cs typeface="Times New Roman"/>
+              <a:sym typeface="Times New Roman"/>
+            </a:endParaRPr>
+          </a:p>
+        </p:txBody>
+      </p:sp>
     </p:spTree>
     <p:extLst>
       <p:ext uri="{BB962C8B-B14F-4D97-AF65-F5344CB8AC3E}">
@@ -11674,6 +13075,67 @@
                       </p:childTnLst>
                     </p:cTn>
                   </p:par>
+                  <p:par>
+                    <p:cTn id="16" fill="hold">
+                      <p:stCondLst>
+                        <p:cond delay="indefinite"/>
+                      </p:stCondLst>
+                      <p:childTnLst>
+                        <p:par>
+                          <p:cTn id="17" fill="hold">
+                            <p:stCondLst>
+                              <p:cond delay="0"/>
+                            </p:stCondLst>
+                            <p:childTnLst>
+                              <p:par>
+                                <p:cTn id="18" presetID="10" presetClass="entr" presetSubtype="0" fill="hold" grpId="0" nodeType="clickEffect">
+                                  <p:stCondLst>
+                                    <p:cond delay="0"/>
+                                  </p:stCondLst>
+                                  <p:childTnLst>
+                                    <p:set>
+                                      <p:cBhvr>
+                                        <p:cTn id="19" dur="1" fill="hold">
+                                          <p:stCondLst>
+                                            <p:cond delay="0"/>
+                                          </p:stCondLst>
+                                        </p:cTn>
+                                        <p:tgtEl>
+                                          <p:spTgt spid="11">
+                                            <p:txEl>
+                                              <p:pRg st="0" end="0"/>
+                                            </p:txEl>
+                                          </p:spTgt>
+                                        </p:tgtEl>
+                                        <p:attrNameLst>
+                                          <p:attrName>style.visibility</p:attrName>
+                                        </p:attrNameLst>
+                                      </p:cBhvr>
+                                      <p:to>
+                                        <p:strVal val="visible"/>
+                                      </p:to>
+                                    </p:set>
+                                    <p:animEffect transition="in" filter="fade">
+                                      <p:cBhvr>
+                                        <p:cTn id="20" dur="500"/>
+                                        <p:tgtEl>
+                                          <p:spTgt spid="11">
+                                            <p:txEl>
+                                              <p:pRg st="0" end="0"/>
+                                            </p:txEl>
+                                          </p:spTgt>
+                                        </p:tgtEl>
+                                      </p:cBhvr>
+                                    </p:animEffect>
+                                  </p:childTnLst>
+                                </p:cTn>
+                              </p:par>
+                            </p:childTnLst>
+                          </p:cTn>
+                        </p:par>
+                      </p:childTnLst>
+                    </p:cTn>
+                  </p:par>
                 </p:childTnLst>
               </p:cTn>
               <p:prevCondLst>
@@ -11697,12 +13159,13 @@
     </p:tnLst>
     <p:bldLst>
       <p:bldP spid="6" grpId="0"/>
+      <p:bldP spid="11" grpId="0" build="p"/>
     </p:bldLst>
   </p:timing>
 </p:sld>
 </file>
 
-<file path=ppt/slides/slide13.xml><?xml version="1.0" encoding="utf-8"?>
+<file path=ppt/slides/slide14.xml><?xml version="1.0" encoding="utf-8"?>
 <p:sld xmlns:a="http://schemas.openxmlformats.org/drawingml/2006/main" xmlns:r="http://schemas.openxmlformats.org/officeDocument/2006/relationships" xmlns:p="http://schemas.openxmlformats.org/presentationml/2006/main">
   <p:cSld>
     <p:spTree>
@@ -11731,8 +13194,8 @@
         </p:nvSpPr>
         <p:spPr>
           <a:xfrm>
-            <a:off x="393625" y="220475"/>
-            <a:ext cx="8520600" cy="572700"/>
+            <a:off x="0" y="86683"/>
+            <a:ext cx="9144000" cy="572700"/>
           </a:xfrm>
           <a:prstGeom prst="rect">
             <a:avLst/>
@@ -11744,7 +13207,7 @@
           </a:bodyPr>
           <a:lstStyle/>
           <a:p>
-            <a:pPr marL="0" lvl="0" indent="0" algn="l" rtl="0">
+            <a:pPr marL="0" lvl="0" indent="0" algn="ctr" rtl="0">
               <a:spcBef>
                 <a:spcPts val="0"/>
               </a:spcBef>
@@ -11817,38 +13280,12 @@
             </a:pPr>
             <a:fld id="{00000000-1234-1234-1234-123412341234}" type="slidenum">
               <a:rPr lang="en"/>
-              <a:t>13</a:t>
+              <a:t>14</a:t>
             </a:fld>
             <a:endParaRPr/>
           </a:p>
         </p:txBody>
       </p:sp>
-      <p:cxnSp>
-        <p:nvCxnSpPr>
-          <p:cNvPr id="177" name="Google Shape;177;p24"/>
-          <p:cNvCxnSpPr/>
-          <p:nvPr/>
-        </p:nvCxnSpPr>
-        <p:spPr>
-          <a:xfrm>
-            <a:off x="396625" y="892350"/>
-            <a:ext cx="8514600" cy="0"/>
-          </a:xfrm>
-          <a:prstGeom prst="straightConnector1">
-            <a:avLst/>
-          </a:prstGeom>
-          <a:noFill/>
-          <a:ln w="76200" cap="flat" cmpd="sng">
-            <a:solidFill>
-              <a:srgbClr val="000000"/>
-            </a:solidFill>
-            <a:prstDash val="solid"/>
-            <a:round/>
-            <a:headEnd type="none" w="med" len="med"/>
-            <a:tailEnd type="none" w="med" len="med"/>
-          </a:ln>
-        </p:spPr>
-      </p:cxnSp>
       <p:sp>
         <p:nvSpPr>
           <p:cNvPr id="178" name="Google Shape;178;p24"/>
@@ -11857,8 +13294,8 @@
         </p:nvSpPr>
         <p:spPr>
           <a:xfrm>
-            <a:off x="396625" y="892350"/>
-            <a:ext cx="8514600" cy="2127475"/>
+            <a:off x="232208" y="659383"/>
+            <a:ext cx="8911792" cy="2127475"/>
           </a:xfrm>
           <a:prstGeom prst="rect">
             <a:avLst/>
@@ -12099,6 +13536,40 @@
           </a:p>
         </p:txBody>
       </p:sp>
+      <p:cxnSp>
+        <p:nvCxnSpPr>
+          <p:cNvPr id="6" name="Google Shape;64;p14">
+            <a:extLst>
+              <a:ext uri="{FF2B5EF4-FFF2-40B4-BE49-F238E27FC236}">
+                <a16:creationId xmlns:a16="http://schemas.microsoft.com/office/drawing/2014/main" id="{EA2C4B0D-0D07-4B14-8A19-800480FC09AB}"/>
+              </a:ext>
+            </a:extLst>
+          </p:cNvPr>
+          <p:cNvCxnSpPr>
+            <a:cxnSpLocks/>
+          </p:cNvCxnSpPr>
+          <p:nvPr/>
+        </p:nvCxnSpPr>
+        <p:spPr>
+          <a:xfrm>
+            <a:off x="0" y="762579"/>
+            <a:ext cx="9144000" cy="0"/>
+          </a:xfrm>
+          <a:prstGeom prst="straightConnector1">
+            <a:avLst/>
+          </a:prstGeom>
+          <a:noFill/>
+          <a:ln w="76200" cap="flat" cmpd="sng">
+            <a:solidFill>
+              <a:srgbClr val="000000"/>
+            </a:solidFill>
+            <a:prstDash val="solid"/>
+            <a:round/>
+            <a:headEnd type="none" w="med" len="med"/>
+            <a:tailEnd type="none" w="med" len="med"/>
+          </a:ln>
+        </p:spPr>
+      </p:cxnSp>
     </p:spTree>
   </p:cSld>
   <p:clrMapOvr>
@@ -12399,7 +13870,7 @@
 </p:sld>
 </file>
 
-<file path=ppt/slides/slide14.xml><?xml version="1.0" encoding="utf-8"?>
+<file path=ppt/slides/slide15.xml><?xml version="1.0" encoding="utf-8"?>
 <p:sld xmlns:a="http://schemas.openxmlformats.org/drawingml/2006/main" xmlns:r="http://schemas.openxmlformats.org/officeDocument/2006/relationships" xmlns:p="http://schemas.openxmlformats.org/presentationml/2006/main">
   <p:cSld>
     <p:spTree>
@@ -12428,8 +13899,8 @@
         </p:nvSpPr>
         <p:spPr>
           <a:xfrm>
-            <a:off x="393625" y="220475"/>
-            <a:ext cx="8520600" cy="572700"/>
+            <a:off x="0" y="75406"/>
+            <a:ext cx="9144000" cy="572700"/>
           </a:xfrm>
           <a:prstGeom prst="rect">
             <a:avLst/>
@@ -12441,7 +13912,7 @@
           </a:bodyPr>
           <a:lstStyle/>
           <a:p>
-            <a:pPr marL="0" lvl="0" indent="0" algn="l" rtl="0">
+            <a:pPr marL="0" lvl="0" indent="0" algn="ctr" rtl="0">
               <a:spcBef>
                 <a:spcPts val="0"/>
               </a:spcBef>
@@ -12514,38 +13985,12 @@
             </a:pPr>
             <a:fld id="{00000000-1234-1234-1234-123412341234}" type="slidenum">
               <a:rPr lang="en"/>
-              <a:t>14</a:t>
+              <a:t>15</a:t>
             </a:fld>
             <a:endParaRPr/>
           </a:p>
         </p:txBody>
       </p:sp>
-      <p:cxnSp>
-        <p:nvCxnSpPr>
-          <p:cNvPr id="185" name="Google Shape;185;p25"/>
-          <p:cNvCxnSpPr/>
-          <p:nvPr/>
-        </p:nvCxnSpPr>
-        <p:spPr>
-          <a:xfrm>
-            <a:off x="396625" y="892350"/>
-            <a:ext cx="8514600" cy="0"/>
-          </a:xfrm>
-          <a:prstGeom prst="straightConnector1">
-            <a:avLst/>
-          </a:prstGeom>
-          <a:noFill/>
-          <a:ln w="76200" cap="flat" cmpd="sng">
-            <a:solidFill>
-              <a:srgbClr val="000000"/>
-            </a:solidFill>
-            <a:prstDash val="solid"/>
-            <a:round/>
-            <a:headEnd type="none" w="med" len="med"/>
-            <a:tailEnd type="none" w="med" len="med"/>
-          </a:ln>
-        </p:spPr>
-      </p:cxnSp>
       <p:sp>
         <p:nvSpPr>
           <p:cNvPr id="186" name="Google Shape;186;p25"/>
@@ -12554,8 +13999,8 @@
         </p:nvSpPr>
         <p:spPr>
           <a:xfrm>
-            <a:off x="393625" y="991526"/>
-            <a:ext cx="8514600" cy="1908184"/>
+            <a:off x="132460" y="629640"/>
+            <a:ext cx="9011540" cy="2339072"/>
           </a:xfrm>
           <a:prstGeom prst="rect">
             <a:avLst/>
@@ -12573,7 +14018,7 @@
           <a:p>
             <a:pPr marL="0" lvl="0" indent="0" algn="l" rtl="0">
               <a:lnSpc>
-                <a:spcPct val="115000"/>
+                <a:spcPct val="150000"/>
               </a:lnSpc>
               <a:spcBef>
                 <a:spcPts val="1200"/>
@@ -12619,6 +14064,40 @@
           </a:p>
         </p:txBody>
       </p:sp>
+      <p:cxnSp>
+        <p:nvCxnSpPr>
+          <p:cNvPr id="6" name="Google Shape;64;p14">
+            <a:extLst>
+              <a:ext uri="{FF2B5EF4-FFF2-40B4-BE49-F238E27FC236}">
+                <a16:creationId xmlns:a16="http://schemas.microsoft.com/office/drawing/2014/main" id="{9AB3C1DA-2CD0-4E86-B845-5FC15BEE5820}"/>
+              </a:ext>
+            </a:extLst>
+          </p:cNvPr>
+          <p:cNvCxnSpPr>
+            <a:cxnSpLocks/>
+          </p:cNvCxnSpPr>
+          <p:nvPr/>
+        </p:nvCxnSpPr>
+        <p:spPr>
+          <a:xfrm>
+            <a:off x="0" y="762579"/>
+            <a:ext cx="9144000" cy="0"/>
+          </a:xfrm>
+          <a:prstGeom prst="straightConnector1">
+            <a:avLst/>
+          </a:prstGeom>
+          <a:noFill/>
+          <a:ln w="76200" cap="flat" cmpd="sng">
+            <a:solidFill>
+              <a:srgbClr val="000000"/>
+            </a:solidFill>
+            <a:prstDash val="solid"/>
+            <a:round/>
+            <a:headEnd type="none" w="med" len="med"/>
+            <a:tailEnd type="none" w="med" len="med"/>
+          </a:ln>
+        </p:spPr>
+      </p:cxnSp>
     </p:spTree>
   </p:cSld>
   <p:clrMapOvr>
@@ -12730,7 +14209,7 @@
 </p:sld>
 </file>
 
-<file path=ppt/slides/slide15.xml><?xml version="1.0" encoding="utf-8"?>
+<file path=ppt/slides/slide16.xml><?xml version="1.0" encoding="utf-8"?>
 <p:sld xmlns:a="http://schemas.openxmlformats.org/drawingml/2006/main" xmlns:r="http://schemas.openxmlformats.org/officeDocument/2006/relationships" xmlns:p="http://schemas.openxmlformats.org/presentationml/2006/main">
   <p:cSld>
     <p:spTree>
@@ -12759,8 +14238,8 @@
         </p:nvSpPr>
         <p:spPr>
           <a:xfrm>
-            <a:off x="393625" y="220475"/>
-            <a:ext cx="8520600" cy="572700"/>
+            <a:off x="0" y="96112"/>
+            <a:ext cx="9144000" cy="572700"/>
           </a:xfrm>
           <a:prstGeom prst="rect">
             <a:avLst/>
@@ -12772,7 +14251,7 @@
           </a:bodyPr>
           <a:lstStyle/>
           <a:p>
-            <a:pPr marL="0" lvl="0" indent="0" algn="l" rtl="0">
+            <a:pPr marL="0" lvl="0" indent="0" algn="ctr" rtl="0">
               <a:spcBef>
                 <a:spcPts val="0"/>
               </a:spcBef>
@@ -12845,38 +14324,12 @@
             </a:pPr>
             <a:fld id="{00000000-1234-1234-1234-123412341234}" type="slidenum">
               <a:rPr lang="en"/>
-              <a:t>15</a:t>
+              <a:t>16</a:t>
             </a:fld>
             <a:endParaRPr/>
           </a:p>
         </p:txBody>
       </p:sp>
-      <p:cxnSp>
-        <p:nvCxnSpPr>
-          <p:cNvPr id="194" name="Google Shape;194;p26"/>
-          <p:cNvCxnSpPr/>
-          <p:nvPr/>
-        </p:nvCxnSpPr>
-        <p:spPr>
-          <a:xfrm>
-            <a:off x="396625" y="892350"/>
-            <a:ext cx="8514600" cy="0"/>
-          </a:xfrm>
-          <a:prstGeom prst="straightConnector1">
-            <a:avLst/>
-          </a:prstGeom>
-          <a:noFill/>
-          <a:ln w="76200" cap="flat" cmpd="sng">
-            <a:solidFill>
-              <a:srgbClr val="000000"/>
-            </a:solidFill>
-            <a:prstDash val="solid"/>
-            <a:round/>
-            <a:headEnd type="none" w="med" len="med"/>
-            <a:tailEnd type="none" w="med" len="med"/>
-          </a:ln>
-        </p:spPr>
-      </p:cxnSp>
       <p:pic>
         <p:nvPicPr>
           <p:cNvPr id="3" name="Picture 2">
@@ -12899,14 +14352,48 @@
         </p:blipFill>
         <p:spPr>
           <a:xfrm>
-            <a:off x="1371602" y="950114"/>
-            <a:ext cx="6541991" cy="4184438"/>
+            <a:off x="1079404" y="666025"/>
+            <a:ext cx="6985191" cy="4467921"/>
           </a:xfrm>
           <a:prstGeom prst="rect">
             <a:avLst/>
           </a:prstGeom>
         </p:spPr>
       </p:pic>
+      <p:cxnSp>
+        <p:nvCxnSpPr>
+          <p:cNvPr id="6" name="Google Shape;64;p14">
+            <a:extLst>
+              <a:ext uri="{FF2B5EF4-FFF2-40B4-BE49-F238E27FC236}">
+                <a16:creationId xmlns:a16="http://schemas.microsoft.com/office/drawing/2014/main" id="{E5265766-5A30-4A19-9101-677F191D6A6F}"/>
+              </a:ext>
+            </a:extLst>
+          </p:cNvPr>
+          <p:cNvCxnSpPr>
+            <a:cxnSpLocks/>
+          </p:cNvCxnSpPr>
+          <p:nvPr/>
+        </p:nvCxnSpPr>
+        <p:spPr>
+          <a:xfrm>
+            <a:off x="0" y="762579"/>
+            <a:ext cx="9144000" cy="0"/>
+          </a:xfrm>
+          <a:prstGeom prst="straightConnector1">
+            <a:avLst/>
+          </a:prstGeom>
+          <a:noFill/>
+          <a:ln w="76200" cap="flat" cmpd="sng">
+            <a:solidFill>
+              <a:srgbClr val="000000"/>
+            </a:solidFill>
+            <a:prstDash val="solid"/>
+            <a:round/>
+            <a:headEnd type="none" w="med" len="med"/>
+            <a:tailEnd type="none" w="med" len="med"/>
+          </a:ln>
+        </p:spPr>
+      </p:cxnSp>
     </p:spTree>
   </p:cSld>
   <p:clrMapOvr>
@@ -12927,7 +14414,7 @@
 </p:sld>
 </file>
 
-<file path=ppt/slides/slide16.xml><?xml version="1.0" encoding="utf-8"?>
+<file path=ppt/slides/slide17.xml><?xml version="1.0" encoding="utf-8"?>
 <p:sld xmlns:a="http://schemas.openxmlformats.org/drawingml/2006/main" xmlns:r="http://schemas.openxmlformats.org/officeDocument/2006/relationships" xmlns:p="http://schemas.openxmlformats.org/presentationml/2006/main">
   <p:cSld>
     <p:spTree>
@@ -12956,8 +14443,8 @@
         </p:nvSpPr>
         <p:spPr>
           <a:xfrm>
-            <a:off x="393625" y="220475"/>
-            <a:ext cx="8520600" cy="572700"/>
+            <a:off x="0" y="86683"/>
+            <a:ext cx="9144000" cy="572700"/>
           </a:xfrm>
           <a:prstGeom prst="rect">
             <a:avLst/>
@@ -12969,7 +14456,7 @@
           </a:bodyPr>
           <a:lstStyle/>
           <a:p>
-            <a:pPr marL="0" lvl="0" indent="0" algn="l" rtl="0">
+            <a:pPr marL="0" lvl="0" indent="0" algn="ctr" rtl="0">
               <a:spcBef>
                 <a:spcPts val="0"/>
               </a:spcBef>
@@ -13042,38 +14529,12 @@
             </a:pPr>
             <a:fld id="{00000000-1234-1234-1234-123412341234}" type="slidenum">
               <a:rPr lang="en"/>
-              <a:t>16</a:t>
+              <a:t>17</a:t>
             </a:fld>
             <a:endParaRPr/>
           </a:p>
         </p:txBody>
       </p:sp>
-      <p:cxnSp>
-        <p:nvCxnSpPr>
-          <p:cNvPr id="185" name="Google Shape;185;p25"/>
-          <p:cNvCxnSpPr/>
-          <p:nvPr/>
-        </p:nvCxnSpPr>
-        <p:spPr>
-          <a:xfrm>
-            <a:off x="396625" y="892350"/>
-            <a:ext cx="8514600" cy="0"/>
-          </a:xfrm>
-          <a:prstGeom prst="straightConnector1">
-            <a:avLst/>
-          </a:prstGeom>
-          <a:noFill/>
-          <a:ln w="76200" cap="flat" cmpd="sng">
-            <a:solidFill>
-              <a:srgbClr val="000000"/>
-            </a:solidFill>
-            <a:prstDash val="solid"/>
-            <a:round/>
-            <a:headEnd type="none" w="med" len="med"/>
-            <a:tailEnd type="none" w="med" len="med"/>
-          </a:ln>
-        </p:spPr>
-      </p:cxnSp>
       <p:sp>
         <p:nvSpPr>
           <p:cNvPr id="187" name="Google Shape;187;p25"/>
@@ -13082,8 +14543,8 @@
         </p:nvSpPr>
         <p:spPr>
           <a:xfrm>
-            <a:off x="393625" y="1115484"/>
-            <a:ext cx="8514600" cy="1108200"/>
+            <a:off x="230736" y="762579"/>
+            <a:ext cx="8913264" cy="1569630"/>
           </a:xfrm>
           <a:prstGeom prst="rect">
             <a:avLst/>
@@ -13100,6 +14561,9 @@
           <a:lstStyle/>
           <a:p>
             <a:pPr marL="0" lvl="0" indent="0" algn="l" rtl="0">
+              <a:lnSpc>
+                <a:spcPct val="150000"/>
+              </a:lnSpc>
               <a:spcBef>
                 <a:spcPts val="0"/>
               </a:spcBef>
@@ -13130,31 +14594,7 @@
                 <a:cs typeface="Times New Roman"/>
                 <a:sym typeface="Times New Roman"/>
               </a:rPr>
-              <a:t>With </a:t>
-            </a:r>
-            <a:r>
-              <a:rPr lang="en" sz="2000">
-                <a:solidFill>
-                  <a:schemeClr val="dk1"/>
-                </a:solidFill>
-                <a:latin typeface="Times New Roman"/>
-                <a:ea typeface="Times New Roman"/>
-                <a:cs typeface="Times New Roman"/>
-                <a:sym typeface="Times New Roman"/>
-              </a:rPr>
-              <a:t>each element, </a:t>
-            </a:r>
-            <a:r>
-              <a:rPr lang="en" sz="2000" dirty="0">
-                <a:solidFill>
-                  <a:schemeClr val="dk1"/>
-                </a:solidFill>
-                <a:latin typeface="Times New Roman"/>
-                <a:ea typeface="Times New Roman"/>
-                <a:cs typeface="Times New Roman"/>
-                <a:sym typeface="Times New Roman"/>
-              </a:rPr>
-              <a:t>there are two possible cases 0 and 1. Hence, when applying to recursive, it will iterate n times with them. </a:t>
+              <a:t>With each element, there are two possible cases 0 and 1. Hence, when applying to recursive, it will iterate n times with them. </a:t>
             </a:r>
             <a:endParaRPr sz="2000" dirty="0">
               <a:solidFill>
@@ -13167,7 +14607,11 @@
             </a:endParaRPr>
           </a:p>
           <a:p>
-            <a:pPr lvl="0"/>
+            <a:pPr lvl="0">
+              <a:lnSpc>
+                <a:spcPct val="150000"/>
+              </a:lnSpc>
+            </a:pPr>
             <a:r>
               <a:rPr lang="en" sz="2000" dirty="0">
                 <a:solidFill>
@@ -13178,22 +14622,10 @@
                 <a:cs typeface="Times New Roman"/>
                 <a:sym typeface="Times New Roman"/>
               </a:rPr>
-              <a:t>=&gt; So </a:t>
+              <a:t>=&gt; So O(2</a:t>
             </a:r>
             <a:r>
-              <a:rPr lang="en" sz="2000">
-                <a:solidFill>
-                  <a:schemeClr val="dk1"/>
-                </a:solidFill>
-                <a:latin typeface="Times New Roman"/>
-                <a:ea typeface="Times New Roman"/>
-                <a:cs typeface="Times New Roman"/>
-                <a:sym typeface="Times New Roman"/>
-              </a:rPr>
-              <a:t>O(2</a:t>
-            </a:r>
-            <a:r>
-              <a:rPr lang="en" sz="2000" baseline="30000">
+              <a:rPr lang="en" sz="2000" baseline="30000" dirty="0">
                 <a:solidFill>
                   <a:schemeClr val="dk1"/>
                 </a:solidFill>
@@ -13205,7 +14637,7 @@
               <a:t>n</a:t>
             </a:r>
             <a:r>
-              <a:rPr lang="en" sz="2000">
+              <a:rPr lang="en" sz="2000" dirty="0">
                 <a:solidFill>
                   <a:schemeClr val="dk1"/>
                 </a:solidFill>
@@ -13225,6 +14657,40 @@
           </a:p>
         </p:txBody>
       </p:sp>
+      <p:cxnSp>
+        <p:nvCxnSpPr>
+          <p:cNvPr id="6" name="Google Shape;64;p14">
+            <a:extLst>
+              <a:ext uri="{FF2B5EF4-FFF2-40B4-BE49-F238E27FC236}">
+                <a16:creationId xmlns:a16="http://schemas.microsoft.com/office/drawing/2014/main" id="{4F765827-93B1-4195-A884-4664E3A47CA5}"/>
+              </a:ext>
+            </a:extLst>
+          </p:cNvPr>
+          <p:cNvCxnSpPr>
+            <a:cxnSpLocks/>
+          </p:cNvCxnSpPr>
+          <p:nvPr/>
+        </p:nvCxnSpPr>
+        <p:spPr>
+          <a:xfrm>
+            <a:off x="0" y="762579"/>
+            <a:ext cx="9144000" cy="0"/>
+          </a:xfrm>
+          <a:prstGeom prst="straightConnector1">
+            <a:avLst/>
+          </a:prstGeom>
+          <a:noFill/>
+          <a:ln w="76200" cap="flat" cmpd="sng">
+            <a:solidFill>
+              <a:srgbClr val="000000"/>
+            </a:solidFill>
+            <a:prstDash val="solid"/>
+            <a:round/>
+            <a:headEnd type="none" w="med" len="med"/>
+            <a:tailEnd type="none" w="med" len="med"/>
+          </a:ln>
+        </p:spPr>
+      </p:cxnSp>
     </p:spTree>
     <p:extLst>
       <p:ext uri="{BB962C8B-B14F-4D97-AF65-F5344CB8AC3E}">
@@ -13468,7 +14934,7 @@
 </p:sld>
 </file>
 
-<file path=ppt/slides/slide17.xml><?xml version="1.0" encoding="utf-8"?>
+<file path=ppt/slides/slide18.xml><?xml version="1.0" encoding="utf-8"?>
 <p:sld xmlns:a="http://schemas.openxmlformats.org/drawingml/2006/main" xmlns:r="http://schemas.openxmlformats.org/officeDocument/2006/relationships" xmlns:p="http://schemas.openxmlformats.org/presentationml/2006/main">
   <p:cSld>
     <p:spTree>
@@ -13497,8 +14963,8 @@
         </p:nvSpPr>
         <p:spPr>
           <a:xfrm>
-            <a:off x="393625" y="220475"/>
-            <a:ext cx="8520600" cy="572700"/>
+            <a:off x="0" y="86683"/>
+            <a:ext cx="9144000" cy="572700"/>
           </a:xfrm>
           <a:prstGeom prst="rect">
             <a:avLst/>
@@ -13510,7 +14976,7 @@
           </a:bodyPr>
           <a:lstStyle/>
           <a:p>
-            <a:pPr marL="0" lvl="0" indent="0" algn="l" rtl="0">
+            <a:pPr marL="0" lvl="0" indent="0" algn="ctr" rtl="0">
               <a:spcBef>
                 <a:spcPts val="0"/>
               </a:spcBef>
@@ -13583,38 +15049,12 @@
             </a:pPr>
             <a:fld id="{00000000-1234-1234-1234-123412341234}" type="slidenum">
               <a:rPr lang="en"/>
-              <a:t>17</a:t>
+              <a:t>18</a:t>
             </a:fld>
             <a:endParaRPr/>
           </a:p>
         </p:txBody>
       </p:sp>
-      <p:cxnSp>
-        <p:nvCxnSpPr>
-          <p:cNvPr id="201" name="Google Shape;201;p27"/>
-          <p:cNvCxnSpPr/>
-          <p:nvPr/>
-        </p:nvCxnSpPr>
-        <p:spPr>
-          <a:xfrm>
-            <a:off x="396625" y="892350"/>
-            <a:ext cx="8514600" cy="0"/>
-          </a:xfrm>
-          <a:prstGeom prst="straightConnector1">
-            <a:avLst/>
-          </a:prstGeom>
-          <a:noFill/>
-          <a:ln w="76200" cap="flat" cmpd="sng">
-            <a:solidFill>
-              <a:srgbClr val="000000"/>
-            </a:solidFill>
-            <a:prstDash val="solid"/>
-            <a:round/>
-            <a:headEnd type="none" w="med" len="med"/>
-            <a:tailEnd type="none" w="med" len="med"/>
-          </a:ln>
-        </p:spPr>
-      </p:cxnSp>
       <p:sp>
         <p:nvSpPr>
           <p:cNvPr id="202" name="Google Shape;202;p27"/>
@@ -13623,7 +15063,7 @@
         </p:nvSpPr>
         <p:spPr>
           <a:xfrm>
-            <a:off x="396625" y="1046113"/>
+            <a:off x="232208" y="865776"/>
             <a:ext cx="8514600" cy="3295744"/>
           </a:xfrm>
           <a:prstGeom prst="rect">
@@ -14213,6 +15653,40 @@
           </a:p>
         </p:txBody>
       </p:sp>
+      <p:cxnSp>
+        <p:nvCxnSpPr>
+          <p:cNvPr id="6" name="Google Shape;64;p14">
+            <a:extLst>
+              <a:ext uri="{FF2B5EF4-FFF2-40B4-BE49-F238E27FC236}">
+                <a16:creationId xmlns:a16="http://schemas.microsoft.com/office/drawing/2014/main" id="{1CBCC950-F942-4C7E-BD08-5B4F790A1C1F}"/>
+              </a:ext>
+            </a:extLst>
+          </p:cNvPr>
+          <p:cNvCxnSpPr>
+            <a:cxnSpLocks/>
+          </p:cNvCxnSpPr>
+          <p:nvPr/>
+        </p:nvCxnSpPr>
+        <p:spPr>
+          <a:xfrm>
+            <a:off x="0" y="762579"/>
+            <a:ext cx="9144000" cy="0"/>
+          </a:xfrm>
+          <a:prstGeom prst="straightConnector1">
+            <a:avLst/>
+          </a:prstGeom>
+          <a:noFill/>
+          <a:ln w="76200" cap="flat" cmpd="sng">
+            <a:solidFill>
+              <a:srgbClr val="000000"/>
+            </a:solidFill>
+            <a:prstDash val="solid"/>
+            <a:round/>
+            <a:headEnd type="none" w="med" len="med"/>
+            <a:tailEnd type="none" w="med" len="med"/>
+          </a:ln>
+        </p:spPr>
+      </p:cxnSp>
     </p:spTree>
   </p:cSld>
   <p:clrMapOvr>
@@ -14600,7 +16074,7 @@
 </p:sld>
 </file>
 
-<file path=ppt/slides/slide18.xml><?xml version="1.0" encoding="utf-8"?>
+<file path=ppt/slides/slide19.xml><?xml version="1.0" encoding="utf-8"?>
 <p:sld xmlns:a="http://schemas.openxmlformats.org/drawingml/2006/main" xmlns:r="http://schemas.openxmlformats.org/officeDocument/2006/relationships" xmlns:p="http://schemas.openxmlformats.org/presentationml/2006/main">
   <p:cSld>
     <p:spTree>
@@ -14629,8 +16103,8 @@
         </p:nvSpPr>
         <p:spPr>
           <a:xfrm>
-            <a:off x="393625" y="220475"/>
-            <a:ext cx="8520600" cy="572700"/>
+            <a:off x="0" y="55178"/>
+            <a:ext cx="9144000" cy="572700"/>
           </a:xfrm>
           <a:prstGeom prst="rect">
             <a:avLst/>
@@ -14642,7 +16116,7 @@
           </a:bodyPr>
           <a:lstStyle/>
           <a:p>
-            <a:pPr marL="0" lvl="0" indent="0" algn="l" rtl="0">
+            <a:pPr marL="0" lvl="0" indent="0" algn="ctr" rtl="0">
               <a:spcBef>
                 <a:spcPts val="0"/>
               </a:spcBef>
@@ -14715,38 +16189,12 @@
             </a:pPr>
             <a:fld id="{00000000-1234-1234-1234-123412341234}" type="slidenum">
               <a:rPr lang="en"/>
-              <a:t>18</a:t>
+              <a:t>19</a:t>
             </a:fld>
             <a:endParaRPr/>
           </a:p>
         </p:txBody>
       </p:sp>
-      <p:cxnSp>
-        <p:nvCxnSpPr>
-          <p:cNvPr id="209" name="Google Shape;209;p28"/>
-          <p:cNvCxnSpPr/>
-          <p:nvPr/>
-        </p:nvCxnSpPr>
-        <p:spPr>
-          <a:xfrm>
-            <a:off x="396625" y="892350"/>
-            <a:ext cx="8514600" cy="0"/>
-          </a:xfrm>
-          <a:prstGeom prst="straightConnector1">
-            <a:avLst/>
-          </a:prstGeom>
-          <a:noFill/>
-          <a:ln w="76200" cap="flat" cmpd="sng">
-            <a:solidFill>
-              <a:srgbClr val="000000"/>
-            </a:solidFill>
-            <a:prstDash val="solid"/>
-            <a:round/>
-            <a:headEnd type="none" w="med" len="med"/>
-            <a:tailEnd type="none" w="med" len="med"/>
-          </a:ln>
-        </p:spPr>
-      </p:cxnSp>
       <p:sp>
         <p:nvSpPr>
           <p:cNvPr id="210" name="Google Shape;210;p28"/>
@@ -14755,8 +16203,8 @@
         </p:nvSpPr>
         <p:spPr>
           <a:xfrm>
-            <a:off x="396625" y="1065875"/>
-            <a:ext cx="8514600" cy="2308294"/>
+            <a:off x="235207" y="762579"/>
+            <a:ext cx="8514600" cy="2954625"/>
           </a:xfrm>
           <a:prstGeom prst="rect">
             <a:avLst/>
@@ -14774,7 +16222,7 @@
           <a:p>
             <a:pPr marL="0" lvl="0" indent="0" algn="l" rtl="0">
               <a:lnSpc>
-                <a:spcPct val="115000"/>
+                <a:spcPct val="150000"/>
               </a:lnSpc>
               <a:spcBef>
                 <a:spcPts val="0"/>
@@ -14818,7 +16266,7 @@
           <a:p>
             <a:pPr marL="457200" lvl="0" indent="-457200" algn="l" rtl="0">
               <a:lnSpc>
-                <a:spcPct val="115000"/>
+                <a:spcPct val="150000"/>
               </a:lnSpc>
               <a:spcBef>
                 <a:spcPts val="0"/>
@@ -14847,7 +16295,7 @@
           <a:p>
             <a:pPr marL="457200" lvl="0" indent="-457200" algn="l" rtl="0">
               <a:lnSpc>
-                <a:spcPct val="115000"/>
+                <a:spcPct val="150000"/>
               </a:lnSpc>
               <a:spcBef>
                 <a:spcPts val="0"/>
@@ -14876,7 +16324,7 @@
           <a:p>
             <a:pPr lvl="0" algn="l" rtl="0">
               <a:lnSpc>
-                <a:spcPct val="115000"/>
+                <a:spcPct val="150000"/>
               </a:lnSpc>
               <a:spcBef>
                 <a:spcPts val="0"/>
@@ -14929,7 +16377,7 @@
         </p:nvSpPr>
         <p:spPr>
           <a:xfrm>
-            <a:off x="390626" y="3444949"/>
+            <a:off x="232208" y="3859208"/>
             <a:ext cx="8520599" cy="400110"/>
           </a:xfrm>
           <a:prstGeom prst="rect">
@@ -15006,6 +16454,40 @@
           </a:p>
         </p:txBody>
       </p:sp>
+      <p:cxnSp>
+        <p:nvCxnSpPr>
+          <p:cNvPr id="7" name="Google Shape;64;p14">
+            <a:extLst>
+              <a:ext uri="{FF2B5EF4-FFF2-40B4-BE49-F238E27FC236}">
+                <a16:creationId xmlns:a16="http://schemas.microsoft.com/office/drawing/2014/main" id="{40B3C370-E786-4D92-8A5D-AD09C2639C27}"/>
+              </a:ext>
+            </a:extLst>
+          </p:cNvPr>
+          <p:cNvCxnSpPr>
+            <a:cxnSpLocks/>
+          </p:cNvCxnSpPr>
+          <p:nvPr/>
+        </p:nvCxnSpPr>
+        <p:spPr>
+          <a:xfrm>
+            <a:off x="0" y="762579"/>
+            <a:ext cx="9144000" cy="0"/>
+          </a:xfrm>
+          <a:prstGeom prst="straightConnector1">
+            <a:avLst/>
+          </a:prstGeom>
+          <a:noFill/>
+          <a:ln w="76200" cap="flat" cmpd="sng">
+            <a:solidFill>
+              <a:srgbClr val="000000"/>
+            </a:solidFill>
+            <a:prstDash val="solid"/>
+            <a:round/>
+            <a:headEnd type="none" w="med" len="med"/>
+            <a:tailEnd type="none" w="med" len="med"/>
+          </a:ln>
+        </p:spPr>
+      </p:cxnSp>
     </p:spTree>
   </p:cSld>
   <p:clrMapOvr>
@@ -15470,209 +16952,6 @@
 </p:sld>
 </file>
 
-<file path=ppt/slides/slide19.xml><?xml version="1.0" encoding="utf-8"?>
-<p:sld xmlns:a="http://schemas.openxmlformats.org/drawingml/2006/main" xmlns:r="http://schemas.openxmlformats.org/officeDocument/2006/relationships" xmlns:p="http://schemas.openxmlformats.org/presentationml/2006/main">
-  <p:cSld>
-    <p:spTree>
-      <p:nvGrpSpPr>
-        <p:cNvPr id="1" name="Shape 214"/>
-        <p:cNvGrpSpPr/>
-        <p:nvPr/>
-      </p:nvGrpSpPr>
-      <p:grpSpPr>
-        <a:xfrm>
-          <a:off x="0" y="0"/>
-          <a:ext cx="0" cy="0"/>
-          <a:chOff x="0" y="0"/>
-          <a:chExt cx="0" cy="0"/>
-        </a:xfrm>
-      </p:grpSpPr>
-      <p:sp>
-        <p:nvSpPr>
-          <p:cNvPr id="215" name="Google Shape;215;p29"/>
-          <p:cNvSpPr txBox="1">
-            <a:spLocks noGrp="1"/>
-          </p:cNvSpPr>
-          <p:nvPr>
-            <p:ph type="title"/>
-          </p:nvPr>
-        </p:nvSpPr>
-        <p:spPr>
-          <a:xfrm>
-            <a:off x="396625" y="86683"/>
-            <a:ext cx="8520600" cy="572700"/>
-          </a:xfrm>
-          <a:prstGeom prst="rect">
-            <a:avLst/>
-          </a:prstGeom>
-        </p:spPr>
-        <p:txBody>
-          <a:bodyPr spcFirstLastPara="1" wrap="square" lIns="91425" tIns="91425" rIns="91425" bIns="91425" anchor="t" anchorCtr="0">
-            <a:noAutofit/>
-          </a:bodyPr>
-          <a:lstStyle/>
-          <a:p>
-            <a:pPr marL="0" lvl="0" indent="0" algn="l" rtl="0">
-              <a:spcBef>
-                <a:spcPts val="0"/>
-              </a:spcBef>
-              <a:spcAft>
-                <a:spcPts val="0"/>
-              </a:spcAft>
-              <a:buSzPts val="990"/>
-              <a:buNone/>
-            </a:pPr>
-            <a:r>
-              <a:rPr lang="en" sz="3020" b="1" dirty="0">
-                <a:latin typeface="Times New Roman"/>
-                <a:ea typeface="Times New Roman"/>
-                <a:cs typeface="Times New Roman"/>
-                <a:sym typeface="Times New Roman"/>
-              </a:rPr>
-              <a:t>V. Illustrated problems: </a:t>
-            </a:r>
-            <a:r>
-              <a:rPr lang="en" sz="3020" dirty="0">
-                <a:latin typeface="Times New Roman"/>
-                <a:ea typeface="Times New Roman"/>
-                <a:cs typeface="Times New Roman"/>
-                <a:sym typeface="Times New Roman"/>
-              </a:rPr>
-              <a:t>Unsuitable case</a:t>
-            </a:r>
-            <a:endParaRPr sz="3020" b="1" dirty="0">
-              <a:latin typeface="Times New Roman"/>
-              <a:ea typeface="Times New Roman"/>
-              <a:cs typeface="Times New Roman"/>
-              <a:sym typeface="Times New Roman"/>
-            </a:endParaRPr>
-          </a:p>
-        </p:txBody>
-      </p:sp>
-      <p:sp>
-        <p:nvSpPr>
-          <p:cNvPr id="216" name="Google Shape;216;p29"/>
-          <p:cNvSpPr txBox="1">
-            <a:spLocks noGrp="1"/>
-          </p:cNvSpPr>
-          <p:nvPr>
-            <p:ph type="sldNum" idx="12"/>
-          </p:nvPr>
-        </p:nvSpPr>
-        <p:spPr>
-          <a:xfrm>
-            <a:off x="8472458" y="4663217"/>
-            <a:ext cx="548700" cy="393600"/>
-          </a:xfrm>
-          <a:prstGeom prst="rect">
-            <a:avLst/>
-          </a:prstGeom>
-        </p:spPr>
-        <p:txBody>
-          <a:bodyPr spcFirstLastPara="1" wrap="square" lIns="91425" tIns="91425" rIns="91425" bIns="91425" anchor="ctr" anchorCtr="0">
-            <a:normAutofit/>
-          </a:bodyPr>
-          <a:lstStyle/>
-          <a:p>
-            <a:pPr marL="0" lvl="0" indent="0" algn="r" rtl="0">
-              <a:spcBef>
-                <a:spcPts val="0"/>
-              </a:spcBef>
-              <a:spcAft>
-                <a:spcPts val="0"/>
-              </a:spcAft>
-              <a:buNone/>
-            </a:pPr>
-            <a:fld id="{00000000-1234-1234-1234-123412341234}" type="slidenum">
-              <a:rPr lang="en"/>
-              <a:t>19</a:t>
-            </a:fld>
-            <a:endParaRPr/>
-          </a:p>
-        </p:txBody>
-      </p:sp>
-      <p:cxnSp>
-        <p:nvCxnSpPr>
-          <p:cNvPr id="7" name="Google Shape;217;p29">
-            <a:extLst>
-              <a:ext uri="{FF2B5EF4-FFF2-40B4-BE49-F238E27FC236}">
-                <a16:creationId xmlns:a16="http://schemas.microsoft.com/office/drawing/2014/main" id="{7DC21180-F7CE-470A-BB73-22EAE748ED2D}"/>
-              </a:ext>
-            </a:extLst>
-          </p:cNvPr>
-          <p:cNvCxnSpPr/>
-          <p:nvPr/>
-        </p:nvCxnSpPr>
-        <p:spPr>
-          <a:xfrm>
-            <a:off x="396625" y="738186"/>
-            <a:ext cx="8514600" cy="0"/>
-          </a:xfrm>
-          <a:prstGeom prst="straightConnector1">
-            <a:avLst/>
-          </a:prstGeom>
-          <a:noFill/>
-          <a:ln w="76200" cap="flat" cmpd="sng">
-            <a:solidFill>
-              <a:srgbClr val="000000"/>
-            </a:solidFill>
-            <a:prstDash val="solid"/>
-            <a:round/>
-            <a:headEnd type="none" w="med" len="med"/>
-            <a:tailEnd type="none" w="med" len="med"/>
-          </a:ln>
-        </p:spPr>
-      </p:cxnSp>
-      <p:pic>
-        <p:nvPicPr>
-          <p:cNvPr id="5" name="Picture 4">
-            <a:extLst>
-              <a:ext uri="{FF2B5EF4-FFF2-40B4-BE49-F238E27FC236}">
-                <a16:creationId xmlns:a16="http://schemas.microsoft.com/office/drawing/2014/main" id="{053BD8C9-EE85-4067-A27B-EFB5066A2F54}"/>
-              </a:ext>
-            </a:extLst>
-          </p:cNvPr>
-          <p:cNvPicPr>
-            <a:picLocks noChangeAspect="1"/>
-          </p:cNvPicPr>
-          <p:nvPr/>
-        </p:nvPicPr>
-        <p:blipFill>
-          <a:blip r:embed="rId3"/>
-          <a:stretch>
-            <a:fillRect/>
-          </a:stretch>
-        </p:blipFill>
-        <p:spPr>
-          <a:xfrm>
-            <a:off x="2440928" y="793895"/>
-            <a:ext cx="4013660" cy="4349605"/>
-          </a:xfrm>
-          <a:prstGeom prst="rect">
-            <a:avLst/>
-          </a:prstGeom>
-        </p:spPr>
-      </p:pic>
-    </p:spTree>
-  </p:cSld>
-  <p:clrMapOvr>
-    <a:masterClrMapping/>
-  </p:clrMapOvr>
-  <mc:AlternateContent xmlns:mc="http://schemas.openxmlformats.org/markup-compatibility/2006" xmlns:p14="http://schemas.microsoft.com/office/powerpoint/2010/main">
-    <mc:Choice Requires="p14">
-      <p:transition spd="slow" p14:dur="800">
-        <p:circle/>
-      </p:transition>
-    </mc:Choice>
-    <mc:Fallback xmlns="">
-      <p:transition spd="slow">
-        <p:circle/>
-      </p:transition>
-    </mc:Fallback>
-  </mc:AlternateContent>
-</p:sld>
-</file>
-
 <file path=ppt/slides/slide2.xml><?xml version="1.0" encoding="utf-8"?>
 <p:sld xmlns:a="http://schemas.openxmlformats.org/drawingml/2006/main" xmlns:r="http://schemas.openxmlformats.org/officeDocument/2006/relationships" xmlns:p="http://schemas.openxmlformats.org/presentationml/2006/main">
   <p:cSld>
@@ -15702,8 +16981,8 @@
         </p:nvSpPr>
         <p:spPr>
           <a:xfrm>
-            <a:off x="393625" y="220475"/>
-            <a:ext cx="8520600" cy="572700"/>
+            <a:off x="0" y="71844"/>
+            <a:ext cx="9144000" cy="572700"/>
           </a:xfrm>
           <a:prstGeom prst="rect">
             <a:avLst/>
@@ -15715,7 +16994,7 @@
           </a:bodyPr>
           <a:lstStyle/>
           <a:p>
-            <a:pPr marL="0" lvl="0" indent="0" algn="l" rtl="0">
+            <a:pPr marL="0" lvl="0" indent="0" algn="ctr" rtl="0">
               <a:spcBef>
                 <a:spcPts val="0"/>
               </a:spcBef>
@@ -15726,7 +17005,7 @@
               <a:buNone/>
             </a:pPr>
             <a:r>
-              <a:rPr lang="en" sz="3020" b="1">
+              <a:rPr lang="en" sz="3020" b="1" dirty="0">
                 <a:solidFill>
                   <a:srgbClr val="000000"/>
                 </a:solidFill>
@@ -15737,7 +17016,7 @@
               </a:rPr>
               <a:t>Members</a:t>
             </a:r>
-            <a:endParaRPr sz="3020" b="1">
+            <a:endParaRPr sz="3020" b="1" dirty="0">
               <a:solidFill>
                 <a:srgbClr val="000000"/>
               </a:solidFill>
@@ -15761,8 +17040,8 @@
         </p:nvSpPr>
         <p:spPr>
           <a:xfrm>
-            <a:off x="311700" y="1152475"/>
-            <a:ext cx="8520600" cy="3416400"/>
+            <a:off x="188008" y="762579"/>
+            <a:ext cx="9144000" cy="3416400"/>
           </a:xfrm>
           <a:prstGeom prst="rect">
             <a:avLst/>
@@ -15931,13 +17210,15 @@
       <p:cxnSp>
         <p:nvCxnSpPr>
           <p:cNvPr id="64" name="Google Shape;64;p14"/>
-          <p:cNvCxnSpPr/>
+          <p:cNvCxnSpPr>
+            <a:cxnSpLocks/>
+          </p:cNvCxnSpPr>
           <p:nvPr/>
         </p:nvCxnSpPr>
         <p:spPr>
           <a:xfrm>
-            <a:off x="396625" y="892350"/>
-            <a:ext cx="8514600" cy="0"/>
+            <a:off x="0" y="762579"/>
+            <a:ext cx="9144000" cy="0"/>
           </a:xfrm>
           <a:prstGeom prst="straightConnector1">
             <a:avLst/>
@@ -16003,8 +17284,8 @@
         </p:nvSpPr>
         <p:spPr>
           <a:xfrm>
-            <a:off x="393625" y="220475"/>
-            <a:ext cx="8520600" cy="572700"/>
+            <a:off x="1" y="86683"/>
+            <a:ext cx="9143999" cy="572700"/>
           </a:xfrm>
           <a:prstGeom prst="rect">
             <a:avLst/>
@@ -16016,7 +17297,212 @@
           </a:bodyPr>
           <a:lstStyle/>
           <a:p>
-            <a:pPr marL="0" lvl="0" indent="0" rtl="0">
+            <a:pPr marL="0" lvl="0" indent="0" algn="ctr" rtl="0">
+              <a:spcBef>
+                <a:spcPts val="0"/>
+              </a:spcBef>
+              <a:spcAft>
+                <a:spcPts val="0"/>
+              </a:spcAft>
+              <a:buSzPts val="990"/>
+              <a:buNone/>
+            </a:pPr>
+            <a:r>
+              <a:rPr lang="en" sz="3020" b="1" dirty="0">
+                <a:latin typeface="Times New Roman"/>
+                <a:ea typeface="Times New Roman"/>
+                <a:cs typeface="Times New Roman"/>
+                <a:sym typeface="Times New Roman"/>
+              </a:rPr>
+              <a:t>V. Illustrated problems: </a:t>
+            </a:r>
+            <a:r>
+              <a:rPr lang="en" sz="3020" dirty="0">
+                <a:latin typeface="Times New Roman"/>
+                <a:ea typeface="Times New Roman"/>
+                <a:cs typeface="Times New Roman"/>
+                <a:sym typeface="Times New Roman"/>
+              </a:rPr>
+              <a:t>Unsuitable case</a:t>
+            </a:r>
+            <a:endParaRPr sz="3020" b="1" dirty="0">
+              <a:latin typeface="Times New Roman"/>
+              <a:ea typeface="Times New Roman"/>
+              <a:cs typeface="Times New Roman"/>
+              <a:sym typeface="Times New Roman"/>
+            </a:endParaRPr>
+          </a:p>
+        </p:txBody>
+      </p:sp>
+      <p:sp>
+        <p:nvSpPr>
+          <p:cNvPr id="216" name="Google Shape;216;p29"/>
+          <p:cNvSpPr txBox="1">
+            <a:spLocks noGrp="1"/>
+          </p:cNvSpPr>
+          <p:nvPr>
+            <p:ph type="sldNum" idx="12"/>
+          </p:nvPr>
+        </p:nvSpPr>
+        <p:spPr>
+          <a:xfrm>
+            <a:off x="8472458" y="4663217"/>
+            <a:ext cx="548700" cy="393600"/>
+          </a:xfrm>
+          <a:prstGeom prst="rect">
+            <a:avLst/>
+          </a:prstGeom>
+        </p:spPr>
+        <p:txBody>
+          <a:bodyPr spcFirstLastPara="1" wrap="square" lIns="91425" tIns="91425" rIns="91425" bIns="91425" anchor="ctr" anchorCtr="0">
+            <a:normAutofit/>
+          </a:bodyPr>
+          <a:lstStyle/>
+          <a:p>
+            <a:pPr marL="0" lvl="0" indent="0" algn="r" rtl="0">
+              <a:spcBef>
+                <a:spcPts val="0"/>
+              </a:spcBef>
+              <a:spcAft>
+                <a:spcPts val="0"/>
+              </a:spcAft>
+              <a:buNone/>
+            </a:pPr>
+            <a:fld id="{00000000-1234-1234-1234-123412341234}" type="slidenum">
+              <a:rPr lang="en"/>
+              <a:t>20</a:t>
+            </a:fld>
+            <a:endParaRPr/>
+          </a:p>
+        </p:txBody>
+      </p:sp>
+      <p:pic>
+        <p:nvPicPr>
+          <p:cNvPr id="5" name="Picture 4">
+            <a:extLst>
+              <a:ext uri="{FF2B5EF4-FFF2-40B4-BE49-F238E27FC236}">
+                <a16:creationId xmlns:a16="http://schemas.microsoft.com/office/drawing/2014/main" id="{053BD8C9-EE85-4067-A27B-EFB5066A2F54}"/>
+              </a:ext>
+            </a:extLst>
+          </p:cNvPr>
+          <p:cNvPicPr>
+            <a:picLocks noChangeAspect="1"/>
+          </p:cNvPicPr>
+          <p:nvPr/>
+        </p:nvPicPr>
+        <p:blipFill>
+          <a:blip r:embed="rId3"/>
+          <a:stretch>
+            <a:fillRect/>
+          </a:stretch>
+        </p:blipFill>
+        <p:spPr>
+          <a:xfrm>
+            <a:off x="2440928" y="793895"/>
+            <a:ext cx="4013660" cy="4349605"/>
+          </a:xfrm>
+          <a:prstGeom prst="rect">
+            <a:avLst/>
+          </a:prstGeom>
+        </p:spPr>
+      </p:pic>
+      <p:cxnSp>
+        <p:nvCxnSpPr>
+          <p:cNvPr id="6" name="Google Shape;64;p14">
+            <a:extLst>
+              <a:ext uri="{FF2B5EF4-FFF2-40B4-BE49-F238E27FC236}">
+                <a16:creationId xmlns:a16="http://schemas.microsoft.com/office/drawing/2014/main" id="{A18BDFAC-C3A8-4BEB-BF91-06A0B76FBB42}"/>
+              </a:ext>
+            </a:extLst>
+          </p:cNvPr>
+          <p:cNvCxnSpPr>
+            <a:cxnSpLocks/>
+          </p:cNvCxnSpPr>
+          <p:nvPr/>
+        </p:nvCxnSpPr>
+        <p:spPr>
+          <a:xfrm>
+            <a:off x="0" y="762579"/>
+            <a:ext cx="9144000" cy="0"/>
+          </a:xfrm>
+          <a:prstGeom prst="straightConnector1">
+            <a:avLst/>
+          </a:prstGeom>
+          <a:noFill/>
+          <a:ln w="76200" cap="flat" cmpd="sng">
+            <a:solidFill>
+              <a:srgbClr val="000000"/>
+            </a:solidFill>
+            <a:prstDash val="solid"/>
+            <a:round/>
+            <a:headEnd type="none" w="med" len="med"/>
+            <a:tailEnd type="none" w="med" len="med"/>
+          </a:ln>
+        </p:spPr>
+      </p:cxnSp>
+    </p:spTree>
+  </p:cSld>
+  <p:clrMapOvr>
+    <a:masterClrMapping/>
+  </p:clrMapOvr>
+  <mc:AlternateContent xmlns:mc="http://schemas.openxmlformats.org/markup-compatibility/2006" xmlns:p14="http://schemas.microsoft.com/office/powerpoint/2010/main">
+    <mc:Choice Requires="p14">
+      <p:transition spd="slow" p14:dur="800">
+        <p:circle/>
+      </p:transition>
+    </mc:Choice>
+    <mc:Fallback xmlns="">
+      <p:transition spd="slow">
+        <p:circle/>
+      </p:transition>
+    </mc:Fallback>
+  </mc:AlternateContent>
+</p:sld>
+</file>
+
+<file path=ppt/slides/slide21.xml><?xml version="1.0" encoding="utf-8"?>
+<p:sld xmlns:a="http://schemas.openxmlformats.org/drawingml/2006/main" xmlns:r="http://schemas.openxmlformats.org/officeDocument/2006/relationships" xmlns:p="http://schemas.openxmlformats.org/presentationml/2006/main">
+  <p:cSld>
+    <p:spTree>
+      <p:nvGrpSpPr>
+        <p:cNvPr id="1" name="Shape 214"/>
+        <p:cNvGrpSpPr/>
+        <p:nvPr/>
+      </p:nvGrpSpPr>
+      <p:grpSpPr>
+        <a:xfrm>
+          <a:off x="0" y="0"/>
+          <a:ext cx="0" cy="0"/>
+          <a:chOff x="0" y="0"/>
+          <a:chExt cx="0" cy="0"/>
+        </a:xfrm>
+      </p:grpSpPr>
+      <p:sp>
+        <p:nvSpPr>
+          <p:cNvPr id="215" name="Google Shape;215;p29"/>
+          <p:cNvSpPr txBox="1">
+            <a:spLocks noGrp="1"/>
+          </p:cNvSpPr>
+          <p:nvPr>
+            <p:ph type="title"/>
+          </p:nvPr>
+        </p:nvSpPr>
+        <p:spPr>
+          <a:xfrm>
+            <a:off x="0" y="91864"/>
+            <a:ext cx="9144000" cy="572700"/>
+          </a:xfrm>
+          <a:prstGeom prst="rect">
+            <a:avLst/>
+          </a:prstGeom>
+        </p:spPr>
+        <p:txBody>
+          <a:bodyPr spcFirstLastPara="1" wrap="square" lIns="91425" tIns="91425" rIns="91425" bIns="91425" anchor="t" anchorCtr="0">
+            <a:noAutofit/>
+          </a:bodyPr>
+          <a:lstStyle/>
+          <a:p>
+            <a:pPr marL="0" lvl="0" indent="0" algn="ctr" rtl="0">
               <a:spcBef>
                 <a:spcPts val="0"/>
               </a:spcBef>
@@ -16080,38 +17566,12 @@
             </a:pPr>
             <a:fld id="{00000000-1234-1234-1234-123412341234}" type="slidenum">
               <a:rPr lang="en"/>
-              <a:t>20</a:t>
+              <a:t>21</a:t>
             </a:fld>
             <a:endParaRPr/>
           </a:p>
         </p:txBody>
       </p:sp>
-      <p:cxnSp>
-        <p:nvCxnSpPr>
-          <p:cNvPr id="217" name="Google Shape;217;p29"/>
-          <p:cNvCxnSpPr/>
-          <p:nvPr/>
-        </p:nvCxnSpPr>
-        <p:spPr>
-          <a:xfrm>
-            <a:off x="396625" y="892350"/>
-            <a:ext cx="8514600" cy="0"/>
-          </a:xfrm>
-          <a:prstGeom prst="straightConnector1">
-            <a:avLst/>
-          </a:prstGeom>
-          <a:noFill/>
-          <a:ln w="76200" cap="flat" cmpd="sng">
-            <a:solidFill>
-              <a:srgbClr val="000000"/>
-            </a:solidFill>
-            <a:prstDash val="solid"/>
-            <a:round/>
-            <a:headEnd type="none" w="med" len="med"/>
-            <a:tailEnd type="none" w="med" len="med"/>
-          </a:ln>
-        </p:spPr>
-      </p:cxnSp>
       <p:sp>
         <p:nvSpPr>
           <p:cNvPr id="6" name="TextBox 5">
@@ -16126,8 +17586,8 @@
         </p:nvSpPr>
         <p:spPr>
           <a:xfrm>
-            <a:off x="354162" y="1087327"/>
-            <a:ext cx="8599525" cy="3477875"/>
+            <a:off x="122842" y="826412"/>
+            <a:ext cx="9021157" cy="4139595"/>
           </a:xfrm>
           <a:prstGeom prst="rect">
             <a:avLst/>
@@ -16141,50 +17601,63 @@
           <a:lstStyle/>
           <a:p>
             <a:pPr marL="342900" indent="-342900">
+              <a:lnSpc>
+                <a:spcPct val="150000"/>
+              </a:lnSpc>
               <a:buFont typeface="Wingdings" panose="05000000000000000000" pitchFamily="2" charset="2"/>
               <a:buChar char="Ä"/>
             </a:pPr>
             <a:r>
-              <a:rPr lang="en-US" sz="2000" dirty="0">
+              <a:rPr lang="en-US" sz="1800" dirty="0">
                 <a:latin typeface="Times New Roman" panose="02020603050405020304" pitchFamily="18" charset="0"/>
                 <a:sym typeface="Wingdings" panose="05000000000000000000" pitchFamily="2" charset="2"/>
               </a:rPr>
               <a:t>B</a:t>
             </a:r>
             <a:r>
-              <a:rPr lang="en-US" sz="2000" b="0" i="0" dirty="0">
+              <a:rPr lang="en-US" sz="1800" b="0" i="0" dirty="0">
                 <a:solidFill>
                   <a:srgbClr val="000000"/>
                 </a:solidFill>
                 <a:effectLst/>
                 <a:latin typeface="Times New Roman" panose="02020603050405020304" pitchFamily="18" charset="0"/>
               </a:rPr>
-              <a:t>rute-force approach should not be overlooked as an important algorithm </a:t>
+              <a:t>rute-force approach </a:t>
             </a:r>
             <a:r>
-              <a:rPr lang="en-US" sz="2000" dirty="0">
+              <a:rPr lang="en-US" sz="1800" b="1" i="0" dirty="0">
+                <a:solidFill>
+                  <a:srgbClr val="FF0000"/>
+                </a:solidFill>
+                <a:effectLst/>
                 <a:latin typeface="Times New Roman" panose="02020603050405020304" pitchFamily="18" charset="0"/>
               </a:rPr>
-              <a:t> </a:t>
+              <a:t>should not be overlooked </a:t>
             </a:r>
             <a:r>
-              <a:rPr lang="en-US" sz="2000" b="0" i="0" dirty="0">
+              <a:rPr lang="en-US" sz="1800" b="0" i="0" dirty="0">
                 <a:solidFill>
                   <a:srgbClr val="000000"/>
                 </a:solidFill>
                 <a:effectLst/>
                 <a:latin typeface="Times New Roman" panose="02020603050405020304" pitchFamily="18" charset="0"/>
               </a:rPr>
-              <a:t>design strategy. </a:t>
+              <a:t>as an important algorithm design strategy. </a:t>
             </a:r>
           </a:p>
           <a:p>
             <a:pPr marL="342900" indent="-342900">
+              <a:lnSpc>
+                <a:spcPct val="150000"/>
+              </a:lnSpc>
               <a:buFont typeface="Wingdings" panose="05000000000000000000" pitchFamily="2" charset="2"/>
               <a:buChar char="Ä"/>
             </a:pPr>
             <a:r>
-              <a:rPr lang="en-US" sz="2000" dirty="0">
+              <a:rPr lang="en-US" sz="1800" b="1" dirty="0">
+                <a:solidFill>
+                  <a:srgbClr val="FF0000"/>
+                </a:solidFill>
                 <a:latin typeface="Times New Roman" panose="02020603050405020304" pitchFamily="18" charset="0"/>
                 <a:cs typeface="Times New Roman" panose="02020603050405020304" pitchFamily="18" charset="0"/>
                 <a:sym typeface="Wingdings" panose="05000000000000000000" pitchFamily="2" charset="2"/>
@@ -16192,7 +17665,18 @@
               <a:t>A</a:t>
             </a:r>
             <a:r>
-              <a:rPr lang="en-US" sz="2000" b="0" i="0" dirty="0">
+              <a:rPr lang="en-US" sz="1800" b="1" i="0" dirty="0">
+                <a:solidFill>
+                  <a:srgbClr val="FF0000"/>
+                </a:solidFill>
+                <a:effectLst/>
+                <a:latin typeface="Times New Roman" panose="02020603050405020304" pitchFamily="18" charset="0"/>
+                <a:cs typeface="Times New Roman" panose="02020603050405020304" pitchFamily="18" charset="0"/>
+              </a:rPr>
+              <a:t>pplicable</a:t>
+            </a:r>
+            <a:r>
+              <a:rPr lang="en-US" sz="1800" b="0" i="0" dirty="0">
                 <a:solidFill>
                   <a:srgbClr val="000000"/>
                 </a:solidFill>
@@ -16200,36 +17684,59 @@
                 <a:latin typeface="Times New Roman" panose="02020603050405020304" pitchFamily="18" charset="0"/>
                 <a:cs typeface="Times New Roman" panose="02020603050405020304" pitchFamily="18" charset="0"/>
               </a:rPr>
-              <a:t>pplicable to a very wide variety of problems.</a:t>
+              <a:t> to a very wide variety of problems.</a:t>
             </a:r>
           </a:p>
           <a:p>
             <a:pPr marL="342900" indent="-342900">
+              <a:lnSpc>
+                <a:spcPct val="150000"/>
+              </a:lnSpc>
               <a:buFont typeface="Wingdings" panose="05000000000000000000" pitchFamily="2" charset="2"/>
               <a:buChar char="Ä"/>
             </a:pPr>
             <a:r>
-              <a:rPr lang="en-US" sz="2000" dirty="0">
+              <a:rPr lang="en-US" sz="1800" dirty="0">
                 <a:latin typeface="Times New Roman" panose="02020603050405020304" pitchFamily="18" charset="0"/>
                 <a:cs typeface="Times New Roman" panose="02020603050405020304" pitchFamily="18" charset="0"/>
               </a:rPr>
-              <a:t>In sorting, searching, string matching,… it yields reasonable algorithms of at least some practical value with no limitation on instance size.</a:t>
+              <a:t>In sorting, searching, string matching,… it yields </a:t>
+            </a:r>
+            <a:r>
+              <a:rPr lang="en-US" sz="1800" b="1" dirty="0">
+                <a:solidFill>
+                  <a:srgbClr val="FF0000"/>
+                </a:solidFill>
+                <a:latin typeface="Times New Roman" panose="02020603050405020304" pitchFamily="18" charset="0"/>
+                <a:cs typeface="Times New Roman" panose="02020603050405020304" pitchFamily="18" charset="0"/>
+              </a:rPr>
+              <a:t>reasonable algorithms </a:t>
+            </a:r>
+            <a:r>
+              <a:rPr lang="en-US" sz="1800" dirty="0">
+                <a:latin typeface="Times New Roman" panose="02020603050405020304" pitchFamily="18" charset="0"/>
+                <a:cs typeface="Times New Roman" panose="02020603050405020304" pitchFamily="18" charset="0"/>
+              </a:rPr>
+              <a:t>of at least some practical value with no limitation on instance size.</a:t>
             </a:r>
           </a:p>
           <a:p>
             <a:pPr marL="342900" indent="-342900">
+              <a:lnSpc>
+                <a:spcPct val="150000"/>
+              </a:lnSpc>
               <a:buFont typeface="Wingdings" panose="05000000000000000000" pitchFamily="2" charset="2"/>
               <a:buChar char="Ä"/>
             </a:pPr>
             <a:r>
-              <a:rPr lang="en-US" sz="2000" dirty="0">
+              <a:rPr lang="en-US" sz="1800" dirty="0">
                 <a:latin typeface="Times New Roman" panose="02020603050405020304" pitchFamily="18" charset="0"/>
                 <a:cs typeface="Times New Roman" panose="02020603050405020304" pitchFamily="18" charset="0"/>
               </a:rPr>
               <a:t>T</a:t>
             </a:r>
             <a:r>
-              <a:rPr lang="en-US" sz="2000" b="0" i="0" dirty="0">
+              <a:rPr lang="en-US" sz="1800" b="0" i="0" dirty="0">
                 <a:solidFill>
                   <a:srgbClr val="000000"/>
                 </a:solidFill>
@@ -16237,10 +17744,73 @@
                 <a:latin typeface="Times New Roman" panose="02020603050405020304" pitchFamily="18" charset="0"/>
                 <a:cs typeface="Times New Roman" panose="02020603050405020304" pitchFamily="18" charset="0"/>
               </a:rPr>
-              <a:t>he expense of designing a more efficient algorithm may be unjustifiable if only a few instances of a problem need to be </a:t>
+              <a:t>he expense of designing a more efficient algorithm may be unjustifiable if only a few instances of a problem need to be solved.</a:t>
+            </a:r>
+          </a:p>
+          <a:p>
+            <a:pPr marL="342900" indent="-342900">
+              <a:lnSpc>
+                <a:spcPct val="150000"/>
+              </a:lnSpc>
+              <a:buFont typeface="Wingdings" panose="05000000000000000000" pitchFamily="2" charset="2"/>
+              <a:buChar char="Ä"/>
+            </a:pPr>
+            <a:r>
+              <a:rPr lang="en-US" sz="1800" dirty="0">
+                <a:latin typeface="Times New Roman" panose="02020603050405020304" pitchFamily="18" charset="0"/>
+                <a:cs typeface="Times New Roman" panose="02020603050405020304" pitchFamily="18" charset="0"/>
+              </a:rPr>
+              <a:t>Serve </a:t>
             </a:r>
             <a:r>
-              <a:rPr lang="en-US" sz="2000" b="0" i="0">
+              <a:rPr lang="en-US" sz="1800" b="1" dirty="0">
+                <a:solidFill>
+                  <a:srgbClr val="FF0000"/>
+                </a:solidFill>
+                <a:latin typeface="Times New Roman" panose="02020603050405020304" pitchFamily="18" charset="0"/>
+                <a:cs typeface="Times New Roman" panose="02020603050405020304" pitchFamily="18" charset="0"/>
+              </a:rPr>
+              <a:t>an important theoretical or educational purpose </a:t>
+            </a:r>
+            <a:r>
+              <a:rPr lang="en-US" sz="1800" dirty="0">
+                <a:latin typeface="Times New Roman" panose="02020603050405020304" pitchFamily="18" charset="0"/>
+                <a:cs typeface="Times New Roman" panose="02020603050405020304" pitchFamily="18" charset="0"/>
+              </a:rPr>
+              <a:t>as a yardstick with which to judge more efficient alternatives for solving a problem.</a:t>
+            </a:r>
+          </a:p>
+          <a:p>
+            <a:pPr marL="342900" indent="-342900">
+              <a:lnSpc>
+                <a:spcPct val="150000"/>
+              </a:lnSpc>
+              <a:buFont typeface="Wingdings" panose="05000000000000000000" pitchFamily="2" charset="2"/>
+              <a:buChar char="Ä"/>
+            </a:pPr>
+            <a:r>
+              <a:rPr lang="en-US" sz="1800" b="1" dirty="0">
+                <a:solidFill>
+                  <a:srgbClr val="FF0000"/>
+                </a:solidFill>
+                <a:latin typeface="Times New Roman" panose="02020603050405020304" pitchFamily="18" charset="0"/>
+                <a:cs typeface="Times New Roman" panose="02020603050405020304" pitchFamily="18" charset="0"/>
+              </a:rPr>
+              <a:t>U</a:t>
+            </a:r>
+            <a:r>
+              <a:rPr lang="en-US" sz="1800" b="1" i="0" dirty="0">
+                <a:solidFill>
+                  <a:srgbClr val="FF0000"/>
+                </a:solidFill>
+                <a:effectLst/>
+                <a:latin typeface="Times New Roman" panose="02020603050405020304" pitchFamily="18" charset="0"/>
+                <a:cs typeface="Times New Roman" panose="02020603050405020304" pitchFamily="18" charset="0"/>
+              </a:rPr>
+              <a:t>seful for solving small-size instances of a problem</a:t>
+            </a:r>
+            <a:r>
+              <a:rPr lang="en-US" sz="1800" b="0" i="0" dirty="0">
                 <a:solidFill>
                   <a:srgbClr val="000000"/>
                 </a:solidFill>
@@ -16248,55 +17818,7 @@
                 <a:latin typeface="Times New Roman" panose="02020603050405020304" pitchFamily="18" charset="0"/>
                 <a:cs typeface="Times New Roman" panose="02020603050405020304" pitchFamily="18" charset="0"/>
               </a:rPr>
-              <a:t>solved.</a:t>
-            </a:r>
-          </a:p>
-          <a:p>
-            <a:pPr marL="342900" indent="-342900">
-              <a:buFont typeface="Wingdings" panose="05000000000000000000" pitchFamily="2" charset="2"/>
-              <a:buChar char="Ä"/>
-            </a:pPr>
-            <a:r>
-              <a:rPr lang="en-US" sz="2000">
-                <a:latin typeface="Times New Roman" panose="02020603050405020304" pitchFamily="18" charset="0"/>
-                <a:cs typeface="Times New Roman" panose="02020603050405020304" pitchFamily="18" charset="0"/>
-              </a:rPr>
-              <a:t>Serve an important theoretical or educational purpose as a yardstick with which to judge more efficient alternatives for solving a problem.</a:t>
-            </a:r>
-          </a:p>
-          <a:p>
-            <a:pPr marL="342900" indent="-342900">
-              <a:buFont typeface="Wingdings" panose="05000000000000000000" pitchFamily="2" charset="2"/>
-              <a:buChar char="Ä"/>
-            </a:pPr>
-            <a:r>
-              <a:rPr lang="en-US" sz="2000">
-                <a:latin typeface="Times New Roman" panose="02020603050405020304" pitchFamily="18" charset="0"/>
-                <a:cs typeface="Times New Roman" panose="02020603050405020304" pitchFamily="18" charset="0"/>
-              </a:rPr>
-              <a:t>U</a:t>
-            </a:r>
-            <a:r>
-              <a:rPr lang="en-US" sz="2000" b="0" i="0">
-                <a:solidFill>
-                  <a:srgbClr val="000000"/>
-                </a:solidFill>
-                <a:effectLst/>
-                <a:latin typeface="Times New Roman" panose="02020603050405020304" pitchFamily="18" charset="0"/>
-                <a:cs typeface="Times New Roman" panose="02020603050405020304" pitchFamily="18" charset="0"/>
-              </a:rPr>
-              <a:t>seful </a:t>
-            </a:r>
-            <a:r>
-              <a:rPr lang="en-US" sz="2000" b="0" i="0" dirty="0">
-                <a:solidFill>
-                  <a:srgbClr val="000000"/>
-                </a:solidFill>
-                <a:effectLst/>
-                <a:latin typeface="Times New Roman" panose="02020603050405020304" pitchFamily="18" charset="0"/>
-                <a:cs typeface="Times New Roman" panose="02020603050405020304" pitchFamily="18" charset="0"/>
-              </a:rPr>
-              <a:t>for solving small-size instances of a problem.</a:t>
+              <a:t>.</a:t>
             </a:r>
           </a:p>
           <a:p>
@@ -16314,6 +17836,40 @@
           </a:p>
         </p:txBody>
       </p:sp>
+      <p:cxnSp>
+        <p:nvCxnSpPr>
+          <p:cNvPr id="7" name="Google Shape;64;p14">
+            <a:extLst>
+              <a:ext uri="{FF2B5EF4-FFF2-40B4-BE49-F238E27FC236}">
+                <a16:creationId xmlns:a16="http://schemas.microsoft.com/office/drawing/2014/main" id="{17030D32-136D-4472-9EC0-7D307AFE0B47}"/>
+              </a:ext>
+            </a:extLst>
+          </p:cNvPr>
+          <p:cNvCxnSpPr>
+            <a:cxnSpLocks/>
+          </p:cNvCxnSpPr>
+          <p:nvPr/>
+        </p:nvCxnSpPr>
+        <p:spPr>
+          <a:xfrm>
+            <a:off x="0" y="762579"/>
+            <a:ext cx="9144000" cy="0"/>
+          </a:xfrm>
+          <a:prstGeom prst="straightConnector1">
+            <a:avLst/>
+          </a:prstGeom>
+          <a:noFill/>
+          <a:ln w="76200" cap="flat" cmpd="sng">
+            <a:solidFill>
+              <a:srgbClr val="000000"/>
+            </a:solidFill>
+            <a:prstDash val="solid"/>
+            <a:round/>
+            <a:headEnd type="none" w="med" len="med"/>
+            <a:tailEnd type="none" w="med" len="med"/>
+          </a:ln>
+        </p:spPr>
+      </p:cxnSp>
     </p:spTree>
     <p:extLst>
       <p:ext uri="{BB962C8B-B14F-4D97-AF65-F5344CB8AC3E}">
@@ -16969,7 +18525,7 @@
 </p:sld>
 </file>
 
-<file path=ppt/slides/slide21.xml><?xml version="1.0" encoding="utf-8"?>
+<file path=ppt/slides/slide22.xml><?xml version="1.0" encoding="utf-8"?>
 <p:sld xmlns:a="http://schemas.openxmlformats.org/drawingml/2006/main" xmlns:r="http://schemas.openxmlformats.org/officeDocument/2006/relationships" xmlns:p="http://schemas.openxmlformats.org/presentationml/2006/main">
   <p:cSld>
     <p:spTree>
@@ -16998,8 +18554,8 @@
         </p:nvSpPr>
         <p:spPr>
           <a:xfrm>
-            <a:off x="393625" y="220475"/>
-            <a:ext cx="8520600" cy="572700"/>
+            <a:off x="0" y="86683"/>
+            <a:ext cx="9144000" cy="572700"/>
           </a:xfrm>
           <a:prstGeom prst="rect">
             <a:avLst/>
@@ -17011,7 +18567,7 @@
           </a:bodyPr>
           <a:lstStyle/>
           <a:p>
-            <a:pPr marL="0" lvl="0" indent="0" algn="l" rtl="0">
+            <a:pPr marL="0" lvl="0" indent="0" algn="ctr" rtl="0">
               <a:spcBef>
                 <a:spcPts val="0"/>
               </a:spcBef>
@@ -17075,38 +18631,12 @@
             </a:pPr>
             <a:fld id="{00000000-1234-1234-1234-123412341234}" type="slidenum">
               <a:rPr lang="en"/>
-              <a:t>21</a:t>
+              <a:t>22</a:t>
             </a:fld>
             <a:endParaRPr/>
           </a:p>
         </p:txBody>
       </p:sp>
-      <p:cxnSp>
-        <p:nvCxnSpPr>
-          <p:cNvPr id="217" name="Google Shape;217;p29"/>
-          <p:cNvCxnSpPr/>
-          <p:nvPr/>
-        </p:nvCxnSpPr>
-        <p:spPr>
-          <a:xfrm>
-            <a:off x="396625" y="892350"/>
-            <a:ext cx="8514600" cy="0"/>
-          </a:xfrm>
-          <a:prstGeom prst="straightConnector1">
-            <a:avLst/>
-          </a:prstGeom>
-          <a:noFill/>
-          <a:ln w="76200" cap="flat" cmpd="sng">
-            <a:solidFill>
-              <a:srgbClr val="000000"/>
-            </a:solidFill>
-            <a:prstDash val="solid"/>
-            <a:round/>
-            <a:headEnd type="none" w="med" len="med"/>
-            <a:tailEnd type="none" w="med" len="med"/>
-          </a:ln>
-        </p:spPr>
-      </p:cxnSp>
       <mc:AlternateContent xmlns:mc="http://schemas.openxmlformats.org/markup-compatibility/2006">
         <mc:Choice xmlns:a14="http://schemas.microsoft.com/office/drawing/2010/main" Requires="a14">
           <p:sp>
@@ -17123,7 +18653,7 @@
             </p:nvSpPr>
             <p:spPr>
               <a:xfrm>
-                <a:off x="393625" y="1072846"/>
+                <a:off x="232209" y="865776"/>
                 <a:ext cx="8514599" cy="3293209"/>
               </a:xfrm>
               <a:prstGeom prst="rect">
@@ -17549,7 +19079,7 @@
             </p:nvSpPr>
             <p:spPr>
               <a:xfrm>
-                <a:off x="393625" y="1072846"/>
+                <a:off x="232209" y="865776"/>
                 <a:ext cx="8514599" cy="3293209"/>
               </a:xfrm>
               <a:prstGeom prst="rect">
@@ -17558,7 +19088,7 @@
               <a:blipFill>
                 <a:blip r:embed="rId3"/>
                 <a:stretch>
-                  <a:fillRect l="-430" t="-556" r="-501" b="-1481"/>
+                  <a:fillRect l="-358" t="-556" r="-501" b="-1481"/>
                 </a:stretch>
               </a:blipFill>
             </p:spPr>
@@ -17577,6 +19107,40 @@
           </p:sp>
         </mc:Fallback>
       </mc:AlternateContent>
+      <p:cxnSp>
+        <p:nvCxnSpPr>
+          <p:cNvPr id="6" name="Google Shape;64;p14">
+            <a:extLst>
+              <a:ext uri="{FF2B5EF4-FFF2-40B4-BE49-F238E27FC236}">
+                <a16:creationId xmlns:a16="http://schemas.microsoft.com/office/drawing/2014/main" id="{C473D633-3C41-47F3-B9D3-026054928BD1}"/>
+              </a:ext>
+            </a:extLst>
+          </p:cNvPr>
+          <p:cNvCxnSpPr>
+            <a:cxnSpLocks/>
+          </p:cNvCxnSpPr>
+          <p:nvPr/>
+        </p:nvCxnSpPr>
+        <p:spPr>
+          <a:xfrm>
+            <a:off x="0" y="762579"/>
+            <a:ext cx="9144000" cy="0"/>
+          </a:xfrm>
+          <a:prstGeom prst="straightConnector1">
+            <a:avLst/>
+          </a:prstGeom>
+          <a:noFill/>
+          <a:ln w="76200" cap="flat" cmpd="sng">
+            <a:solidFill>
+              <a:srgbClr val="000000"/>
+            </a:solidFill>
+            <a:prstDash val="solid"/>
+            <a:round/>
+            <a:headEnd type="none" w="med" len="med"/>
+            <a:tailEnd type="none" w="med" len="med"/>
+          </a:ln>
+        </p:spPr>
+      </p:cxnSp>
     </p:spTree>
     <p:extLst>
       <p:ext uri="{BB962C8B-B14F-4D97-AF65-F5344CB8AC3E}">
@@ -18299,7 +19863,7 @@
 </p:sld>
 </file>
 
-<file path=ppt/slides/slide22.xml><?xml version="1.0" encoding="utf-8"?>
+<file path=ppt/slides/slide23.xml><?xml version="1.0" encoding="utf-8"?>
 <p:sld xmlns:a="http://schemas.openxmlformats.org/drawingml/2006/main" xmlns:r="http://schemas.openxmlformats.org/officeDocument/2006/relationships" xmlns:p="http://schemas.openxmlformats.org/presentationml/2006/main">
   <p:cSld>
     <p:spTree>
@@ -18328,8 +19892,8 @@
         </p:nvSpPr>
         <p:spPr>
           <a:xfrm>
-            <a:off x="393625" y="220475"/>
-            <a:ext cx="8520600" cy="572700"/>
+            <a:off x="0" y="75406"/>
+            <a:ext cx="9144000" cy="572700"/>
           </a:xfrm>
           <a:prstGeom prst="rect">
             <a:avLst/>
@@ -18341,7 +19905,7 @@
           </a:bodyPr>
           <a:lstStyle/>
           <a:p>
-            <a:pPr marL="0" lvl="0" indent="0" rtl="0">
+            <a:pPr marL="0" lvl="0" indent="0" algn="ctr" rtl="0">
               <a:spcBef>
                 <a:spcPts val="0"/>
               </a:spcBef>
@@ -18405,22 +19969,168 @@
             </a:pPr>
             <a:fld id="{00000000-1234-1234-1234-123412341234}" type="slidenum">
               <a:rPr lang="en"/>
-              <a:t>22</a:t>
+              <a:t>23</a:t>
             </a:fld>
             <a:endParaRPr/>
           </a:p>
         </p:txBody>
       </p:sp>
+      <p:sp>
+        <p:nvSpPr>
+          <p:cNvPr id="6" name="TextBox 5">
+            <a:extLst>
+              <a:ext uri="{FF2B5EF4-FFF2-40B4-BE49-F238E27FC236}">
+                <a16:creationId xmlns:a16="http://schemas.microsoft.com/office/drawing/2014/main" id="{A11E850F-A485-4243-8FC5-6975A9B02728}"/>
+              </a:ext>
+            </a:extLst>
+          </p:cNvPr>
+          <p:cNvSpPr txBox="1"/>
+          <p:nvPr/>
+        </p:nvSpPr>
+        <p:spPr>
+          <a:xfrm>
+            <a:off x="145279" y="873889"/>
+            <a:ext cx="8875879" cy="1246495"/>
+          </a:xfrm>
+          <a:prstGeom prst="rect">
+            <a:avLst/>
+          </a:prstGeom>
+          <a:noFill/>
+        </p:spPr>
+        <p:txBody>
+          <a:bodyPr wrap="square">
+            <a:spAutoFit/>
+          </a:bodyPr>
+          <a:lstStyle/>
+          <a:p>
+            <a:r>
+              <a:rPr lang="en-US" sz="1500" b="0" i="0" dirty="0">
+                <a:solidFill>
+                  <a:srgbClr val="000000"/>
+                </a:solidFill>
+                <a:effectLst/>
+                <a:latin typeface="Times New Roman" panose="02020603050405020304" pitchFamily="18" charset="0"/>
+                <a:cs typeface="Times New Roman" panose="02020603050405020304" pitchFamily="18" charset="0"/>
+              </a:rPr>
+              <a:t>[</a:t>
+            </a:r>
+            <a:r>
+              <a:rPr lang="en-US" sz="1500" dirty="0">
+                <a:latin typeface="Times New Roman" panose="02020603050405020304" pitchFamily="18" charset="0"/>
+                <a:cs typeface="Times New Roman" panose="02020603050405020304" pitchFamily="18" charset="0"/>
+              </a:rPr>
+              <a:t>1</a:t>
+            </a:r>
+            <a:r>
+              <a:rPr lang="en-US" sz="1500" i="0" dirty="0">
+                <a:solidFill>
+                  <a:srgbClr val="000000"/>
+                </a:solidFill>
+                <a:effectLst/>
+                <a:latin typeface="Times New Roman" panose="02020603050405020304" pitchFamily="18" charset="0"/>
+                <a:cs typeface="Times New Roman" panose="02020603050405020304" pitchFamily="18" charset="0"/>
+              </a:rPr>
+              <a:t>]</a:t>
+            </a:r>
+            <a:r>
+              <a:rPr lang="en-US" sz="1500" b="0" i="0" dirty="0">
+                <a:solidFill>
+                  <a:srgbClr val="000000"/>
+                </a:solidFill>
+                <a:effectLst/>
+                <a:latin typeface="Times New Roman" panose="02020603050405020304" pitchFamily="18" charset="0"/>
+                <a:cs typeface="Times New Roman" panose="02020603050405020304" pitchFamily="18" charset="0"/>
+              </a:rPr>
+              <a:t> R. Lee, S. Tseng, R. Chang and Y. Tsai, </a:t>
+            </a:r>
+            <a:r>
+              <a:rPr lang="en-US" sz="1500" b="0" i="1" dirty="0">
+                <a:solidFill>
+                  <a:srgbClr val="000000"/>
+                </a:solidFill>
+                <a:effectLst/>
+                <a:latin typeface="Times New Roman" panose="02020603050405020304" pitchFamily="18" charset="0"/>
+                <a:cs typeface="Times New Roman" panose="02020603050405020304" pitchFamily="18" charset="0"/>
+              </a:rPr>
+              <a:t>Introduction to the design and analysis of algorithms</a:t>
+            </a:r>
+            <a:r>
+              <a:rPr lang="en-US" sz="1500" b="0" i="0" dirty="0">
+                <a:solidFill>
+                  <a:srgbClr val="000000"/>
+                </a:solidFill>
+                <a:effectLst/>
+                <a:latin typeface="Times New Roman" panose="02020603050405020304" pitchFamily="18" charset="0"/>
+                <a:cs typeface="Times New Roman" panose="02020603050405020304" pitchFamily="18" charset="0"/>
+              </a:rPr>
+              <a:t>. London: McGraw Hill Higher Education, 2005.</a:t>
+            </a:r>
+          </a:p>
+          <a:p>
+            <a:endParaRPr lang="en-US" sz="1500" b="0" i="0" dirty="0">
+              <a:solidFill>
+                <a:srgbClr val="000000"/>
+              </a:solidFill>
+              <a:effectLst/>
+              <a:latin typeface="Times New Roman" panose="02020603050405020304" pitchFamily="18" charset="0"/>
+              <a:cs typeface="Times New Roman" panose="02020603050405020304" pitchFamily="18" charset="0"/>
+            </a:endParaRPr>
+          </a:p>
+          <a:p>
+            <a:r>
+              <a:rPr lang="en-US" sz="1500" b="0" i="0" dirty="0">
+                <a:solidFill>
+                  <a:srgbClr val="000000"/>
+                </a:solidFill>
+                <a:effectLst/>
+                <a:latin typeface="Times New Roman" panose="02020603050405020304" pitchFamily="18" charset="0"/>
+                <a:cs typeface="Times New Roman" panose="02020603050405020304" pitchFamily="18" charset="0"/>
+              </a:rPr>
+              <a:t>[2] "Brute-force search - Wikipedia", </a:t>
+            </a:r>
+            <a:r>
+              <a:rPr lang="en-US" sz="1500" b="0" i="1" dirty="0">
+                <a:solidFill>
+                  <a:srgbClr val="000000"/>
+                </a:solidFill>
+                <a:effectLst/>
+                <a:latin typeface="Times New Roman" panose="02020603050405020304" pitchFamily="18" charset="0"/>
+                <a:cs typeface="Times New Roman" panose="02020603050405020304" pitchFamily="18" charset="0"/>
+              </a:rPr>
+              <a:t>En.wikipedia.org</a:t>
+            </a:r>
+            <a:r>
+              <a:rPr lang="en-US" sz="1500" b="0" i="0" dirty="0">
+                <a:solidFill>
+                  <a:srgbClr val="000000"/>
+                </a:solidFill>
+                <a:effectLst/>
+                <a:latin typeface="Times New Roman" panose="02020603050405020304" pitchFamily="18" charset="0"/>
+                <a:cs typeface="Times New Roman" panose="02020603050405020304" pitchFamily="18" charset="0"/>
+              </a:rPr>
+              <a:t>, 2021. [Online]. Available: https://en.wikipedia.org/wiki/Brute-force_search. [Accessed: 20- Apr- 2021].</a:t>
+            </a:r>
+          </a:p>
+        </p:txBody>
+      </p:sp>
       <p:cxnSp>
         <p:nvCxnSpPr>
-          <p:cNvPr id="217" name="Google Shape;217;p29"/>
-          <p:cNvCxnSpPr/>
+          <p:cNvPr id="7" name="Google Shape;64;p14">
+            <a:extLst>
+              <a:ext uri="{FF2B5EF4-FFF2-40B4-BE49-F238E27FC236}">
+                <a16:creationId xmlns:a16="http://schemas.microsoft.com/office/drawing/2014/main" id="{1A900215-0F0C-4C9A-AA52-BE32B4AAD9EE}"/>
+              </a:ext>
+            </a:extLst>
+          </p:cNvPr>
+          <p:cNvCxnSpPr>
+            <a:cxnSpLocks/>
+          </p:cNvCxnSpPr>
           <p:nvPr/>
         </p:nvCxnSpPr>
         <p:spPr>
           <a:xfrm>
-            <a:off x="396625" y="892350"/>
-            <a:ext cx="8514600" cy="0"/>
+            <a:off x="0" y="762579"/>
+            <a:ext cx="9144000" cy="0"/>
           </a:xfrm>
           <a:prstGeom prst="straightConnector1">
             <a:avLst/>
@@ -18437,134 +20147,6 @@
           </a:ln>
         </p:spPr>
       </p:cxnSp>
-      <p:sp>
-        <p:nvSpPr>
-          <p:cNvPr id="6" name="TextBox 5">
-            <a:extLst>
-              <a:ext uri="{FF2B5EF4-FFF2-40B4-BE49-F238E27FC236}">
-                <a16:creationId xmlns:a16="http://schemas.microsoft.com/office/drawing/2014/main" id="{A11E850F-A485-4243-8FC5-6975A9B02728}"/>
-              </a:ext>
-            </a:extLst>
-          </p:cNvPr>
-          <p:cNvSpPr txBox="1"/>
-          <p:nvPr/>
-        </p:nvSpPr>
-        <p:spPr>
-          <a:xfrm>
-            <a:off x="390627" y="991526"/>
-            <a:ext cx="8514600" cy="1169551"/>
-          </a:xfrm>
-          <a:prstGeom prst="rect">
-            <a:avLst/>
-          </a:prstGeom>
-          <a:noFill/>
-        </p:spPr>
-        <p:txBody>
-          <a:bodyPr wrap="square">
-            <a:spAutoFit/>
-          </a:bodyPr>
-          <a:lstStyle/>
-          <a:p>
-            <a:r>
-              <a:rPr lang="en-US" b="0" i="0" dirty="0">
-                <a:solidFill>
-                  <a:srgbClr val="000000"/>
-                </a:solidFill>
-                <a:effectLst/>
-                <a:latin typeface="Open Sans"/>
-              </a:rPr>
-              <a:t>[</a:t>
-            </a:r>
-            <a:r>
-              <a:rPr lang="en-US" dirty="0">
-                <a:latin typeface="Open Sans"/>
-              </a:rPr>
-              <a:t>1</a:t>
-            </a:r>
-            <a:r>
-              <a:rPr lang="en-US" i="0" dirty="0">
-                <a:solidFill>
-                  <a:srgbClr val="000000"/>
-                </a:solidFill>
-                <a:effectLst/>
-                <a:latin typeface="Open Sans"/>
-              </a:rPr>
-              <a:t>]</a:t>
-            </a:r>
-            <a:r>
-              <a:rPr lang="en-US" b="0" i="0" dirty="0">
-                <a:solidFill>
-                  <a:srgbClr val="000000"/>
-                </a:solidFill>
-                <a:effectLst/>
-                <a:latin typeface="Open Sans"/>
-              </a:rPr>
-              <a:t> R. Lee, S. Tseng, R. Chang and Y. Tsai, </a:t>
-            </a:r>
-            <a:r>
-              <a:rPr lang="en-US" b="0" i="1" dirty="0">
-                <a:solidFill>
-                  <a:srgbClr val="000000"/>
-                </a:solidFill>
-                <a:effectLst/>
-                <a:latin typeface="Open Sans"/>
-              </a:rPr>
-              <a:t>Introduction to the design and analysis of algorithms</a:t>
-            </a:r>
-            <a:r>
-              <a:rPr lang="en-US" b="0" i="0" dirty="0">
-                <a:solidFill>
-                  <a:srgbClr val="000000"/>
-                </a:solidFill>
-                <a:effectLst/>
-                <a:latin typeface="Open Sans"/>
-              </a:rPr>
-              <a:t>. London: McGraw Hill Higher Education, 2005.</a:t>
-            </a:r>
-          </a:p>
-          <a:p>
-            <a:endParaRPr lang="en-US" b="0" i="0" dirty="0">
-              <a:solidFill>
-                <a:srgbClr val="000000"/>
-              </a:solidFill>
-              <a:effectLst/>
-              <a:latin typeface="Open Sans"/>
-            </a:endParaRPr>
-          </a:p>
-          <a:p>
-            <a:r>
-              <a:rPr lang="en-US" b="0" i="0" dirty="0">
-                <a:solidFill>
-                  <a:srgbClr val="000000"/>
-                </a:solidFill>
-                <a:effectLst/>
-                <a:latin typeface="Open Sans"/>
-              </a:rPr>
-              <a:t>[2] "Brute-force search - Wikipedia", </a:t>
-            </a:r>
-            <a:r>
-              <a:rPr lang="en-US" b="0" i="1" dirty="0">
-                <a:solidFill>
-                  <a:srgbClr val="000000"/>
-                </a:solidFill>
-                <a:effectLst/>
-                <a:latin typeface="Open Sans"/>
-              </a:rPr>
-              <a:t>En.wikipedia.org</a:t>
-            </a:r>
-            <a:r>
-              <a:rPr lang="en-US" b="0" i="0" dirty="0">
-                <a:solidFill>
-                  <a:srgbClr val="000000"/>
-                </a:solidFill>
-                <a:effectLst/>
-                <a:latin typeface="Open Sans"/>
-              </a:rPr>
-              <a:t>, 2021. [Online]. Available: https://en.wikipedia.org/wiki/Brute-force_search. [Accessed: 20- Apr- 2021].</a:t>
-            </a:r>
-          </a:p>
-        </p:txBody>
-      </p:sp>
     </p:spTree>
     <p:extLst>
       <p:ext uri="{BB962C8B-B14F-4D97-AF65-F5344CB8AC3E}">
@@ -18590,7 +20172,7 @@
 </p:sld>
 </file>
 
-<file path=ppt/slides/slide23.xml><?xml version="1.0" encoding="utf-8"?>
+<file path=ppt/slides/slide24.xml><?xml version="1.0" encoding="utf-8"?>
 <p:sld xmlns:a="http://schemas.openxmlformats.org/drawingml/2006/main" xmlns:r="http://schemas.openxmlformats.org/officeDocument/2006/relationships" xmlns:p="http://schemas.openxmlformats.org/presentationml/2006/main">
   <p:cSld>
     <p:spTree>
@@ -18619,8 +20201,8 @@
         </p:nvSpPr>
         <p:spPr>
           <a:xfrm>
-            <a:off x="226208" y="193050"/>
-            <a:ext cx="8520600" cy="572700"/>
+            <a:off x="0" y="70392"/>
+            <a:ext cx="9144000" cy="572700"/>
           </a:xfrm>
           <a:prstGeom prst="rect">
             <a:avLst/>
@@ -18696,38 +20278,12 @@
             </a:pPr>
             <a:fld id="{00000000-1234-1234-1234-123412341234}" type="slidenum">
               <a:rPr lang="en"/>
-              <a:t>23</a:t>
+              <a:t>24</a:t>
             </a:fld>
             <a:endParaRPr/>
           </a:p>
         </p:txBody>
       </p:sp>
-      <p:cxnSp>
-        <p:nvCxnSpPr>
-          <p:cNvPr id="217" name="Google Shape;217;p29"/>
-          <p:cNvCxnSpPr/>
-          <p:nvPr/>
-        </p:nvCxnSpPr>
-        <p:spPr>
-          <a:xfrm>
-            <a:off x="396625" y="892350"/>
-            <a:ext cx="8514600" cy="0"/>
-          </a:xfrm>
-          <a:prstGeom prst="straightConnector1">
-            <a:avLst/>
-          </a:prstGeom>
-          <a:noFill/>
-          <a:ln w="76200" cap="flat" cmpd="sng">
-            <a:solidFill>
-              <a:srgbClr val="000000"/>
-            </a:solidFill>
-            <a:prstDash val="solid"/>
-            <a:round/>
-            <a:headEnd type="none" w="med" len="med"/>
-            <a:tailEnd type="none" w="med" len="med"/>
-          </a:ln>
-        </p:spPr>
-      </p:cxnSp>
       <p:pic>
         <p:nvPicPr>
           <p:cNvPr id="1028" name="Picture 4" descr="25,998 Thank You Photos - Free &amp; Royalty-Free Stock Photos from Dreamstime">
@@ -18775,6 +20331,40 @@
           </a:extLst>
         </p:spPr>
       </p:pic>
+      <p:cxnSp>
+        <p:nvCxnSpPr>
+          <p:cNvPr id="6" name="Google Shape;64;p14">
+            <a:extLst>
+              <a:ext uri="{FF2B5EF4-FFF2-40B4-BE49-F238E27FC236}">
+                <a16:creationId xmlns:a16="http://schemas.microsoft.com/office/drawing/2014/main" id="{6F17AC6D-06AF-4DAB-8659-125FBECB304B}"/>
+              </a:ext>
+            </a:extLst>
+          </p:cNvPr>
+          <p:cNvCxnSpPr>
+            <a:cxnSpLocks/>
+          </p:cNvCxnSpPr>
+          <p:nvPr/>
+        </p:nvCxnSpPr>
+        <p:spPr>
+          <a:xfrm>
+            <a:off x="0" y="762579"/>
+            <a:ext cx="9144000" cy="0"/>
+          </a:xfrm>
+          <a:prstGeom prst="straightConnector1">
+            <a:avLst/>
+          </a:prstGeom>
+          <a:noFill/>
+          <a:ln w="76200" cap="flat" cmpd="sng">
+            <a:solidFill>
+              <a:srgbClr val="000000"/>
+            </a:solidFill>
+            <a:prstDash val="solid"/>
+            <a:round/>
+            <a:headEnd type="none" w="med" len="med"/>
+            <a:tailEnd type="none" w="med" len="med"/>
+          </a:ln>
+        </p:spPr>
+      </p:cxnSp>
     </p:spTree>
     <p:extLst>
       <p:ext uri="{BB962C8B-B14F-4D97-AF65-F5344CB8AC3E}">
@@ -18805,6 +20395,925 @@
   <p:cSld>
     <p:spTree>
       <p:nvGrpSpPr>
+        <p:cNvPr id="1" name="Shape 60"/>
+        <p:cNvGrpSpPr/>
+        <p:nvPr/>
+      </p:nvGrpSpPr>
+      <p:grpSpPr>
+        <a:xfrm>
+          <a:off x="0" y="0"/>
+          <a:ext cx="0" cy="0"/>
+          <a:chOff x="0" y="0"/>
+          <a:chExt cx="0" cy="0"/>
+        </a:xfrm>
+      </p:grpSpPr>
+      <p:sp>
+        <p:nvSpPr>
+          <p:cNvPr id="61" name="Google Shape;61;p14"/>
+          <p:cNvSpPr txBox="1">
+            <a:spLocks noGrp="1"/>
+          </p:cNvSpPr>
+          <p:nvPr>
+            <p:ph type="title"/>
+          </p:nvPr>
+        </p:nvSpPr>
+        <p:spPr>
+          <a:xfrm>
+            <a:off x="0" y="71844"/>
+            <a:ext cx="9144000" cy="572700"/>
+          </a:xfrm>
+          <a:prstGeom prst="rect">
+            <a:avLst/>
+          </a:prstGeom>
+        </p:spPr>
+        <p:txBody>
+          <a:bodyPr spcFirstLastPara="1" wrap="square" lIns="91425" tIns="91425" rIns="91425" bIns="91425" anchor="t" anchorCtr="0">
+            <a:noAutofit/>
+          </a:bodyPr>
+          <a:lstStyle/>
+          <a:p>
+            <a:pPr marL="0" lvl="0" indent="0" algn="ctr" rtl="0">
+              <a:spcBef>
+                <a:spcPts val="0"/>
+              </a:spcBef>
+              <a:spcAft>
+                <a:spcPts val="0"/>
+              </a:spcAft>
+              <a:buSzPts val="990"/>
+              <a:buNone/>
+            </a:pPr>
+            <a:r>
+              <a:rPr lang="en" sz="3020" b="1" dirty="0">
+                <a:solidFill>
+                  <a:srgbClr val="000000"/>
+                </a:solidFill>
+                <a:latin typeface="Times New Roman"/>
+                <a:ea typeface="Times New Roman"/>
+                <a:cs typeface="Times New Roman"/>
+                <a:sym typeface="Times New Roman"/>
+              </a:rPr>
+              <a:t>Task completion</a:t>
+            </a:r>
+            <a:endParaRPr sz="3020" b="1" dirty="0">
+              <a:solidFill>
+                <a:srgbClr val="000000"/>
+              </a:solidFill>
+              <a:latin typeface="Times New Roman"/>
+              <a:ea typeface="Times New Roman"/>
+              <a:cs typeface="Times New Roman"/>
+              <a:sym typeface="Times New Roman"/>
+            </a:endParaRPr>
+          </a:p>
+        </p:txBody>
+      </p:sp>
+      <p:sp>
+        <p:nvSpPr>
+          <p:cNvPr id="63" name="Google Shape;63;p14"/>
+          <p:cNvSpPr txBox="1">
+            <a:spLocks noGrp="1"/>
+          </p:cNvSpPr>
+          <p:nvPr>
+            <p:ph type="sldNum" idx="12"/>
+          </p:nvPr>
+        </p:nvSpPr>
+        <p:spPr>
+          <a:xfrm>
+            <a:off x="8472458" y="4663217"/>
+            <a:ext cx="548700" cy="393600"/>
+          </a:xfrm>
+          <a:prstGeom prst="rect">
+            <a:avLst/>
+          </a:prstGeom>
+        </p:spPr>
+        <p:txBody>
+          <a:bodyPr spcFirstLastPara="1" wrap="square" lIns="91425" tIns="91425" rIns="91425" bIns="91425" anchor="ctr" anchorCtr="0">
+            <a:normAutofit/>
+          </a:bodyPr>
+          <a:lstStyle/>
+          <a:p>
+            <a:pPr marL="0" lvl="0" indent="0" algn="r" rtl="0">
+              <a:spcBef>
+                <a:spcPts val="0"/>
+              </a:spcBef>
+              <a:spcAft>
+                <a:spcPts val="0"/>
+              </a:spcAft>
+              <a:buNone/>
+            </a:pPr>
+            <a:fld id="{00000000-1234-1234-1234-123412341234}" type="slidenum">
+              <a:rPr lang="en"/>
+              <a:t>3</a:t>
+            </a:fld>
+            <a:endParaRPr/>
+          </a:p>
+        </p:txBody>
+      </p:sp>
+      <p:cxnSp>
+        <p:nvCxnSpPr>
+          <p:cNvPr id="64" name="Google Shape;64;p14"/>
+          <p:cNvCxnSpPr>
+            <a:cxnSpLocks/>
+          </p:cNvCxnSpPr>
+          <p:nvPr/>
+        </p:nvCxnSpPr>
+        <p:spPr>
+          <a:xfrm>
+            <a:off x="0" y="762579"/>
+            <a:ext cx="9144000" cy="0"/>
+          </a:xfrm>
+          <a:prstGeom prst="straightConnector1">
+            <a:avLst/>
+          </a:prstGeom>
+          <a:noFill/>
+          <a:ln w="76200" cap="flat" cmpd="sng">
+            <a:solidFill>
+              <a:srgbClr val="000000"/>
+            </a:solidFill>
+            <a:prstDash val="solid"/>
+            <a:round/>
+            <a:headEnd type="none" w="med" len="med"/>
+            <a:tailEnd type="none" w="med" len="med"/>
+          </a:ln>
+        </p:spPr>
+      </p:cxnSp>
+      <p:graphicFrame>
+        <p:nvGraphicFramePr>
+          <p:cNvPr id="4" name="Table 4">
+            <a:extLst>
+              <a:ext uri="{FF2B5EF4-FFF2-40B4-BE49-F238E27FC236}">
+                <a16:creationId xmlns:a16="http://schemas.microsoft.com/office/drawing/2014/main" id="{AF10E8D3-59ED-47EA-A0C8-54A2B2D1CA20}"/>
+              </a:ext>
+            </a:extLst>
+          </p:cNvPr>
+          <p:cNvGraphicFramePr>
+            <a:graphicFrameLocks noGrp="1"/>
+          </p:cNvGraphicFramePr>
+          <p:nvPr>
+            <p:extLst>
+              <p:ext uri="{D42A27DB-BD31-4B8C-83A1-F6EECF244321}">
+                <p14:modId xmlns:p14="http://schemas.microsoft.com/office/powerpoint/2010/main" val="2206684448"/>
+              </p:ext>
+            </p:extLst>
+          </p:nvPr>
+        </p:nvGraphicFramePr>
+        <p:xfrm>
+          <a:off x="0" y="1786071"/>
+          <a:ext cx="9144000" cy="1846307"/>
+        </p:xfrm>
+        <a:graphic>
+          <a:graphicData uri="http://schemas.openxmlformats.org/drawingml/2006/table">
+            <a:tbl>
+              <a:tblPr firstRow="1" bandRow="1">
+                <a:tableStyleId>{2D2E3335-6FD7-4084-9337-1B8A8C7011F9}</a:tableStyleId>
+              </a:tblPr>
+              <a:tblGrid>
+                <a:gridCol w="871671">
+                  <a:extLst>
+                    <a:ext uri="{9D8B030D-6E8A-4147-A177-3AD203B41FA5}">
+                      <a16:colId xmlns:a16="http://schemas.microsoft.com/office/drawing/2014/main" val="108076510"/>
+                    </a:ext>
+                  </a:extLst>
+                </a:gridCol>
+                <a:gridCol w="2273180">
+                  <a:extLst>
+                    <a:ext uri="{9D8B030D-6E8A-4147-A177-3AD203B41FA5}">
+                      <a16:colId xmlns:a16="http://schemas.microsoft.com/office/drawing/2014/main" val="327741481"/>
+                    </a:ext>
+                  </a:extLst>
+                </a:gridCol>
+                <a:gridCol w="4401084">
+                  <a:extLst>
+                    <a:ext uri="{9D8B030D-6E8A-4147-A177-3AD203B41FA5}">
+                      <a16:colId xmlns:a16="http://schemas.microsoft.com/office/drawing/2014/main" val="3217677401"/>
+                    </a:ext>
+                  </a:extLst>
+                </a:gridCol>
+                <a:gridCol w="1598065">
+                  <a:extLst>
+                    <a:ext uri="{9D8B030D-6E8A-4147-A177-3AD203B41FA5}">
+                      <a16:colId xmlns:a16="http://schemas.microsoft.com/office/drawing/2014/main" val="4067510190"/>
+                    </a:ext>
+                  </a:extLst>
+                </a:gridCol>
+              </a:tblGrid>
+              <a:tr h="378187">
+                <a:tc>
+                  <a:txBody>
+                    <a:bodyPr/>
+                    <a:lstStyle/>
+                    <a:p>
+                      <a:pPr algn="ctr"/>
+                      <a:r>
+                        <a:rPr lang="en-US" sz="1500" b="1" dirty="0">
+                          <a:latin typeface="Times New Roman" panose="02020603050405020304" pitchFamily="18" charset="0"/>
+                          <a:cs typeface="Times New Roman" panose="02020603050405020304" pitchFamily="18" charset="0"/>
+                        </a:rPr>
+                        <a:t>Number</a:t>
+                      </a:r>
+                    </a:p>
+                  </a:txBody>
+                  <a:tcPr anchor="ctr"/>
+                </a:tc>
+                <a:tc>
+                  <a:txBody>
+                    <a:bodyPr/>
+                    <a:lstStyle/>
+                    <a:p>
+                      <a:pPr algn="ctr"/>
+                      <a:r>
+                        <a:rPr lang="en-US" sz="1500" b="1" dirty="0">
+                          <a:latin typeface="Times New Roman" panose="02020603050405020304" pitchFamily="18" charset="0"/>
+                          <a:cs typeface="Times New Roman" panose="02020603050405020304" pitchFamily="18" charset="0"/>
+                        </a:rPr>
+                        <a:t>Member</a:t>
+                      </a:r>
+                    </a:p>
+                  </a:txBody>
+                  <a:tcPr anchor="ctr"/>
+                </a:tc>
+                <a:tc>
+                  <a:txBody>
+                    <a:bodyPr/>
+                    <a:lstStyle/>
+                    <a:p>
+                      <a:pPr algn="ctr"/>
+                      <a:r>
+                        <a:rPr lang="en-US" sz="1500" b="1" dirty="0">
+                          <a:latin typeface="Times New Roman" panose="02020603050405020304" pitchFamily="18" charset="0"/>
+                          <a:cs typeface="Times New Roman" panose="02020603050405020304" pitchFamily="18" charset="0"/>
+                        </a:rPr>
+                        <a:t>Tasks</a:t>
+                      </a:r>
+                    </a:p>
+                  </a:txBody>
+                  <a:tcPr anchor="ctr"/>
+                </a:tc>
+                <a:tc>
+                  <a:txBody>
+                    <a:bodyPr/>
+                    <a:lstStyle/>
+                    <a:p>
+                      <a:pPr algn="ctr"/>
+                      <a:r>
+                        <a:rPr lang="en-US" sz="1500" b="1" dirty="0">
+                          <a:latin typeface="Times New Roman" panose="02020603050405020304" pitchFamily="18" charset="0"/>
+                          <a:cs typeface="Times New Roman" panose="02020603050405020304" pitchFamily="18" charset="0"/>
+                        </a:rPr>
+                        <a:t>Completion</a:t>
+                      </a:r>
+                    </a:p>
+                  </a:txBody>
+                  <a:tcPr anchor="ctr"/>
+                </a:tc>
+                <a:extLst>
+                  <a:ext uri="{0D108BD9-81ED-4DB2-BD59-A6C34878D82A}">
+                    <a16:rowId xmlns:a16="http://schemas.microsoft.com/office/drawing/2014/main" val="2114212467"/>
+                  </a:ext>
+                </a:extLst>
+              </a:tr>
+              <a:tr h="370840">
+                <a:tc>
+                  <a:txBody>
+                    <a:bodyPr/>
+                    <a:lstStyle/>
+                    <a:p>
+                      <a:pPr algn="ctr"/>
+                      <a:r>
+                        <a:rPr lang="en-US" sz="1500" dirty="0">
+                          <a:latin typeface="Times New Roman" panose="02020603050405020304" pitchFamily="18" charset="0"/>
+                          <a:cs typeface="Times New Roman" panose="02020603050405020304" pitchFamily="18" charset="0"/>
+                        </a:rPr>
+                        <a:t>1</a:t>
+                      </a:r>
+                    </a:p>
+                  </a:txBody>
+                  <a:tcPr anchor="ctr"/>
+                </a:tc>
+                <a:tc>
+                  <a:txBody>
+                    <a:bodyPr/>
+                    <a:lstStyle/>
+                    <a:p>
+                      <a:pPr algn="ctr"/>
+                      <a:r>
+                        <a:rPr lang="en-US" sz="1500" dirty="0" err="1">
+                          <a:latin typeface="Times New Roman" panose="02020603050405020304" pitchFamily="18" charset="0"/>
+                          <a:cs typeface="Times New Roman" panose="02020603050405020304" pitchFamily="18" charset="0"/>
+                        </a:rPr>
+                        <a:t>Nguyễn</a:t>
+                      </a:r>
+                      <a:r>
+                        <a:rPr lang="en-US" sz="1500" dirty="0">
+                          <a:latin typeface="Times New Roman" panose="02020603050405020304" pitchFamily="18" charset="0"/>
+                          <a:cs typeface="Times New Roman" panose="02020603050405020304" pitchFamily="18" charset="0"/>
+                        </a:rPr>
+                        <a:t> Lê Anh </a:t>
+                      </a:r>
+                      <a:r>
+                        <a:rPr lang="en-US" sz="1500" dirty="0" err="1">
+                          <a:latin typeface="Times New Roman" panose="02020603050405020304" pitchFamily="18" charset="0"/>
+                          <a:cs typeface="Times New Roman" panose="02020603050405020304" pitchFamily="18" charset="0"/>
+                        </a:rPr>
+                        <a:t>Quân</a:t>
+                      </a:r>
+                      <a:endParaRPr lang="en-US" sz="1500" dirty="0">
+                        <a:latin typeface="Times New Roman" panose="02020603050405020304" pitchFamily="18" charset="0"/>
+                        <a:cs typeface="Times New Roman" panose="02020603050405020304" pitchFamily="18" charset="0"/>
+                      </a:endParaRPr>
+                    </a:p>
+                  </a:txBody>
+                  <a:tcPr anchor="ctr"/>
+                </a:tc>
+                <a:tc>
+                  <a:txBody>
+                    <a:bodyPr/>
+                    <a:lstStyle/>
+                    <a:p>
+                      <a:pPr algn="ctr"/>
+                      <a:r>
+                        <a:rPr lang="en-US" sz="1500" dirty="0" err="1">
+                          <a:latin typeface="Times New Roman" panose="02020603050405020304" pitchFamily="18" charset="0"/>
+                          <a:cs typeface="Times New Roman" panose="02020603050405020304" pitchFamily="18" charset="0"/>
+                        </a:rPr>
+                        <a:t>Điều</a:t>
+                      </a:r>
+                      <a:r>
+                        <a:rPr lang="en-US" sz="1500" dirty="0">
+                          <a:latin typeface="Times New Roman" panose="02020603050405020304" pitchFamily="18" charset="0"/>
+                          <a:cs typeface="Times New Roman" panose="02020603050405020304" pitchFamily="18" charset="0"/>
+                        </a:rPr>
+                        <a:t> </a:t>
+                      </a:r>
+                      <a:r>
+                        <a:rPr lang="en-US" sz="1500" dirty="0" err="1">
+                          <a:latin typeface="Times New Roman" panose="02020603050405020304" pitchFamily="18" charset="0"/>
+                          <a:cs typeface="Times New Roman" panose="02020603050405020304" pitchFamily="18" charset="0"/>
+                        </a:rPr>
+                        <a:t>hành</a:t>
+                      </a:r>
+                      <a:r>
+                        <a:rPr lang="en-US" sz="1500" dirty="0">
+                          <a:latin typeface="Times New Roman" panose="02020603050405020304" pitchFamily="18" charset="0"/>
+                          <a:cs typeface="Times New Roman" panose="02020603050405020304" pitchFamily="18" charset="0"/>
+                        </a:rPr>
+                        <a:t> </a:t>
+                      </a:r>
+                      <a:r>
+                        <a:rPr lang="en-US" sz="1500" dirty="0" err="1">
+                          <a:latin typeface="Times New Roman" panose="02020603050405020304" pitchFamily="18" charset="0"/>
+                          <a:cs typeface="Times New Roman" panose="02020603050405020304" pitchFamily="18" charset="0"/>
+                        </a:rPr>
+                        <a:t>nhóm</a:t>
+                      </a:r>
+                      <a:r>
+                        <a:rPr lang="en-US" sz="1500" dirty="0">
+                          <a:latin typeface="Times New Roman" panose="02020603050405020304" pitchFamily="18" charset="0"/>
+                          <a:cs typeface="Times New Roman" panose="02020603050405020304" pitchFamily="18" charset="0"/>
+                        </a:rPr>
+                        <a:t> + </a:t>
+                      </a:r>
+                      <a:r>
+                        <a:rPr lang="en-US" sz="1500" dirty="0" err="1">
+                          <a:latin typeface="Times New Roman" panose="02020603050405020304" pitchFamily="18" charset="0"/>
+                          <a:cs typeface="Times New Roman" panose="02020603050405020304" pitchFamily="18" charset="0"/>
+                        </a:rPr>
+                        <a:t>thuyết</a:t>
+                      </a:r>
+                      <a:r>
+                        <a:rPr lang="en-US" sz="1500" dirty="0">
+                          <a:latin typeface="Times New Roman" panose="02020603050405020304" pitchFamily="18" charset="0"/>
+                          <a:cs typeface="Times New Roman" panose="02020603050405020304" pitchFamily="18" charset="0"/>
+                        </a:rPr>
+                        <a:t> </a:t>
+                      </a:r>
+                      <a:r>
+                        <a:rPr lang="en-US" sz="1500" dirty="0" err="1">
+                          <a:latin typeface="Times New Roman" panose="02020603050405020304" pitchFamily="18" charset="0"/>
+                          <a:cs typeface="Times New Roman" panose="02020603050405020304" pitchFamily="18" charset="0"/>
+                        </a:rPr>
+                        <a:t>trình</a:t>
+                      </a:r>
+                      <a:r>
+                        <a:rPr lang="en-US" sz="1500" dirty="0">
+                          <a:latin typeface="Times New Roman" panose="02020603050405020304" pitchFamily="18" charset="0"/>
+                          <a:cs typeface="Times New Roman" panose="02020603050405020304" pitchFamily="18" charset="0"/>
+                        </a:rPr>
+                        <a:t> </a:t>
+                      </a:r>
+                      <a:r>
+                        <a:rPr lang="en-US" sz="1500" dirty="0" err="1">
+                          <a:latin typeface="Times New Roman" panose="02020603050405020304" pitchFamily="18" charset="0"/>
+                          <a:cs typeface="Times New Roman" panose="02020603050405020304" pitchFamily="18" charset="0"/>
+                        </a:rPr>
+                        <a:t>chính</a:t>
+                      </a:r>
+                      <a:endParaRPr lang="en-US" sz="1500" dirty="0">
+                        <a:latin typeface="Times New Roman" panose="02020603050405020304" pitchFamily="18" charset="0"/>
+                        <a:cs typeface="Times New Roman" panose="02020603050405020304" pitchFamily="18" charset="0"/>
+                      </a:endParaRPr>
+                    </a:p>
+                  </a:txBody>
+                  <a:tcPr anchor="ctr"/>
+                </a:tc>
+                <a:tc>
+                  <a:txBody>
+                    <a:bodyPr/>
+                    <a:lstStyle/>
+                    <a:p>
+                      <a:pPr algn="ctr"/>
+                      <a:r>
+                        <a:rPr lang="en-US" sz="1500" dirty="0">
+                          <a:latin typeface="Times New Roman" panose="02020603050405020304" pitchFamily="18" charset="0"/>
+                          <a:cs typeface="Times New Roman" panose="02020603050405020304" pitchFamily="18" charset="0"/>
+                        </a:rPr>
+                        <a:t>100%</a:t>
+                      </a:r>
+                    </a:p>
+                  </a:txBody>
+                  <a:tcPr anchor="ctr"/>
+                </a:tc>
+                <a:extLst>
+                  <a:ext uri="{0D108BD9-81ED-4DB2-BD59-A6C34878D82A}">
+                    <a16:rowId xmlns:a16="http://schemas.microsoft.com/office/drawing/2014/main" val="4207354334"/>
+                  </a:ext>
+                </a:extLst>
+              </a:tr>
+              <a:tr h="370840">
+                <a:tc>
+                  <a:txBody>
+                    <a:bodyPr/>
+                    <a:lstStyle/>
+                    <a:p>
+                      <a:pPr algn="ctr"/>
+                      <a:r>
+                        <a:rPr lang="en-US" sz="1500" dirty="0">
+                          <a:latin typeface="Times New Roman" panose="02020603050405020304" pitchFamily="18" charset="0"/>
+                          <a:cs typeface="Times New Roman" panose="02020603050405020304" pitchFamily="18" charset="0"/>
+                        </a:rPr>
+                        <a:t>2</a:t>
+                      </a:r>
+                    </a:p>
+                  </a:txBody>
+                  <a:tcPr anchor="ctr"/>
+                </a:tc>
+                <a:tc>
+                  <a:txBody>
+                    <a:bodyPr/>
+                    <a:lstStyle/>
+                    <a:p>
+                      <a:pPr algn="ctr"/>
+                      <a:r>
+                        <a:rPr lang="en-US" sz="1500" dirty="0">
+                          <a:latin typeface="Times New Roman" panose="02020603050405020304" pitchFamily="18" charset="0"/>
+                          <a:cs typeface="Times New Roman" panose="02020603050405020304" pitchFamily="18" charset="0"/>
+                        </a:rPr>
+                        <a:t>Dương Đình Thắng</a:t>
+                      </a:r>
+                    </a:p>
+                  </a:txBody>
+                  <a:tcPr anchor="ctr"/>
+                </a:tc>
+                <a:tc>
+                  <a:txBody>
+                    <a:bodyPr/>
+                    <a:lstStyle/>
+                    <a:p>
+                      <a:pPr algn="ctr"/>
+                      <a:r>
+                        <a:rPr lang="en-US" sz="1500" dirty="0" err="1">
+                          <a:latin typeface="Times New Roman" panose="02020603050405020304" pitchFamily="18" charset="0"/>
+                          <a:cs typeface="Times New Roman" panose="02020603050405020304" pitchFamily="18" charset="0"/>
+                        </a:rPr>
+                        <a:t>Chuẩn</a:t>
+                      </a:r>
+                      <a:r>
+                        <a:rPr lang="en-US" sz="1500" dirty="0">
+                          <a:latin typeface="Times New Roman" panose="02020603050405020304" pitchFamily="18" charset="0"/>
+                          <a:cs typeface="Times New Roman" panose="02020603050405020304" pitchFamily="18" charset="0"/>
+                        </a:rPr>
+                        <a:t> </a:t>
+                      </a:r>
+                      <a:r>
+                        <a:rPr lang="en-US" sz="1500" dirty="0" err="1">
+                          <a:latin typeface="Times New Roman" panose="02020603050405020304" pitchFamily="18" charset="0"/>
+                          <a:cs typeface="Times New Roman" panose="02020603050405020304" pitchFamily="18" charset="0"/>
+                        </a:rPr>
+                        <a:t>bị</a:t>
+                      </a:r>
+                      <a:r>
+                        <a:rPr lang="en-US" sz="1500" dirty="0">
+                          <a:latin typeface="Times New Roman" panose="02020603050405020304" pitchFamily="18" charset="0"/>
+                          <a:cs typeface="Times New Roman" panose="02020603050405020304" pitchFamily="18" charset="0"/>
+                        </a:rPr>
+                        <a:t> slide + </a:t>
+                      </a:r>
+                      <a:r>
+                        <a:rPr lang="en-US" sz="1500" dirty="0" err="1">
+                          <a:latin typeface="Times New Roman" panose="02020603050405020304" pitchFamily="18" charset="0"/>
+                          <a:cs typeface="Times New Roman" panose="02020603050405020304" pitchFamily="18" charset="0"/>
+                        </a:rPr>
+                        <a:t>chuẩn</a:t>
+                      </a:r>
+                      <a:r>
+                        <a:rPr lang="en-US" sz="1500" dirty="0">
+                          <a:latin typeface="Times New Roman" panose="02020603050405020304" pitchFamily="18" charset="0"/>
+                          <a:cs typeface="Times New Roman" panose="02020603050405020304" pitchFamily="18" charset="0"/>
+                        </a:rPr>
+                        <a:t> </a:t>
+                      </a:r>
+                      <a:r>
+                        <a:rPr lang="en-US" sz="1500" dirty="0" err="1">
+                          <a:latin typeface="Times New Roman" panose="02020603050405020304" pitchFamily="18" charset="0"/>
+                          <a:cs typeface="Times New Roman" panose="02020603050405020304" pitchFamily="18" charset="0"/>
+                        </a:rPr>
+                        <a:t>bị</a:t>
+                      </a:r>
+                      <a:r>
+                        <a:rPr lang="en-US" sz="1500" dirty="0">
+                          <a:latin typeface="Times New Roman" panose="02020603050405020304" pitchFamily="18" charset="0"/>
+                          <a:cs typeface="Times New Roman" panose="02020603050405020304" pitchFamily="18" charset="0"/>
+                        </a:rPr>
+                        <a:t> </a:t>
+                      </a:r>
+                      <a:r>
+                        <a:rPr lang="en-US" sz="1500" dirty="0" err="1">
+                          <a:latin typeface="Times New Roman" panose="02020603050405020304" pitchFamily="18" charset="0"/>
+                          <a:cs typeface="Times New Roman" panose="02020603050405020304" pitchFamily="18" charset="0"/>
+                        </a:rPr>
+                        <a:t>câu</a:t>
+                      </a:r>
+                      <a:r>
+                        <a:rPr lang="en-US" sz="1500" dirty="0">
+                          <a:latin typeface="Times New Roman" panose="02020603050405020304" pitchFamily="18" charset="0"/>
+                          <a:cs typeface="Times New Roman" panose="02020603050405020304" pitchFamily="18" charset="0"/>
+                        </a:rPr>
+                        <a:t> </a:t>
+                      </a:r>
+                      <a:r>
+                        <a:rPr lang="en-US" sz="1500" dirty="0" err="1">
+                          <a:latin typeface="Times New Roman" panose="02020603050405020304" pitchFamily="18" charset="0"/>
+                          <a:cs typeface="Times New Roman" panose="02020603050405020304" pitchFamily="18" charset="0"/>
+                        </a:rPr>
+                        <a:t>hỏi</a:t>
+                      </a:r>
+                      <a:r>
+                        <a:rPr lang="en-US" sz="1500" dirty="0">
+                          <a:latin typeface="Times New Roman" panose="02020603050405020304" pitchFamily="18" charset="0"/>
+                          <a:cs typeface="Times New Roman" panose="02020603050405020304" pitchFamily="18" charset="0"/>
+                        </a:rPr>
+                        <a:t> </a:t>
+                      </a:r>
+                      <a:r>
+                        <a:rPr lang="en-US" sz="1500" dirty="0" err="1">
+                          <a:latin typeface="Times New Roman" panose="02020603050405020304" pitchFamily="18" charset="0"/>
+                          <a:cs typeface="Times New Roman" panose="02020603050405020304" pitchFamily="18" charset="0"/>
+                        </a:rPr>
+                        <a:t>kahoot</a:t>
+                      </a:r>
+                      <a:r>
+                        <a:rPr lang="en-US" sz="1500" dirty="0">
+                          <a:latin typeface="Times New Roman" panose="02020603050405020304" pitchFamily="18" charset="0"/>
+                          <a:cs typeface="Times New Roman" panose="02020603050405020304" pitchFamily="18" charset="0"/>
+                        </a:rPr>
+                        <a:t> + take notes </a:t>
+                      </a:r>
+                      <a:r>
+                        <a:rPr lang="en-US" sz="1500" dirty="0" err="1">
+                          <a:latin typeface="Times New Roman" panose="02020603050405020304" pitchFamily="18" charset="0"/>
+                          <a:cs typeface="Times New Roman" panose="02020603050405020304" pitchFamily="18" charset="0"/>
+                        </a:rPr>
+                        <a:t>buổi</a:t>
+                      </a:r>
+                      <a:r>
+                        <a:rPr lang="en-US" sz="1500" dirty="0">
+                          <a:latin typeface="Times New Roman" panose="02020603050405020304" pitchFamily="18" charset="0"/>
+                          <a:cs typeface="Times New Roman" panose="02020603050405020304" pitchFamily="18" charset="0"/>
+                        </a:rPr>
+                        <a:t> </a:t>
+                      </a:r>
+                      <a:r>
+                        <a:rPr lang="en-US" sz="1500" dirty="0" err="1">
+                          <a:latin typeface="Times New Roman" panose="02020603050405020304" pitchFamily="18" charset="0"/>
+                          <a:cs typeface="Times New Roman" panose="02020603050405020304" pitchFamily="18" charset="0"/>
+                        </a:rPr>
+                        <a:t>thảo</a:t>
+                      </a:r>
+                      <a:r>
+                        <a:rPr lang="en-US" sz="1500" dirty="0">
+                          <a:latin typeface="Times New Roman" panose="02020603050405020304" pitchFamily="18" charset="0"/>
+                          <a:cs typeface="Times New Roman" panose="02020603050405020304" pitchFamily="18" charset="0"/>
+                        </a:rPr>
+                        <a:t> </a:t>
+                      </a:r>
+                      <a:r>
+                        <a:rPr lang="en-US" sz="1500" dirty="0" err="1">
+                          <a:latin typeface="Times New Roman" panose="02020603050405020304" pitchFamily="18" charset="0"/>
+                          <a:cs typeface="Times New Roman" panose="02020603050405020304" pitchFamily="18" charset="0"/>
+                        </a:rPr>
+                        <a:t>luận</a:t>
+                      </a:r>
+                      <a:endParaRPr lang="en-US" sz="1500" dirty="0">
+                        <a:latin typeface="Times New Roman" panose="02020603050405020304" pitchFamily="18" charset="0"/>
+                        <a:cs typeface="Times New Roman" panose="02020603050405020304" pitchFamily="18" charset="0"/>
+                      </a:endParaRPr>
+                    </a:p>
+                  </a:txBody>
+                  <a:tcPr anchor="ctr"/>
+                </a:tc>
+                <a:tc>
+                  <a:txBody>
+                    <a:bodyPr/>
+                    <a:lstStyle/>
+                    <a:p>
+                      <a:pPr algn="ctr"/>
+                      <a:r>
+                        <a:rPr lang="en-US" sz="1500" dirty="0">
+                          <a:latin typeface="Times New Roman" panose="02020603050405020304" pitchFamily="18" charset="0"/>
+                          <a:cs typeface="Times New Roman" panose="02020603050405020304" pitchFamily="18" charset="0"/>
+                        </a:rPr>
+                        <a:t>100%</a:t>
+                      </a:r>
+                    </a:p>
+                  </a:txBody>
+                  <a:tcPr anchor="ctr"/>
+                </a:tc>
+                <a:extLst>
+                  <a:ext uri="{0D108BD9-81ED-4DB2-BD59-A6C34878D82A}">
+                    <a16:rowId xmlns:a16="http://schemas.microsoft.com/office/drawing/2014/main" val="3950803803"/>
+                  </a:ext>
+                </a:extLst>
+              </a:tr>
+              <a:tr h="377373">
+                <a:tc>
+                  <a:txBody>
+                    <a:bodyPr/>
+                    <a:lstStyle/>
+                    <a:p>
+                      <a:pPr algn="ctr"/>
+                      <a:r>
+                        <a:rPr lang="en-US" sz="1500" dirty="0">
+                          <a:latin typeface="Times New Roman" panose="02020603050405020304" pitchFamily="18" charset="0"/>
+                          <a:cs typeface="Times New Roman" panose="02020603050405020304" pitchFamily="18" charset="0"/>
+                        </a:rPr>
+                        <a:t>3</a:t>
+                      </a:r>
+                    </a:p>
+                  </a:txBody>
+                  <a:tcPr anchor="ctr"/>
+                </a:tc>
+                <a:tc>
+                  <a:txBody>
+                    <a:bodyPr/>
+                    <a:lstStyle/>
+                    <a:p>
+                      <a:pPr algn="ctr"/>
+                      <a:r>
+                        <a:rPr lang="en-US" sz="1500" dirty="0" err="1">
+                          <a:latin typeface="Times New Roman" panose="02020603050405020304" pitchFamily="18" charset="0"/>
+                          <a:cs typeface="Times New Roman" panose="02020603050405020304" pitchFamily="18" charset="0"/>
+                        </a:rPr>
+                        <a:t>Cát</a:t>
+                      </a:r>
+                      <a:r>
+                        <a:rPr lang="en-US" sz="1500" dirty="0">
+                          <a:latin typeface="Times New Roman" panose="02020603050405020304" pitchFamily="18" charset="0"/>
+                          <a:cs typeface="Times New Roman" panose="02020603050405020304" pitchFamily="18" charset="0"/>
+                        </a:rPr>
+                        <a:t> </a:t>
+                      </a:r>
+                      <a:r>
+                        <a:rPr lang="en-US" sz="1500" dirty="0" err="1">
+                          <a:latin typeface="Times New Roman" panose="02020603050405020304" pitchFamily="18" charset="0"/>
+                          <a:cs typeface="Times New Roman" panose="02020603050405020304" pitchFamily="18" charset="0"/>
+                        </a:rPr>
+                        <a:t>Văn</a:t>
+                      </a:r>
+                      <a:r>
+                        <a:rPr lang="en-US" sz="1500" dirty="0">
+                          <a:latin typeface="Times New Roman" panose="02020603050405020304" pitchFamily="18" charset="0"/>
+                          <a:cs typeface="Times New Roman" panose="02020603050405020304" pitchFamily="18" charset="0"/>
+                        </a:rPr>
+                        <a:t> </a:t>
+                      </a:r>
+                      <a:r>
+                        <a:rPr lang="en-US" sz="1500" dirty="0" err="1">
+                          <a:latin typeface="Times New Roman" panose="02020603050405020304" pitchFamily="18" charset="0"/>
+                          <a:cs typeface="Times New Roman" panose="02020603050405020304" pitchFamily="18" charset="0"/>
+                        </a:rPr>
+                        <a:t>Tài</a:t>
+                      </a:r>
+                      <a:endParaRPr lang="en-US" sz="1500" dirty="0">
+                        <a:latin typeface="Times New Roman" panose="02020603050405020304" pitchFamily="18" charset="0"/>
+                        <a:cs typeface="Times New Roman" panose="02020603050405020304" pitchFamily="18" charset="0"/>
+                      </a:endParaRPr>
+                    </a:p>
+                  </a:txBody>
+                  <a:tcPr anchor="ctr"/>
+                </a:tc>
+                <a:tc>
+                  <a:txBody>
+                    <a:bodyPr/>
+                    <a:lstStyle/>
+                    <a:p>
+                      <a:pPr algn="ctr"/>
+                      <a:r>
+                        <a:rPr lang="en-US" sz="1500" dirty="0" err="1">
+                          <a:latin typeface="Times New Roman" panose="02020603050405020304" pitchFamily="18" charset="0"/>
+                          <a:cs typeface="Times New Roman" panose="02020603050405020304" pitchFamily="18" charset="0"/>
+                        </a:rPr>
+                        <a:t>Chuẩn</a:t>
+                      </a:r>
+                      <a:r>
+                        <a:rPr lang="en-US" sz="1500" dirty="0">
+                          <a:latin typeface="Times New Roman" panose="02020603050405020304" pitchFamily="18" charset="0"/>
+                          <a:cs typeface="Times New Roman" panose="02020603050405020304" pitchFamily="18" charset="0"/>
+                        </a:rPr>
+                        <a:t> </a:t>
+                      </a:r>
+                      <a:r>
+                        <a:rPr lang="en-US" sz="1500" dirty="0" err="1">
+                          <a:latin typeface="Times New Roman" panose="02020603050405020304" pitchFamily="18" charset="0"/>
+                          <a:cs typeface="Times New Roman" panose="02020603050405020304" pitchFamily="18" charset="0"/>
+                        </a:rPr>
+                        <a:t>bị</a:t>
+                      </a:r>
+                      <a:r>
+                        <a:rPr lang="en-US" sz="1500" dirty="0">
+                          <a:latin typeface="Times New Roman" panose="02020603050405020304" pitchFamily="18" charset="0"/>
+                          <a:cs typeface="Times New Roman" panose="02020603050405020304" pitchFamily="18" charset="0"/>
+                        </a:rPr>
+                        <a:t> </a:t>
+                      </a:r>
+                      <a:r>
+                        <a:rPr lang="en-US" sz="1500" dirty="0" err="1">
+                          <a:latin typeface="Times New Roman" panose="02020603050405020304" pitchFamily="18" charset="0"/>
+                          <a:cs typeface="Times New Roman" panose="02020603050405020304" pitchFamily="18" charset="0"/>
+                        </a:rPr>
+                        <a:t>bài</a:t>
+                      </a:r>
+                      <a:r>
+                        <a:rPr lang="en-US" sz="1500" dirty="0">
+                          <a:latin typeface="Times New Roman" panose="02020603050405020304" pitchFamily="18" charset="0"/>
+                          <a:cs typeface="Times New Roman" panose="02020603050405020304" pitchFamily="18" charset="0"/>
+                        </a:rPr>
+                        <a:t> </a:t>
+                      </a:r>
+                      <a:r>
+                        <a:rPr lang="en-US" sz="1500" dirty="0" err="1">
+                          <a:latin typeface="Times New Roman" panose="02020603050405020304" pitchFamily="18" charset="0"/>
+                          <a:cs typeface="Times New Roman" panose="02020603050405020304" pitchFamily="18" charset="0"/>
+                        </a:rPr>
+                        <a:t>toán</a:t>
+                      </a:r>
+                      <a:r>
+                        <a:rPr lang="en-US" sz="1500" dirty="0">
+                          <a:latin typeface="Times New Roman" panose="02020603050405020304" pitchFamily="18" charset="0"/>
+                          <a:cs typeface="Times New Roman" panose="02020603050405020304" pitchFamily="18" charset="0"/>
+                        </a:rPr>
+                        <a:t> + test cases + </a:t>
+                      </a:r>
+                      <a:r>
+                        <a:rPr lang="en-US" sz="1500" dirty="0" err="1">
+                          <a:latin typeface="Times New Roman" panose="02020603050405020304" pitchFamily="18" charset="0"/>
+                          <a:cs typeface="Times New Roman" panose="02020603050405020304" pitchFamily="18" charset="0"/>
+                        </a:rPr>
+                        <a:t>bài</a:t>
+                      </a:r>
+                      <a:r>
+                        <a:rPr lang="en-US" sz="1500" dirty="0">
+                          <a:latin typeface="Times New Roman" panose="02020603050405020304" pitchFamily="18" charset="0"/>
+                          <a:cs typeface="Times New Roman" panose="02020603050405020304" pitchFamily="18" charset="0"/>
+                        </a:rPr>
+                        <a:t> </a:t>
+                      </a:r>
+                      <a:r>
+                        <a:rPr lang="en-US" sz="1500" dirty="0" err="1">
+                          <a:latin typeface="Times New Roman" panose="02020603050405020304" pitchFamily="18" charset="0"/>
+                          <a:cs typeface="Times New Roman" panose="02020603050405020304" pitchFamily="18" charset="0"/>
+                        </a:rPr>
+                        <a:t>tập</a:t>
+                      </a:r>
+                      <a:r>
+                        <a:rPr lang="en-US" sz="1500" dirty="0">
+                          <a:latin typeface="Times New Roman" panose="02020603050405020304" pitchFamily="18" charset="0"/>
+                          <a:cs typeface="Times New Roman" panose="02020603050405020304" pitchFamily="18" charset="0"/>
+                        </a:rPr>
+                        <a:t> </a:t>
+                      </a:r>
+                      <a:r>
+                        <a:rPr lang="en-US" sz="1500" dirty="0" err="1">
+                          <a:latin typeface="Times New Roman" panose="02020603050405020304" pitchFamily="18" charset="0"/>
+                          <a:cs typeface="Times New Roman" panose="02020603050405020304" pitchFamily="18" charset="0"/>
+                        </a:rPr>
+                        <a:t>về</a:t>
+                      </a:r>
+                      <a:r>
+                        <a:rPr lang="en-US" sz="1500" dirty="0">
+                          <a:latin typeface="Times New Roman" panose="02020603050405020304" pitchFamily="18" charset="0"/>
+                          <a:cs typeface="Times New Roman" panose="02020603050405020304" pitchFamily="18" charset="0"/>
+                        </a:rPr>
+                        <a:t> </a:t>
+                      </a:r>
+                      <a:r>
+                        <a:rPr lang="en-US" sz="1500" dirty="0" err="1">
+                          <a:latin typeface="Times New Roman" panose="02020603050405020304" pitchFamily="18" charset="0"/>
+                          <a:cs typeface="Times New Roman" panose="02020603050405020304" pitchFamily="18" charset="0"/>
+                        </a:rPr>
+                        <a:t>nhà</a:t>
+                      </a:r>
+                      <a:r>
+                        <a:rPr lang="en-US" sz="1500" dirty="0">
+                          <a:latin typeface="Times New Roman" panose="02020603050405020304" pitchFamily="18" charset="0"/>
+                          <a:cs typeface="Times New Roman" panose="02020603050405020304" pitchFamily="18" charset="0"/>
+                        </a:rPr>
+                        <a:t> + </a:t>
+                      </a:r>
+                      <a:r>
+                        <a:rPr lang="en-US" sz="1500" dirty="0" err="1">
+                          <a:latin typeface="Times New Roman" panose="02020603050405020304" pitchFamily="18" charset="0"/>
+                          <a:cs typeface="Times New Roman" panose="02020603050405020304" pitchFamily="18" charset="0"/>
+                        </a:rPr>
+                        <a:t>thuyết</a:t>
+                      </a:r>
+                      <a:r>
+                        <a:rPr lang="en-US" sz="1500" dirty="0">
+                          <a:latin typeface="Times New Roman" panose="02020603050405020304" pitchFamily="18" charset="0"/>
+                          <a:cs typeface="Times New Roman" panose="02020603050405020304" pitchFamily="18" charset="0"/>
+                        </a:rPr>
+                        <a:t> </a:t>
+                      </a:r>
+                      <a:r>
+                        <a:rPr lang="en-US" sz="1500" dirty="0" err="1">
+                          <a:latin typeface="Times New Roman" panose="02020603050405020304" pitchFamily="18" charset="0"/>
+                          <a:cs typeface="Times New Roman" panose="02020603050405020304" pitchFamily="18" charset="0"/>
+                        </a:rPr>
+                        <a:t>trình</a:t>
+                      </a:r>
+                      <a:endParaRPr lang="en-US" sz="1500" dirty="0">
+                        <a:latin typeface="Times New Roman" panose="02020603050405020304" pitchFamily="18" charset="0"/>
+                        <a:cs typeface="Times New Roman" panose="02020603050405020304" pitchFamily="18" charset="0"/>
+                      </a:endParaRPr>
+                    </a:p>
+                  </a:txBody>
+                  <a:tcPr anchor="ctr"/>
+                </a:tc>
+                <a:tc>
+                  <a:txBody>
+                    <a:bodyPr/>
+                    <a:lstStyle/>
+                    <a:p>
+                      <a:pPr algn="ctr"/>
+                      <a:r>
+                        <a:rPr lang="en-US" sz="1500" dirty="0">
+                          <a:latin typeface="Times New Roman" panose="02020603050405020304" pitchFamily="18" charset="0"/>
+                          <a:cs typeface="Times New Roman" panose="02020603050405020304" pitchFamily="18" charset="0"/>
+                        </a:rPr>
+                        <a:t>100%</a:t>
+                      </a:r>
+                    </a:p>
+                  </a:txBody>
+                  <a:tcPr anchor="ctr"/>
+                </a:tc>
+                <a:extLst>
+                  <a:ext uri="{0D108BD9-81ED-4DB2-BD59-A6C34878D82A}">
+                    <a16:rowId xmlns:a16="http://schemas.microsoft.com/office/drawing/2014/main" val="622935887"/>
+                  </a:ext>
+                </a:extLst>
+              </a:tr>
+            </a:tbl>
+          </a:graphicData>
+        </a:graphic>
+      </p:graphicFrame>
+    </p:spTree>
+    <p:extLst>
+      <p:ext uri="{BB962C8B-B14F-4D97-AF65-F5344CB8AC3E}">
+        <p14:creationId xmlns:p14="http://schemas.microsoft.com/office/powerpoint/2010/main" val="18898052"/>
+      </p:ext>
+    </p:extLst>
+  </p:cSld>
+  <p:clrMapOvr>
+    <a:masterClrMapping/>
+  </p:clrMapOvr>
+  <mc:AlternateContent xmlns:mc="http://schemas.openxmlformats.org/markup-compatibility/2006">
+    <mc:Choice xmlns:p14="http://schemas.microsoft.com/office/powerpoint/2010/main" Requires="p14">
+      <p:transition spd="slow" p14:dur="800">
+        <p:circle/>
+      </p:transition>
+    </mc:Choice>
+    <mc:Fallback>
+      <p:transition spd="slow">
+        <p:circle/>
+      </p:transition>
+    </mc:Fallback>
+  </mc:AlternateContent>
+</p:sld>
+</file>
+
+<file path=ppt/slides/slide4.xml><?xml version="1.0" encoding="utf-8"?>
+<p:sld xmlns:a="http://schemas.openxmlformats.org/drawingml/2006/main" xmlns:r="http://schemas.openxmlformats.org/officeDocument/2006/relationships" xmlns:p="http://schemas.openxmlformats.org/presentationml/2006/main">
+  <p:cSld>
+    <p:spTree>
+      <p:nvGrpSpPr>
         <p:cNvPr id="1" name="Shape 68"/>
         <p:cNvGrpSpPr/>
         <p:nvPr/>
@@ -18829,8 +21338,8 @@
         </p:nvSpPr>
         <p:spPr>
           <a:xfrm>
-            <a:off x="393625" y="220475"/>
-            <a:ext cx="8520600" cy="572700"/>
+            <a:off x="0" y="79671"/>
+            <a:ext cx="9144000" cy="572700"/>
           </a:xfrm>
           <a:prstGeom prst="rect">
             <a:avLst/>
@@ -18842,7 +21351,7 @@
           </a:bodyPr>
           <a:lstStyle/>
           <a:p>
-            <a:pPr marL="0" lvl="0" indent="0" algn="l" rtl="0">
+            <a:pPr marL="0" lvl="0" indent="0" algn="ctr" rtl="0">
               <a:spcBef>
                 <a:spcPts val="0"/>
               </a:spcBef>
@@ -18853,7 +21362,7 @@
               <a:buNone/>
             </a:pPr>
             <a:r>
-              <a:rPr lang="en" sz="3020" b="1">
+              <a:rPr lang="en" sz="3020" b="1" dirty="0">
                 <a:latin typeface="Times New Roman"/>
                 <a:ea typeface="Times New Roman"/>
                 <a:cs typeface="Times New Roman"/>
@@ -18861,7 +21370,7 @@
               </a:rPr>
               <a:t>Table of contents</a:t>
             </a:r>
-            <a:endParaRPr sz="3020" b="1">
+            <a:endParaRPr sz="3020" b="1" dirty="0">
               <a:latin typeface="Times New Roman"/>
               <a:ea typeface="Times New Roman"/>
               <a:cs typeface="Times New Roman"/>
@@ -18882,8 +21391,8 @@
         </p:nvSpPr>
         <p:spPr>
           <a:xfrm>
-            <a:off x="311700" y="1152475"/>
-            <a:ext cx="8520600" cy="3416400"/>
+            <a:off x="249853" y="762579"/>
+            <a:ext cx="8644293" cy="3416400"/>
           </a:xfrm>
           <a:prstGeom prst="rect">
             <a:avLst/>
@@ -19145,7 +21654,7 @@
             </a:pPr>
             <a:fld id="{00000000-1234-1234-1234-123412341234}" type="slidenum">
               <a:rPr lang="en"/>
-              <a:t>3</a:t>
+              <a:t>4</a:t>
             </a:fld>
             <a:endParaRPr/>
           </a:p>
@@ -19153,14 +21662,22 @@
       </p:sp>
       <p:cxnSp>
         <p:nvCxnSpPr>
-          <p:cNvPr id="72" name="Google Shape;72;p15"/>
-          <p:cNvCxnSpPr/>
+          <p:cNvPr id="6" name="Google Shape;64;p14">
+            <a:extLst>
+              <a:ext uri="{FF2B5EF4-FFF2-40B4-BE49-F238E27FC236}">
+                <a16:creationId xmlns:a16="http://schemas.microsoft.com/office/drawing/2014/main" id="{FA3296E8-689B-4D2E-9788-3B5EE05CAE05}"/>
+              </a:ext>
+            </a:extLst>
+          </p:cNvPr>
+          <p:cNvCxnSpPr>
+            <a:cxnSpLocks/>
+          </p:cNvCxnSpPr>
           <p:nvPr/>
         </p:nvCxnSpPr>
         <p:spPr>
           <a:xfrm>
-            <a:off x="396625" y="892350"/>
-            <a:ext cx="8514600" cy="0"/>
+            <a:off x="0" y="762579"/>
+            <a:ext cx="9144000" cy="0"/>
           </a:xfrm>
           <a:prstGeom prst="straightConnector1">
             <a:avLst/>
@@ -19197,7 +21714,7 @@
 </p:sld>
 </file>
 
-<file path=ppt/slides/slide4.xml><?xml version="1.0" encoding="utf-8"?>
+<file path=ppt/slides/slide5.xml><?xml version="1.0" encoding="utf-8"?>
 <p:sld xmlns:a="http://schemas.openxmlformats.org/drawingml/2006/main" xmlns:r="http://schemas.openxmlformats.org/officeDocument/2006/relationships" xmlns:p="http://schemas.openxmlformats.org/presentationml/2006/main">
   <p:cSld>
     <p:spTree>
@@ -19226,8 +21743,8 @@
         </p:nvSpPr>
         <p:spPr>
           <a:xfrm>
-            <a:off x="393625" y="220475"/>
-            <a:ext cx="8520600" cy="572700"/>
+            <a:off x="0" y="86683"/>
+            <a:ext cx="9144000" cy="572700"/>
           </a:xfrm>
           <a:prstGeom prst="rect">
             <a:avLst/>
@@ -19239,7 +21756,7 @@
           </a:bodyPr>
           <a:lstStyle/>
           <a:p>
-            <a:pPr marL="457200" lvl="0" indent="-420369" algn="l" rtl="0">
+            <a:pPr marL="457200" lvl="0" indent="-420369" algn="ctr" rtl="0">
               <a:spcBef>
                 <a:spcPts val="0"/>
               </a:spcBef>
@@ -19251,7 +21768,7 @@
               <a:buAutoNum type="romanUcPeriod"/>
             </a:pPr>
             <a:r>
-              <a:rPr lang="en" sz="3020" b="1">
+              <a:rPr lang="en" sz="3020" b="1" dirty="0">
                 <a:latin typeface="Times New Roman"/>
                 <a:ea typeface="Times New Roman"/>
                 <a:cs typeface="Times New Roman"/>
@@ -19259,7 +21776,7 @@
               </a:rPr>
               <a:t>Brute Force Introduction</a:t>
             </a:r>
-            <a:endParaRPr sz="3020" b="1">
+            <a:endParaRPr sz="3020" b="1" dirty="0">
               <a:latin typeface="Times New Roman"/>
               <a:ea typeface="Times New Roman"/>
               <a:cs typeface="Times New Roman"/>
@@ -19304,38 +21821,12 @@
             </a:pPr>
             <a:fld id="{00000000-1234-1234-1234-123412341234}" type="slidenum">
               <a:rPr lang="en"/>
-              <a:t>4</a:t>
+              <a:t>5</a:t>
             </a:fld>
             <a:endParaRPr/>
           </a:p>
         </p:txBody>
       </p:sp>
-      <p:cxnSp>
-        <p:nvCxnSpPr>
-          <p:cNvPr id="92" name="Google Shape;92;p17"/>
-          <p:cNvCxnSpPr/>
-          <p:nvPr/>
-        </p:nvCxnSpPr>
-        <p:spPr>
-          <a:xfrm>
-            <a:off x="396625" y="892350"/>
-            <a:ext cx="8514600" cy="0"/>
-          </a:xfrm>
-          <a:prstGeom prst="straightConnector1">
-            <a:avLst/>
-          </a:prstGeom>
-          <a:noFill/>
-          <a:ln w="76200" cap="flat" cmpd="sng">
-            <a:solidFill>
-              <a:srgbClr val="000000"/>
-            </a:solidFill>
-            <a:prstDash val="solid"/>
-            <a:round/>
-            <a:headEnd type="none" w="med" len="med"/>
-            <a:tailEnd type="none" w="med" len="med"/>
-          </a:ln>
-        </p:spPr>
-      </p:cxnSp>
       <p:sp>
         <p:nvSpPr>
           <p:cNvPr id="93" name="Google Shape;93;p17"/>
@@ -19640,6 +22131,40 @@
           </p:spPr>
         </p:cxnSp>
       </p:grpSp>
+      <p:cxnSp>
+        <p:nvCxnSpPr>
+          <p:cNvPr id="11" name="Google Shape;64;p14">
+            <a:extLst>
+              <a:ext uri="{FF2B5EF4-FFF2-40B4-BE49-F238E27FC236}">
+                <a16:creationId xmlns:a16="http://schemas.microsoft.com/office/drawing/2014/main" id="{6ED8A97E-6C3F-4458-AEED-9018E4292161}"/>
+              </a:ext>
+            </a:extLst>
+          </p:cNvPr>
+          <p:cNvCxnSpPr>
+            <a:cxnSpLocks/>
+          </p:cNvCxnSpPr>
+          <p:nvPr/>
+        </p:nvCxnSpPr>
+        <p:spPr>
+          <a:xfrm>
+            <a:off x="0" y="762579"/>
+            <a:ext cx="9144000" cy="0"/>
+          </a:xfrm>
+          <a:prstGeom prst="straightConnector1">
+            <a:avLst/>
+          </a:prstGeom>
+          <a:noFill/>
+          <a:ln w="76200" cap="flat" cmpd="sng">
+            <a:solidFill>
+              <a:srgbClr val="000000"/>
+            </a:solidFill>
+            <a:prstDash val="solid"/>
+            <a:round/>
+            <a:headEnd type="none" w="med" len="med"/>
+            <a:tailEnd type="none" w="med" len="med"/>
+          </a:ln>
+        </p:spPr>
+      </p:cxnSp>
     </p:spTree>
   </p:cSld>
   <p:clrMapOvr>
@@ -19857,7 +22382,7 @@
 </p:sld>
 </file>
 
-<file path=ppt/slides/slide5.xml><?xml version="1.0" encoding="utf-8"?>
+<file path=ppt/slides/slide6.xml><?xml version="1.0" encoding="utf-8"?>
 <p:sld xmlns:a="http://schemas.openxmlformats.org/drawingml/2006/main" xmlns:r="http://schemas.openxmlformats.org/officeDocument/2006/relationships" xmlns:p="http://schemas.openxmlformats.org/presentationml/2006/main">
   <p:cSld>
     <p:spTree>
@@ -19886,8 +22411,8 @@
         </p:nvSpPr>
         <p:spPr>
           <a:xfrm>
-            <a:off x="393625" y="220475"/>
-            <a:ext cx="8520600" cy="572700"/>
+            <a:off x="0" y="64170"/>
+            <a:ext cx="9144000" cy="572700"/>
           </a:xfrm>
           <a:prstGeom prst="rect">
             <a:avLst/>
@@ -19899,7 +22424,7 @@
           </a:bodyPr>
           <a:lstStyle/>
           <a:p>
-            <a:pPr marL="457200" lvl="0" indent="-420369" algn="l" rtl="0">
+            <a:pPr marL="457200" lvl="0" indent="-420369" algn="ctr" rtl="0">
               <a:spcBef>
                 <a:spcPts val="0"/>
               </a:spcBef>
@@ -19911,7 +22436,7 @@
               <a:buAutoNum type="romanUcPeriod"/>
             </a:pPr>
             <a:r>
-              <a:rPr lang="en" sz="3020" b="1">
+              <a:rPr lang="en" sz="3020" b="1" dirty="0">
                 <a:latin typeface="Times New Roman"/>
                 <a:ea typeface="Times New Roman"/>
                 <a:cs typeface="Times New Roman"/>
@@ -19920,7 +22445,7 @@
               <a:t>Brute Force Introduction: </a:t>
             </a:r>
             <a:r>
-              <a:rPr lang="en" sz="3020">
+              <a:rPr lang="en" sz="3020" dirty="0">
                 <a:latin typeface="Times New Roman"/>
                 <a:ea typeface="Times New Roman"/>
                 <a:cs typeface="Times New Roman"/>
@@ -19928,7 +22453,7 @@
               </a:rPr>
               <a:t>What is Brute Force?</a:t>
             </a:r>
-            <a:endParaRPr sz="3000">
+            <a:endParaRPr sz="3000" dirty="0">
               <a:latin typeface="Times New Roman"/>
               <a:ea typeface="Times New Roman"/>
               <a:cs typeface="Times New Roman"/>
@@ -19973,38 +22498,12 @@
             </a:pPr>
             <a:fld id="{00000000-1234-1234-1234-123412341234}" type="slidenum">
               <a:rPr lang="en"/>
-              <a:t>5</a:t>
+              <a:t>6</a:t>
             </a:fld>
             <a:endParaRPr/>
           </a:p>
         </p:txBody>
       </p:sp>
-      <p:cxnSp>
-        <p:nvCxnSpPr>
-          <p:cNvPr id="105" name="Google Shape;105;p18"/>
-          <p:cNvCxnSpPr/>
-          <p:nvPr/>
-        </p:nvCxnSpPr>
-        <p:spPr>
-          <a:xfrm>
-            <a:off x="396625" y="892350"/>
-            <a:ext cx="8514600" cy="0"/>
-          </a:xfrm>
-          <a:prstGeom prst="straightConnector1">
-            <a:avLst/>
-          </a:prstGeom>
-          <a:noFill/>
-          <a:ln w="76200" cap="flat" cmpd="sng">
-            <a:solidFill>
-              <a:srgbClr val="000000"/>
-            </a:solidFill>
-            <a:prstDash val="solid"/>
-            <a:round/>
-            <a:headEnd type="none" w="med" len="med"/>
-            <a:tailEnd type="none" w="med" len="med"/>
-          </a:ln>
-        </p:spPr>
-      </p:cxnSp>
       <p:sp>
         <p:nvSpPr>
           <p:cNvPr id="106" name="Google Shape;106;p18"/>
@@ -20013,8 +22512,8 @@
         </p:nvSpPr>
         <p:spPr>
           <a:xfrm>
-            <a:off x="393625" y="1350175"/>
-            <a:ext cx="7527300" cy="800400"/>
+            <a:off x="182664" y="888289"/>
+            <a:ext cx="8704961" cy="1107965"/>
           </a:xfrm>
           <a:prstGeom prst="rect">
             <a:avLst/>
@@ -20031,6 +22530,9 @@
           <a:lstStyle/>
           <a:p>
             <a:pPr marL="0" lvl="0" indent="0" algn="l" rtl="0">
+              <a:lnSpc>
+                <a:spcPct val="150000"/>
+              </a:lnSpc>
               <a:spcBef>
                 <a:spcPts val="0"/>
               </a:spcBef>
@@ -20071,8 +22573,8 @@
         </p:nvSpPr>
         <p:spPr>
           <a:xfrm>
-            <a:off x="396625" y="2047700"/>
-            <a:ext cx="7293000" cy="1415742"/>
+            <a:off x="182664" y="1859913"/>
+            <a:ext cx="8961336" cy="1569630"/>
           </a:xfrm>
           <a:prstGeom prst="rect">
             <a:avLst/>
@@ -20089,6 +22591,9 @@
           <a:lstStyle/>
           <a:p>
             <a:pPr marL="457200" lvl="0" indent="-368300" algn="l" rtl="0">
+              <a:lnSpc>
+                <a:spcPct val="150000"/>
+              </a:lnSpc>
               <a:spcBef>
                 <a:spcPts val="0"/>
               </a:spcBef>
@@ -20123,6 +22628,9 @@
           </a:p>
           <a:p>
             <a:pPr marL="457200" indent="-368300">
+              <a:lnSpc>
+                <a:spcPct val="150000"/>
+              </a:lnSpc>
               <a:buClr>
                 <a:schemeClr val="dk1"/>
               </a:buClr>
@@ -20154,6 +22662,9 @@
           </a:p>
           <a:p>
             <a:pPr marL="457200" lvl="0" indent="-368300" algn="l" rtl="0">
+              <a:lnSpc>
+                <a:spcPct val="150000"/>
+              </a:lnSpc>
               <a:spcBef>
                 <a:spcPts val="0"/>
               </a:spcBef>
@@ -20191,6 +22702,40 @@
           </a:p>
         </p:txBody>
       </p:sp>
+      <p:cxnSp>
+        <p:nvCxnSpPr>
+          <p:cNvPr id="7" name="Google Shape;64;p14">
+            <a:extLst>
+              <a:ext uri="{FF2B5EF4-FFF2-40B4-BE49-F238E27FC236}">
+                <a16:creationId xmlns:a16="http://schemas.microsoft.com/office/drawing/2014/main" id="{9790E2B9-A496-4DDA-8AAF-9EC863C7750F}"/>
+              </a:ext>
+            </a:extLst>
+          </p:cNvPr>
+          <p:cNvCxnSpPr>
+            <a:cxnSpLocks/>
+          </p:cNvCxnSpPr>
+          <p:nvPr/>
+        </p:nvCxnSpPr>
+        <p:spPr>
+          <a:xfrm>
+            <a:off x="0" y="762579"/>
+            <a:ext cx="9144000" cy="0"/>
+          </a:xfrm>
+          <a:prstGeom prst="straightConnector1">
+            <a:avLst/>
+          </a:prstGeom>
+          <a:noFill/>
+          <a:ln w="76200" cap="flat" cmpd="sng">
+            <a:solidFill>
+              <a:srgbClr val="000000"/>
+            </a:solidFill>
+            <a:prstDash val="solid"/>
+            <a:round/>
+            <a:headEnd type="none" w="med" len="med"/>
+            <a:tailEnd type="none" w="med" len="med"/>
+          </a:ln>
+        </p:spPr>
+      </p:cxnSp>
     </p:spTree>
   </p:cSld>
   <p:clrMapOvr>
@@ -20606,7 +23151,7 @@
 </p:sld>
 </file>
 
-<file path=ppt/slides/slide6.xml><?xml version="1.0" encoding="utf-8"?>
+<file path=ppt/slides/slide7.xml><?xml version="1.0" encoding="utf-8"?>
 <p:sld xmlns:a="http://schemas.openxmlformats.org/drawingml/2006/main" xmlns:r="http://schemas.openxmlformats.org/officeDocument/2006/relationships" xmlns:p="http://schemas.openxmlformats.org/presentationml/2006/main">
   <p:cSld>
     <p:spTree>
@@ -20635,8 +23180,8 @@
         </p:nvSpPr>
         <p:spPr>
           <a:xfrm>
-            <a:off x="393625" y="220475"/>
-            <a:ext cx="8520600" cy="572700"/>
+            <a:off x="0" y="74246"/>
+            <a:ext cx="9144000" cy="572700"/>
           </a:xfrm>
           <a:prstGeom prst="rect">
             <a:avLst/>
@@ -20648,7 +23193,7 @@
           </a:bodyPr>
           <a:lstStyle/>
           <a:p>
-            <a:pPr marL="0" lvl="0" indent="0" algn="l" rtl="0">
+            <a:pPr marL="0" lvl="0" indent="0" algn="ctr" rtl="0">
               <a:spcBef>
                 <a:spcPts val="0"/>
               </a:spcBef>
@@ -20659,7 +23204,7 @@
               <a:buNone/>
             </a:pPr>
             <a:r>
-              <a:rPr lang="en" sz="3020" b="1">
+              <a:rPr lang="en" sz="3020" b="1" dirty="0">
                 <a:latin typeface="Times New Roman"/>
                 <a:ea typeface="Times New Roman"/>
                 <a:cs typeface="Times New Roman"/>
@@ -20667,7 +23212,7 @@
               </a:rPr>
               <a:t>II. Pattern Recognition</a:t>
             </a:r>
-            <a:endParaRPr sz="3020" b="1">
+            <a:endParaRPr sz="3020" b="1" dirty="0">
               <a:latin typeface="Times New Roman"/>
               <a:ea typeface="Times New Roman"/>
               <a:cs typeface="Times New Roman"/>
@@ -20688,7 +23233,7 @@
         </p:nvSpPr>
         <p:spPr>
           <a:xfrm>
-            <a:off x="393625" y="1139625"/>
+            <a:off x="179980" y="762579"/>
             <a:ext cx="4816328" cy="840600"/>
           </a:xfrm>
           <a:prstGeom prst="rect">
@@ -20703,7 +23248,7 @@
           <a:p>
             <a:pPr marL="0" lvl="0" indent="0" rtl="0">
               <a:lnSpc>
-                <a:spcPct val="95000"/>
+                <a:spcPct val="150000"/>
               </a:lnSpc>
               <a:spcBef>
                 <a:spcPts val="0"/>
@@ -20747,7 +23292,7 @@
           <a:p>
             <a:pPr marL="0" lvl="0" indent="0" rtl="0">
               <a:lnSpc>
-                <a:spcPct val="95000"/>
+                <a:spcPct val="150000"/>
               </a:lnSpc>
               <a:spcBef>
                 <a:spcPts val="0"/>
@@ -20864,38 +23409,12 @@
             </a:pPr>
             <a:fld id="{00000000-1234-1234-1234-123412341234}" type="slidenum">
               <a:rPr lang="en"/>
-              <a:t>6</a:t>
+              <a:t>7</a:t>
             </a:fld>
             <a:endParaRPr/>
           </a:p>
         </p:txBody>
       </p:sp>
-      <p:cxnSp>
-        <p:nvCxnSpPr>
-          <p:cNvPr id="134" name="Google Shape;134;p20"/>
-          <p:cNvCxnSpPr/>
-          <p:nvPr/>
-        </p:nvCxnSpPr>
-        <p:spPr>
-          <a:xfrm>
-            <a:off x="396625" y="892350"/>
-            <a:ext cx="8514600" cy="0"/>
-          </a:xfrm>
-          <a:prstGeom prst="straightConnector1">
-            <a:avLst/>
-          </a:prstGeom>
-          <a:noFill/>
-          <a:ln w="76200" cap="flat" cmpd="sng">
-            <a:solidFill>
-              <a:srgbClr val="000000"/>
-            </a:solidFill>
-            <a:prstDash val="solid"/>
-            <a:round/>
-            <a:headEnd type="none" w="med" len="med"/>
-            <a:tailEnd type="none" w="med" len="med"/>
-          </a:ln>
-        </p:spPr>
-      </p:cxnSp>
       <p:sp>
         <p:nvSpPr>
           <p:cNvPr id="2" name="TextBox 1">
@@ -20910,8 +23429,8 @@
         </p:nvSpPr>
         <p:spPr>
           <a:xfrm>
-            <a:off x="393625" y="1980225"/>
-            <a:ext cx="4773798" cy="2246769"/>
+            <a:off x="179980" y="1718812"/>
+            <a:ext cx="6374644" cy="2345322"/>
           </a:xfrm>
           <a:prstGeom prst="rect">
             <a:avLst/>
@@ -20924,7 +23443,11 @@
           </a:bodyPr>
           <a:lstStyle/>
           <a:p>
-            <a:pPr rtl="0" fontAlgn="base"/>
+            <a:pPr rtl="0" fontAlgn="base">
+              <a:lnSpc>
+                <a:spcPct val="150000"/>
+              </a:lnSpc>
+            </a:pPr>
             <a:r>
               <a:rPr lang="en" sz="2000" b="1" dirty="0">
                 <a:solidFill>
@@ -20952,7 +23475,11 @@
             </a:r>
           </a:p>
           <a:p>
-            <a:pPr rtl="0" fontAlgn="base"/>
+            <a:pPr rtl="0" fontAlgn="base">
+              <a:lnSpc>
+                <a:spcPct val="150000"/>
+              </a:lnSpc>
+            </a:pPr>
             <a:r>
               <a:rPr lang="en-US" sz="2000" b="0" i="0" dirty="0">
                 <a:solidFill>
@@ -21006,6 +23533,9 @@
           </a:p>
           <a:p>
             <a:pPr rtl="0" fontAlgn="base">
+              <a:lnSpc>
+                <a:spcPct val="150000"/>
+              </a:lnSpc>
               <a:buFont typeface="+mj-lt"/>
               <a:buAutoNum type="arabicPeriod"/>
             </a:pPr>
@@ -21052,6 +23582,9 @@
           </a:p>
           <a:p>
             <a:pPr rtl="0" fontAlgn="base">
+              <a:lnSpc>
+                <a:spcPct val="150000"/>
+              </a:lnSpc>
               <a:buFont typeface="+mj-lt"/>
               <a:buAutoNum type="arabicPeriod" startAt="2"/>
             </a:pPr>
@@ -21098,6 +23631,40 @@
           </a:p>
         </p:txBody>
       </p:sp>
+      <p:cxnSp>
+        <p:nvCxnSpPr>
+          <p:cNvPr id="7" name="Google Shape;64;p14">
+            <a:extLst>
+              <a:ext uri="{FF2B5EF4-FFF2-40B4-BE49-F238E27FC236}">
+                <a16:creationId xmlns:a16="http://schemas.microsoft.com/office/drawing/2014/main" id="{A5B49A8F-7C06-42BE-BA92-24BEA76BD02D}"/>
+              </a:ext>
+            </a:extLst>
+          </p:cNvPr>
+          <p:cNvCxnSpPr>
+            <a:cxnSpLocks/>
+          </p:cNvCxnSpPr>
+          <p:nvPr/>
+        </p:nvCxnSpPr>
+        <p:spPr>
+          <a:xfrm>
+            <a:off x="0" y="762579"/>
+            <a:ext cx="9144000" cy="0"/>
+          </a:xfrm>
+          <a:prstGeom prst="straightConnector1">
+            <a:avLst/>
+          </a:prstGeom>
+          <a:noFill/>
+          <a:ln w="76200" cap="flat" cmpd="sng">
+            <a:solidFill>
+              <a:srgbClr val="000000"/>
+            </a:solidFill>
+            <a:prstDash val="solid"/>
+            <a:round/>
+            <a:headEnd type="none" w="med" len="med"/>
+            <a:tailEnd type="none" w="med" len="med"/>
+          </a:ln>
+        </p:spPr>
+      </p:cxnSp>
     </p:spTree>
   </p:cSld>
   <p:clrMapOvr>
@@ -21742,7 +24309,7 @@
 </p:sld>
 </file>
 
-<file path=ppt/slides/slide7.xml><?xml version="1.0" encoding="utf-8"?>
+<file path=ppt/slides/slide8.xml><?xml version="1.0" encoding="utf-8"?>
 <p:sld xmlns:a="http://schemas.openxmlformats.org/drawingml/2006/main" xmlns:r="http://schemas.openxmlformats.org/officeDocument/2006/relationships" xmlns:p="http://schemas.openxmlformats.org/presentationml/2006/main">
   <p:cSld>
     <p:spTree>
@@ -21771,8 +24338,8 @@
         </p:nvSpPr>
         <p:spPr>
           <a:xfrm>
-            <a:off x="393625" y="220475"/>
-            <a:ext cx="8520600" cy="572700"/>
+            <a:off x="0" y="70816"/>
+            <a:ext cx="9144000" cy="572700"/>
           </a:xfrm>
           <a:prstGeom prst="rect">
             <a:avLst/>
@@ -21784,7 +24351,7 @@
           </a:bodyPr>
           <a:lstStyle/>
           <a:p>
-            <a:pPr marL="0" lvl="0" indent="0" algn="l" rtl="0">
+            <a:pPr marL="0" lvl="0" indent="0" algn="ctr" rtl="0">
               <a:spcBef>
                 <a:spcPts val="0"/>
               </a:spcBef>
@@ -21795,7 +24362,7 @@
               <a:buNone/>
             </a:pPr>
             <a:r>
-              <a:rPr lang="en" sz="3020" b="1">
+              <a:rPr lang="en" sz="3020" b="1" dirty="0">
                 <a:latin typeface="Times New Roman"/>
                 <a:ea typeface="Times New Roman"/>
                 <a:cs typeface="Times New Roman"/>
@@ -21803,7 +24370,7 @@
               </a:rPr>
               <a:t>II. Pattern Recognition</a:t>
             </a:r>
-            <a:endParaRPr sz="3020" b="1">
+            <a:endParaRPr sz="3020" b="1" dirty="0">
               <a:latin typeface="Times New Roman"/>
               <a:ea typeface="Times New Roman"/>
               <a:cs typeface="Times New Roman"/>
@@ -21848,38 +24415,12 @@
             </a:pPr>
             <a:fld id="{00000000-1234-1234-1234-123412341234}" type="slidenum">
               <a:rPr lang="en"/>
-              <a:t>7</a:t>
+              <a:t>8</a:t>
             </a:fld>
             <a:endParaRPr/>
           </a:p>
         </p:txBody>
       </p:sp>
-      <p:cxnSp>
-        <p:nvCxnSpPr>
-          <p:cNvPr id="134" name="Google Shape;134;p20"/>
-          <p:cNvCxnSpPr/>
-          <p:nvPr/>
-        </p:nvCxnSpPr>
-        <p:spPr>
-          <a:xfrm>
-            <a:off x="396625" y="892350"/>
-            <a:ext cx="8514600" cy="0"/>
-          </a:xfrm>
-          <a:prstGeom prst="straightConnector1">
-            <a:avLst/>
-          </a:prstGeom>
-          <a:noFill/>
-          <a:ln w="76200" cap="flat" cmpd="sng">
-            <a:solidFill>
-              <a:srgbClr val="000000"/>
-            </a:solidFill>
-            <a:prstDash val="solid"/>
-            <a:round/>
-            <a:headEnd type="none" w="med" len="med"/>
-            <a:tailEnd type="none" w="med" len="med"/>
-          </a:ln>
-        </p:spPr>
-      </p:cxnSp>
       <p:sp>
         <p:nvSpPr>
           <p:cNvPr id="10" name="TextBox 9">
@@ -22536,8 +25077,8 @@
         </p:nvSpPr>
         <p:spPr>
           <a:xfrm>
-            <a:off x="393625" y="1033658"/>
-            <a:ext cx="3848986" cy="1015663"/>
+            <a:off x="308346" y="762579"/>
+            <a:ext cx="3848986" cy="1421992"/>
           </a:xfrm>
           <a:prstGeom prst="rect">
             <a:avLst/>
@@ -22550,6 +25091,11 @@
           </a:bodyPr>
           <a:lstStyle/>
           <a:p>
+            <a:pPr>
+              <a:lnSpc>
+                <a:spcPct val="150000"/>
+              </a:lnSpc>
+            </a:pPr>
             <a:r>
               <a:rPr lang="en-US" sz="2000" b="1" dirty="0">
                 <a:latin typeface="Times New Roman" panose="02020603050405020304" pitchFamily="18" charset="0"/>
@@ -22559,6 +25105,11 @@
             </a:r>
           </a:p>
           <a:p>
+            <a:pPr>
+              <a:lnSpc>
+                <a:spcPct val="150000"/>
+              </a:lnSpc>
+            </a:pPr>
             <a:r>
               <a:rPr lang="en-US" sz="2000" b="1" dirty="0">
                 <a:latin typeface="Times New Roman" panose="02020603050405020304" pitchFamily="18" charset="0"/>
@@ -22575,6 +25126,11 @@
             </a:r>
           </a:p>
           <a:p>
+            <a:pPr>
+              <a:lnSpc>
+                <a:spcPct val="150000"/>
+              </a:lnSpc>
+            </a:pPr>
             <a:r>
               <a:rPr lang="en-US" sz="2000" b="1" dirty="0">
                 <a:latin typeface="Times New Roman" panose="02020603050405020304" pitchFamily="18" charset="0"/>
@@ -22625,88 +25181,11 @@
           <a:lstStyle/>
           <a:p>
             <a:r>
-              <a:rPr lang="en-US" sz="1500" b="1" dirty="0" err="1">
-                <a:latin typeface="Times New Roman" panose="02020603050405020304" pitchFamily="18" charset="0"/>
-                <a:cs typeface="Times New Roman" panose="02020603050405020304" pitchFamily="18" charset="0"/>
-              </a:rPr>
-              <a:t>Tự</a:t>
-            </a:r>
-            <a:r>
               <a:rPr lang="en-US" sz="1500" b="1" dirty="0">
                 <a:latin typeface="Times New Roman" panose="02020603050405020304" pitchFamily="18" charset="0"/>
                 <a:cs typeface="Times New Roman" panose="02020603050405020304" pitchFamily="18" charset="0"/>
               </a:rPr>
-              <a:t> </a:t>
-            </a:r>
-            <a:r>
-              <a:rPr lang="en-US" sz="1500" b="1" dirty="0" err="1">
-                <a:latin typeface="Times New Roman" panose="02020603050405020304" pitchFamily="18" charset="0"/>
-                <a:cs typeface="Times New Roman" panose="02020603050405020304" pitchFamily="18" charset="0"/>
-              </a:rPr>
-              <a:t>phát</a:t>
-            </a:r>
-            <a:r>
-              <a:rPr lang="en-US" sz="1500" b="1" dirty="0">
-                <a:latin typeface="Times New Roman" panose="02020603050405020304" pitchFamily="18" charset="0"/>
-                <a:cs typeface="Times New Roman" panose="02020603050405020304" pitchFamily="18" charset="0"/>
-              </a:rPr>
-              <a:t> </a:t>
-            </a:r>
-            <a:r>
-              <a:rPr lang="en-US" sz="1500" b="1" dirty="0" err="1">
-                <a:latin typeface="Times New Roman" panose="02020603050405020304" pitchFamily="18" charset="0"/>
-                <a:cs typeface="Times New Roman" panose="02020603050405020304" pitchFamily="18" charset="0"/>
-              </a:rPr>
-              <a:t>các</a:t>
-            </a:r>
-            <a:r>
-              <a:rPr lang="en-US" sz="1500" b="1" dirty="0">
-                <a:latin typeface="Times New Roman" panose="02020603050405020304" pitchFamily="18" charset="0"/>
-                <a:cs typeface="Times New Roman" panose="02020603050405020304" pitchFamily="18" charset="0"/>
-              </a:rPr>
-              <a:t> </a:t>
-            </a:r>
-            <a:r>
-              <a:rPr lang="en-US" sz="1500" b="1" dirty="0" err="1">
-                <a:latin typeface="Times New Roman" panose="02020603050405020304" pitchFamily="18" charset="0"/>
-                <a:cs typeface="Times New Roman" panose="02020603050405020304" pitchFamily="18" charset="0"/>
-              </a:rPr>
-              <a:t>ứng</a:t>
-            </a:r>
-            <a:r>
-              <a:rPr lang="en-US" sz="1500" b="1" dirty="0">
-                <a:latin typeface="Times New Roman" panose="02020603050405020304" pitchFamily="18" charset="0"/>
-                <a:cs typeface="Times New Roman" panose="02020603050405020304" pitchFamily="18" charset="0"/>
-              </a:rPr>
-              <a:t> </a:t>
-            </a:r>
-            <a:r>
-              <a:rPr lang="en-US" sz="1500" b="1" dirty="0" err="1">
-                <a:latin typeface="Times New Roman" panose="02020603050405020304" pitchFamily="18" charset="0"/>
-                <a:cs typeface="Times New Roman" panose="02020603050405020304" pitchFamily="18" charset="0"/>
-              </a:rPr>
-              <a:t>cử</a:t>
-            </a:r>
-            <a:r>
-              <a:rPr lang="en-US" sz="1500" b="1" dirty="0">
-                <a:latin typeface="Times New Roman" panose="02020603050405020304" pitchFamily="18" charset="0"/>
-                <a:cs typeface="Times New Roman" panose="02020603050405020304" pitchFamily="18" charset="0"/>
-              </a:rPr>
-              <a:t> </a:t>
-            </a:r>
-            <a:r>
-              <a:rPr lang="en-US" sz="1500" b="1" dirty="0" err="1">
-                <a:latin typeface="Times New Roman" panose="02020603050405020304" pitchFamily="18" charset="0"/>
-                <a:cs typeface="Times New Roman" panose="02020603050405020304" pitchFamily="18" charset="0"/>
-              </a:rPr>
-              <a:t>viên</a:t>
-            </a:r>
-            <a:r>
-              <a:rPr lang="en-US" sz="1500" b="1" dirty="0">
-                <a:latin typeface="Times New Roman" panose="02020603050405020304" pitchFamily="18" charset="0"/>
-                <a:cs typeface="Times New Roman" panose="02020603050405020304" pitchFamily="18" charset="0"/>
-              </a:rPr>
-              <a:t> [2]</a:t>
+              <a:t>Self-generate candidates [2]</a:t>
             </a:r>
           </a:p>
         </p:txBody>
@@ -22740,89 +25219,49 @@
           <a:lstStyle/>
           <a:p>
             <a:r>
-              <a:rPr lang="en-US" sz="1500" b="1" dirty="0" err="1">
-                <a:latin typeface="Times New Roman" panose="02020603050405020304" pitchFamily="18" charset="0"/>
-                <a:cs typeface="Times New Roman" panose="02020603050405020304" pitchFamily="18" charset="0"/>
-              </a:rPr>
-              <a:t>Có</a:t>
-            </a:r>
-            <a:r>
               <a:rPr lang="en-US" sz="1500" b="1" dirty="0">
                 <a:latin typeface="Times New Roman" panose="02020603050405020304" pitchFamily="18" charset="0"/>
                 <a:cs typeface="Times New Roman" panose="02020603050405020304" pitchFamily="18" charset="0"/>
               </a:rPr>
-              <a:t> </a:t>
+              <a:t>Candidates available </a:t>
             </a:r>
-            <a:r>
-              <a:rPr lang="en-US" sz="1500" b="1" dirty="0" err="1">
-                <a:latin typeface="Times New Roman" panose="02020603050405020304" pitchFamily="18" charset="0"/>
-                <a:cs typeface="Times New Roman" panose="02020603050405020304" pitchFamily="18" charset="0"/>
-              </a:rPr>
-              <a:t>sẵn</a:t>
-            </a:r>
-            <a:r>
-              <a:rPr lang="en-US" sz="1500" b="1" dirty="0">
-                <a:latin typeface="Times New Roman" panose="02020603050405020304" pitchFamily="18" charset="0"/>
-                <a:cs typeface="Times New Roman" panose="02020603050405020304" pitchFamily="18" charset="0"/>
-              </a:rPr>
-              <a:t> </a:t>
-            </a:r>
-            <a:r>
-              <a:rPr lang="en-US" sz="1500" b="1" dirty="0" err="1">
-                <a:latin typeface="Times New Roman" panose="02020603050405020304" pitchFamily="18" charset="0"/>
-                <a:cs typeface="Times New Roman" panose="02020603050405020304" pitchFamily="18" charset="0"/>
-              </a:rPr>
-              <a:t>các</a:t>
-            </a:r>
-            <a:r>
-              <a:rPr lang="en-US" sz="1500" b="1" dirty="0">
-                <a:latin typeface="Times New Roman" panose="02020603050405020304" pitchFamily="18" charset="0"/>
-                <a:cs typeface="Times New Roman" panose="02020603050405020304" pitchFamily="18" charset="0"/>
-              </a:rPr>
-              <a:t> </a:t>
-            </a:r>
-            <a:r>
-              <a:rPr lang="en-US" sz="1500" b="1" dirty="0" err="1">
-                <a:latin typeface="Times New Roman" panose="02020603050405020304" pitchFamily="18" charset="0"/>
-                <a:cs typeface="Times New Roman" panose="02020603050405020304" pitchFamily="18" charset="0"/>
-              </a:rPr>
-              <a:t>ứng</a:t>
-            </a:r>
-            <a:r>
-              <a:rPr lang="en-US" sz="1500" b="1" dirty="0">
-                <a:latin typeface="Times New Roman" panose="02020603050405020304" pitchFamily="18" charset="0"/>
-                <a:cs typeface="Times New Roman" panose="02020603050405020304" pitchFamily="18" charset="0"/>
-              </a:rPr>
-              <a:t> </a:t>
-            </a:r>
-            <a:r>
-              <a:rPr lang="en-US" sz="1500" b="1" dirty="0" err="1">
-                <a:latin typeface="Times New Roman" panose="02020603050405020304" pitchFamily="18" charset="0"/>
-                <a:cs typeface="Times New Roman" panose="02020603050405020304" pitchFamily="18" charset="0"/>
-              </a:rPr>
-              <a:t>cử</a:t>
-            </a:r>
-            <a:r>
-              <a:rPr lang="en-US" sz="1500" b="1" dirty="0">
-                <a:latin typeface="Times New Roman" panose="02020603050405020304" pitchFamily="18" charset="0"/>
-                <a:cs typeface="Times New Roman" panose="02020603050405020304" pitchFamily="18" charset="0"/>
-              </a:rPr>
-              <a:t> </a:t>
-            </a:r>
-            <a:r>
-              <a:rPr lang="en-US" sz="1500" b="1" dirty="0" err="1">
-                <a:latin typeface="Times New Roman" panose="02020603050405020304" pitchFamily="18" charset="0"/>
-                <a:cs typeface="Times New Roman" panose="02020603050405020304" pitchFamily="18" charset="0"/>
-              </a:rPr>
-              <a:t>viên</a:t>
-            </a:r>
-            <a:endParaRPr lang="en-US" sz="1500" b="1" dirty="0">
-              <a:latin typeface="Times New Roman" panose="02020603050405020304" pitchFamily="18" charset="0"/>
-              <a:cs typeface="Times New Roman" panose="02020603050405020304" pitchFamily="18" charset="0"/>
-            </a:endParaRPr>
           </a:p>
         </p:txBody>
       </p:sp>
+      <p:cxnSp>
+        <p:nvCxnSpPr>
+          <p:cNvPr id="12" name="Google Shape;64;p14">
+            <a:extLst>
+              <a:ext uri="{FF2B5EF4-FFF2-40B4-BE49-F238E27FC236}">
+                <a16:creationId xmlns:a16="http://schemas.microsoft.com/office/drawing/2014/main" id="{FD9F113A-E611-49AE-A0A9-7D2780A9A361}"/>
+              </a:ext>
+            </a:extLst>
+          </p:cNvPr>
+          <p:cNvCxnSpPr>
+            <a:cxnSpLocks/>
+          </p:cNvCxnSpPr>
+          <p:nvPr/>
+        </p:nvCxnSpPr>
+        <p:spPr>
+          <a:xfrm>
+            <a:off x="0" y="762579"/>
+            <a:ext cx="9144000" cy="0"/>
+          </a:xfrm>
+          <a:prstGeom prst="straightConnector1">
+            <a:avLst/>
+          </a:prstGeom>
+          <a:noFill/>
+          <a:ln w="76200" cap="flat" cmpd="sng">
+            <a:solidFill>
+              <a:srgbClr val="000000"/>
+            </a:solidFill>
+            <a:prstDash val="solid"/>
+            <a:round/>
+            <a:headEnd type="none" w="med" len="med"/>
+            <a:tailEnd type="none" w="med" len="med"/>
+          </a:ln>
+        </p:spPr>
+      </p:cxnSp>
     </p:spTree>
     <p:extLst>
       <p:ext uri="{BB962C8B-B14F-4D97-AF65-F5344CB8AC3E}">
@@ -23295,7 +25734,7 @@
 </p:sld>
 </file>
 
-<file path=ppt/slides/slide8.xml><?xml version="1.0" encoding="utf-8"?>
+<file path=ppt/slides/slide9.xml><?xml version="1.0" encoding="utf-8"?>
 <p:sld xmlns:a="http://schemas.openxmlformats.org/drawingml/2006/main" xmlns:r="http://schemas.openxmlformats.org/officeDocument/2006/relationships" xmlns:p="http://schemas.openxmlformats.org/presentationml/2006/main">
   <p:cSld>
     <p:spTree>
@@ -23348,38 +25787,12 @@
             </a:pPr>
             <a:fld id="{00000000-1234-1234-1234-123412341234}" type="slidenum">
               <a:rPr lang="en"/>
-              <a:t>8</a:t>
+              <a:t>9</a:t>
             </a:fld>
             <a:endParaRPr/>
           </a:p>
         </p:txBody>
       </p:sp>
-      <p:cxnSp>
-        <p:nvCxnSpPr>
-          <p:cNvPr id="114" name="Google Shape;114;p19"/>
-          <p:cNvCxnSpPr/>
-          <p:nvPr/>
-        </p:nvCxnSpPr>
-        <p:spPr>
-          <a:xfrm>
-            <a:off x="396625" y="892350"/>
-            <a:ext cx="8514600" cy="0"/>
-          </a:xfrm>
-          <a:prstGeom prst="straightConnector1">
-            <a:avLst/>
-          </a:prstGeom>
-          <a:noFill/>
-          <a:ln w="76200" cap="flat" cmpd="sng">
-            <a:solidFill>
-              <a:srgbClr val="000000"/>
-            </a:solidFill>
-            <a:prstDash val="solid"/>
-            <a:round/>
-            <a:headEnd type="none" w="med" len="med"/>
-            <a:tailEnd type="none" w="med" len="med"/>
-          </a:ln>
-        </p:spPr>
-      </p:cxnSp>
       <p:graphicFrame>
         <p:nvGraphicFramePr>
           <p:cNvPr id="115" name="Google Shape;115;p19"/>
@@ -26803,8 +29216,8 @@
         </p:nvSpPr>
         <p:spPr>
           <a:xfrm>
-            <a:off x="311688" y="290398"/>
-            <a:ext cx="8520600" cy="572700"/>
+            <a:off x="67" y="71902"/>
+            <a:ext cx="9144000" cy="572700"/>
           </a:xfrm>
           <a:prstGeom prst="rect">
             <a:avLst/>
@@ -27066,11 +29479,11 @@
             </a:lvl9pPr>
           </a:lstStyle>
           <a:p>
-            <a:pPr>
+            <a:pPr algn="ctr">
               <a:buSzPts val="990"/>
             </a:pPr>
             <a:r>
-              <a:rPr lang="en-US" sz="3020" b="1">
+              <a:rPr lang="en-US" sz="3020" b="1" dirty="0">
                 <a:latin typeface="Times New Roman"/>
                 <a:ea typeface="Times New Roman"/>
                 <a:cs typeface="Times New Roman"/>
@@ -27079,7 +29492,7 @@
               <a:t>II. Pattern Recognition: </a:t>
             </a:r>
             <a:r>
-              <a:rPr lang="en-US" sz="3020">
+              <a:rPr lang="en-US" sz="3020" dirty="0">
                 <a:latin typeface="Times New Roman"/>
                 <a:ea typeface="Times New Roman"/>
                 <a:cs typeface="Times New Roman"/>
@@ -27090,6 +29503,40 @@
           </a:p>
         </p:txBody>
       </p:sp>
+      <p:cxnSp>
+        <p:nvCxnSpPr>
+          <p:cNvPr id="18" name="Google Shape;64;p14">
+            <a:extLst>
+              <a:ext uri="{FF2B5EF4-FFF2-40B4-BE49-F238E27FC236}">
+                <a16:creationId xmlns:a16="http://schemas.microsoft.com/office/drawing/2014/main" id="{03D11E30-1384-434A-8F8F-A36B9A0234B3}"/>
+              </a:ext>
+            </a:extLst>
+          </p:cNvPr>
+          <p:cNvCxnSpPr>
+            <a:cxnSpLocks/>
+          </p:cNvCxnSpPr>
+          <p:nvPr/>
+        </p:nvCxnSpPr>
+        <p:spPr>
+          <a:xfrm>
+            <a:off x="0" y="762579"/>
+            <a:ext cx="9144000" cy="0"/>
+          </a:xfrm>
+          <a:prstGeom prst="straightConnector1">
+            <a:avLst/>
+          </a:prstGeom>
+          <a:noFill/>
+          <a:ln w="76200" cap="flat" cmpd="sng">
+            <a:solidFill>
+              <a:srgbClr val="000000"/>
+            </a:solidFill>
+            <a:prstDash val="solid"/>
+            <a:round/>
+            <a:headEnd type="none" w="med" len="med"/>
+            <a:tailEnd type="none" w="med" len="med"/>
+          </a:ln>
+        </p:spPr>
+      </p:cxnSp>
     </p:spTree>
   </p:cSld>
   <p:clrMapOvr>
@@ -28141,617 +30588,6 @@
 </p:sld>
 </file>
 
-<file path=ppt/slides/slide9.xml><?xml version="1.0" encoding="utf-8"?>
-<p:sld xmlns:a="http://schemas.openxmlformats.org/drawingml/2006/main" xmlns:r="http://schemas.openxmlformats.org/officeDocument/2006/relationships" xmlns:p="http://schemas.openxmlformats.org/presentationml/2006/main">
-  <p:cSld>
-    <p:spTree>
-      <p:nvGrpSpPr>
-        <p:cNvPr id="1" name="Shape 138"/>
-        <p:cNvGrpSpPr/>
-        <p:nvPr/>
-      </p:nvGrpSpPr>
-      <p:grpSpPr>
-        <a:xfrm>
-          <a:off x="0" y="0"/>
-          <a:ext cx="0" cy="0"/>
-          <a:chOff x="0" y="0"/>
-          <a:chExt cx="0" cy="0"/>
-        </a:xfrm>
-      </p:grpSpPr>
-      <p:sp>
-        <p:nvSpPr>
-          <p:cNvPr id="139" name="Google Shape;139;p21"/>
-          <p:cNvSpPr txBox="1">
-            <a:spLocks noGrp="1"/>
-          </p:cNvSpPr>
-          <p:nvPr>
-            <p:ph type="title"/>
-          </p:nvPr>
-        </p:nvSpPr>
-        <p:spPr>
-          <a:xfrm>
-            <a:off x="393625" y="220475"/>
-            <a:ext cx="8520600" cy="572700"/>
-          </a:xfrm>
-          <a:prstGeom prst="rect">
-            <a:avLst/>
-          </a:prstGeom>
-        </p:spPr>
-        <p:txBody>
-          <a:bodyPr spcFirstLastPara="1" wrap="square" lIns="91425" tIns="91425" rIns="91425" bIns="91425" anchor="t" anchorCtr="0">
-            <a:noAutofit/>
-          </a:bodyPr>
-          <a:lstStyle/>
-          <a:p>
-            <a:pPr marL="0" lvl="0" indent="0" algn="l" rtl="0">
-              <a:spcBef>
-                <a:spcPts val="0"/>
-              </a:spcBef>
-              <a:spcAft>
-                <a:spcPts val="0"/>
-              </a:spcAft>
-              <a:buSzPts val="990"/>
-              <a:buNone/>
-            </a:pPr>
-            <a:r>
-              <a:rPr lang="en" sz="3020" b="1">
-                <a:latin typeface="Times New Roman"/>
-                <a:ea typeface="Times New Roman"/>
-                <a:cs typeface="Times New Roman"/>
-                <a:sym typeface="Times New Roman"/>
-              </a:rPr>
-              <a:t>III. Pros and Cons</a:t>
-            </a:r>
-            <a:endParaRPr sz="3020" b="1">
-              <a:latin typeface="Times New Roman"/>
-              <a:ea typeface="Times New Roman"/>
-              <a:cs typeface="Times New Roman"/>
-              <a:sym typeface="Times New Roman"/>
-            </a:endParaRPr>
-          </a:p>
-        </p:txBody>
-      </p:sp>
-      <p:sp>
-        <p:nvSpPr>
-          <p:cNvPr id="140" name="Google Shape;140;p21"/>
-          <p:cNvSpPr txBox="1">
-            <a:spLocks noGrp="1"/>
-          </p:cNvSpPr>
-          <p:nvPr>
-            <p:ph type="sldNum" idx="12"/>
-          </p:nvPr>
-        </p:nvSpPr>
-        <p:spPr>
-          <a:xfrm>
-            <a:off x="8472458" y="4663217"/>
-            <a:ext cx="548700" cy="393600"/>
-          </a:xfrm>
-          <a:prstGeom prst="rect">
-            <a:avLst/>
-          </a:prstGeom>
-        </p:spPr>
-        <p:txBody>
-          <a:bodyPr spcFirstLastPara="1" wrap="square" lIns="91425" tIns="91425" rIns="91425" bIns="91425" anchor="ctr" anchorCtr="0">
-            <a:normAutofit/>
-          </a:bodyPr>
-          <a:lstStyle/>
-          <a:p>
-            <a:pPr marL="0" lvl="0" indent="0" algn="r" rtl="0">
-              <a:spcBef>
-                <a:spcPts val="0"/>
-              </a:spcBef>
-              <a:spcAft>
-                <a:spcPts val="0"/>
-              </a:spcAft>
-              <a:buNone/>
-            </a:pPr>
-            <a:fld id="{00000000-1234-1234-1234-123412341234}" type="slidenum">
-              <a:rPr lang="en"/>
-              <a:t>9</a:t>
-            </a:fld>
-            <a:endParaRPr/>
-          </a:p>
-        </p:txBody>
-      </p:sp>
-      <p:cxnSp>
-        <p:nvCxnSpPr>
-          <p:cNvPr id="141" name="Google Shape;141;p21"/>
-          <p:cNvCxnSpPr/>
-          <p:nvPr/>
-        </p:nvCxnSpPr>
-        <p:spPr>
-          <a:xfrm>
-            <a:off x="396625" y="892350"/>
-            <a:ext cx="8514600" cy="0"/>
-          </a:xfrm>
-          <a:prstGeom prst="straightConnector1">
-            <a:avLst/>
-          </a:prstGeom>
-          <a:noFill/>
-          <a:ln w="76200" cap="flat" cmpd="sng">
-            <a:solidFill>
-              <a:srgbClr val="000000"/>
-            </a:solidFill>
-            <a:prstDash val="solid"/>
-            <a:round/>
-            <a:headEnd type="none" w="med" len="med"/>
-            <a:tailEnd type="none" w="med" len="med"/>
-          </a:ln>
-        </p:spPr>
-      </p:cxnSp>
-      <p:graphicFrame>
-        <p:nvGraphicFramePr>
-          <p:cNvPr id="142" name="Google Shape;142;p21"/>
-          <p:cNvGraphicFramePr/>
-          <p:nvPr>
-            <p:extLst>
-              <p:ext uri="{D42A27DB-BD31-4B8C-83A1-F6EECF244321}">
-                <p14:modId xmlns:p14="http://schemas.microsoft.com/office/powerpoint/2010/main" val="1813077831"/>
-              </p:ext>
-            </p:extLst>
-          </p:nvPr>
-        </p:nvGraphicFramePr>
-        <p:xfrm>
-          <a:off x="396600" y="1284212"/>
-          <a:ext cx="8514600" cy="2897572"/>
-        </p:xfrm>
-        <a:graphic>
-          <a:graphicData uri="http://schemas.openxmlformats.org/drawingml/2006/table">
-            <a:tbl>
-              <a:tblPr>
-                <a:noFill/>
-                <a:tableStyleId>{2D2E3335-6FD7-4084-9337-1B8A8C7011F9}</a:tableStyleId>
-              </a:tblPr>
-              <a:tblGrid>
-                <a:gridCol w="4257300">
-                  <a:extLst>
-                    <a:ext uri="{9D8B030D-6E8A-4147-A177-3AD203B41FA5}">
-                      <a16:colId xmlns:a16="http://schemas.microsoft.com/office/drawing/2014/main" val="20000"/>
-                    </a:ext>
-                  </a:extLst>
-                </a:gridCol>
-                <a:gridCol w="4257300">
-                  <a:extLst>
-                    <a:ext uri="{9D8B030D-6E8A-4147-A177-3AD203B41FA5}">
-                      <a16:colId xmlns:a16="http://schemas.microsoft.com/office/drawing/2014/main" val="20001"/>
-                    </a:ext>
-                  </a:extLst>
-                </a:gridCol>
-              </a:tblGrid>
-              <a:tr h="485750">
-                <a:tc>
-                  <a:txBody>
-                    <a:bodyPr/>
-                    <a:lstStyle/>
-                    <a:p>
-                      <a:pPr marL="0" lvl="0" indent="0" algn="ctr" rtl="0">
-                        <a:spcBef>
-                          <a:spcPts val="0"/>
-                        </a:spcBef>
-                        <a:spcAft>
-                          <a:spcPts val="0"/>
-                        </a:spcAft>
-                        <a:buNone/>
-                      </a:pPr>
-                      <a:r>
-                        <a:rPr lang="en" sz="3000" b="1">
-                          <a:solidFill>
-                            <a:schemeClr val="dk1"/>
-                          </a:solidFill>
-                          <a:highlight>
-                            <a:srgbClr val="FFFFFF"/>
-                          </a:highlight>
-                          <a:latin typeface="Times New Roman"/>
-                          <a:ea typeface="Times New Roman"/>
-                          <a:cs typeface="Times New Roman"/>
-                          <a:sym typeface="Times New Roman"/>
-                        </a:rPr>
-                        <a:t>Pros </a:t>
-                      </a:r>
-                      <a:endParaRPr sz="3000" b="1"/>
-                    </a:p>
-                  </a:txBody>
-                  <a:tcPr marL="91425" marR="91425" marT="91425" marB="91425"/>
-                </a:tc>
-                <a:tc>
-                  <a:txBody>
-                    <a:bodyPr/>
-                    <a:lstStyle/>
-                    <a:p>
-                      <a:pPr marL="0" lvl="0" indent="0" algn="ctr" rtl="0">
-                        <a:spcBef>
-                          <a:spcPts val="0"/>
-                        </a:spcBef>
-                        <a:spcAft>
-                          <a:spcPts val="0"/>
-                        </a:spcAft>
-                        <a:buNone/>
-                      </a:pPr>
-                      <a:r>
-                        <a:rPr lang="en" sz="3000" b="1">
-                          <a:solidFill>
-                            <a:schemeClr val="dk1"/>
-                          </a:solidFill>
-                          <a:highlight>
-                            <a:srgbClr val="FFFFFF"/>
-                          </a:highlight>
-                          <a:latin typeface="Times New Roman"/>
-                          <a:ea typeface="Times New Roman"/>
-                          <a:cs typeface="Times New Roman"/>
-                          <a:sym typeface="Times New Roman"/>
-                        </a:rPr>
-                        <a:t>Cons </a:t>
-                      </a:r>
-                      <a:endParaRPr sz="3000" b="1"/>
-                    </a:p>
-                  </a:txBody>
-                  <a:tcPr marL="91425" marR="91425" marT="91425" marB="91425"/>
-                </a:tc>
-                <a:extLst>
-                  <a:ext uri="{0D108BD9-81ED-4DB2-BD59-A6C34878D82A}">
-                    <a16:rowId xmlns:a16="http://schemas.microsoft.com/office/drawing/2014/main" val="10000"/>
-                  </a:ext>
-                </a:extLst>
-              </a:tr>
-              <a:tr h="2009550">
-                <a:tc>
-                  <a:txBody>
-                    <a:bodyPr/>
-                    <a:lstStyle/>
-                    <a:p>
-                      <a:pPr marL="457200" lvl="0" indent="-355600" algn="just" rtl="0">
-                        <a:lnSpc>
-                          <a:spcPct val="115000"/>
-                        </a:lnSpc>
-                        <a:spcBef>
-                          <a:spcPts val="0"/>
-                        </a:spcBef>
-                        <a:spcAft>
-                          <a:spcPts val="0"/>
-                        </a:spcAft>
-                        <a:buClr>
-                          <a:schemeClr val="dk1"/>
-                        </a:buClr>
-                        <a:buSzPts val="2000"/>
-                        <a:buFont typeface="Times New Roman"/>
-                        <a:buChar char="-"/>
-                      </a:pPr>
-                      <a:r>
-                        <a:rPr lang="en" sz="2000" dirty="0">
-                          <a:solidFill>
-                            <a:schemeClr val="dk1"/>
-                          </a:solidFill>
-                          <a:highlight>
-                            <a:srgbClr val="FFFFFF"/>
-                          </a:highlight>
-                          <a:latin typeface="Times New Roman"/>
-                          <a:ea typeface="Times New Roman"/>
-                          <a:cs typeface="Times New Roman"/>
-                          <a:sym typeface="Times New Roman"/>
-                        </a:rPr>
-                        <a:t>Straightforward: easy to implement </a:t>
-                      </a:r>
-                      <a:endParaRPr sz="2000" dirty="0">
-                        <a:solidFill>
-                          <a:schemeClr val="dk1"/>
-                        </a:solidFill>
-                        <a:highlight>
-                          <a:srgbClr val="FFFFFF"/>
-                        </a:highlight>
-                        <a:latin typeface="Times New Roman"/>
-                        <a:ea typeface="Times New Roman"/>
-                        <a:cs typeface="Times New Roman"/>
-                        <a:sym typeface="Times New Roman"/>
-                      </a:endParaRPr>
-                    </a:p>
-                    <a:p>
-                      <a:pPr marL="457200" lvl="0" indent="-355600" algn="just" rtl="0">
-                        <a:lnSpc>
-                          <a:spcPct val="115000"/>
-                        </a:lnSpc>
-                        <a:spcBef>
-                          <a:spcPts val="0"/>
-                        </a:spcBef>
-                        <a:spcAft>
-                          <a:spcPts val="0"/>
-                        </a:spcAft>
-                        <a:buClr>
-                          <a:schemeClr val="dk1"/>
-                        </a:buClr>
-                        <a:buSzPts val="2000"/>
-                        <a:buFont typeface="Times New Roman"/>
-                        <a:buChar char="-"/>
-                      </a:pPr>
-                      <a:r>
-                        <a:rPr lang="en" sz="2000" dirty="0">
-                          <a:solidFill>
-                            <a:schemeClr val="dk1"/>
-                          </a:solidFill>
-                          <a:highlight>
-                            <a:srgbClr val="FFFFFF"/>
-                          </a:highlight>
-                          <a:latin typeface="Times New Roman"/>
-                          <a:ea typeface="Times New Roman"/>
-                          <a:cs typeface="Times New Roman"/>
-                          <a:sym typeface="Times New Roman"/>
-                        </a:rPr>
-                        <a:t>For some important problems, with no limitation on instance size, brute force could achieve a result with absolute accuracy. </a:t>
-                      </a:r>
-                      <a:endParaRPr sz="2000" dirty="0">
-                        <a:solidFill>
-                          <a:schemeClr val="dk1"/>
-                        </a:solidFill>
-                        <a:highlight>
-                          <a:srgbClr val="FFFFFF"/>
-                        </a:highlight>
-                        <a:latin typeface="Times New Roman"/>
-                        <a:ea typeface="Times New Roman"/>
-                        <a:cs typeface="Times New Roman"/>
-                        <a:sym typeface="Times New Roman"/>
-                      </a:endParaRPr>
-                    </a:p>
-                    <a:p>
-                      <a:pPr marL="0" lvl="0" indent="0" algn="l" rtl="0">
-                        <a:spcBef>
-                          <a:spcPts val="0"/>
-                        </a:spcBef>
-                        <a:spcAft>
-                          <a:spcPts val="0"/>
-                        </a:spcAft>
-                        <a:buNone/>
-                      </a:pPr>
-                      <a:endParaRPr dirty="0"/>
-                    </a:p>
-                  </a:txBody>
-                  <a:tcPr marL="91425" marR="91425" marT="91425" marB="91425"/>
-                </a:tc>
-                <a:tc>
-                  <a:txBody>
-                    <a:bodyPr/>
-                    <a:lstStyle/>
-                    <a:p>
-                      <a:pPr marL="457200" lvl="0" indent="-355600" algn="just" rtl="0">
-                        <a:lnSpc>
-                          <a:spcPct val="115000"/>
-                        </a:lnSpc>
-                        <a:spcBef>
-                          <a:spcPts val="0"/>
-                        </a:spcBef>
-                        <a:spcAft>
-                          <a:spcPts val="0"/>
-                        </a:spcAft>
-                        <a:buClr>
-                          <a:schemeClr val="dk1"/>
-                        </a:buClr>
-                        <a:buSzPts val="2000"/>
-                        <a:buFont typeface="Times New Roman"/>
-                        <a:buChar char="-"/>
-                      </a:pPr>
-                      <a:r>
-                        <a:rPr lang="en" sz="2000" dirty="0">
-                          <a:solidFill>
-                            <a:schemeClr val="dk1"/>
-                          </a:solidFill>
-                          <a:highlight>
-                            <a:srgbClr val="FFFFFF"/>
-                          </a:highlight>
-                          <a:latin typeface="Times New Roman"/>
-                          <a:ea typeface="Times New Roman"/>
-                          <a:cs typeface="Times New Roman"/>
-                          <a:sym typeface="Times New Roman"/>
-                        </a:rPr>
-                        <a:t>Take too much time to execute </a:t>
-                      </a:r>
-                      <a:endParaRPr sz="2000" dirty="0">
-                        <a:solidFill>
-                          <a:schemeClr val="dk1"/>
-                        </a:solidFill>
-                        <a:highlight>
-                          <a:srgbClr val="FFFFFF"/>
-                        </a:highlight>
-                        <a:latin typeface="Times New Roman"/>
-                        <a:ea typeface="Times New Roman"/>
-                        <a:cs typeface="Times New Roman"/>
-                        <a:sym typeface="Times New Roman"/>
-                      </a:endParaRPr>
-                    </a:p>
-                    <a:p>
-                      <a:pPr marL="457200" lvl="0" indent="-355600" algn="just" rtl="0">
-                        <a:lnSpc>
-                          <a:spcPct val="115000"/>
-                        </a:lnSpc>
-                        <a:spcBef>
-                          <a:spcPts val="0"/>
-                        </a:spcBef>
-                        <a:spcAft>
-                          <a:spcPts val="0"/>
-                        </a:spcAft>
-                        <a:buClr>
-                          <a:schemeClr val="dk1"/>
-                        </a:buClr>
-                        <a:buSzPts val="2000"/>
-                        <a:buFont typeface="Times New Roman"/>
-                        <a:buChar char="-"/>
-                      </a:pPr>
-                      <a:r>
-                        <a:rPr lang="en" sz="2000" dirty="0">
-                          <a:solidFill>
-                            <a:schemeClr val="dk1"/>
-                          </a:solidFill>
-                          <a:highlight>
-                            <a:srgbClr val="FFFFFF"/>
-                          </a:highlight>
-                          <a:latin typeface="Times New Roman"/>
-                          <a:ea typeface="Times New Roman"/>
-                          <a:cs typeface="Times New Roman"/>
-                          <a:sym typeface="Times New Roman"/>
-                        </a:rPr>
-                        <a:t>Brute force can not applied to most real-world problems. (Ex: In real-life, we cannot try all solutions to find the suitable answer for our problem)</a:t>
-                      </a:r>
-                      <a:endParaRPr sz="2100" dirty="0"/>
-                    </a:p>
-                  </a:txBody>
-                  <a:tcPr marL="91425" marR="91425" marT="91425" marB="91425"/>
-                </a:tc>
-                <a:extLst>
-                  <a:ext uri="{0D108BD9-81ED-4DB2-BD59-A6C34878D82A}">
-                    <a16:rowId xmlns:a16="http://schemas.microsoft.com/office/drawing/2014/main" val="10001"/>
-                  </a:ext>
-                </a:extLst>
-              </a:tr>
-            </a:tbl>
-          </a:graphicData>
-        </a:graphic>
-      </p:graphicFrame>
-    </p:spTree>
-  </p:cSld>
-  <p:clrMapOvr>
-    <a:masterClrMapping/>
-  </p:clrMapOvr>
-  <mc:AlternateContent xmlns:mc="http://schemas.openxmlformats.org/markup-compatibility/2006" xmlns:p15="http://schemas.microsoft.com/office/powerpoint/2012/main">
-    <mc:Choice Requires="p15">
-      <p:transition xmlns:p14="http://schemas.microsoft.com/office/powerpoint/2010/main" spd="slow" p14:dur="1250">
-        <p15:prstTrans prst="pageCurlDouble"/>
-      </p:transition>
-    </mc:Choice>
-    <mc:Fallback xmlns="">
-      <p:transition spd="slow">
-        <p:fade/>
-      </p:transition>
-    </mc:Fallback>
-  </mc:AlternateContent>
-  <p:timing>
-    <p:tnLst>
-      <p:par>
-        <p:cTn id="1" dur="indefinite" restart="never" nodeType="tmRoot">
-          <p:childTnLst>
-            <p:seq concurrent="1" nextAc="seek">
-              <p:cTn id="2" dur="indefinite" nodeType="mainSeq">
-                <p:childTnLst>
-                  <p:par>
-                    <p:cTn id="3" fill="hold">
-                      <p:stCondLst>
-                        <p:cond delay="indefinite"/>
-                      </p:stCondLst>
-                      <p:childTnLst>
-                        <p:par>
-                          <p:cTn id="4" fill="hold">
-                            <p:stCondLst>
-                              <p:cond delay="0"/>
-                            </p:stCondLst>
-                            <p:childTnLst>
-                              <p:par>
-                                <p:cTn id="5" presetID="53" presetClass="entr" presetSubtype="16" fill="hold" nodeType="clickEffect">
-                                  <p:stCondLst>
-                                    <p:cond delay="0"/>
-                                  </p:stCondLst>
-                                  <p:childTnLst>
-                                    <p:set>
-                                      <p:cBhvr>
-                                        <p:cTn id="6" dur="1" fill="hold">
-                                          <p:stCondLst>
-                                            <p:cond delay="0"/>
-                                          </p:stCondLst>
-                                        </p:cTn>
-                                        <p:tgtEl>
-                                          <p:spTgt spid="142"/>
-                                        </p:tgtEl>
-                                        <p:attrNameLst>
-                                          <p:attrName>style.visibility</p:attrName>
-                                        </p:attrNameLst>
-                                      </p:cBhvr>
-                                      <p:to>
-                                        <p:strVal val="visible"/>
-                                      </p:to>
-                                    </p:set>
-                                    <p:anim calcmode="lin" valueType="num">
-                                      <p:cBhvr>
-                                        <p:cTn id="7" dur="500" fill="hold"/>
-                                        <p:tgtEl>
-                                          <p:spTgt spid="142"/>
-                                        </p:tgtEl>
-                                        <p:attrNameLst>
-                                          <p:attrName>ppt_w</p:attrName>
-                                        </p:attrNameLst>
-                                      </p:cBhvr>
-                                      <p:tavLst>
-                                        <p:tav tm="0">
-                                          <p:val>
-                                            <p:fltVal val="0"/>
-                                          </p:val>
-                                        </p:tav>
-                                        <p:tav tm="100000">
-                                          <p:val>
-                                            <p:strVal val="#ppt_w"/>
-                                          </p:val>
-                                        </p:tav>
-                                      </p:tavLst>
-                                    </p:anim>
-                                    <p:anim calcmode="lin" valueType="num">
-                                      <p:cBhvr>
-                                        <p:cTn id="8" dur="500" fill="hold"/>
-                                        <p:tgtEl>
-                                          <p:spTgt spid="142"/>
-                                        </p:tgtEl>
-                                        <p:attrNameLst>
-                                          <p:attrName>ppt_h</p:attrName>
-                                        </p:attrNameLst>
-                                      </p:cBhvr>
-                                      <p:tavLst>
-                                        <p:tav tm="0">
-                                          <p:val>
-                                            <p:fltVal val="0"/>
-                                          </p:val>
-                                        </p:tav>
-                                        <p:tav tm="100000">
-                                          <p:val>
-                                            <p:strVal val="#ppt_h"/>
-                                          </p:val>
-                                        </p:tav>
-                                      </p:tavLst>
-                                    </p:anim>
-                                    <p:animEffect transition="in" filter="fade">
-                                      <p:cBhvr>
-                                        <p:cTn id="9" dur="500"/>
-                                        <p:tgtEl>
-                                          <p:spTgt spid="142"/>
-                                        </p:tgtEl>
-                                      </p:cBhvr>
-                                    </p:animEffect>
-                                  </p:childTnLst>
-                                </p:cTn>
-                              </p:par>
-                            </p:childTnLst>
-                          </p:cTn>
-                        </p:par>
-                      </p:childTnLst>
-                    </p:cTn>
-                  </p:par>
-                </p:childTnLst>
-              </p:cTn>
-              <p:prevCondLst>
-                <p:cond evt="onPrev" delay="0">
-                  <p:tgtEl>
-                    <p:sldTgt/>
-                  </p:tgtEl>
-                </p:cond>
-              </p:prevCondLst>
-              <p:nextCondLst>
-                <p:cond evt="onNext" delay="0">
-                  <p:tgtEl>
-                    <p:sldTgt/>
-                  </p:tgtEl>
-                </p:cond>
-              </p:nextCondLst>
-            </p:seq>
-          </p:childTnLst>
-        </p:cTn>
-      </p:par>
-    </p:tnLst>
-  </p:timing>
-</p:sld>
-</file>
-
 <file path=ppt/theme/theme1.xml><?xml version="1.0" encoding="utf-8"?>
 <a:theme xmlns:a="http://schemas.openxmlformats.org/drawingml/2006/main" name="Simple Light">
   <a:themeElements>
@@ -29315,18 +31151,18 @@
 </file>
 
 <file path=customXml/item1.xml><?xml version="1.0" encoding="utf-8"?>
+<p:properties xmlns:p="http://schemas.microsoft.com/office/2006/metadata/properties" xmlns:xsi="http://www.w3.org/2001/XMLSchema-instance" xmlns:pc="http://schemas.microsoft.com/office/infopath/2007/PartnerControls">
+  <documentManagement/>
+</p:properties>
+</file>
+
+<file path=customXml/item2.xml><?xml version="1.0" encoding="utf-8"?>
 <?mso-contentType ?>
 <FormTemplates xmlns="http://schemas.microsoft.com/sharepoint/v3/contenttype/forms">
   <Display>DocumentLibraryForm</Display>
   <Edit>DocumentLibraryForm</Edit>
   <New>DocumentLibraryForm</New>
 </FormTemplates>
-</file>
-
-<file path=customXml/item2.xml><?xml version="1.0" encoding="utf-8"?>
-<p:properties xmlns:p="http://schemas.microsoft.com/office/2006/metadata/properties" xmlns:xsi="http://www.w3.org/2001/XMLSchema-instance" xmlns:pc="http://schemas.microsoft.com/office/infopath/2007/PartnerControls">
-  <documentManagement/>
-</p:properties>
 </file>
 
 <file path=customXml/item3.xml><?xml version="1.0" encoding="utf-8"?>
@@ -29501,14 +31337,6 @@
 </file>
 
 <file path=customXml/itemProps1.xml><?xml version="1.0" encoding="utf-8"?>
-<ds:datastoreItem xmlns:ds="http://schemas.openxmlformats.org/officeDocument/2006/customXml" ds:itemID="{180FAB0C-33EC-40EB-BC1E-7300DEBBD672}">
-  <ds:schemaRefs>
-    <ds:schemaRef ds:uri="http://schemas.microsoft.com/sharepoint/v3/contenttype/forms"/>
-  </ds:schemaRefs>
-</ds:datastoreItem>
-</file>
-
-<file path=customXml/itemProps2.xml><?xml version="1.0" encoding="utf-8"?>
 <ds:datastoreItem xmlns:ds="http://schemas.openxmlformats.org/officeDocument/2006/customXml" ds:itemID="{B2EF7EA5-9D85-4321-AE7A-55E3729725E8}">
   <ds:schemaRefs>
     <ds:schemaRef ds:uri="http://purl.org/dc/elements/1.1/"/>
@@ -29521,6 +31349,14 @@
     <ds:schemaRef ds:uri="944de4f3-dbe6-4d0a-84b7-a9b6a222d4b6"/>
     <ds:schemaRef ds:uri="55a8854a-3e1e-42a7-978b-da2846a19bec"/>
     <ds:schemaRef ds:uri="http://www.w3.org/XML/1998/namespace"/>
+  </ds:schemaRefs>
+</ds:datastoreItem>
+</file>
+
+<file path=customXml/itemProps2.xml><?xml version="1.0" encoding="utf-8"?>
+<ds:datastoreItem xmlns:ds="http://schemas.openxmlformats.org/officeDocument/2006/customXml" ds:itemID="{180FAB0C-33EC-40EB-BC1E-7300DEBBD672}">
+  <ds:schemaRefs>
+    <ds:schemaRef ds:uri="http://schemas.microsoft.com/sharepoint/v3/contenttype/forms"/>
   </ds:schemaRefs>
 </ds:datastoreItem>
 </file>
